--- a/SeaweedFS_2.pptx
+++ b/SeaweedFS_2.pptx
@@ -5,7 +5,7 @@
     <p:sldMasterId id="2147483792" r:id="rId1"/>
   </p:sldMasterIdLst>
   <p:notesMasterIdLst>
-    <p:notesMasterId r:id="rId20"/>
+    <p:notesMasterId r:id="rId26"/>
   </p:notesMasterIdLst>
   <p:sldIdLst>
     <p:sldId id="256" r:id="rId2"/>
@@ -19,13 +19,19 @@
     <p:sldId id="284" r:id="rId10"/>
     <p:sldId id="285" r:id="rId11"/>
     <p:sldId id="274" r:id="rId12"/>
-    <p:sldId id="275" r:id="rId13"/>
-    <p:sldId id="276" r:id="rId14"/>
-    <p:sldId id="277" r:id="rId15"/>
-    <p:sldId id="278" r:id="rId16"/>
-    <p:sldId id="283" r:id="rId17"/>
-    <p:sldId id="279" r:id="rId18"/>
-    <p:sldId id="263" r:id="rId19"/>
+    <p:sldId id="287" r:id="rId13"/>
+    <p:sldId id="275" r:id="rId14"/>
+    <p:sldId id="276" r:id="rId15"/>
+    <p:sldId id="291" r:id="rId16"/>
+    <p:sldId id="292" r:id="rId17"/>
+    <p:sldId id="289" r:id="rId18"/>
+    <p:sldId id="277" r:id="rId19"/>
+    <p:sldId id="283" r:id="rId20"/>
+    <p:sldId id="279" r:id="rId21"/>
+    <p:sldId id="288" r:id="rId22"/>
+    <p:sldId id="293" r:id="rId23"/>
+    <p:sldId id="294" r:id="rId24"/>
+    <p:sldId id="263" r:id="rId25"/>
   </p:sldIdLst>
   <p:sldSz cx="12192000" cy="6858000"/>
   <p:notesSz cx="6858000" cy="9144000"/>
@@ -140,12 +146,18 @@
             <p14:sldId id="284"/>
             <p14:sldId id="285"/>
             <p14:sldId id="274"/>
+            <p14:sldId id="287"/>
             <p14:sldId id="275"/>
             <p14:sldId id="276"/>
+            <p14:sldId id="291"/>
+            <p14:sldId id="292"/>
+            <p14:sldId id="289"/>
             <p14:sldId id="277"/>
-            <p14:sldId id="278"/>
             <p14:sldId id="283"/>
             <p14:sldId id="279"/>
+            <p14:sldId id="288"/>
+            <p14:sldId id="293"/>
+            <p14:sldId id="294"/>
             <p14:sldId id="263"/>
           </p14:sldIdLst>
         </p14:section>
@@ -240,7 +252,7 @@
           <a:p>
             <a:fld id="{F4EA02E5-E721-49EC-8C9E-831D4F1F80C1}" type="datetimeFigureOut">
               <a:rPr lang="en-US" smtClean="0"/>
-              <a:t>5/20/2025</a:t>
+              <a:t>5/21/2025</a:t>
             </a:fld>
             <a:endParaRPr lang="en-US"/>
           </a:p>
@@ -585,6 +597,378 @@
     <p:extLst>
       <p:ext uri="{BB962C8B-B14F-4D97-AF65-F5344CB8AC3E}">
         <p14:creationId xmlns:p14="http://schemas.microsoft.com/office/powerpoint/2010/main" val="1259741236"/>
+      </p:ext>
+    </p:extLst>
+  </p:cSld>
+  <p:clrMapOvr>
+    <a:masterClrMapping/>
+  </p:clrMapOvr>
+</p:notes>
+</file>
+
+<file path=ppt/notesSlides/notesSlide10.xml><?xml version="1.0" encoding="utf-8"?>
+<p:notes xmlns:a="http://schemas.openxmlformats.org/drawingml/2006/main" xmlns:r="http://schemas.openxmlformats.org/officeDocument/2006/relationships" xmlns:p="http://schemas.openxmlformats.org/presentationml/2006/main">
+  <p:cSld>
+    <p:spTree>
+      <p:nvGrpSpPr>
+        <p:cNvPr id="1" name=""/>
+        <p:cNvGrpSpPr/>
+        <p:nvPr/>
+      </p:nvGrpSpPr>
+      <p:grpSpPr>
+        <a:xfrm>
+          <a:off x="0" y="0"/>
+          <a:ext cx="0" cy="0"/>
+          <a:chOff x="0" y="0"/>
+          <a:chExt cx="0" cy="0"/>
+        </a:xfrm>
+      </p:grpSpPr>
+      <p:sp>
+        <p:nvSpPr>
+          <p:cNvPr id="2" name="Slide Image Placeholder 1"/>
+          <p:cNvSpPr>
+            <a:spLocks noGrp="1" noRot="1" noChangeAspect="1"/>
+          </p:cNvSpPr>
+          <p:nvPr>
+            <p:ph type="sldImg"/>
+          </p:nvPr>
+        </p:nvSpPr>
+        <p:spPr/>
+      </p:sp>
+      <p:sp>
+        <p:nvSpPr>
+          <p:cNvPr id="3" name="Notes Placeholder 2"/>
+          <p:cNvSpPr>
+            <a:spLocks noGrp="1"/>
+          </p:cNvSpPr>
+          <p:nvPr>
+            <p:ph type="body" idx="1"/>
+          </p:nvPr>
+        </p:nvSpPr>
+        <p:spPr/>
+        <p:txBody>
+          <a:bodyPr/>
+          <a:lstStyle/>
+          <a:p>
+            <a:endParaRPr lang="en-US" dirty="0"/>
+          </a:p>
+        </p:txBody>
+      </p:sp>
+      <p:sp>
+        <p:nvSpPr>
+          <p:cNvPr id="4" name="Slide Number Placeholder 3"/>
+          <p:cNvSpPr>
+            <a:spLocks noGrp="1"/>
+          </p:cNvSpPr>
+          <p:nvPr>
+            <p:ph type="sldNum" sz="quarter" idx="5"/>
+          </p:nvPr>
+        </p:nvSpPr>
+        <p:spPr/>
+        <p:txBody>
+          <a:bodyPr/>
+          <a:lstStyle/>
+          <a:p>
+            <a:fld id="{1D0B6432-5F7B-49C7-89E7-0B8C7DC3AE06}" type="slidenum">
+              <a:rPr lang="en-US" smtClean="0"/>
+              <a:t>16</a:t>
+            </a:fld>
+            <a:endParaRPr lang="en-US"/>
+          </a:p>
+        </p:txBody>
+      </p:sp>
+    </p:spTree>
+    <p:extLst>
+      <p:ext uri="{BB962C8B-B14F-4D97-AF65-F5344CB8AC3E}">
+        <p14:creationId xmlns:p14="http://schemas.microsoft.com/office/powerpoint/2010/main" val="1412218353"/>
+      </p:ext>
+    </p:extLst>
+  </p:cSld>
+  <p:clrMapOvr>
+    <a:masterClrMapping/>
+  </p:clrMapOvr>
+</p:notes>
+</file>
+
+<file path=ppt/notesSlides/notesSlide11.xml><?xml version="1.0" encoding="utf-8"?>
+<p:notes xmlns:a="http://schemas.openxmlformats.org/drawingml/2006/main" xmlns:r="http://schemas.openxmlformats.org/officeDocument/2006/relationships" xmlns:p="http://schemas.openxmlformats.org/presentationml/2006/main">
+  <p:cSld>
+    <p:spTree>
+      <p:nvGrpSpPr>
+        <p:cNvPr id="1" name=""/>
+        <p:cNvGrpSpPr/>
+        <p:nvPr/>
+      </p:nvGrpSpPr>
+      <p:grpSpPr>
+        <a:xfrm>
+          <a:off x="0" y="0"/>
+          <a:ext cx="0" cy="0"/>
+          <a:chOff x="0" y="0"/>
+          <a:chExt cx="0" cy="0"/>
+        </a:xfrm>
+      </p:grpSpPr>
+      <p:sp>
+        <p:nvSpPr>
+          <p:cNvPr id="2" name="Slide Image Placeholder 1"/>
+          <p:cNvSpPr>
+            <a:spLocks noGrp="1" noRot="1" noChangeAspect="1"/>
+          </p:cNvSpPr>
+          <p:nvPr>
+            <p:ph type="sldImg"/>
+          </p:nvPr>
+        </p:nvSpPr>
+        <p:spPr/>
+      </p:sp>
+      <p:sp>
+        <p:nvSpPr>
+          <p:cNvPr id="3" name="Notes Placeholder 2"/>
+          <p:cNvSpPr>
+            <a:spLocks noGrp="1"/>
+          </p:cNvSpPr>
+          <p:nvPr>
+            <p:ph type="body" idx="1"/>
+          </p:nvPr>
+        </p:nvSpPr>
+        <p:spPr/>
+        <p:txBody>
+          <a:bodyPr/>
+          <a:lstStyle/>
+          <a:p>
+            <a:endParaRPr lang="en-US" dirty="0"/>
+          </a:p>
+        </p:txBody>
+      </p:sp>
+      <p:sp>
+        <p:nvSpPr>
+          <p:cNvPr id="4" name="Slide Number Placeholder 3"/>
+          <p:cNvSpPr>
+            <a:spLocks noGrp="1"/>
+          </p:cNvSpPr>
+          <p:nvPr>
+            <p:ph type="sldNum" sz="quarter" idx="5"/>
+          </p:nvPr>
+        </p:nvSpPr>
+        <p:spPr/>
+        <p:txBody>
+          <a:bodyPr/>
+          <a:lstStyle/>
+          <a:p>
+            <a:fld id="{1D0B6432-5F7B-49C7-89E7-0B8C7DC3AE06}" type="slidenum">
+              <a:rPr lang="en-US" smtClean="0"/>
+              <a:t>17</a:t>
+            </a:fld>
+            <a:endParaRPr lang="en-US"/>
+          </a:p>
+        </p:txBody>
+      </p:sp>
+    </p:spTree>
+    <p:extLst>
+      <p:ext uri="{BB962C8B-B14F-4D97-AF65-F5344CB8AC3E}">
+        <p14:creationId xmlns:p14="http://schemas.microsoft.com/office/powerpoint/2010/main" val="791578526"/>
+      </p:ext>
+    </p:extLst>
+  </p:cSld>
+  <p:clrMapOvr>
+    <a:masterClrMapping/>
+  </p:clrMapOvr>
+</p:notes>
+</file>
+
+<file path=ppt/notesSlides/notesSlide12.xml><?xml version="1.0" encoding="utf-8"?>
+<p:notes xmlns:a="http://schemas.openxmlformats.org/drawingml/2006/main" xmlns:r="http://schemas.openxmlformats.org/officeDocument/2006/relationships" xmlns:p="http://schemas.openxmlformats.org/presentationml/2006/main">
+  <p:cSld>
+    <p:spTree>
+      <p:nvGrpSpPr>
+        <p:cNvPr id="1" name=""/>
+        <p:cNvGrpSpPr/>
+        <p:nvPr/>
+      </p:nvGrpSpPr>
+      <p:grpSpPr>
+        <a:xfrm>
+          <a:off x="0" y="0"/>
+          <a:ext cx="0" cy="0"/>
+          <a:chOff x="0" y="0"/>
+          <a:chExt cx="0" cy="0"/>
+        </a:xfrm>
+      </p:grpSpPr>
+      <p:sp>
+        <p:nvSpPr>
+          <p:cNvPr id="2" name="Slide Image Placeholder 1"/>
+          <p:cNvSpPr>
+            <a:spLocks noGrp="1" noRot="1" noChangeAspect="1"/>
+          </p:cNvSpPr>
+          <p:nvPr>
+            <p:ph type="sldImg"/>
+          </p:nvPr>
+        </p:nvSpPr>
+        <p:spPr/>
+      </p:sp>
+      <p:sp>
+        <p:nvSpPr>
+          <p:cNvPr id="3" name="Notes Placeholder 2"/>
+          <p:cNvSpPr>
+            <a:spLocks noGrp="1"/>
+          </p:cNvSpPr>
+          <p:nvPr>
+            <p:ph type="body" idx="1"/>
+          </p:nvPr>
+        </p:nvSpPr>
+        <p:spPr/>
+        <p:txBody>
+          <a:bodyPr/>
+          <a:lstStyle/>
+          <a:p>
+            <a:r>
+              <a:rPr lang="en-US" dirty="0"/>
+              <a:t>Backup folders and files under filer </a:t>
+            </a:r>
+            <a:r>
+              <a:rPr lang="en-US" dirty="0" err="1"/>
+              <a:t>dir</a:t>
+            </a:r>
+            <a:r>
+              <a:rPr lang="en-US" dirty="0"/>
+              <a:t> (including meta data): https://github.com/seaweedfs/seaweedfs/wiki/Async-Backup</a:t>
+            </a:r>
+          </a:p>
+          <a:p>
+            <a:r>
+              <a:rPr lang="sv-SE" dirty="0"/>
+              <a:t>Backup filer metadata store: https://github.com/seaweedfs/seaweedfs/wiki/Async-Filer-Metadata-Backup</a:t>
+            </a:r>
+          </a:p>
+          <a:p>
+            <a:r>
+              <a:rPr lang="en-US" dirty="0"/>
+              <a:t>Backup volume data (manual backup data by volume ID): https://github.com/seaweedfs/seaweedfs/wiki/Data-Backup</a:t>
+            </a:r>
+            <a:endParaRPr lang="sv-SE" dirty="0"/>
+          </a:p>
+          <a:p>
+            <a:r>
+              <a:rPr lang="en-US" dirty="0"/>
+              <a:t>Backup PVCs: https://github.com/seaweedfs/seaweedfs/wiki/Kubernetes-Backups-and-Recovery-with-K8up</a:t>
+            </a:r>
+          </a:p>
+          <a:p>
+            <a:endParaRPr lang="en-US" dirty="0"/>
+          </a:p>
+        </p:txBody>
+      </p:sp>
+      <p:sp>
+        <p:nvSpPr>
+          <p:cNvPr id="4" name="Slide Number Placeholder 3"/>
+          <p:cNvSpPr>
+            <a:spLocks noGrp="1"/>
+          </p:cNvSpPr>
+          <p:nvPr>
+            <p:ph type="sldNum" sz="quarter" idx="5"/>
+          </p:nvPr>
+        </p:nvSpPr>
+        <p:spPr/>
+        <p:txBody>
+          <a:bodyPr/>
+          <a:lstStyle/>
+          <a:p>
+            <a:fld id="{1D0B6432-5F7B-49C7-89E7-0B8C7DC3AE06}" type="slidenum">
+              <a:rPr lang="en-US" smtClean="0"/>
+              <a:t>20</a:t>
+            </a:fld>
+            <a:endParaRPr lang="en-US"/>
+          </a:p>
+        </p:txBody>
+      </p:sp>
+    </p:spTree>
+    <p:extLst>
+      <p:ext uri="{BB962C8B-B14F-4D97-AF65-F5344CB8AC3E}">
+        <p14:creationId xmlns:p14="http://schemas.microsoft.com/office/powerpoint/2010/main" val="722328209"/>
+      </p:ext>
+    </p:extLst>
+  </p:cSld>
+  <p:clrMapOvr>
+    <a:masterClrMapping/>
+  </p:clrMapOvr>
+</p:notes>
+</file>
+
+<file path=ppt/notesSlides/notesSlide13.xml><?xml version="1.0" encoding="utf-8"?>
+<p:notes xmlns:a="http://schemas.openxmlformats.org/drawingml/2006/main" xmlns:r="http://schemas.openxmlformats.org/officeDocument/2006/relationships" xmlns:p="http://schemas.openxmlformats.org/presentationml/2006/main">
+  <p:cSld>
+    <p:spTree>
+      <p:nvGrpSpPr>
+        <p:cNvPr id="1" name=""/>
+        <p:cNvGrpSpPr/>
+        <p:nvPr/>
+      </p:nvGrpSpPr>
+      <p:grpSpPr>
+        <a:xfrm>
+          <a:off x="0" y="0"/>
+          <a:ext cx="0" cy="0"/>
+          <a:chOff x="0" y="0"/>
+          <a:chExt cx="0" cy="0"/>
+        </a:xfrm>
+      </p:grpSpPr>
+      <p:sp>
+        <p:nvSpPr>
+          <p:cNvPr id="2" name="Slide Image Placeholder 1"/>
+          <p:cNvSpPr>
+            <a:spLocks noGrp="1" noRot="1" noChangeAspect="1"/>
+          </p:cNvSpPr>
+          <p:nvPr>
+            <p:ph type="sldImg"/>
+          </p:nvPr>
+        </p:nvSpPr>
+        <p:spPr/>
+      </p:sp>
+      <p:sp>
+        <p:nvSpPr>
+          <p:cNvPr id="3" name="Notes Placeholder 2"/>
+          <p:cNvSpPr>
+            <a:spLocks noGrp="1"/>
+          </p:cNvSpPr>
+          <p:nvPr>
+            <p:ph type="body" idx="1"/>
+          </p:nvPr>
+        </p:nvSpPr>
+        <p:spPr/>
+        <p:txBody>
+          <a:bodyPr/>
+          <a:lstStyle/>
+          <a:p>
+            <a:r>
+              <a:rPr lang="en-US" dirty="0"/>
+              <a:t>https://github.com/seaweedfs/seaweedfs/wiki/System-Metrics</a:t>
+            </a:r>
+          </a:p>
+        </p:txBody>
+      </p:sp>
+      <p:sp>
+        <p:nvSpPr>
+          <p:cNvPr id="4" name="Slide Number Placeholder 3"/>
+          <p:cNvSpPr>
+            <a:spLocks noGrp="1"/>
+          </p:cNvSpPr>
+          <p:nvPr>
+            <p:ph type="sldNum" sz="quarter" idx="5"/>
+          </p:nvPr>
+        </p:nvSpPr>
+        <p:spPr/>
+        <p:txBody>
+          <a:bodyPr/>
+          <a:lstStyle/>
+          <a:p>
+            <a:fld id="{1D0B6432-5F7B-49C7-89E7-0B8C7DC3AE06}" type="slidenum">
+              <a:rPr lang="en-US" smtClean="0"/>
+              <a:t>21</a:t>
+            </a:fld>
+            <a:endParaRPr lang="en-US"/>
+          </a:p>
+        </p:txBody>
+      </p:sp>
+    </p:spTree>
+    <p:extLst>
+      <p:ext uri="{BB962C8B-B14F-4D97-AF65-F5344CB8AC3E}">
+        <p14:creationId xmlns:p14="http://schemas.microsoft.com/office/powerpoint/2010/main" val="4036028161"/>
       </p:ext>
     </p:extLst>
   </p:cSld>
@@ -1206,6 +1590,93 @@
 </p:notes>
 </file>
 
+<file path=ppt/notesSlides/notesSlide9.xml><?xml version="1.0" encoding="utf-8"?>
+<p:notes xmlns:a="http://schemas.openxmlformats.org/drawingml/2006/main" xmlns:r="http://schemas.openxmlformats.org/officeDocument/2006/relationships" xmlns:p="http://schemas.openxmlformats.org/presentationml/2006/main">
+  <p:cSld>
+    <p:spTree>
+      <p:nvGrpSpPr>
+        <p:cNvPr id="1" name=""/>
+        <p:cNvGrpSpPr/>
+        <p:nvPr/>
+      </p:nvGrpSpPr>
+      <p:grpSpPr>
+        <a:xfrm>
+          <a:off x="0" y="0"/>
+          <a:ext cx="0" cy="0"/>
+          <a:chOff x="0" y="0"/>
+          <a:chExt cx="0" cy="0"/>
+        </a:xfrm>
+      </p:grpSpPr>
+      <p:sp>
+        <p:nvSpPr>
+          <p:cNvPr id="2" name="Slide Image Placeholder 1"/>
+          <p:cNvSpPr>
+            <a:spLocks noGrp="1" noRot="1" noChangeAspect="1"/>
+          </p:cNvSpPr>
+          <p:nvPr>
+            <p:ph type="sldImg"/>
+          </p:nvPr>
+        </p:nvSpPr>
+        <p:spPr/>
+      </p:sp>
+      <p:sp>
+        <p:nvSpPr>
+          <p:cNvPr id="3" name="Notes Placeholder 2"/>
+          <p:cNvSpPr>
+            <a:spLocks noGrp="1"/>
+          </p:cNvSpPr>
+          <p:nvPr>
+            <p:ph type="body" idx="1"/>
+          </p:nvPr>
+        </p:nvSpPr>
+        <p:spPr/>
+        <p:txBody>
+          <a:bodyPr/>
+          <a:lstStyle/>
+          <a:p>
+            <a:r>
+              <a:rPr lang="en-US" dirty="0"/>
+              <a:t>https://github.com/seaweedfs/seaweedfs/wiki/Filer-Server-API</a:t>
+            </a:r>
+          </a:p>
+        </p:txBody>
+      </p:sp>
+      <p:sp>
+        <p:nvSpPr>
+          <p:cNvPr id="4" name="Slide Number Placeholder 3"/>
+          <p:cNvSpPr>
+            <a:spLocks noGrp="1"/>
+          </p:cNvSpPr>
+          <p:nvPr>
+            <p:ph type="sldNum" sz="quarter" idx="5"/>
+          </p:nvPr>
+        </p:nvSpPr>
+        <p:spPr/>
+        <p:txBody>
+          <a:bodyPr/>
+          <a:lstStyle/>
+          <a:p>
+            <a:fld id="{1D0B6432-5F7B-49C7-89E7-0B8C7DC3AE06}" type="slidenum">
+              <a:rPr lang="en-US" smtClean="0"/>
+              <a:t>12</a:t>
+            </a:fld>
+            <a:endParaRPr lang="en-US"/>
+          </a:p>
+        </p:txBody>
+      </p:sp>
+    </p:spTree>
+    <p:extLst>
+      <p:ext uri="{BB962C8B-B14F-4D97-AF65-F5344CB8AC3E}">
+        <p14:creationId xmlns:p14="http://schemas.microsoft.com/office/powerpoint/2010/main" val="571485996"/>
+      </p:ext>
+    </p:extLst>
+  </p:cSld>
+  <p:clrMapOvr>
+    <a:masterClrMapping/>
+  </p:clrMapOvr>
+</p:notes>
+</file>
+
 <file path=ppt/slideLayouts/slideLayout1.xml><?xml version="1.0" encoding="utf-8"?>
 <p:sldLayout xmlns:a="http://schemas.openxmlformats.org/drawingml/2006/main" xmlns:r="http://schemas.openxmlformats.org/officeDocument/2006/relationships" xmlns:p="http://schemas.openxmlformats.org/presentationml/2006/main" showMasterSp="0" type="title" preserve="1">
   <p:cSld name="Title Slide">
@@ -9999,7 +10470,7 @@
           <a:p>
             <a:fld id="{E20551D8-BC34-4A3A-9222-8DAA018FDB8F}" type="datetimeFigureOut">
               <a:rPr lang="en-US" smtClean="0"/>
-              <a:t>5/20/2025</a:t>
+              <a:t>5/21/2025</a:t>
             </a:fld>
             <a:endParaRPr lang="en-US"/>
           </a:p>
@@ -10206,7 +10677,7 @@
           <a:p>
             <a:fld id="{E20551D8-BC34-4A3A-9222-8DAA018FDB8F}" type="datetimeFigureOut">
               <a:rPr lang="en-US" smtClean="0"/>
-              <a:t>5/20/2025</a:t>
+              <a:t>5/21/2025</a:t>
             </a:fld>
             <a:endParaRPr lang="en-US"/>
           </a:p>
@@ -10386,7 +10857,7 @@
           <a:p>
             <a:fld id="{E20551D8-BC34-4A3A-9222-8DAA018FDB8F}" type="datetimeFigureOut">
               <a:rPr lang="en-US" smtClean="0"/>
-              <a:t>5/20/2025</a:t>
+              <a:t>5/21/2025</a:t>
             </a:fld>
             <a:endParaRPr lang="en-US"/>
           </a:p>
@@ -10591,7 +11062,7 @@
           <a:p>
             <a:fld id="{E20551D8-BC34-4A3A-9222-8DAA018FDB8F}" type="datetimeFigureOut">
               <a:rPr lang="en-US" smtClean="0"/>
-              <a:t>5/20/2025</a:t>
+              <a:t>5/21/2025</a:t>
             </a:fld>
             <a:endParaRPr lang="en-US"/>
           </a:p>
@@ -19489,7 +19960,7 @@
           <a:p>
             <a:fld id="{E20551D8-BC34-4A3A-9222-8DAA018FDB8F}" type="datetimeFigureOut">
               <a:rPr lang="en-US" smtClean="0"/>
-              <a:t>5/20/2025</a:t>
+              <a:t>5/21/2025</a:t>
             </a:fld>
             <a:endParaRPr lang="en-US"/>
           </a:p>
@@ -19763,7 +20234,7 @@
           <a:p>
             <a:fld id="{E20551D8-BC34-4A3A-9222-8DAA018FDB8F}" type="datetimeFigureOut">
               <a:rPr lang="en-US" smtClean="0"/>
-              <a:t>5/20/2025</a:t>
+              <a:t>5/21/2025</a:t>
             </a:fld>
             <a:endParaRPr lang="en-US"/>
           </a:p>
@@ -20161,7 +20632,7 @@
           <a:p>
             <a:fld id="{E20551D8-BC34-4A3A-9222-8DAA018FDB8F}" type="datetimeFigureOut">
               <a:rPr lang="en-US" smtClean="0"/>
-              <a:t>5/20/2025</a:t>
+              <a:t>5/21/2025</a:t>
             </a:fld>
             <a:endParaRPr lang="en-US"/>
           </a:p>
@@ -20279,7 +20750,7 @@
           <a:p>
             <a:fld id="{E20551D8-BC34-4A3A-9222-8DAA018FDB8F}" type="datetimeFigureOut">
               <a:rPr lang="en-US" smtClean="0"/>
-              <a:t>5/20/2025</a:t>
+              <a:t>5/21/2025</a:t>
             </a:fld>
             <a:endParaRPr lang="en-US"/>
           </a:p>
@@ -20374,7 +20845,7 @@
           <a:p>
             <a:fld id="{E20551D8-BC34-4A3A-9222-8DAA018FDB8F}" type="datetimeFigureOut">
               <a:rPr lang="en-US" smtClean="0"/>
-              <a:t>5/20/2025</a:t>
+              <a:t>5/21/2025</a:t>
             </a:fld>
             <a:endParaRPr lang="en-US"/>
           </a:p>
@@ -20664,7 +21135,7 @@
           <a:p>
             <a:fld id="{E20551D8-BC34-4A3A-9222-8DAA018FDB8F}" type="datetimeFigureOut">
               <a:rPr lang="en-US" smtClean="0"/>
-              <a:t>5/20/2025</a:t>
+              <a:t>5/21/2025</a:t>
             </a:fld>
             <a:endParaRPr lang="en-US"/>
           </a:p>
@@ -20944,7 +21415,7 @@
           <a:p>
             <a:fld id="{E20551D8-BC34-4A3A-9222-8DAA018FDB8F}" type="datetimeFigureOut">
               <a:rPr lang="en-US" smtClean="0"/>
-              <a:t>5/20/2025</a:t>
+              <a:t>5/21/2025</a:t>
             </a:fld>
             <a:endParaRPr lang="en-US"/>
           </a:p>
@@ -21194,7 +21665,7 @@
           <a:p>
             <a:fld id="{E20551D8-BC34-4A3A-9222-8DAA018FDB8F}" type="datetimeFigureOut">
               <a:rPr lang="en-US" smtClean="0"/>
-              <a:t>5/20/2025</a:t>
+              <a:t>5/21/2025</a:t>
             </a:fld>
             <a:endParaRPr lang="en-US"/>
           </a:p>
@@ -22004,7 +22475,9 @@
         </p:nvSpPr>
         <p:spPr/>
         <p:txBody>
-          <a:bodyPr/>
+          <a:bodyPr>
+            <a:normAutofit fontScale="92500" lnSpcReduction="10000"/>
+          </a:bodyPr>
           <a:lstStyle/>
           <a:p>
             <a:r>
@@ -22019,6 +22492,9 @@
             <a:endParaRPr lang="en-US" dirty="0"/>
           </a:p>
           <a:p>
+            <a:endParaRPr lang="en-US" dirty="0"/>
+          </a:p>
+          <a:p>
             <a:r>
               <a:rPr lang="en-US" dirty="0"/>
               <a:t>- </a:t>
@@ -22053,7 +22529,7 @@
             </a:r>
             <a:r>
               <a:rPr lang="en-US" dirty="0"/>
-              <a:t> </a:t>
+              <a:t> (port 8888) </a:t>
             </a:r>
             <a:r>
               <a:rPr lang="en-US" dirty="0" err="1"/>
@@ -22210,10 +22686,152 @@
               <a:t>là</a:t>
             </a:r>
             <a:r>
-              <a:rPr lang="en-US"/>
-              <a:t> level2db</a:t>
-            </a:r>
-            <a:endParaRPr lang="en-US" dirty="0"/>
+              <a:rPr lang="en-US" dirty="0"/>
+              <a:t> level2db, </a:t>
+            </a:r>
+            <a:r>
+              <a:rPr lang="en-US" dirty="0" err="1"/>
+              <a:t>lưu</a:t>
+            </a:r>
+            <a:r>
+              <a:rPr lang="en-US" dirty="0"/>
+              <a:t> metadata local </a:t>
+            </a:r>
+            <a:r>
+              <a:rPr lang="en-US" dirty="0" err="1"/>
+              <a:t>trên</a:t>
+            </a:r>
+            <a:r>
+              <a:rPr lang="en-US" dirty="0"/>
+              <a:t> </a:t>
+            </a:r>
+            <a:r>
+              <a:rPr lang="en-US" dirty="0" err="1"/>
+              <a:t>mỗi</a:t>
+            </a:r>
+            <a:r>
+              <a:rPr lang="en-US" dirty="0"/>
+              <a:t> filer server =&gt; </a:t>
+            </a:r>
+            <a:r>
+              <a:rPr lang="en-US" dirty="0" err="1"/>
+              <a:t>chỉ</a:t>
+            </a:r>
+            <a:r>
+              <a:rPr lang="en-US" dirty="0"/>
+              <a:t> </a:t>
+            </a:r>
+            <a:r>
+              <a:rPr lang="en-US" dirty="0" err="1"/>
+              <a:t>áp</a:t>
+            </a:r>
+            <a:r>
+              <a:rPr lang="en-US" dirty="0"/>
+              <a:t> </a:t>
+            </a:r>
+            <a:r>
+              <a:rPr lang="en-US" dirty="0" err="1"/>
+              <a:t>dụng</a:t>
+            </a:r>
+            <a:r>
+              <a:rPr lang="en-US" dirty="0"/>
+              <a:t> </a:t>
+            </a:r>
+            <a:r>
+              <a:rPr lang="en-US" dirty="0" err="1"/>
+              <a:t>cho</a:t>
+            </a:r>
+            <a:r>
+              <a:rPr lang="en-US" dirty="0"/>
+              <a:t> 1 filer server</a:t>
+            </a:r>
+          </a:p>
+          <a:p>
+            <a:r>
+              <a:rPr lang="en-US" dirty="0"/>
+              <a:t>- </a:t>
+            </a:r>
+            <a:r>
+              <a:rPr lang="en-US" dirty="0" err="1"/>
+              <a:t>Nếu</a:t>
+            </a:r>
+            <a:r>
+              <a:rPr lang="en-US" dirty="0"/>
+              <a:t> </a:t>
+            </a:r>
+            <a:r>
+              <a:rPr lang="en-US" dirty="0" err="1"/>
+              <a:t>có</a:t>
+            </a:r>
+            <a:r>
+              <a:rPr lang="en-US" dirty="0"/>
+              <a:t> </a:t>
+            </a:r>
+            <a:r>
+              <a:rPr lang="en-US" dirty="0" err="1"/>
+              <a:t>nhiều</a:t>
+            </a:r>
+            <a:r>
+              <a:rPr lang="en-US" dirty="0"/>
+              <a:t> filer servers </a:t>
+            </a:r>
+            <a:r>
+              <a:rPr lang="en-US" dirty="0" err="1"/>
+              <a:t>cần</a:t>
+            </a:r>
+            <a:r>
+              <a:rPr lang="en-US" dirty="0"/>
+              <a:t> dung shared filer store: </a:t>
+            </a:r>
+            <a:r>
+              <a:rPr lang="en-US" b="1" dirty="0" err="1"/>
+              <a:t>mysql</a:t>
+            </a:r>
+            <a:r>
+              <a:rPr lang="en-US" dirty="0"/>
+              <a:t>, </a:t>
+            </a:r>
+            <a:r>
+              <a:rPr lang="en-US" dirty="0" err="1"/>
+              <a:t>postgres</a:t>
+            </a:r>
+            <a:r>
+              <a:rPr lang="en-US" dirty="0"/>
+              <a:t>, Cassandra, </a:t>
+            </a:r>
+            <a:r>
+              <a:rPr lang="en-US" dirty="0" err="1"/>
+              <a:t>redis</a:t>
+            </a:r>
+            <a:r>
+              <a:rPr lang="en-US" dirty="0"/>
+              <a:t>, </a:t>
+            </a:r>
+            <a:r>
+              <a:rPr lang="en-US" dirty="0" err="1"/>
+              <a:t>etcd</a:t>
+            </a:r>
+            <a:r>
+              <a:rPr lang="en-US" dirty="0"/>
+              <a:t>, </a:t>
+            </a:r>
+            <a:r>
+              <a:rPr lang="en-US" dirty="0" err="1"/>
+              <a:t>mongodb</a:t>
+            </a:r>
+            <a:r>
+              <a:rPr lang="en-US" dirty="0"/>
+              <a:t>, elastic7, </a:t>
+            </a:r>
+            <a:r>
+              <a:rPr lang="en-US" dirty="0" err="1"/>
+              <a:t>arrangodb</a:t>
+            </a:r>
+            <a:r>
+              <a:rPr lang="en-US" dirty="0"/>
+              <a:t>,…</a:t>
+            </a:r>
+            <a:endParaRPr lang="en-US" b="1" dirty="0"/>
           </a:p>
           <a:p>
             <a:r>
@@ -22275,7 +22893,7 @@
         </p:blipFill>
         <p:spPr>
           <a:xfrm>
-            <a:off x="1324156" y="2705210"/>
+            <a:off x="1276030" y="2772587"/>
             <a:ext cx="8550837" cy="800792"/>
           </a:xfrm>
           <a:prstGeom prst="rect">
@@ -22336,7 +22954,7 @@
           <a:p>
             <a:r>
               <a:rPr lang="en-US" dirty="0"/>
-              <a:t>5. Weed shell</a:t>
+              <a:t>4. filer server – API</a:t>
             </a:r>
           </a:p>
         </p:txBody>
@@ -22359,17 +22977,125 @@
         </p:nvSpPr>
         <p:spPr/>
         <p:txBody>
-          <a:bodyPr/>
+          <a:bodyPr>
+            <a:normAutofit/>
+          </a:bodyPr>
           <a:lstStyle/>
+          <a:p>
+            <a:r>
+              <a:rPr lang="en-US" dirty="0"/>
+              <a:t>- Create or overwrite file: [POST/PUT] /path/to/file     # auto create </a:t>
+            </a:r>
+            <a:r>
+              <a:rPr lang="en-US" dirty="0" err="1"/>
+              <a:t>dir</a:t>
+            </a:r>
+            <a:r>
+              <a:rPr lang="en-US" dirty="0"/>
+              <a:t> /path/to</a:t>
+            </a:r>
+          </a:p>
+          <a:p>
+            <a:r>
+              <a:rPr lang="en-US" dirty="0"/>
+              <a:t>- Create or append file: [POST/PUT] /path/to/</a:t>
+            </a:r>
+            <a:r>
+              <a:rPr lang="en-US" dirty="0" err="1"/>
+              <a:t>file?op</a:t>
+            </a:r>
+            <a:r>
+              <a:rPr lang="en-US" dirty="0"/>
+              <a:t>=append</a:t>
+            </a:r>
+          </a:p>
+          <a:p>
+            <a:r>
+              <a:rPr lang="en-US" dirty="0"/>
+              <a:t>- Get file content: [GET] /path/to/file</a:t>
+            </a:r>
+          </a:p>
+          <a:p>
+            <a:r>
+              <a:rPr lang="en-US" dirty="0"/>
+              <a:t>- Get JSON format sub </a:t>
+            </a:r>
+            <a:r>
+              <a:rPr lang="en-US" dirty="0" err="1"/>
+              <a:t>dir</a:t>
+            </a:r>
+            <a:r>
+              <a:rPr lang="en-US" dirty="0"/>
+              <a:t> and files listing: [GET] /path/to (Accept: application/</a:t>
+            </a:r>
+            <a:r>
+              <a:rPr lang="en-US" dirty="0" err="1"/>
+              <a:t>json</a:t>
+            </a:r>
+            <a:r>
+              <a:rPr lang="en-US" dirty="0"/>
+              <a:t>)</a:t>
+            </a:r>
+          </a:p>
+          <a:p>
+            <a:r>
+              <a:rPr lang="en-US" dirty="0"/>
+              <a:t>- Delete a file: [DELETE] /path/to/file</a:t>
+            </a:r>
+          </a:p>
+          <a:p>
+            <a:r>
+              <a:rPr lang="en-US" dirty="0"/>
+              <a:t>- Delete a folder: [DELETE] /path/to/</a:t>
+            </a:r>
+            <a:r>
+              <a:rPr lang="en-US" dirty="0" err="1"/>
+              <a:t>dir?recursive</a:t>
+            </a:r>
+            <a:r>
+              <a:rPr lang="en-US" dirty="0"/>
+              <a:t>=true</a:t>
+            </a:r>
+          </a:p>
           <a:p>
             <a:endParaRPr lang="en-US" dirty="0"/>
           </a:p>
         </p:txBody>
       </p:sp>
+      <p:pic>
+        <p:nvPicPr>
+          <p:cNvPr id="5" name="Picture 4">
+            <a:extLst>
+              <a:ext uri="{FF2B5EF4-FFF2-40B4-BE49-F238E27FC236}">
+                <a16:creationId xmlns:a16="http://schemas.microsoft.com/office/drawing/2014/main" id="{C4A90066-0FF2-8131-6355-EC0258811172}"/>
+              </a:ext>
+            </a:extLst>
+          </p:cNvPr>
+          <p:cNvPicPr>
+            <a:picLocks noChangeAspect="1"/>
+          </p:cNvPicPr>
+          <p:nvPr/>
+        </p:nvPicPr>
+        <p:blipFill>
+          <a:blip r:embed="rId3"/>
+          <a:stretch>
+            <a:fillRect/>
+          </a:stretch>
+        </p:blipFill>
+        <p:spPr>
+          <a:xfrm>
+            <a:off x="9117809" y="815839"/>
+            <a:ext cx="1752845" cy="1038370"/>
+          </a:xfrm>
+          <a:prstGeom prst="rect">
+            <a:avLst/>
+          </a:prstGeom>
+        </p:spPr>
+      </p:pic>
     </p:spTree>
     <p:extLst>
       <p:ext uri="{BB962C8B-B14F-4D97-AF65-F5344CB8AC3E}">
-        <p14:creationId xmlns:p14="http://schemas.microsoft.com/office/powerpoint/2010/main" val="2682052260"/>
+        <p14:creationId xmlns:p14="http://schemas.microsoft.com/office/powerpoint/2010/main" val="3035947602"/>
       </p:ext>
     </p:extLst>
   </p:cSld>
@@ -22419,7 +23145,7 @@
           <a:p>
             <a:r>
               <a:rPr lang="en-US" dirty="0"/>
-              <a:t>6. SEAWEEDFs K8s deployment</a:t>
+              <a:t>5. Weed shell</a:t>
             </a:r>
           </a:p>
         </p:txBody>
@@ -22445,14 +23171,355 @@
           <a:bodyPr/>
           <a:lstStyle/>
           <a:p>
-            <a:endParaRPr lang="en-US" dirty="0"/>
+            <a:r>
+              <a:rPr lang="en-US" dirty="0"/>
+              <a:t>- weed shell </a:t>
+            </a:r>
+            <a:r>
+              <a:rPr lang="en-US" dirty="0" err="1"/>
+              <a:t>một</a:t>
+            </a:r>
+            <a:r>
+              <a:rPr lang="en-US" dirty="0"/>
+              <a:t> CLI </a:t>
+            </a:r>
+            <a:r>
+              <a:rPr lang="en-US" dirty="0" err="1"/>
+              <a:t>để</a:t>
+            </a:r>
+            <a:r>
+              <a:rPr lang="en-US" dirty="0"/>
+              <a:t> </a:t>
+            </a:r>
+            <a:r>
+              <a:rPr lang="en-US" dirty="0" err="1"/>
+              <a:t>có</a:t>
+            </a:r>
+            <a:r>
+              <a:rPr lang="en-US" dirty="0"/>
+              <a:t> </a:t>
+            </a:r>
+            <a:r>
+              <a:rPr lang="en-US" dirty="0" err="1"/>
+              <a:t>thể</a:t>
+            </a:r>
+            <a:r>
+              <a:rPr lang="en-US" dirty="0"/>
+              <a:t> </a:t>
+            </a:r>
+            <a:r>
+              <a:rPr lang="en-US" dirty="0" err="1"/>
+              <a:t>thực</a:t>
+            </a:r>
+            <a:r>
+              <a:rPr lang="en-US" dirty="0"/>
+              <a:t> </a:t>
+            </a:r>
+            <a:r>
+              <a:rPr lang="en-US" dirty="0" err="1"/>
+              <a:t>hiện</a:t>
+            </a:r>
+            <a:r>
+              <a:rPr lang="en-US" dirty="0"/>
+              <a:t> </a:t>
+            </a:r>
+            <a:r>
+              <a:rPr lang="en-US" dirty="0" err="1"/>
+              <a:t>các</a:t>
+            </a:r>
+            <a:r>
+              <a:rPr lang="en-US" dirty="0"/>
+              <a:t> </a:t>
+            </a:r>
+            <a:r>
+              <a:rPr lang="en-US" dirty="0" err="1"/>
+              <a:t>lệnh</a:t>
+            </a:r>
+            <a:r>
+              <a:rPr lang="en-US" dirty="0"/>
+              <a:t> </a:t>
+            </a:r>
+            <a:r>
+              <a:rPr lang="en-US" dirty="0" err="1"/>
+              <a:t>quản</a:t>
+            </a:r>
+            <a:r>
+              <a:rPr lang="en-US" dirty="0"/>
+              <a:t> </a:t>
+            </a:r>
+            <a:r>
+              <a:rPr lang="en-US" dirty="0" err="1"/>
+              <a:t>trị</a:t>
+            </a:r>
+            <a:r>
+              <a:rPr lang="en-US" dirty="0"/>
+              <a:t> </a:t>
+            </a:r>
+            <a:r>
+              <a:rPr lang="en-US" dirty="0" err="1"/>
+              <a:t>hệ</a:t>
+            </a:r>
+            <a:r>
+              <a:rPr lang="en-US" dirty="0"/>
+              <a:t> </a:t>
+            </a:r>
+            <a:r>
+              <a:rPr lang="en-US" dirty="0" err="1"/>
+              <a:t>thống</a:t>
+            </a:r>
+            <a:r>
+              <a:rPr lang="en-US" dirty="0"/>
+              <a:t> </a:t>
+            </a:r>
+            <a:r>
+              <a:rPr lang="en-US" dirty="0" err="1"/>
+              <a:t>SeaweedFS</a:t>
+            </a:r>
+            <a:r>
+              <a:rPr lang="en-US" dirty="0"/>
+              <a:t>.</a:t>
+            </a:r>
+          </a:p>
+          <a:p>
+            <a:r>
+              <a:rPr lang="en-US" dirty="0"/>
+              <a:t>- </a:t>
+            </a:r>
+            <a:r>
+              <a:rPr lang="en-US" dirty="0" err="1"/>
+              <a:t>Là</a:t>
+            </a:r>
+            <a:r>
+              <a:rPr lang="en-US" dirty="0"/>
+              <a:t> </a:t>
+            </a:r>
+            <a:r>
+              <a:rPr lang="en-US" dirty="0" err="1"/>
+              <a:t>một</a:t>
+            </a:r>
+            <a:r>
+              <a:rPr lang="en-US" dirty="0"/>
+              <a:t> </a:t>
+            </a:r>
+            <a:r>
+              <a:rPr lang="en-US" dirty="0" err="1"/>
+              <a:t>interative</a:t>
+            </a:r>
+            <a:r>
+              <a:rPr lang="en-US" dirty="0"/>
+              <a:t> shell </a:t>
+            </a:r>
+            <a:r>
+              <a:rPr lang="en-US" dirty="0" err="1"/>
+              <a:t>đi</a:t>
+            </a:r>
+            <a:r>
+              <a:rPr lang="en-US" dirty="0"/>
+              <a:t> </a:t>
+            </a:r>
+            <a:r>
+              <a:rPr lang="en-US" dirty="0" err="1"/>
+              <a:t>kèm</a:t>
+            </a:r>
+            <a:r>
+              <a:rPr lang="en-US" dirty="0"/>
+              <a:t> </a:t>
+            </a:r>
+            <a:r>
+              <a:rPr lang="en-US" dirty="0" err="1"/>
+              <a:t>trong</a:t>
+            </a:r>
+            <a:r>
+              <a:rPr lang="en-US" dirty="0"/>
+              <a:t> binary weed</a:t>
+            </a:r>
+          </a:p>
+          <a:p>
+            <a:r>
+              <a:rPr lang="en-US" dirty="0"/>
+              <a:t>- </a:t>
+            </a:r>
+            <a:r>
+              <a:rPr lang="en-US" dirty="0" err="1"/>
+              <a:t>Các</a:t>
+            </a:r>
+            <a:r>
+              <a:rPr lang="en-US" dirty="0"/>
+              <a:t> </a:t>
+            </a:r>
+            <a:r>
+              <a:rPr lang="en-US" dirty="0" err="1"/>
+              <a:t>tập</a:t>
+            </a:r>
+            <a:r>
+              <a:rPr lang="en-US" dirty="0"/>
+              <a:t> </a:t>
+            </a:r>
+            <a:r>
+              <a:rPr lang="en-US" dirty="0" err="1"/>
+              <a:t>lệnh</a:t>
+            </a:r>
+            <a:r>
+              <a:rPr lang="en-US" dirty="0"/>
+              <a:t>: cluster.*, collection.*, </a:t>
+            </a:r>
+            <a:r>
+              <a:rPr lang="en-US" dirty="0" err="1"/>
+              <a:t>ec.</a:t>
+            </a:r>
+            <a:r>
+              <a:rPr lang="en-US" dirty="0"/>
+              <a:t>*, fs.*, mount.*, </a:t>
+            </a:r>
+            <a:r>
+              <a:rPr lang="en-US" dirty="0" err="1"/>
+              <a:t>mq</a:t>
+            </a:r>
+            <a:r>
+              <a:rPr lang="en-US" dirty="0"/>
+              <a:t>.*, remote.*, s3.*, unlock, lock, volume.*, volumeServer.* </a:t>
+            </a:r>
+          </a:p>
+          <a:p>
+            <a:r>
+              <a:rPr lang="en-US" dirty="0"/>
+              <a:t>- </a:t>
+            </a:r>
+            <a:r>
+              <a:rPr lang="en-US" dirty="0" err="1"/>
+              <a:t>Với</a:t>
+            </a:r>
+            <a:r>
+              <a:rPr lang="en-US" dirty="0"/>
+              <a:t> </a:t>
+            </a:r>
+            <a:r>
+              <a:rPr lang="en-US" dirty="0" err="1"/>
+              <a:t>những</a:t>
+            </a:r>
+            <a:r>
+              <a:rPr lang="en-US" dirty="0"/>
+              <a:t> </a:t>
+            </a:r>
+            <a:r>
+              <a:rPr lang="en-US" dirty="0" err="1"/>
+              <a:t>thao</a:t>
+            </a:r>
+            <a:r>
+              <a:rPr lang="en-US" dirty="0"/>
+              <a:t> </a:t>
+            </a:r>
+            <a:r>
+              <a:rPr lang="en-US" dirty="0" err="1"/>
+              <a:t>tác</a:t>
+            </a:r>
+            <a:r>
+              <a:rPr lang="en-US" dirty="0"/>
+              <a:t> </a:t>
+            </a:r>
+            <a:r>
+              <a:rPr lang="en-US" dirty="0" err="1"/>
+              <a:t>như</a:t>
+            </a:r>
+            <a:r>
+              <a:rPr lang="en-US" dirty="0"/>
+              <a:t> </a:t>
+            </a:r>
+            <a:r>
+              <a:rPr lang="en-US" dirty="0" err="1"/>
+              <a:t>volume.balance</a:t>
+            </a:r>
+            <a:r>
+              <a:rPr lang="en-US" dirty="0"/>
+              <a:t>, </a:t>
+            </a:r>
+            <a:r>
+              <a:rPr lang="en-US" dirty="0" err="1"/>
+              <a:t>volume.fix.replication</a:t>
+            </a:r>
+            <a:r>
+              <a:rPr lang="en-US" dirty="0"/>
+              <a:t>,… </a:t>
+            </a:r>
+            <a:r>
+              <a:rPr lang="en-US" dirty="0" err="1"/>
+              <a:t>cần</a:t>
+            </a:r>
+            <a:r>
+              <a:rPr lang="en-US" dirty="0"/>
+              <a:t> lock </a:t>
+            </a:r>
+            <a:r>
+              <a:rPr lang="en-US" dirty="0" err="1"/>
+              <a:t>trước</a:t>
+            </a:r>
+            <a:r>
+              <a:rPr lang="en-US" dirty="0"/>
+              <a:t> </a:t>
+            </a:r>
+            <a:r>
+              <a:rPr lang="en-US" dirty="0" err="1"/>
+              <a:t>để</a:t>
+            </a:r>
+            <a:r>
+              <a:rPr lang="en-US" dirty="0"/>
+              <a:t> </a:t>
+            </a:r>
+            <a:r>
+              <a:rPr lang="en-US" dirty="0" err="1"/>
+              <a:t>tránh</a:t>
+            </a:r>
+            <a:r>
+              <a:rPr lang="en-US" dirty="0"/>
+              <a:t> </a:t>
+            </a:r>
+            <a:r>
+              <a:rPr lang="en-US" dirty="0" err="1"/>
+              <a:t>xảy</a:t>
+            </a:r>
+            <a:r>
+              <a:rPr lang="en-US" dirty="0"/>
+              <a:t> </a:t>
+            </a:r>
+            <a:r>
+              <a:rPr lang="en-US" dirty="0" err="1"/>
+              <a:t>ra</a:t>
+            </a:r>
+            <a:r>
+              <a:rPr lang="en-US" dirty="0"/>
+              <a:t> </a:t>
+            </a:r>
+            <a:r>
+              <a:rPr lang="en-US" dirty="0" err="1"/>
+              <a:t>nhiều</a:t>
+            </a:r>
+            <a:r>
+              <a:rPr lang="en-US" dirty="0"/>
+              <a:t> process </a:t>
+            </a:r>
+            <a:r>
+              <a:rPr lang="en-US" dirty="0" err="1"/>
+              <a:t>đồng</a:t>
+            </a:r>
+            <a:r>
+              <a:rPr lang="en-US" dirty="0"/>
+              <a:t> </a:t>
+            </a:r>
+            <a:r>
+              <a:rPr lang="en-US" dirty="0" err="1"/>
+              <a:t>thời</a:t>
+            </a:r>
+            <a:r>
+              <a:rPr lang="en-US" dirty="0"/>
+              <a:t>.</a:t>
+            </a:r>
           </a:p>
         </p:txBody>
       </p:sp>
     </p:spTree>
     <p:extLst>
       <p:ext uri="{BB962C8B-B14F-4D97-AF65-F5344CB8AC3E}">
-        <p14:creationId xmlns:p14="http://schemas.microsoft.com/office/powerpoint/2010/main" val="3976000768"/>
+        <p14:creationId xmlns:p14="http://schemas.microsoft.com/office/powerpoint/2010/main" val="2682052260"/>
       </p:ext>
     </p:extLst>
   </p:cSld>
@@ -22479,6 +23546,36 @@
           <a:chExt cx="0" cy="0"/>
         </a:xfrm>
       </p:grpSpPr>
+      <p:pic>
+        <p:nvPicPr>
+          <p:cNvPr id="7" name="Picture 6">
+            <a:extLst>
+              <a:ext uri="{FF2B5EF4-FFF2-40B4-BE49-F238E27FC236}">
+                <a16:creationId xmlns:a16="http://schemas.microsoft.com/office/drawing/2014/main" id="{C1A0F93C-8BB5-7A14-2D94-B31203613109}"/>
+              </a:ext>
+            </a:extLst>
+          </p:cNvPr>
+          <p:cNvPicPr>
+            <a:picLocks noChangeAspect="1"/>
+          </p:cNvPicPr>
+          <p:nvPr/>
+        </p:nvPicPr>
+        <p:blipFill>
+          <a:blip r:embed="rId2"/>
+          <a:stretch>
+            <a:fillRect/>
+          </a:stretch>
+        </p:blipFill>
+        <p:spPr>
+          <a:xfrm>
+            <a:off x="7378285" y="940386"/>
+            <a:ext cx="4691793" cy="5545817"/>
+          </a:xfrm>
+          <a:prstGeom prst="rect">
+            <a:avLst/>
+          </a:prstGeom>
+        </p:spPr>
+      </p:pic>
       <p:sp>
         <p:nvSpPr>
           <p:cNvPr id="2" name="Title 1">
@@ -22495,14 +23592,19 @@
             <p:ph type="title"/>
           </p:nvPr>
         </p:nvSpPr>
-        <p:spPr/>
+        <p:spPr>
+          <a:xfrm>
+            <a:off x="1024128" y="585216"/>
+            <a:ext cx="8264251" cy="1499616"/>
+          </a:xfrm>
+        </p:spPr>
         <p:txBody>
           <a:bodyPr/>
           <a:lstStyle/>
           <a:p>
             <a:r>
               <a:rPr lang="en-US" dirty="0"/>
-              <a:t>7. SEAWEEDFs CSI</a:t>
+              <a:t>6. SEAWEEDFs K8s deployment With HA</a:t>
             </a:r>
           </a:p>
         </p:txBody>
@@ -22523,19 +23625,311 @@
             <p:ph idx="1"/>
           </p:nvPr>
         </p:nvSpPr>
-        <p:spPr/>
+        <p:spPr>
+          <a:xfrm>
+            <a:off x="658368" y="2274980"/>
+            <a:ext cx="9720073" cy="4023360"/>
+          </a:xfrm>
+        </p:spPr>
         <p:txBody>
           <a:bodyPr/>
           <a:lstStyle/>
           <a:p>
-            <a:endParaRPr lang="en-US" dirty="0"/>
+            <a:r>
+              <a:rPr lang="en-US" dirty="0"/>
+              <a:t>- </a:t>
+            </a:r>
+            <a:r>
+              <a:rPr lang="en-US" dirty="0" err="1"/>
+              <a:t>Với</a:t>
+            </a:r>
+            <a:r>
+              <a:rPr lang="en-US" dirty="0"/>
+              <a:t> </a:t>
+            </a:r>
+            <a:r>
+              <a:rPr lang="en-US" dirty="0" err="1"/>
+              <a:t>cụm</a:t>
+            </a:r>
+            <a:r>
+              <a:rPr lang="en-US" dirty="0"/>
+              <a:t> k8s 3 nodes </a:t>
+            </a:r>
+            <a:r>
+              <a:rPr lang="en-US" dirty="0" err="1"/>
+              <a:t>có</a:t>
+            </a:r>
+            <a:r>
+              <a:rPr lang="en-US" dirty="0"/>
+              <a:t> </a:t>
+            </a:r>
+            <a:r>
+              <a:rPr lang="en-US" dirty="0" err="1"/>
+              <a:t>thể</a:t>
+            </a:r>
+            <a:r>
+              <a:rPr lang="en-US" dirty="0"/>
+              <a:t> </a:t>
+            </a:r>
+            <a:r>
+              <a:rPr lang="en-US" dirty="0" err="1"/>
+              <a:t>triển</a:t>
+            </a:r>
+            <a:r>
+              <a:rPr lang="en-US" dirty="0"/>
+              <a:t> </a:t>
+            </a:r>
+            <a:r>
+              <a:rPr lang="en-US" dirty="0" err="1"/>
+              <a:t>khai</a:t>
+            </a:r>
+            <a:r>
+              <a:rPr lang="en-US" dirty="0"/>
+              <a:t>:</a:t>
+            </a:r>
+          </a:p>
+          <a:p>
+            <a:pPr marL="128016" lvl="1" indent="0">
+              <a:buNone/>
+            </a:pPr>
+            <a:r>
+              <a:rPr lang="en-US" sz="2000" dirty="0"/>
+              <a:t>+ 3 filers (</a:t>
+            </a:r>
+            <a:r>
+              <a:rPr lang="en-US" sz="2000" dirty="0" err="1"/>
+              <a:t>với</a:t>
+            </a:r>
+            <a:r>
+              <a:rPr lang="en-US" sz="2000" dirty="0"/>
+              <a:t> </a:t>
+            </a:r>
+            <a:r>
+              <a:rPr lang="en-US" sz="2000" dirty="0" err="1"/>
+              <a:t>mariadb</a:t>
+            </a:r>
+            <a:r>
+              <a:rPr lang="en-US" sz="2000" dirty="0"/>
+              <a:t> </a:t>
+            </a:r>
+            <a:r>
+              <a:rPr lang="en-US" sz="2000" dirty="0" err="1"/>
+              <a:t>làm</a:t>
+            </a:r>
+            <a:r>
+              <a:rPr lang="en-US" sz="2000" dirty="0"/>
+              <a:t> filer store)</a:t>
+            </a:r>
+          </a:p>
+          <a:p>
+            <a:pPr marL="128016" lvl="1" indent="0">
+              <a:buNone/>
+            </a:pPr>
+            <a:r>
+              <a:rPr lang="en-US" sz="2000" dirty="0"/>
+              <a:t>+ 3 masters</a:t>
+            </a:r>
+          </a:p>
+          <a:p>
+            <a:pPr marL="128016" lvl="1" indent="0">
+              <a:buNone/>
+            </a:pPr>
+            <a:r>
+              <a:rPr lang="en-US" sz="2000" dirty="0"/>
+              <a:t>+ 3 volume servers</a:t>
+            </a:r>
+          </a:p>
+          <a:p>
+            <a:pPr marL="128016" lvl="1" indent="0">
+              <a:buNone/>
+            </a:pPr>
+            <a:r>
+              <a:rPr lang="en-US" sz="2000" dirty="0"/>
+              <a:t>- Exec </a:t>
+            </a:r>
+            <a:r>
+              <a:rPr lang="en-US" sz="2000" dirty="0" err="1"/>
+              <a:t>vào</a:t>
+            </a:r>
+            <a:r>
+              <a:rPr lang="en-US" sz="2000" dirty="0"/>
+              <a:t> pod filer, master </a:t>
+            </a:r>
+            <a:r>
+              <a:rPr lang="en-US" sz="2000" dirty="0" err="1"/>
+              <a:t>hoặc</a:t>
+            </a:r>
+            <a:r>
+              <a:rPr lang="en-US" sz="2000" dirty="0"/>
+              <a:t> volume </a:t>
+            </a:r>
+            <a:r>
+              <a:rPr lang="en-US" sz="2000" dirty="0" err="1"/>
+              <a:t>để</a:t>
+            </a:r>
+            <a:r>
+              <a:rPr lang="en-US" sz="2000" dirty="0"/>
+              <a:t> </a:t>
+            </a:r>
+            <a:r>
+              <a:rPr lang="en-US" sz="2000" dirty="0" err="1"/>
+              <a:t>sử</a:t>
+            </a:r>
+            <a:r>
+              <a:rPr lang="en-US" sz="2000" dirty="0"/>
+              <a:t> </a:t>
+            </a:r>
+            <a:r>
+              <a:rPr lang="en-US" sz="2000" dirty="0" err="1"/>
+              <a:t>dụng</a:t>
+            </a:r>
+            <a:r>
+              <a:rPr lang="en-US" sz="2000" dirty="0"/>
+              <a:t> weed shell</a:t>
+            </a:r>
+          </a:p>
+          <a:p>
+            <a:pPr marL="128016" lvl="1" indent="0">
+              <a:buNone/>
+            </a:pPr>
+            <a:r>
+              <a:rPr lang="en-US" sz="2000" dirty="0"/>
+              <a:t>- Expose pod filer </a:t>
+            </a:r>
+            <a:r>
+              <a:rPr lang="en-US" sz="2000" dirty="0" err="1"/>
+              <a:t>và</a:t>
+            </a:r>
+            <a:r>
+              <a:rPr lang="en-US" sz="2000" dirty="0"/>
+              <a:t> master </a:t>
+            </a:r>
+            <a:r>
+              <a:rPr lang="en-US" sz="2000" dirty="0" err="1"/>
+              <a:t>để</a:t>
+            </a:r>
+            <a:r>
+              <a:rPr lang="en-US" sz="2000" dirty="0"/>
+              <a:t> </a:t>
+            </a:r>
+            <a:r>
+              <a:rPr lang="en-US" sz="2000" dirty="0" err="1"/>
+              <a:t>có</a:t>
+            </a:r>
+            <a:r>
+              <a:rPr lang="en-US" sz="2000" dirty="0"/>
+              <a:t> </a:t>
+            </a:r>
+            <a:r>
+              <a:rPr lang="en-US" sz="2000" dirty="0" err="1"/>
+              <a:t>thể</a:t>
+            </a:r>
+            <a:r>
+              <a:rPr lang="en-US" sz="2000" dirty="0"/>
+              <a:t> </a:t>
+            </a:r>
+            <a:r>
+              <a:rPr lang="en-US" sz="2000" dirty="0" err="1"/>
+              <a:t>truy</a:t>
+            </a:r>
+            <a:r>
+              <a:rPr lang="en-US" sz="2000" dirty="0"/>
+              <a:t> </a:t>
+            </a:r>
+            <a:r>
+              <a:rPr lang="en-US" sz="2000" dirty="0" err="1"/>
+              <a:t>cập</a:t>
+            </a:r>
+            <a:r>
+              <a:rPr lang="en-US" sz="2000" dirty="0"/>
+              <a:t> </a:t>
+            </a:r>
+            <a:r>
+              <a:rPr lang="en-US" sz="2000" dirty="0" err="1"/>
+              <a:t>giao</a:t>
+            </a:r>
+            <a:r>
+              <a:rPr lang="en-US" sz="2000" dirty="0"/>
+              <a:t> </a:t>
+            </a:r>
+            <a:r>
+              <a:rPr lang="en-US" sz="2000" dirty="0" err="1"/>
+              <a:t>diện</a:t>
+            </a:r>
+            <a:endParaRPr lang="en-US" sz="2000" dirty="0"/>
+          </a:p>
+          <a:p>
+            <a:pPr marL="128016" lvl="1" indent="0">
+              <a:buNone/>
+            </a:pPr>
+            <a:r>
+              <a:rPr lang="en-US" sz="2000" dirty="0"/>
+              <a:t>- </a:t>
+            </a:r>
+            <a:r>
+              <a:rPr lang="en-US" sz="2000" dirty="0" err="1"/>
+              <a:t>Mặc</a:t>
+            </a:r>
+            <a:r>
+              <a:rPr lang="en-US" sz="2000" dirty="0"/>
+              <a:t> </a:t>
+            </a:r>
+            <a:r>
+              <a:rPr lang="en-US" sz="2000" dirty="0" err="1"/>
+              <a:t>định</a:t>
+            </a:r>
+            <a:r>
+              <a:rPr lang="en-US" sz="2000" dirty="0"/>
+              <a:t> </a:t>
+            </a:r>
+            <a:r>
+              <a:rPr lang="en-US" sz="2000" dirty="0" err="1"/>
+              <a:t>master.volumeSizeLimitMB</a:t>
+            </a:r>
+            <a:r>
+              <a:rPr lang="en-US" sz="2000" dirty="0"/>
+              <a:t>: 1000 (default helm value)</a:t>
+            </a:r>
+          </a:p>
+          <a:p>
+            <a:pPr marL="128016" lvl="1" indent="0">
+              <a:buNone/>
+            </a:pPr>
+            <a:r>
+              <a:rPr lang="en-US" sz="2000" dirty="0"/>
+              <a:t>- </a:t>
+            </a:r>
+            <a:r>
+              <a:rPr lang="en-US" sz="2000" dirty="0" err="1"/>
+              <a:t>Mặc</a:t>
+            </a:r>
+            <a:r>
+              <a:rPr lang="en-US" sz="2000" dirty="0"/>
+              <a:t> </a:t>
+            </a:r>
+            <a:r>
+              <a:rPr lang="en-US" sz="2000" dirty="0" err="1"/>
+              <a:t>định</a:t>
+            </a:r>
+            <a:r>
+              <a:rPr lang="en-US" sz="2000" dirty="0"/>
+              <a:t> </a:t>
+            </a:r>
+            <a:r>
+              <a:rPr lang="en-US" sz="2000" dirty="0" err="1"/>
+              <a:t>volume.maxVolumes</a:t>
+            </a:r>
+            <a:r>
+              <a:rPr lang="en-US" sz="2000" dirty="0"/>
+              <a:t>: 0</a:t>
+            </a:r>
           </a:p>
         </p:txBody>
       </p:sp>
     </p:spTree>
     <p:extLst>
       <p:ext uri="{BB962C8B-B14F-4D97-AF65-F5344CB8AC3E}">
-        <p14:creationId xmlns:p14="http://schemas.microsoft.com/office/powerpoint/2010/main" val="2437479601"/>
+        <p14:creationId xmlns:p14="http://schemas.microsoft.com/office/powerpoint/2010/main" val="3976000768"/>
       </p:ext>
     </p:extLst>
   </p:cSld>
@@ -22585,40 +23979,315 @@
           <a:p>
             <a:r>
               <a:rPr lang="en-US" dirty="0"/>
-              <a:t>8. HA</a:t>
+              <a:t>6. SEAWEEDFs K8s deployment With HA</a:t>
             </a:r>
           </a:p>
         </p:txBody>
       </p:sp>
       <p:sp>
         <p:nvSpPr>
-          <p:cNvPr id="3" name="Content Placeholder 2">
+          <p:cNvPr id="10" name="TextBox 9">
             <a:extLst>
               <a:ext uri="{FF2B5EF4-FFF2-40B4-BE49-F238E27FC236}">
-                <a16:creationId xmlns:a16="http://schemas.microsoft.com/office/drawing/2014/main" id="{A1BF9DE8-18D6-7AB4-C15C-10ADFA630E82}"/>
+                <a16:creationId xmlns:a16="http://schemas.microsoft.com/office/drawing/2014/main" id="{08A49F71-0CEA-3911-3065-4041216D7271}"/>
               </a:ext>
             </a:extLst>
           </p:cNvPr>
-          <p:cNvSpPr>
-            <a:spLocks noGrp="1"/>
-          </p:cNvSpPr>
+          <p:cNvSpPr txBox="1"/>
+          <p:nvPr/>
+        </p:nvSpPr>
+        <p:spPr>
+          <a:xfrm>
+            <a:off x="321448" y="2522230"/>
+            <a:ext cx="3607086" cy="3693319"/>
+          </a:xfrm>
+          <a:prstGeom prst="rect">
+            <a:avLst/>
+          </a:prstGeom>
+          <a:noFill/>
+        </p:spPr>
+        <p:txBody>
+          <a:bodyPr wrap="square" rtlCol="0">
+            <a:spAutoFit/>
+          </a:bodyPr>
+          <a:lstStyle/>
+          <a:p>
+            <a:pPr marL="285750" indent="-285750">
+              <a:buFontTx/>
+              <a:buChar char="-"/>
+            </a:pPr>
+            <a:r>
+              <a:rPr lang="en-US" dirty="0"/>
+              <a:t>3 nodes, replica: “001”</a:t>
+            </a:r>
+          </a:p>
+          <a:p>
+            <a:pPr marL="285750" indent="-285750">
+              <a:buFont typeface="Symbol" panose="05050102010706020507" pitchFamily="18" charset="2"/>
+              <a:buChar char="Þ"/>
+            </a:pPr>
+            <a:r>
+              <a:rPr lang="en-US" dirty="0"/>
+              <a:t>1 + “0+0+1” = 2 data copies</a:t>
+            </a:r>
+          </a:p>
+          <a:p>
+            <a:pPr marL="285750" indent="-285750">
+              <a:buFont typeface="Symbol" panose="05050102010706020507" pitchFamily="18" charset="2"/>
+              <a:buChar char="Þ"/>
+            </a:pPr>
+            <a:r>
+              <a:rPr lang="en-US" dirty="0"/>
+              <a:t>Always needs 2/3 nodes alive otherwise stop write</a:t>
+            </a:r>
+          </a:p>
+          <a:p>
+            <a:pPr marL="285750" indent="-285750">
+              <a:buFont typeface="Symbol" panose="05050102010706020507" pitchFamily="18" charset="2"/>
+              <a:buChar char="Þ"/>
+            </a:pPr>
+            <a:endParaRPr lang="en-US" dirty="0"/>
+          </a:p>
+          <a:p>
+            <a:pPr marL="285750" indent="-285750">
+              <a:buFontTx/>
+              <a:buChar char="-"/>
+            </a:pPr>
+            <a:r>
+              <a:rPr lang="en-US" dirty="0"/>
+              <a:t>Khi data </a:t>
+            </a:r>
+            <a:r>
+              <a:rPr lang="en-US" dirty="0" err="1"/>
+              <a:t>chỉ</a:t>
+            </a:r>
+            <a:r>
+              <a:rPr lang="en-US" dirty="0"/>
+              <a:t> </a:t>
+            </a:r>
+            <a:r>
+              <a:rPr lang="en-US" dirty="0" err="1"/>
+              <a:t>còn</a:t>
+            </a:r>
+            <a:r>
+              <a:rPr lang="en-US" dirty="0"/>
+              <a:t> 1 </a:t>
+            </a:r>
+            <a:r>
+              <a:rPr lang="en-US" dirty="0" err="1"/>
+              <a:t>bản</a:t>
+            </a:r>
+            <a:r>
+              <a:rPr lang="en-US" dirty="0"/>
+              <a:t> copy (1/3 node down) =&gt; </a:t>
+            </a:r>
+            <a:r>
+              <a:rPr lang="en-US" dirty="0" err="1"/>
+              <a:t>cần</a:t>
+            </a:r>
+            <a:r>
+              <a:rPr lang="en-US" dirty="0"/>
+              <a:t> </a:t>
+            </a:r>
+            <a:r>
+              <a:rPr lang="en-US" dirty="0" err="1"/>
+              <a:t>chạy</a:t>
+            </a:r>
+            <a:r>
+              <a:rPr lang="en-US" dirty="0"/>
+              <a:t> maintenance </a:t>
+            </a:r>
+            <a:r>
+              <a:rPr lang="en-US" dirty="0" err="1"/>
+              <a:t>trong</a:t>
+            </a:r>
+            <a:r>
+              <a:rPr lang="en-US" dirty="0"/>
+              <a:t> weed shell:</a:t>
+            </a:r>
+          </a:p>
+          <a:p>
+            <a:pPr lvl="1"/>
+            <a:r>
+              <a:rPr lang="en-US" dirty="0"/>
+              <a:t>+ </a:t>
+            </a:r>
+            <a:r>
+              <a:rPr lang="en-US" dirty="0" err="1"/>
+              <a:t>volume.balance</a:t>
+            </a:r>
+            <a:r>
+              <a:rPr lang="en-US" dirty="0"/>
+              <a:t>: di </a:t>
+            </a:r>
+            <a:r>
+              <a:rPr lang="en-US" dirty="0" err="1"/>
+              <a:t>chuyển</a:t>
+            </a:r>
+            <a:r>
+              <a:rPr lang="en-US" dirty="0"/>
+              <a:t> </a:t>
+            </a:r>
+            <a:r>
+              <a:rPr lang="en-US" dirty="0" err="1"/>
+              <a:t>các</a:t>
+            </a:r>
+            <a:r>
+              <a:rPr lang="en-US" dirty="0"/>
+              <a:t> volume </a:t>
+            </a:r>
+            <a:r>
+              <a:rPr lang="en-US" dirty="0" err="1"/>
+              <a:t>đều</a:t>
+            </a:r>
+            <a:r>
+              <a:rPr lang="en-US" dirty="0"/>
+              <a:t> </a:t>
+            </a:r>
+            <a:r>
+              <a:rPr lang="en-US" dirty="0" err="1"/>
+              <a:t>trên</a:t>
+            </a:r>
+            <a:r>
+              <a:rPr lang="en-US" dirty="0"/>
+              <a:t> </a:t>
+            </a:r>
+            <a:r>
+              <a:rPr lang="en-US" dirty="0" err="1"/>
+              <a:t>các</a:t>
+            </a:r>
+            <a:r>
+              <a:rPr lang="en-US" dirty="0"/>
+              <a:t> volume servers, </a:t>
+            </a:r>
+            <a:r>
+              <a:rPr lang="en-US" dirty="0" err="1"/>
+              <a:t>tránh</a:t>
+            </a:r>
+            <a:r>
+              <a:rPr lang="en-US" dirty="0"/>
+              <a:t> </a:t>
+            </a:r>
+            <a:r>
+              <a:rPr lang="en-US" dirty="0" err="1"/>
+              <a:t>bị</a:t>
+            </a:r>
+            <a:r>
+              <a:rPr lang="en-US" dirty="0"/>
+              <a:t> </a:t>
+            </a:r>
+            <a:r>
+              <a:rPr lang="en-US" dirty="0" err="1"/>
+              <a:t>quá</a:t>
+            </a:r>
+            <a:r>
+              <a:rPr lang="en-US" dirty="0"/>
+              <a:t> </a:t>
+            </a:r>
+            <a:r>
+              <a:rPr lang="en-US" dirty="0" err="1"/>
+              <a:t>tải</a:t>
+            </a:r>
+            <a:endParaRPr lang="en-US" dirty="0"/>
+          </a:p>
+          <a:p>
+            <a:pPr lvl="1"/>
+            <a:r>
+              <a:rPr lang="en-US" dirty="0"/>
+              <a:t>+ </a:t>
+            </a:r>
+            <a:r>
+              <a:rPr lang="en-US" dirty="0" err="1"/>
+              <a:t>volume.fix.replication</a:t>
+            </a:r>
+            <a:r>
+              <a:rPr lang="en-US" dirty="0"/>
+              <a:t>: </a:t>
+            </a:r>
+            <a:r>
+              <a:rPr lang="en-US" dirty="0" err="1"/>
+              <a:t>tạo</a:t>
+            </a:r>
+            <a:r>
+              <a:rPr lang="en-US" dirty="0"/>
+              <a:t> </a:t>
+            </a:r>
+            <a:r>
+              <a:rPr lang="en-US" dirty="0" err="1"/>
+              <a:t>đủ</a:t>
+            </a:r>
+            <a:r>
+              <a:rPr lang="en-US" dirty="0"/>
+              <a:t> </a:t>
+            </a:r>
+            <a:r>
+              <a:rPr lang="en-US" dirty="0" err="1"/>
+              <a:t>số</a:t>
+            </a:r>
+            <a:r>
+              <a:rPr lang="en-US" dirty="0"/>
+              <a:t> </a:t>
+            </a:r>
+            <a:r>
+              <a:rPr lang="en-US" dirty="0" err="1"/>
+              <a:t>lượng</a:t>
+            </a:r>
+            <a:r>
+              <a:rPr lang="en-US" dirty="0"/>
+              <a:t> replica </a:t>
+            </a:r>
+            <a:r>
+              <a:rPr lang="en-US" dirty="0" err="1"/>
+              <a:t>cho</a:t>
+            </a:r>
+            <a:r>
+              <a:rPr lang="en-US" dirty="0"/>
+              <a:t> </a:t>
+            </a:r>
+            <a:r>
+              <a:rPr lang="en-US" dirty="0" err="1"/>
+              <a:t>mỗi</a:t>
+            </a:r>
+            <a:r>
+              <a:rPr lang="en-US" dirty="0"/>
+              <a:t> volume</a:t>
+            </a:r>
+          </a:p>
+        </p:txBody>
+      </p:sp>
+      <p:pic>
+        <p:nvPicPr>
+          <p:cNvPr id="16" name="Content Placeholder 15">
+            <a:extLst>
+              <a:ext uri="{FF2B5EF4-FFF2-40B4-BE49-F238E27FC236}">
+                <a16:creationId xmlns:a16="http://schemas.microsoft.com/office/drawing/2014/main" id="{7F58AD2B-3423-37D2-73B8-4A0B7CD50D2A}"/>
+              </a:ext>
+            </a:extLst>
+          </p:cNvPr>
+          <p:cNvPicPr>
+            <a:picLocks noGrp="1" noChangeAspect="1"/>
+          </p:cNvPicPr>
           <p:nvPr>
             <p:ph idx="1"/>
           </p:nvPr>
-        </p:nvSpPr>
-        <p:spPr/>
-        <p:txBody>
-          <a:bodyPr/>
-          <a:lstStyle/>
-          <a:p>
-            <a:endParaRPr lang="en-US" dirty="0"/>
-          </a:p>
-        </p:txBody>
-      </p:sp>
+        </p:nvPicPr>
+        <p:blipFill>
+          <a:blip r:embed="rId2"/>
+          <a:stretch>
+            <a:fillRect/>
+          </a:stretch>
+        </p:blipFill>
+        <p:spPr>
+          <a:xfrm>
+            <a:off x="4032986" y="1749927"/>
+            <a:ext cx="7911018" cy="4968505"/>
+          </a:xfrm>
+        </p:spPr>
+      </p:pic>
     </p:spTree>
     <p:extLst>
       <p:ext uri="{BB962C8B-B14F-4D97-AF65-F5344CB8AC3E}">
-        <p14:creationId xmlns:p14="http://schemas.microsoft.com/office/powerpoint/2010/main" val="855658931"/>
+        <p14:creationId xmlns:p14="http://schemas.microsoft.com/office/powerpoint/2010/main" val="2274174557"/>
       </p:ext>
     </p:extLst>
   </p:cSld>
@@ -22668,7 +24337,7 @@
           <a:p>
             <a:r>
               <a:rPr lang="en-US" dirty="0"/>
-              <a:t>9. Scalability</a:t>
+              <a:t>5. FUSE MOUNT</a:t>
             </a:r>
           </a:p>
         </p:txBody>
@@ -22689,19 +24358,238 @@
             <p:ph idx="1"/>
           </p:nvPr>
         </p:nvSpPr>
-        <p:spPr/>
+        <p:spPr>
+          <a:xfrm>
+            <a:off x="619867" y="2084832"/>
+            <a:ext cx="4982036" cy="4023360"/>
+          </a:xfrm>
+        </p:spPr>
         <p:txBody>
           <a:bodyPr/>
           <a:lstStyle/>
           <a:p>
+            <a:r>
+              <a:rPr lang="en-US" dirty="0"/>
+              <a:t>- </a:t>
+            </a:r>
+            <a:r>
+              <a:rPr lang="en-US" dirty="0" err="1"/>
+              <a:t>Sử</a:t>
+            </a:r>
+            <a:r>
+              <a:rPr lang="en-US" dirty="0"/>
+              <a:t> </a:t>
+            </a:r>
+            <a:r>
+              <a:rPr lang="en-US" dirty="0" err="1"/>
+              <a:t>dụng</a:t>
+            </a:r>
+            <a:r>
+              <a:rPr lang="en-US" dirty="0"/>
+              <a:t> weed mount </a:t>
+            </a:r>
+            <a:r>
+              <a:rPr lang="en-US" dirty="0" err="1"/>
+              <a:t>để</a:t>
+            </a:r>
+            <a:r>
+              <a:rPr lang="en-US" dirty="0"/>
+              <a:t> </a:t>
+            </a:r>
+            <a:r>
+              <a:rPr lang="en-US" dirty="0" err="1"/>
+              <a:t>chạy</a:t>
+            </a:r>
+            <a:r>
+              <a:rPr lang="en-US" dirty="0"/>
+              <a:t> process mount </a:t>
+            </a:r>
+            <a:r>
+              <a:rPr lang="en-US" dirty="0" err="1"/>
+              <a:t>hệ</a:t>
+            </a:r>
+            <a:r>
+              <a:rPr lang="en-US" dirty="0"/>
+              <a:t> </a:t>
+            </a:r>
+            <a:r>
+              <a:rPr lang="en-US" dirty="0" err="1"/>
+              <a:t>thống</a:t>
+            </a:r>
+            <a:r>
+              <a:rPr lang="en-US" dirty="0"/>
+              <a:t> file </a:t>
+            </a:r>
+            <a:r>
+              <a:rPr lang="en-US" dirty="0" err="1"/>
+              <a:t>của</a:t>
+            </a:r>
+            <a:r>
+              <a:rPr lang="en-US" dirty="0"/>
+              <a:t> filer </a:t>
+            </a:r>
+            <a:r>
+              <a:rPr lang="en-US" dirty="0" err="1"/>
+              <a:t>vào</a:t>
+            </a:r>
+            <a:r>
+              <a:rPr lang="en-US" dirty="0"/>
+              <a:t> file system </a:t>
+            </a:r>
+            <a:r>
+              <a:rPr lang="en-US" dirty="0" err="1"/>
+              <a:t>của</a:t>
+            </a:r>
+            <a:r>
+              <a:rPr lang="en-US" dirty="0"/>
+              <a:t> Linux (</a:t>
+            </a:r>
+            <a:r>
+              <a:rPr lang="en-US" dirty="0" err="1"/>
+              <a:t>và</a:t>
+            </a:r>
+            <a:r>
+              <a:rPr lang="en-US" dirty="0"/>
+              <a:t> OS X)</a:t>
+            </a:r>
+          </a:p>
+          <a:p>
+            <a:r>
+              <a:rPr lang="en-US" dirty="0"/>
+              <a:t>- </a:t>
+            </a:r>
+            <a:r>
+              <a:rPr lang="en-US" dirty="0" err="1"/>
+              <a:t>Cần</a:t>
+            </a:r>
+            <a:r>
+              <a:rPr lang="en-US" dirty="0"/>
+              <a:t> start weed master, volume </a:t>
+            </a:r>
+            <a:r>
+              <a:rPr lang="en-US" dirty="0" err="1"/>
+              <a:t>và</a:t>
+            </a:r>
+            <a:r>
+              <a:rPr lang="en-US" dirty="0"/>
+              <a:t> filer </a:t>
+            </a:r>
+            <a:r>
+              <a:rPr lang="en-US" dirty="0" err="1"/>
+              <a:t>để</a:t>
+            </a:r>
+            <a:r>
+              <a:rPr lang="en-US" dirty="0"/>
+              <a:t> </a:t>
+            </a:r>
+            <a:r>
+              <a:rPr lang="en-US" dirty="0" err="1"/>
+              <a:t>có</a:t>
+            </a:r>
+            <a:r>
+              <a:rPr lang="en-US" dirty="0"/>
+              <a:t> </a:t>
+            </a:r>
+            <a:r>
+              <a:rPr lang="en-US" dirty="0" err="1"/>
+              <a:t>thể</a:t>
+            </a:r>
+            <a:r>
+              <a:rPr lang="en-US" dirty="0"/>
+              <a:t> </a:t>
+            </a:r>
+            <a:r>
+              <a:rPr lang="en-US" dirty="0" err="1"/>
+              <a:t>chạy</a:t>
+            </a:r>
+            <a:r>
+              <a:rPr lang="en-US" dirty="0"/>
+              <a:t> weed mount.</a:t>
+            </a:r>
+          </a:p>
+          <a:p>
+            <a:pPr marL="0" indent="0">
+              <a:buNone/>
+            </a:pPr>
             <a:endParaRPr lang="en-US" dirty="0"/>
+          </a:p>
+          <a:p>
+            <a:endParaRPr lang="en-US" dirty="0"/>
+          </a:p>
+          <a:p>
+            <a:endParaRPr lang="en-US" dirty="0"/>
+          </a:p>
+        </p:txBody>
+      </p:sp>
+      <p:pic>
+        <p:nvPicPr>
+          <p:cNvPr id="5" name="Picture 4">
+            <a:extLst>
+              <a:ext uri="{FF2B5EF4-FFF2-40B4-BE49-F238E27FC236}">
+                <a16:creationId xmlns:a16="http://schemas.microsoft.com/office/drawing/2014/main" id="{024B4F4D-5EC7-0164-58AA-C28492A6A23B}"/>
+              </a:ext>
+            </a:extLst>
+          </p:cNvPr>
+          <p:cNvPicPr>
+            <a:picLocks noChangeAspect="1"/>
+          </p:cNvPicPr>
+          <p:nvPr/>
+        </p:nvPicPr>
+        <p:blipFill>
+          <a:blip r:embed="rId3"/>
+          <a:stretch>
+            <a:fillRect/>
+          </a:stretch>
+        </p:blipFill>
+        <p:spPr>
+          <a:xfrm>
+            <a:off x="5960441" y="1048906"/>
+            <a:ext cx="4685099" cy="5299435"/>
+          </a:xfrm>
+          <a:prstGeom prst="rect">
+            <a:avLst/>
+          </a:prstGeom>
+        </p:spPr>
+      </p:pic>
+      <p:sp>
+        <p:nvSpPr>
+          <p:cNvPr id="6" name="TextBox 5">
+            <a:extLst>
+              <a:ext uri="{FF2B5EF4-FFF2-40B4-BE49-F238E27FC236}">
+                <a16:creationId xmlns:a16="http://schemas.microsoft.com/office/drawing/2014/main" id="{323B5B11-A983-872D-64C7-D997813E57FB}"/>
+              </a:ext>
+            </a:extLst>
+          </p:cNvPr>
+          <p:cNvSpPr txBox="1"/>
+          <p:nvPr/>
+        </p:nvSpPr>
+        <p:spPr>
+          <a:xfrm>
+            <a:off x="7773601" y="6348341"/>
+            <a:ext cx="2733575" cy="369332"/>
+          </a:xfrm>
+          <a:prstGeom prst="rect">
+            <a:avLst/>
+          </a:prstGeom>
+          <a:noFill/>
+        </p:spPr>
+        <p:txBody>
+          <a:bodyPr wrap="square" rtlCol="0">
+            <a:spAutoFit/>
+          </a:bodyPr>
+          <a:lstStyle/>
+          <a:p>
+            <a:r>
+              <a:rPr lang="en-US" dirty="0"/>
+              <a:t>Read Flow</a:t>
+            </a:r>
           </a:p>
         </p:txBody>
       </p:sp>
     </p:spTree>
     <p:extLst>
       <p:ext uri="{BB962C8B-B14F-4D97-AF65-F5344CB8AC3E}">
-        <p14:creationId xmlns:p14="http://schemas.microsoft.com/office/powerpoint/2010/main" val="1621327850"/>
+        <p14:creationId xmlns:p14="http://schemas.microsoft.com/office/powerpoint/2010/main" val="650969416"/>
       </p:ext>
     </p:extLst>
   </p:cSld>
@@ -22751,40 +24639,79 @@
           <a:p>
             <a:r>
               <a:rPr lang="en-US" dirty="0"/>
-              <a:t>10. Backup and recovery</a:t>
+              <a:t>5. FUSE MOUNT</a:t>
             </a:r>
           </a:p>
         </p:txBody>
       </p:sp>
       <p:sp>
         <p:nvSpPr>
-          <p:cNvPr id="3" name="Content Placeholder 2">
+          <p:cNvPr id="6" name="TextBox 5">
             <a:extLst>
               <a:ext uri="{FF2B5EF4-FFF2-40B4-BE49-F238E27FC236}">
-                <a16:creationId xmlns:a16="http://schemas.microsoft.com/office/drawing/2014/main" id="{A1BF9DE8-18D6-7AB4-C15C-10ADFA630E82}"/>
+                <a16:creationId xmlns:a16="http://schemas.microsoft.com/office/drawing/2014/main" id="{323B5B11-A983-872D-64C7-D997813E57FB}"/>
               </a:ext>
             </a:extLst>
           </p:cNvPr>
-          <p:cNvSpPr>
-            <a:spLocks noGrp="1"/>
-          </p:cNvSpPr>
+          <p:cNvSpPr txBox="1"/>
+          <p:nvPr/>
+        </p:nvSpPr>
+        <p:spPr>
+          <a:xfrm>
+            <a:off x="7218947" y="6272784"/>
+            <a:ext cx="2733575" cy="369332"/>
+          </a:xfrm>
+          <a:prstGeom prst="rect">
+            <a:avLst/>
+          </a:prstGeom>
+          <a:noFill/>
+        </p:spPr>
+        <p:txBody>
+          <a:bodyPr wrap="square" rtlCol="0">
+            <a:spAutoFit/>
+          </a:bodyPr>
+          <a:lstStyle/>
+          <a:p>
+            <a:r>
+              <a:rPr lang="en-US" dirty="0"/>
+              <a:t>Write Flow</a:t>
+            </a:r>
+          </a:p>
+        </p:txBody>
+      </p:sp>
+      <p:pic>
+        <p:nvPicPr>
+          <p:cNvPr id="12" name="Content Placeholder 11">
+            <a:extLst>
+              <a:ext uri="{FF2B5EF4-FFF2-40B4-BE49-F238E27FC236}">
+                <a16:creationId xmlns:a16="http://schemas.microsoft.com/office/drawing/2014/main" id="{11B39064-170C-6E18-E4FD-CC1EE4E5A0FB}"/>
+              </a:ext>
+            </a:extLst>
+          </p:cNvPr>
+          <p:cNvPicPr>
+            <a:picLocks noGrp="1" noChangeAspect="1"/>
+          </p:cNvPicPr>
           <p:nvPr>
             <p:ph idx="1"/>
           </p:nvPr>
-        </p:nvSpPr>
-        <p:spPr/>
-        <p:txBody>
-          <a:bodyPr/>
-          <a:lstStyle/>
-          <a:p>
-            <a:endParaRPr lang="en-US" dirty="0"/>
-          </a:p>
-        </p:txBody>
-      </p:sp>
+        </p:nvPicPr>
+        <p:blipFill>
+          <a:blip r:embed="rId3"/>
+          <a:stretch>
+            <a:fillRect/>
+          </a:stretch>
+        </p:blipFill>
+        <p:spPr>
+          <a:xfrm>
+            <a:off x="4603438" y="1019952"/>
+            <a:ext cx="6333267" cy="5012117"/>
+          </a:xfrm>
+        </p:spPr>
+      </p:pic>
     </p:spTree>
     <p:extLst>
       <p:ext uri="{BB962C8B-B14F-4D97-AF65-F5344CB8AC3E}">
-        <p14:creationId xmlns:p14="http://schemas.microsoft.com/office/powerpoint/2010/main" val="135000174"/>
+        <p14:creationId xmlns:p14="http://schemas.microsoft.com/office/powerpoint/2010/main" val="2522601766"/>
       </p:ext>
     </p:extLst>
   </p:cSld>
@@ -22811,12 +24738,41 @@
           <a:chExt cx="0" cy="0"/>
         </a:xfrm>
       </p:grpSpPr>
+      <p:pic>
+        <p:nvPicPr>
+          <p:cNvPr id="15" name="Content Placeholder 14">
+            <a:extLst>
+              <a:ext uri="{FF2B5EF4-FFF2-40B4-BE49-F238E27FC236}">
+                <a16:creationId xmlns:a16="http://schemas.microsoft.com/office/drawing/2014/main" id="{D30CD8AA-A43F-9D21-6E9F-2C8A525E255F}"/>
+              </a:ext>
+            </a:extLst>
+          </p:cNvPr>
+          <p:cNvPicPr>
+            <a:picLocks noGrp="1" noChangeAspect="1"/>
+          </p:cNvPicPr>
+          <p:nvPr>
+            <p:ph idx="1"/>
+          </p:nvPr>
+        </p:nvPicPr>
+        <p:blipFill>
+          <a:blip r:embed="rId2"/>
+          <a:stretch>
+            <a:fillRect/>
+          </a:stretch>
+        </p:blipFill>
+        <p:spPr>
+          <a:xfrm>
+            <a:off x="2523329" y="857250"/>
+            <a:ext cx="9113840" cy="5799716"/>
+          </a:xfrm>
+        </p:spPr>
+      </p:pic>
       <p:sp>
         <p:nvSpPr>
           <p:cNvPr id="2" name="Title 1">
             <a:extLst>
               <a:ext uri="{FF2B5EF4-FFF2-40B4-BE49-F238E27FC236}">
-                <a16:creationId xmlns:a16="http://schemas.microsoft.com/office/drawing/2014/main" id="{4B50D9C9-0C70-2E5C-86DD-0F659225A3B7}"/>
+                <a16:creationId xmlns:a16="http://schemas.microsoft.com/office/drawing/2014/main" id="{1743B7B7-3D24-90A2-3C58-A65F9D64BCA3}"/>
               </a:ext>
             </a:extLst>
           </p:cNvPr>
@@ -22824,31 +24780,808 @@
             <a:spLocks noGrp="1"/>
           </p:cNvSpPr>
           <p:nvPr>
-            <p:ph type="title" idx="4294967295"/>
+            <p:ph type="title"/>
           </p:nvPr>
         </p:nvSpPr>
         <p:spPr>
           <a:xfrm>
-            <a:off x="0" y="2679700"/>
-            <a:ext cx="9718675" cy="1498600"/>
+            <a:off x="764246" y="604466"/>
+            <a:ext cx="9720072" cy="1499616"/>
           </a:xfrm>
         </p:spPr>
         <p:txBody>
-          <a:bodyPr/>
+          <a:bodyPr>
+            <a:normAutofit/>
+          </a:bodyPr>
           <a:lstStyle/>
           <a:p>
-            <a:pPr algn="ctr"/>
-            <a:r>
-              <a:rPr lang="en-US" dirty="0"/>
-              <a:t>Thank you for listening!</a:t>
-            </a:r>
+            <a:r>
+              <a:rPr lang="en-US" sz="4400" dirty="0"/>
+              <a:t>7. SEAWEEDFs CSI</a:t>
+            </a:r>
+          </a:p>
+        </p:txBody>
+      </p:sp>
+      <p:sp>
+        <p:nvSpPr>
+          <p:cNvPr id="16" name="TextBox 15">
+            <a:extLst>
+              <a:ext uri="{FF2B5EF4-FFF2-40B4-BE49-F238E27FC236}">
+                <a16:creationId xmlns:a16="http://schemas.microsoft.com/office/drawing/2014/main" id="{2B5A3C3F-920E-9411-9A95-2AAAED2CB4DA}"/>
+              </a:ext>
+            </a:extLst>
+          </p:cNvPr>
+          <p:cNvSpPr txBox="1"/>
+          <p:nvPr/>
+        </p:nvSpPr>
+        <p:spPr>
+          <a:xfrm>
+            <a:off x="314325" y="2104082"/>
+            <a:ext cx="1943100" cy="4524315"/>
+          </a:xfrm>
+          <a:prstGeom prst="rect">
+            <a:avLst/>
+          </a:prstGeom>
+          <a:noFill/>
+        </p:spPr>
+        <p:txBody>
+          <a:bodyPr wrap="square" rtlCol="0">
+            <a:spAutoFit/>
+          </a:bodyPr>
+          <a:lstStyle/>
+          <a:p>
+            <a:pPr marL="285750" indent="-285750">
+              <a:buFontTx/>
+              <a:buChar char="-"/>
+            </a:pPr>
+            <a:r>
+              <a:rPr lang="en-US" sz="1600" dirty="0" err="1"/>
+              <a:t>Mỗi</a:t>
+            </a:r>
+            <a:r>
+              <a:rPr lang="en-US" sz="1600" dirty="0"/>
+              <a:t> PV </a:t>
+            </a:r>
+            <a:r>
+              <a:rPr lang="en-US" sz="1600" dirty="0" err="1"/>
+              <a:t>được</a:t>
+            </a:r>
+            <a:r>
+              <a:rPr lang="en-US" sz="1600" dirty="0"/>
+              <a:t> </a:t>
+            </a:r>
+            <a:r>
+              <a:rPr lang="en-US" sz="1600" dirty="0" err="1"/>
+              <a:t>tạo</a:t>
+            </a:r>
+            <a:r>
+              <a:rPr lang="en-US" sz="1600" dirty="0"/>
+              <a:t> </a:t>
+            </a:r>
+            <a:r>
+              <a:rPr lang="en-US" sz="1600" dirty="0" err="1"/>
+              <a:t>mới</a:t>
+            </a:r>
+            <a:r>
+              <a:rPr lang="en-US" sz="1600" dirty="0"/>
+              <a:t> </a:t>
+            </a:r>
+            <a:r>
+              <a:rPr lang="en-US" sz="1600" dirty="0" err="1"/>
+              <a:t>tương</a:t>
+            </a:r>
+            <a:r>
+              <a:rPr lang="en-US" sz="1600" dirty="0"/>
+              <a:t> </a:t>
+            </a:r>
+            <a:r>
+              <a:rPr lang="en-US" sz="1600" dirty="0" err="1"/>
+              <a:t>ứng</a:t>
+            </a:r>
+            <a:r>
+              <a:rPr lang="en-US" sz="1600" dirty="0"/>
+              <a:t> </a:t>
+            </a:r>
+            <a:r>
+              <a:rPr lang="en-US" sz="1600" dirty="0" err="1"/>
+              <a:t>với</a:t>
+            </a:r>
+            <a:r>
+              <a:rPr lang="en-US" sz="1600" dirty="0"/>
+              <a:t> 1 collection </a:t>
+            </a:r>
+            <a:r>
+              <a:rPr lang="en-US" sz="1600" dirty="0" err="1"/>
+              <a:t>trùng</a:t>
+            </a:r>
+            <a:r>
+              <a:rPr lang="en-US" sz="1600" dirty="0"/>
+              <a:t> </a:t>
+            </a:r>
+            <a:r>
+              <a:rPr lang="en-US" sz="1600" dirty="0" err="1"/>
+              <a:t>tên</a:t>
+            </a:r>
+            <a:r>
+              <a:rPr lang="en-US" sz="1600" dirty="0"/>
+              <a:t> </a:t>
+            </a:r>
+            <a:r>
+              <a:rPr lang="en-US" sz="1600" dirty="0" err="1"/>
+              <a:t>với</a:t>
+            </a:r>
+            <a:r>
+              <a:rPr lang="en-US" sz="1600" dirty="0"/>
+              <a:t> PV.</a:t>
+            </a:r>
+          </a:p>
+          <a:p>
+            <a:pPr marL="285750" indent="-285750">
+              <a:buFontTx/>
+              <a:buChar char="-"/>
+            </a:pPr>
+            <a:r>
+              <a:rPr lang="en-US" sz="1600" dirty="0"/>
+              <a:t>Data </a:t>
+            </a:r>
+            <a:r>
+              <a:rPr lang="en-US" sz="1600" dirty="0" err="1"/>
+              <a:t>của</a:t>
+            </a:r>
+            <a:r>
+              <a:rPr lang="en-US" sz="1600" dirty="0"/>
+              <a:t> </a:t>
+            </a:r>
+            <a:r>
+              <a:rPr lang="en-US" sz="1600" dirty="0" err="1"/>
+              <a:t>từng</a:t>
+            </a:r>
+            <a:r>
+              <a:rPr lang="en-US" sz="1600" dirty="0"/>
+              <a:t> </a:t>
+            </a:r>
+            <a:r>
+              <a:rPr lang="en-US" sz="1600" dirty="0" err="1"/>
+              <a:t>pv</a:t>
+            </a:r>
+            <a:r>
+              <a:rPr lang="en-US" sz="1600" dirty="0"/>
+              <a:t> </a:t>
+            </a:r>
+            <a:r>
+              <a:rPr lang="en-US" sz="1600" dirty="0" err="1"/>
+              <a:t>sẽ</a:t>
+            </a:r>
+            <a:r>
+              <a:rPr lang="en-US" sz="1600" dirty="0"/>
+              <a:t> </a:t>
+            </a:r>
+            <a:r>
+              <a:rPr lang="en-US" sz="1600" dirty="0" err="1"/>
+              <a:t>được</a:t>
+            </a:r>
+            <a:r>
+              <a:rPr lang="en-US" sz="1600" dirty="0"/>
+              <a:t> </a:t>
+            </a:r>
+            <a:r>
+              <a:rPr lang="en-US" sz="1600" dirty="0" err="1"/>
+              <a:t>lưu</a:t>
+            </a:r>
+            <a:r>
+              <a:rPr lang="en-US" sz="1600" dirty="0"/>
+              <a:t> </a:t>
+            </a:r>
+            <a:r>
+              <a:rPr lang="en-US" sz="1600" dirty="0" err="1"/>
+              <a:t>trong</a:t>
+            </a:r>
+            <a:r>
+              <a:rPr lang="en-US" sz="1600" dirty="0"/>
+              <a:t> /buckets </a:t>
+            </a:r>
+            <a:r>
+              <a:rPr lang="en-US" sz="1600" dirty="0" err="1"/>
+              <a:t>trên</a:t>
+            </a:r>
+            <a:r>
+              <a:rPr lang="en-US" sz="1600" dirty="0"/>
+              <a:t> filer </a:t>
+            </a:r>
+            <a:r>
+              <a:rPr lang="en-US" sz="1600" dirty="0" err="1"/>
+              <a:t>với</a:t>
+            </a:r>
+            <a:r>
+              <a:rPr lang="en-US" sz="1600" dirty="0"/>
+              <a:t> </a:t>
+            </a:r>
+            <a:r>
+              <a:rPr lang="en-US" sz="1600" dirty="0" err="1"/>
+              <a:t>tên</a:t>
+            </a:r>
+            <a:r>
+              <a:rPr lang="en-US" sz="1600" dirty="0"/>
+              <a:t> folder </a:t>
+            </a:r>
+            <a:r>
+              <a:rPr lang="en-US" sz="1600" dirty="0" err="1"/>
+              <a:t>là</a:t>
+            </a:r>
+            <a:r>
+              <a:rPr lang="en-US" sz="1600" dirty="0"/>
+              <a:t> </a:t>
+            </a:r>
+            <a:r>
+              <a:rPr lang="en-US" sz="1600" dirty="0" err="1"/>
+              <a:t>tên</a:t>
+            </a:r>
+            <a:r>
+              <a:rPr lang="en-US" sz="1600" dirty="0"/>
+              <a:t> </a:t>
+            </a:r>
+            <a:r>
+              <a:rPr lang="en-US" sz="1600" dirty="0" err="1"/>
+              <a:t>của</a:t>
+            </a:r>
+            <a:r>
+              <a:rPr lang="en-US" sz="1600" dirty="0"/>
+              <a:t> PV.</a:t>
+            </a:r>
+          </a:p>
+          <a:p>
+            <a:pPr marL="285750" indent="-285750">
+              <a:buFontTx/>
+              <a:buChar char="-"/>
+            </a:pPr>
+            <a:r>
+              <a:rPr lang="en-US" sz="1600" dirty="0" err="1"/>
+              <a:t>Tạo</a:t>
+            </a:r>
+            <a:r>
+              <a:rPr lang="en-US" sz="1600" dirty="0"/>
+              <a:t> folder </a:t>
+            </a:r>
+            <a:r>
+              <a:rPr lang="en-US" sz="1600" dirty="0" err="1"/>
+              <a:t>trong</a:t>
+            </a:r>
+            <a:r>
+              <a:rPr lang="en-US" sz="1600" dirty="0"/>
+              <a:t> </a:t>
+            </a:r>
+            <a:r>
+              <a:rPr lang="en-US" sz="1600" dirty="0" err="1"/>
+              <a:t>thư</a:t>
+            </a:r>
+            <a:r>
+              <a:rPr lang="en-US" sz="1600" dirty="0"/>
+              <a:t> </a:t>
+            </a:r>
+            <a:r>
+              <a:rPr lang="en-US" sz="1600" dirty="0" err="1"/>
+              <a:t>mục</a:t>
+            </a:r>
+            <a:r>
+              <a:rPr lang="en-US" sz="1600" dirty="0"/>
+              <a:t> buckets </a:t>
+            </a:r>
+            <a:r>
+              <a:rPr lang="en-US" sz="1600" dirty="0" err="1"/>
+              <a:t>sẽ</a:t>
+            </a:r>
+            <a:r>
+              <a:rPr lang="en-US" sz="1600" dirty="0"/>
+              <a:t> </a:t>
+            </a:r>
+            <a:r>
+              <a:rPr lang="en-US" sz="1600" dirty="0" err="1"/>
+              <a:t>giống</a:t>
+            </a:r>
+            <a:r>
+              <a:rPr lang="en-US" sz="1600" dirty="0"/>
+              <a:t> </a:t>
+            </a:r>
+            <a:r>
+              <a:rPr lang="en-US" sz="1600" dirty="0" err="1"/>
+              <a:t>như</a:t>
+            </a:r>
+            <a:r>
+              <a:rPr lang="en-US" sz="1600" dirty="0"/>
+              <a:t> </a:t>
+            </a:r>
+            <a:r>
+              <a:rPr lang="en-US" sz="1600" dirty="0" err="1"/>
+              <a:t>tạo</a:t>
+            </a:r>
+            <a:r>
+              <a:rPr lang="en-US" sz="1600" dirty="0"/>
+              <a:t> </a:t>
+            </a:r>
+            <a:r>
+              <a:rPr lang="en-US" sz="1600" dirty="0" err="1"/>
+              <a:t>mới</a:t>
+            </a:r>
+            <a:r>
+              <a:rPr lang="en-US" sz="1600" dirty="0"/>
+              <a:t> 1 collection, </a:t>
+            </a:r>
+            <a:r>
+              <a:rPr lang="en-US" sz="1600" dirty="0" err="1"/>
+              <a:t>khi</a:t>
+            </a:r>
+            <a:r>
+              <a:rPr lang="en-US" sz="1600" dirty="0"/>
+              <a:t> </a:t>
+            </a:r>
+            <a:r>
+              <a:rPr lang="en-US" sz="1600" dirty="0" err="1"/>
+              <a:t>tạo</a:t>
+            </a:r>
+            <a:r>
+              <a:rPr lang="en-US" sz="1600" dirty="0"/>
+              <a:t> </a:t>
+            </a:r>
+            <a:r>
+              <a:rPr lang="en-US" sz="1600" dirty="0" err="1"/>
+              <a:t>pv</a:t>
+            </a:r>
+            <a:r>
+              <a:rPr lang="en-US" sz="1600" dirty="0"/>
+              <a:t> </a:t>
+            </a:r>
+            <a:r>
+              <a:rPr lang="en-US" sz="1600" dirty="0" err="1"/>
+              <a:t>trùng</a:t>
+            </a:r>
+            <a:r>
+              <a:rPr lang="en-US" sz="1600" dirty="0"/>
+              <a:t> </a:t>
+            </a:r>
+            <a:r>
+              <a:rPr lang="en-US" sz="1600" dirty="0" err="1"/>
+              <a:t>tên</a:t>
+            </a:r>
+            <a:r>
+              <a:rPr lang="en-US" sz="1600" dirty="0"/>
+              <a:t> data </a:t>
+            </a:r>
+            <a:r>
+              <a:rPr lang="en-US" sz="1600" dirty="0" err="1"/>
+              <a:t>sẽ</a:t>
+            </a:r>
+            <a:r>
+              <a:rPr lang="en-US" sz="1600" dirty="0"/>
+              <a:t> </a:t>
+            </a:r>
+            <a:r>
+              <a:rPr lang="en-US" sz="1600" dirty="0" err="1"/>
+              <a:t>được</a:t>
+            </a:r>
+            <a:r>
+              <a:rPr lang="en-US" sz="1600" dirty="0"/>
+              <a:t> mount </a:t>
+            </a:r>
+            <a:r>
+              <a:rPr lang="en-US" sz="1600" dirty="0" err="1"/>
+              <a:t>vào</a:t>
+            </a:r>
+            <a:r>
+              <a:rPr lang="en-US" sz="1600" dirty="0"/>
+              <a:t> </a:t>
+            </a:r>
+            <a:r>
+              <a:rPr lang="en-US" sz="1600" dirty="0" err="1"/>
+              <a:t>chính</a:t>
+            </a:r>
+            <a:r>
+              <a:rPr lang="en-US" sz="1600" dirty="0"/>
+              <a:t> folder </a:t>
+            </a:r>
+            <a:r>
+              <a:rPr lang="en-US" sz="1600" dirty="0" err="1"/>
+              <a:t>đó</a:t>
+            </a:r>
+            <a:endParaRPr lang="en-US" sz="1600" dirty="0"/>
+          </a:p>
+          <a:p>
+            <a:pPr marL="285750" indent="-285750">
+              <a:buFontTx/>
+              <a:buChar char="-"/>
+            </a:pPr>
+            <a:endParaRPr lang="en-US" sz="1600" dirty="0"/>
           </a:p>
         </p:txBody>
       </p:sp>
     </p:spTree>
     <p:extLst>
       <p:ext uri="{BB962C8B-B14F-4D97-AF65-F5344CB8AC3E}">
-        <p14:creationId xmlns:p14="http://schemas.microsoft.com/office/powerpoint/2010/main" val="31356700"/>
+        <p14:creationId xmlns:p14="http://schemas.microsoft.com/office/powerpoint/2010/main" val="2437479601"/>
+      </p:ext>
+    </p:extLst>
+  </p:cSld>
+  <p:clrMapOvr>
+    <a:masterClrMapping/>
+  </p:clrMapOvr>
+</p:sld>
+</file>
+
+<file path=ppt/slides/slide19.xml><?xml version="1.0" encoding="utf-8"?>
+<p:sld xmlns:a="http://schemas.openxmlformats.org/drawingml/2006/main" xmlns:r="http://schemas.openxmlformats.org/officeDocument/2006/relationships" xmlns:p="http://schemas.openxmlformats.org/presentationml/2006/main">
+  <p:cSld>
+    <p:spTree>
+      <p:nvGrpSpPr>
+        <p:cNvPr id="1" name=""/>
+        <p:cNvGrpSpPr/>
+        <p:nvPr/>
+      </p:nvGrpSpPr>
+      <p:grpSpPr>
+        <a:xfrm>
+          <a:off x="0" y="0"/>
+          <a:ext cx="0" cy="0"/>
+          <a:chOff x="0" y="0"/>
+          <a:chExt cx="0" cy="0"/>
+        </a:xfrm>
+      </p:grpSpPr>
+      <p:sp>
+        <p:nvSpPr>
+          <p:cNvPr id="2" name="Title 1">
+            <a:extLst>
+              <a:ext uri="{FF2B5EF4-FFF2-40B4-BE49-F238E27FC236}">
+                <a16:creationId xmlns:a16="http://schemas.microsoft.com/office/drawing/2014/main" id="{1743B7B7-3D24-90A2-3C58-A65F9D64BCA3}"/>
+              </a:ext>
+            </a:extLst>
+          </p:cNvPr>
+          <p:cNvSpPr>
+            <a:spLocks noGrp="1"/>
+          </p:cNvSpPr>
+          <p:nvPr>
+            <p:ph type="title"/>
+          </p:nvPr>
+        </p:nvSpPr>
+        <p:spPr/>
+        <p:txBody>
+          <a:bodyPr/>
+          <a:lstStyle/>
+          <a:p>
+            <a:r>
+              <a:rPr lang="en-US" dirty="0"/>
+              <a:t>9. Scalability</a:t>
+            </a:r>
+          </a:p>
+        </p:txBody>
+      </p:sp>
+      <p:sp>
+        <p:nvSpPr>
+          <p:cNvPr id="3" name="Content Placeholder 2">
+            <a:extLst>
+              <a:ext uri="{FF2B5EF4-FFF2-40B4-BE49-F238E27FC236}">
+                <a16:creationId xmlns:a16="http://schemas.microsoft.com/office/drawing/2014/main" id="{A1BF9DE8-18D6-7AB4-C15C-10ADFA630E82}"/>
+              </a:ext>
+            </a:extLst>
+          </p:cNvPr>
+          <p:cNvSpPr>
+            <a:spLocks noGrp="1"/>
+          </p:cNvSpPr>
+          <p:nvPr>
+            <p:ph idx="1"/>
+          </p:nvPr>
+        </p:nvSpPr>
+        <p:spPr/>
+        <p:txBody>
+          <a:bodyPr/>
+          <a:lstStyle/>
+          <a:p>
+            <a:r>
+              <a:rPr lang="en-US" dirty="0"/>
+              <a:t>- Add </a:t>
+            </a:r>
+            <a:r>
+              <a:rPr lang="en-US" dirty="0" err="1"/>
+              <a:t>thêm</a:t>
+            </a:r>
+            <a:r>
+              <a:rPr lang="en-US" dirty="0"/>
+              <a:t> master, filer, volume servers: add host </a:t>
+            </a:r>
+            <a:r>
+              <a:rPr lang="en-US" dirty="0" err="1"/>
+              <a:t>và</a:t>
+            </a:r>
+            <a:r>
+              <a:rPr lang="en-US" dirty="0"/>
+              <a:t> </a:t>
+            </a:r>
+            <a:r>
+              <a:rPr lang="en-US" dirty="0" err="1"/>
+              <a:t>chạy</a:t>
+            </a:r>
+            <a:r>
+              <a:rPr lang="en-US" dirty="0"/>
+              <a:t> weed master </a:t>
+            </a:r>
+            <a:r>
+              <a:rPr lang="en-US" dirty="0" err="1"/>
+              <a:t>và</a:t>
+            </a:r>
+            <a:r>
+              <a:rPr lang="en-US" dirty="0"/>
+              <a:t> weed filer, </a:t>
+            </a:r>
+            <a:r>
+              <a:rPr lang="en-US" dirty="0" err="1"/>
+              <a:t>cài</a:t>
+            </a:r>
+            <a:r>
+              <a:rPr lang="en-US" dirty="0"/>
+              <a:t> </a:t>
+            </a:r>
+            <a:r>
+              <a:rPr lang="en-US" dirty="0" err="1"/>
+              <a:t>bằng</a:t>
+            </a:r>
+            <a:r>
+              <a:rPr lang="en-US" dirty="0"/>
+              <a:t> helm =&gt; </a:t>
+            </a:r>
+            <a:r>
+              <a:rPr lang="en-US" dirty="0" err="1"/>
+              <a:t>tăng</a:t>
+            </a:r>
+            <a:r>
+              <a:rPr lang="en-US" dirty="0"/>
+              <a:t> replica</a:t>
+            </a:r>
+          </a:p>
+          <a:p>
+            <a:r>
+              <a:rPr lang="en-US" dirty="0"/>
+              <a:t>- </a:t>
+            </a:r>
+            <a:r>
+              <a:rPr lang="en-US" dirty="0" err="1"/>
+              <a:t>Thêm</a:t>
+            </a:r>
+            <a:r>
+              <a:rPr lang="en-US" dirty="0"/>
+              <a:t> disk: add </a:t>
+            </a:r>
+            <a:r>
+              <a:rPr lang="en-US" dirty="0" err="1"/>
+              <a:t>thêm</a:t>
+            </a:r>
+            <a:r>
+              <a:rPr lang="en-US" dirty="0"/>
+              <a:t> </a:t>
+            </a:r>
+            <a:r>
+              <a:rPr lang="en-US" dirty="0" err="1"/>
+              <a:t>dataDir</a:t>
+            </a:r>
+            <a:r>
+              <a:rPr lang="en-US" dirty="0"/>
+              <a:t> </a:t>
+            </a:r>
+            <a:r>
+              <a:rPr lang="en-US" dirty="0" err="1"/>
+              <a:t>cho</a:t>
+            </a:r>
+            <a:r>
+              <a:rPr lang="en-US" dirty="0"/>
+              <a:t> volume server</a:t>
+            </a:r>
+          </a:p>
+          <a:p>
+            <a:r>
+              <a:rPr lang="en-US" dirty="0"/>
+              <a:t>- </a:t>
+            </a:r>
+            <a:r>
+              <a:rPr lang="en-US" dirty="0" err="1"/>
+              <a:t>Tăng</a:t>
+            </a:r>
+            <a:r>
+              <a:rPr lang="en-US" dirty="0"/>
+              <a:t> </a:t>
+            </a:r>
+            <a:r>
+              <a:rPr lang="en-US" dirty="0" err="1"/>
+              <a:t>số</a:t>
+            </a:r>
+            <a:r>
+              <a:rPr lang="en-US" dirty="0"/>
+              <a:t> </a:t>
+            </a:r>
+            <a:r>
+              <a:rPr lang="en-US" dirty="0" err="1"/>
+              <a:t>lượng</a:t>
+            </a:r>
+            <a:r>
+              <a:rPr lang="en-US" dirty="0"/>
+              <a:t> volume: </a:t>
+            </a:r>
+            <a:r>
+              <a:rPr lang="en-US" dirty="0" err="1"/>
+              <a:t>gọi</a:t>
+            </a:r>
+            <a:r>
+              <a:rPr lang="en-US" dirty="0"/>
+              <a:t> master API: </a:t>
+            </a:r>
+            <a:r>
+              <a:rPr lang="en-US" dirty="0" err="1"/>
+              <a:t>preallocate</a:t>
+            </a:r>
+            <a:r>
+              <a:rPr lang="en-US" dirty="0"/>
+              <a:t> volumes </a:t>
+            </a:r>
+            <a:r>
+              <a:rPr lang="en-US" dirty="0" err="1"/>
+              <a:t>hoặc</a:t>
+            </a:r>
+            <a:r>
+              <a:rPr lang="en-US" dirty="0"/>
+              <a:t> </a:t>
+            </a:r>
+            <a:r>
+              <a:rPr lang="en-US" dirty="0" err="1"/>
+              <a:t>dùng</a:t>
+            </a:r>
+            <a:r>
+              <a:rPr lang="en-US" dirty="0"/>
+              <a:t> weed shell: </a:t>
+            </a:r>
+            <a:r>
+              <a:rPr lang="en-US" dirty="0" err="1"/>
+              <a:t>volume.grow</a:t>
+            </a:r>
+            <a:r>
+              <a:rPr lang="en-US" dirty="0"/>
+              <a:t> =&gt; </a:t>
+            </a:r>
+            <a:r>
+              <a:rPr lang="en-US" dirty="0" err="1"/>
+              <a:t>tăng</a:t>
+            </a:r>
+            <a:r>
+              <a:rPr lang="en-US" dirty="0"/>
+              <a:t> read </a:t>
+            </a:r>
+            <a:r>
+              <a:rPr lang="en-US" dirty="0" err="1"/>
+              <a:t>và</a:t>
+            </a:r>
+            <a:r>
+              <a:rPr lang="en-US" dirty="0"/>
+              <a:t> write concurrency</a:t>
+            </a:r>
+          </a:p>
+          <a:p>
+            <a:r>
+              <a:rPr lang="en-US" dirty="0"/>
+              <a:t>- </a:t>
+            </a:r>
+            <a:r>
+              <a:rPr lang="en-US" dirty="0" err="1"/>
+              <a:t>Có</a:t>
+            </a:r>
+            <a:r>
+              <a:rPr lang="en-US" dirty="0"/>
+              <a:t> </a:t>
+            </a:r>
+            <a:r>
+              <a:rPr lang="en-US" dirty="0" err="1"/>
+              <a:t>thể</a:t>
+            </a:r>
+            <a:r>
+              <a:rPr lang="en-US" dirty="0"/>
+              <a:t> </a:t>
+            </a:r>
+            <a:r>
+              <a:rPr lang="en-US" dirty="0" err="1"/>
+              <a:t>sửa</a:t>
+            </a:r>
+            <a:r>
+              <a:rPr lang="en-US" dirty="0"/>
+              <a:t> </a:t>
+            </a:r>
+            <a:r>
+              <a:rPr lang="en-US" dirty="0" err="1"/>
+              <a:t>lại</a:t>
+            </a:r>
+            <a:r>
+              <a:rPr lang="en-US" dirty="0"/>
+              <a:t> </a:t>
+            </a:r>
+            <a:r>
+              <a:rPr lang="en-US" dirty="0" err="1"/>
+              <a:t>số</a:t>
+            </a:r>
+            <a:r>
+              <a:rPr lang="en-US" dirty="0"/>
+              <a:t> </a:t>
+            </a:r>
+            <a:r>
+              <a:rPr lang="en-US" dirty="0" err="1"/>
+              <a:t>lượng</a:t>
+            </a:r>
+            <a:r>
+              <a:rPr lang="en-US" dirty="0"/>
+              <a:t> volume </a:t>
+            </a:r>
+            <a:r>
+              <a:rPr lang="en-US" dirty="0" err="1"/>
+              <a:t>khởi</a:t>
+            </a:r>
+            <a:r>
+              <a:rPr lang="en-US" dirty="0"/>
+              <a:t> </a:t>
+            </a:r>
+            <a:r>
+              <a:rPr lang="en-US" dirty="0" err="1"/>
+              <a:t>tạo</a:t>
+            </a:r>
+            <a:r>
+              <a:rPr lang="en-US" dirty="0"/>
+              <a:t> </a:t>
+            </a:r>
+            <a:r>
+              <a:rPr lang="en-US" dirty="0" err="1"/>
+              <a:t>bằng</a:t>
+            </a:r>
+            <a:r>
+              <a:rPr lang="en-US" dirty="0"/>
+              <a:t> </a:t>
+            </a:r>
+            <a:r>
+              <a:rPr lang="en-US" dirty="0" err="1"/>
+              <a:t>master.toml</a:t>
+            </a:r>
+            <a:r>
+              <a:rPr lang="en-US" dirty="0"/>
+              <a:t>:</a:t>
+            </a:r>
+          </a:p>
+          <a:p>
+            <a:endParaRPr lang="en-US" dirty="0"/>
+          </a:p>
+        </p:txBody>
+      </p:sp>
+      <p:pic>
+        <p:nvPicPr>
+          <p:cNvPr id="5" name="Picture 4">
+            <a:extLst>
+              <a:ext uri="{FF2B5EF4-FFF2-40B4-BE49-F238E27FC236}">
+                <a16:creationId xmlns:a16="http://schemas.microsoft.com/office/drawing/2014/main" id="{25836CA4-F042-96C1-74E3-7BC055FBEE48}"/>
+              </a:ext>
+            </a:extLst>
+          </p:cNvPr>
+          <p:cNvPicPr>
+            <a:picLocks noChangeAspect="1"/>
+          </p:cNvPicPr>
+          <p:nvPr/>
+        </p:nvPicPr>
+        <p:blipFill>
+          <a:blip r:embed="rId2"/>
+          <a:stretch>
+            <a:fillRect/>
+          </a:stretch>
+        </p:blipFill>
+        <p:spPr>
+          <a:xfrm>
+            <a:off x="1447799" y="4862473"/>
+            <a:ext cx="6315956" cy="1648055"/>
+          </a:xfrm>
+          <a:prstGeom prst="rect">
+            <a:avLst/>
+          </a:prstGeom>
+        </p:spPr>
+      </p:pic>
+    </p:spTree>
+    <p:extLst>
+      <p:ext uri="{BB962C8B-B14F-4D97-AF65-F5344CB8AC3E}">
+        <p14:creationId xmlns:p14="http://schemas.microsoft.com/office/powerpoint/2010/main" val="1621327850"/>
       </p:ext>
     </p:extLst>
   </p:cSld>
@@ -23067,6 +25800,898 @@
     <p:extLst>
       <p:ext uri="{BB962C8B-B14F-4D97-AF65-F5344CB8AC3E}">
         <p14:creationId xmlns:p14="http://schemas.microsoft.com/office/powerpoint/2010/main" val="2065161862"/>
+      </p:ext>
+    </p:extLst>
+  </p:cSld>
+  <p:clrMapOvr>
+    <a:masterClrMapping/>
+  </p:clrMapOvr>
+</p:sld>
+</file>
+
+<file path=ppt/slides/slide20.xml><?xml version="1.0" encoding="utf-8"?>
+<p:sld xmlns:a="http://schemas.openxmlformats.org/drawingml/2006/main" xmlns:r="http://schemas.openxmlformats.org/officeDocument/2006/relationships" xmlns:p="http://schemas.openxmlformats.org/presentationml/2006/main">
+  <p:cSld>
+    <p:spTree>
+      <p:nvGrpSpPr>
+        <p:cNvPr id="1" name=""/>
+        <p:cNvGrpSpPr/>
+        <p:nvPr/>
+      </p:nvGrpSpPr>
+      <p:grpSpPr>
+        <a:xfrm>
+          <a:off x="0" y="0"/>
+          <a:ext cx="0" cy="0"/>
+          <a:chOff x="0" y="0"/>
+          <a:chExt cx="0" cy="0"/>
+        </a:xfrm>
+      </p:grpSpPr>
+      <p:sp>
+        <p:nvSpPr>
+          <p:cNvPr id="2" name="Title 1">
+            <a:extLst>
+              <a:ext uri="{FF2B5EF4-FFF2-40B4-BE49-F238E27FC236}">
+                <a16:creationId xmlns:a16="http://schemas.microsoft.com/office/drawing/2014/main" id="{1743B7B7-3D24-90A2-3C58-A65F9D64BCA3}"/>
+              </a:ext>
+            </a:extLst>
+          </p:cNvPr>
+          <p:cNvSpPr>
+            <a:spLocks noGrp="1"/>
+          </p:cNvSpPr>
+          <p:nvPr>
+            <p:ph type="title"/>
+          </p:nvPr>
+        </p:nvSpPr>
+        <p:spPr/>
+        <p:txBody>
+          <a:bodyPr/>
+          <a:lstStyle/>
+          <a:p>
+            <a:r>
+              <a:rPr lang="en-US" dirty="0"/>
+              <a:t>10. Backup and recovery</a:t>
+            </a:r>
+          </a:p>
+        </p:txBody>
+      </p:sp>
+      <p:sp>
+        <p:nvSpPr>
+          <p:cNvPr id="3" name="Content Placeholder 2">
+            <a:extLst>
+              <a:ext uri="{FF2B5EF4-FFF2-40B4-BE49-F238E27FC236}">
+                <a16:creationId xmlns:a16="http://schemas.microsoft.com/office/drawing/2014/main" id="{A1BF9DE8-18D6-7AB4-C15C-10ADFA630E82}"/>
+              </a:ext>
+            </a:extLst>
+          </p:cNvPr>
+          <p:cNvSpPr>
+            <a:spLocks noGrp="1"/>
+          </p:cNvSpPr>
+          <p:nvPr>
+            <p:ph idx="1"/>
+          </p:nvPr>
+        </p:nvSpPr>
+        <p:spPr>
+          <a:xfrm>
+            <a:off x="1024128" y="1905801"/>
+            <a:ext cx="9852419" cy="4745256"/>
+          </a:xfrm>
+        </p:spPr>
+        <p:txBody>
+          <a:bodyPr>
+            <a:normAutofit lnSpcReduction="10000"/>
+          </a:bodyPr>
+          <a:lstStyle/>
+          <a:p>
+            <a:r>
+              <a:rPr lang="en-US" dirty="0" err="1"/>
+              <a:t>Có</a:t>
+            </a:r>
+            <a:r>
+              <a:rPr lang="en-US" dirty="0"/>
+              <a:t> 3 </a:t>
+            </a:r>
+            <a:r>
+              <a:rPr lang="en-US" dirty="0" err="1"/>
+              <a:t>cách</a:t>
+            </a:r>
+            <a:r>
+              <a:rPr lang="en-US" dirty="0"/>
+              <a:t> </a:t>
+            </a:r>
+            <a:r>
+              <a:rPr lang="en-US" dirty="0" err="1"/>
+              <a:t>để</a:t>
+            </a:r>
+            <a:r>
+              <a:rPr lang="en-US" dirty="0"/>
+              <a:t> backup </a:t>
+            </a:r>
+            <a:r>
+              <a:rPr lang="en-US" dirty="0" err="1"/>
+              <a:t>hệ</a:t>
+            </a:r>
+            <a:r>
+              <a:rPr lang="en-US" dirty="0"/>
+              <a:t> </a:t>
+            </a:r>
+            <a:r>
+              <a:rPr lang="en-US" dirty="0" err="1"/>
+              <a:t>thống</a:t>
+            </a:r>
+            <a:r>
+              <a:rPr lang="en-US" dirty="0"/>
+              <a:t> </a:t>
+            </a:r>
+            <a:r>
+              <a:rPr lang="en-US" dirty="0" err="1"/>
+              <a:t>SeaweedFS</a:t>
+            </a:r>
+            <a:r>
+              <a:rPr lang="en-US" dirty="0"/>
+              <a:t>:</a:t>
+            </a:r>
+          </a:p>
+          <a:p>
+            <a:r>
+              <a:rPr lang="en-US" dirty="0"/>
+              <a:t>- Backup folders and files using filer (async backup)</a:t>
+            </a:r>
+          </a:p>
+          <a:p>
+            <a:r>
+              <a:rPr lang="en-US" dirty="0"/>
+              <a:t>- Backup metadata and volume data</a:t>
+            </a:r>
+          </a:p>
+          <a:p>
+            <a:r>
+              <a:rPr lang="en-US" dirty="0"/>
+              <a:t>- Backup all k8s system with K8up</a:t>
+            </a:r>
+          </a:p>
+          <a:p>
+            <a:r>
+              <a:rPr lang="en-US" dirty="0"/>
+              <a:t>=&gt; </a:t>
+            </a:r>
+            <a:r>
+              <a:rPr lang="en-US" dirty="0" err="1"/>
+              <a:t>Cách</a:t>
+            </a:r>
+            <a:r>
+              <a:rPr lang="en-US" dirty="0"/>
+              <a:t> </a:t>
+            </a:r>
+            <a:r>
+              <a:rPr lang="en-US" dirty="0" err="1"/>
+              <a:t>đơn</a:t>
+            </a:r>
+            <a:r>
+              <a:rPr lang="en-US" dirty="0"/>
+              <a:t> </a:t>
+            </a:r>
+            <a:r>
+              <a:rPr lang="en-US" dirty="0" err="1"/>
+              <a:t>giản</a:t>
+            </a:r>
+            <a:r>
+              <a:rPr lang="en-US" dirty="0"/>
+              <a:t> </a:t>
+            </a:r>
+            <a:r>
+              <a:rPr lang="en-US" dirty="0" err="1"/>
+              <a:t>và</a:t>
+            </a:r>
+            <a:r>
+              <a:rPr lang="en-US" dirty="0"/>
+              <a:t> </a:t>
+            </a:r>
+            <a:r>
+              <a:rPr lang="en-US" dirty="0" err="1"/>
+              <a:t>phù</a:t>
+            </a:r>
+            <a:r>
+              <a:rPr lang="en-US" dirty="0"/>
+              <a:t> </a:t>
+            </a:r>
+            <a:r>
+              <a:rPr lang="en-US" dirty="0" err="1"/>
+              <a:t>hợp</a:t>
+            </a:r>
+            <a:r>
+              <a:rPr lang="en-US" dirty="0"/>
+              <a:t>: Async backup</a:t>
+            </a:r>
+          </a:p>
+          <a:p>
+            <a:r>
+              <a:rPr lang="en-US" dirty="0"/>
+              <a:t>Async Backup: </a:t>
+            </a:r>
+            <a:r>
+              <a:rPr lang="en-US" dirty="0" err="1"/>
+              <a:t>Lắng</a:t>
+            </a:r>
+            <a:r>
+              <a:rPr lang="en-US" dirty="0"/>
+              <a:t> </a:t>
+            </a:r>
+            <a:r>
+              <a:rPr lang="en-US" dirty="0" err="1"/>
+              <a:t>nghe</a:t>
+            </a:r>
+            <a:r>
+              <a:rPr lang="en-US" dirty="0"/>
+              <a:t> log </a:t>
+            </a:r>
+            <a:r>
+              <a:rPr lang="en-US" dirty="0" err="1"/>
+              <a:t>thay</a:t>
+            </a:r>
+            <a:r>
+              <a:rPr lang="en-US" dirty="0"/>
+              <a:t> </a:t>
+            </a:r>
+            <a:r>
+              <a:rPr lang="en-US" dirty="0" err="1"/>
+              <a:t>đổi</a:t>
+            </a:r>
+            <a:r>
+              <a:rPr lang="en-US" dirty="0"/>
+              <a:t> metadata </a:t>
+            </a:r>
+            <a:r>
+              <a:rPr lang="en-US" dirty="0" err="1"/>
+              <a:t>và</a:t>
+            </a:r>
+            <a:r>
+              <a:rPr lang="en-US" dirty="0"/>
+              <a:t> backup </a:t>
+            </a:r>
+            <a:r>
+              <a:rPr lang="en-US" dirty="0" err="1"/>
+              <a:t>về</a:t>
+            </a:r>
+            <a:r>
+              <a:rPr lang="en-US" dirty="0"/>
+              <a:t> sink</a:t>
+            </a:r>
+          </a:p>
+          <a:p>
+            <a:r>
+              <a:rPr lang="en-US" dirty="0"/>
+              <a:t>- </a:t>
+            </a:r>
+            <a:r>
+              <a:rPr lang="en-US" dirty="0" err="1"/>
+              <a:t>Dùng</a:t>
+            </a:r>
+            <a:r>
+              <a:rPr lang="en-US" dirty="0"/>
+              <a:t> weed scaffold -config=replication -output=. </a:t>
+            </a:r>
+            <a:r>
+              <a:rPr lang="en-US" dirty="0" err="1"/>
+              <a:t>để</a:t>
+            </a:r>
+            <a:r>
+              <a:rPr lang="en-US" dirty="0"/>
+              <a:t> generate config file.</a:t>
+            </a:r>
+          </a:p>
+          <a:p>
+            <a:r>
+              <a:rPr lang="en-US" dirty="0"/>
+              <a:t>- </a:t>
+            </a:r>
+            <a:r>
+              <a:rPr lang="en-US" dirty="0" err="1"/>
+              <a:t>Sửa</a:t>
+            </a:r>
+            <a:r>
+              <a:rPr lang="en-US" dirty="0"/>
+              <a:t> config file: </a:t>
+            </a:r>
+            <a:r>
+              <a:rPr lang="en-US" dirty="0" err="1"/>
+              <a:t>chọn</a:t>
+            </a:r>
+            <a:r>
+              <a:rPr lang="en-US" dirty="0"/>
+              <a:t> sink (</a:t>
+            </a:r>
+            <a:r>
+              <a:rPr lang="en-US" dirty="0" err="1"/>
+              <a:t>dst</a:t>
+            </a:r>
+            <a:r>
+              <a:rPr lang="en-US" dirty="0"/>
+              <a:t> </a:t>
+            </a:r>
+            <a:r>
+              <a:rPr lang="en-US" dirty="0" err="1"/>
+              <a:t>của</a:t>
+            </a:r>
+            <a:r>
+              <a:rPr lang="en-US" dirty="0"/>
+              <a:t> backup data)</a:t>
+            </a:r>
+          </a:p>
+          <a:p>
+            <a:r>
+              <a:rPr lang="en-US" dirty="0"/>
+              <a:t>Recovery:</a:t>
+            </a:r>
+          </a:p>
+          <a:p>
+            <a:r>
+              <a:rPr lang="en-US" dirty="0"/>
+              <a:t>- </a:t>
+            </a:r>
+            <a:r>
+              <a:rPr lang="en-US" dirty="0" err="1"/>
+              <a:t>Dùng</a:t>
+            </a:r>
+            <a:r>
+              <a:rPr lang="en-US" dirty="0"/>
+              <a:t> weed </a:t>
+            </a:r>
+            <a:r>
+              <a:rPr lang="en-US" dirty="0" err="1"/>
+              <a:t>filer.copy</a:t>
+            </a:r>
+            <a:r>
+              <a:rPr lang="en-US" dirty="0"/>
+              <a:t> ./path/to/</a:t>
+            </a:r>
+            <a:r>
+              <a:rPr lang="en-US" dirty="0" err="1"/>
+              <a:t>folder_or_file</a:t>
+            </a:r>
+            <a:r>
+              <a:rPr lang="en-US" dirty="0"/>
+              <a:t> </a:t>
+            </a:r>
+            <a:r>
+              <a:rPr lang="en-US" dirty="0">
+                <a:hlinkClick r:id="rId3"/>
+              </a:rPr>
+              <a:t>http://filer_server:8888/</a:t>
+            </a:r>
+            <a:r>
+              <a:rPr lang="en-US" dirty="0"/>
+              <a:t> </a:t>
+            </a:r>
+            <a:r>
+              <a:rPr lang="en-US" dirty="0" err="1"/>
+              <a:t>để</a:t>
+            </a:r>
+            <a:r>
+              <a:rPr lang="en-US" dirty="0"/>
+              <a:t> upload </a:t>
+            </a:r>
+            <a:r>
+              <a:rPr lang="en-US" dirty="0" err="1"/>
+              <a:t>lại</a:t>
+            </a:r>
+            <a:r>
+              <a:rPr lang="en-US" dirty="0"/>
+              <a:t> data </a:t>
+            </a:r>
+            <a:r>
+              <a:rPr lang="en-US" dirty="0" err="1"/>
+              <a:t>vào</a:t>
+            </a:r>
+            <a:r>
+              <a:rPr lang="en-US" dirty="0"/>
+              <a:t> filer</a:t>
+            </a:r>
+          </a:p>
+        </p:txBody>
+      </p:sp>
+    </p:spTree>
+    <p:extLst>
+      <p:ext uri="{BB962C8B-B14F-4D97-AF65-F5344CB8AC3E}">
+        <p14:creationId xmlns:p14="http://schemas.microsoft.com/office/powerpoint/2010/main" val="135000174"/>
+      </p:ext>
+    </p:extLst>
+  </p:cSld>
+  <p:clrMapOvr>
+    <a:masterClrMapping/>
+  </p:clrMapOvr>
+</p:sld>
+</file>
+
+<file path=ppt/slides/slide21.xml><?xml version="1.0" encoding="utf-8"?>
+<p:sld xmlns:a="http://schemas.openxmlformats.org/drawingml/2006/main" xmlns:r="http://schemas.openxmlformats.org/officeDocument/2006/relationships" xmlns:p="http://schemas.openxmlformats.org/presentationml/2006/main">
+  <p:cSld>
+    <p:spTree>
+      <p:nvGrpSpPr>
+        <p:cNvPr id="1" name=""/>
+        <p:cNvGrpSpPr/>
+        <p:nvPr/>
+      </p:nvGrpSpPr>
+      <p:grpSpPr>
+        <a:xfrm>
+          <a:off x="0" y="0"/>
+          <a:ext cx="0" cy="0"/>
+          <a:chOff x="0" y="0"/>
+          <a:chExt cx="0" cy="0"/>
+        </a:xfrm>
+      </p:grpSpPr>
+      <p:sp>
+        <p:nvSpPr>
+          <p:cNvPr id="2" name="Title 1">
+            <a:extLst>
+              <a:ext uri="{FF2B5EF4-FFF2-40B4-BE49-F238E27FC236}">
+                <a16:creationId xmlns:a16="http://schemas.microsoft.com/office/drawing/2014/main" id="{1743B7B7-3D24-90A2-3C58-A65F9D64BCA3}"/>
+              </a:ext>
+            </a:extLst>
+          </p:cNvPr>
+          <p:cNvSpPr>
+            <a:spLocks noGrp="1"/>
+          </p:cNvSpPr>
+          <p:nvPr>
+            <p:ph type="title"/>
+          </p:nvPr>
+        </p:nvSpPr>
+        <p:spPr/>
+        <p:txBody>
+          <a:bodyPr/>
+          <a:lstStyle/>
+          <a:p>
+            <a:r>
+              <a:rPr lang="en-US" dirty="0"/>
+              <a:t>11. monitoring</a:t>
+            </a:r>
+          </a:p>
+        </p:txBody>
+      </p:sp>
+      <p:sp>
+        <p:nvSpPr>
+          <p:cNvPr id="3" name="Content Placeholder 2">
+            <a:extLst>
+              <a:ext uri="{FF2B5EF4-FFF2-40B4-BE49-F238E27FC236}">
+                <a16:creationId xmlns:a16="http://schemas.microsoft.com/office/drawing/2014/main" id="{A1BF9DE8-18D6-7AB4-C15C-10ADFA630E82}"/>
+              </a:ext>
+            </a:extLst>
+          </p:cNvPr>
+          <p:cNvSpPr>
+            <a:spLocks noGrp="1"/>
+          </p:cNvSpPr>
+          <p:nvPr>
+            <p:ph idx="1"/>
+          </p:nvPr>
+        </p:nvSpPr>
+        <p:spPr/>
+        <p:txBody>
+          <a:bodyPr/>
+          <a:lstStyle/>
+          <a:p>
+            <a:r>
+              <a:rPr lang="en-US" dirty="0"/>
+              <a:t>- </a:t>
+            </a:r>
+            <a:r>
+              <a:rPr lang="en-US" dirty="0" err="1"/>
+              <a:t>Sử</a:t>
+            </a:r>
+            <a:r>
+              <a:rPr lang="en-US" dirty="0"/>
+              <a:t> </a:t>
+            </a:r>
+            <a:r>
+              <a:rPr lang="en-US" dirty="0" err="1"/>
+              <a:t>dụng</a:t>
+            </a:r>
+            <a:r>
+              <a:rPr lang="en-US" dirty="0"/>
+              <a:t> </a:t>
+            </a:r>
+            <a:r>
+              <a:rPr lang="en-US" dirty="0" err="1"/>
+              <a:t>các</a:t>
+            </a:r>
+            <a:r>
+              <a:rPr lang="en-US" dirty="0"/>
+              <a:t> </a:t>
+            </a:r>
+            <a:r>
+              <a:rPr lang="en-US" dirty="0" err="1"/>
+              <a:t>api</a:t>
+            </a:r>
+            <a:r>
+              <a:rPr lang="en-US" dirty="0"/>
+              <a:t> health </a:t>
+            </a:r>
+            <a:r>
+              <a:rPr lang="en-US" dirty="0" err="1"/>
+              <a:t>và</a:t>
+            </a:r>
+            <a:r>
+              <a:rPr lang="en-US" dirty="0"/>
+              <a:t> status</a:t>
+            </a:r>
+          </a:p>
+          <a:p>
+            <a:r>
+              <a:rPr lang="en-US" dirty="0"/>
+              <a:t>- </a:t>
+            </a:r>
+            <a:r>
+              <a:rPr lang="en-US" dirty="0" err="1"/>
+              <a:t>SeaweedFS</a:t>
+            </a:r>
+            <a:r>
+              <a:rPr lang="en-US" dirty="0"/>
+              <a:t> </a:t>
+            </a:r>
+            <a:r>
+              <a:rPr lang="en-US" dirty="0" err="1"/>
+              <a:t>có</a:t>
+            </a:r>
+            <a:r>
+              <a:rPr lang="en-US" dirty="0"/>
+              <a:t> </a:t>
+            </a:r>
+            <a:r>
+              <a:rPr lang="en-US" dirty="0" err="1"/>
+              <a:t>thể</a:t>
+            </a:r>
+            <a:r>
+              <a:rPr lang="en-US" dirty="0"/>
+              <a:t> </a:t>
+            </a:r>
+            <a:r>
+              <a:rPr lang="en-US" dirty="0" err="1"/>
+              <a:t>gửi</a:t>
+            </a:r>
+            <a:r>
+              <a:rPr lang="en-US" dirty="0"/>
+              <a:t> metrics </a:t>
+            </a:r>
+            <a:r>
+              <a:rPr lang="en-US" dirty="0" err="1"/>
+              <a:t>tới</a:t>
+            </a:r>
+            <a:r>
+              <a:rPr lang="en-US" dirty="0"/>
+              <a:t> Prometheus </a:t>
+            </a:r>
+            <a:r>
+              <a:rPr lang="en-US" dirty="0" err="1"/>
+              <a:t>và</a:t>
+            </a:r>
+            <a:r>
+              <a:rPr lang="en-US" dirty="0"/>
+              <a:t> </a:t>
+            </a:r>
+            <a:r>
+              <a:rPr lang="en-US" dirty="0" err="1"/>
+              <a:t>dùng</a:t>
+            </a:r>
+            <a:r>
+              <a:rPr lang="en-US" dirty="0"/>
+              <a:t> Grafana </a:t>
+            </a:r>
+            <a:r>
+              <a:rPr lang="en-US" dirty="0" err="1"/>
+              <a:t>để</a:t>
+            </a:r>
+            <a:r>
+              <a:rPr lang="en-US" dirty="0"/>
+              <a:t> visualize.</a:t>
+            </a:r>
+          </a:p>
+          <a:p>
+            <a:r>
+              <a:rPr lang="en-US" dirty="0"/>
+              <a:t>- Shared Grafana Dashboard: </a:t>
+            </a:r>
+            <a:r>
+              <a:rPr lang="en-US" dirty="0">
+                <a:hlinkClick r:id="rId3"/>
+              </a:rPr>
+              <a:t>https://github.com/seaweedfs/seaweedfs/blob/master/other/metrics/grafana_seaweedfs.json</a:t>
+            </a:r>
+            <a:endParaRPr lang="en-US" dirty="0"/>
+          </a:p>
+        </p:txBody>
+      </p:sp>
+    </p:spTree>
+    <p:extLst>
+      <p:ext uri="{BB962C8B-B14F-4D97-AF65-F5344CB8AC3E}">
+        <p14:creationId xmlns:p14="http://schemas.microsoft.com/office/powerpoint/2010/main" val="1502313540"/>
+      </p:ext>
+    </p:extLst>
+  </p:cSld>
+  <p:clrMapOvr>
+    <a:masterClrMapping/>
+  </p:clrMapOvr>
+</p:sld>
+</file>
+
+<file path=ppt/slides/slide22.xml><?xml version="1.0" encoding="utf-8"?>
+<p:sld xmlns:a="http://schemas.openxmlformats.org/drawingml/2006/main" xmlns:r="http://schemas.openxmlformats.org/officeDocument/2006/relationships" xmlns:p="http://schemas.openxmlformats.org/presentationml/2006/main">
+  <p:cSld>
+    <p:spTree>
+      <p:nvGrpSpPr>
+        <p:cNvPr id="1" name=""/>
+        <p:cNvGrpSpPr/>
+        <p:nvPr/>
+      </p:nvGrpSpPr>
+      <p:grpSpPr>
+        <a:xfrm>
+          <a:off x="0" y="0"/>
+          <a:ext cx="0" cy="0"/>
+          <a:chOff x="0" y="0"/>
+          <a:chExt cx="0" cy="0"/>
+        </a:xfrm>
+      </p:grpSpPr>
+      <p:sp>
+        <p:nvSpPr>
+          <p:cNvPr id="2" name="Title 1">
+            <a:extLst>
+              <a:ext uri="{FF2B5EF4-FFF2-40B4-BE49-F238E27FC236}">
+                <a16:creationId xmlns:a16="http://schemas.microsoft.com/office/drawing/2014/main" id="{1743B7B7-3D24-90A2-3C58-A65F9D64BCA3}"/>
+              </a:ext>
+            </a:extLst>
+          </p:cNvPr>
+          <p:cNvSpPr>
+            <a:spLocks noGrp="1"/>
+          </p:cNvSpPr>
+          <p:nvPr>
+            <p:ph type="title"/>
+          </p:nvPr>
+        </p:nvSpPr>
+        <p:spPr/>
+        <p:txBody>
+          <a:bodyPr/>
+          <a:lstStyle/>
+          <a:p>
+            <a:r>
+              <a:rPr lang="en-US" dirty="0"/>
+              <a:t>12. Security</a:t>
+            </a:r>
+          </a:p>
+        </p:txBody>
+      </p:sp>
+      <p:sp>
+        <p:nvSpPr>
+          <p:cNvPr id="3" name="Content Placeholder 2">
+            <a:extLst>
+              <a:ext uri="{FF2B5EF4-FFF2-40B4-BE49-F238E27FC236}">
+                <a16:creationId xmlns:a16="http://schemas.microsoft.com/office/drawing/2014/main" id="{A1BF9DE8-18D6-7AB4-C15C-10ADFA630E82}"/>
+              </a:ext>
+            </a:extLst>
+          </p:cNvPr>
+          <p:cNvSpPr>
+            <a:spLocks noGrp="1"/>
+          </p:cNvSpPr>
+          <p:nvPr>
+            <p:ph idx="1"/>
+          </p:nvPr>
+        </p:nvSpPr>
+        <p:spPr/>
+        <p:txBody>
+          <a:bodyPr/>
+          <a:lstStyle/>
+          <a:p>
+            <a:r>
+              <a:rPr lang="en-US" dirty="0"/>
+              <a:t>- Config </a:t>
+            </a:r>
+            <a:r>
+              <a:rPr lang="en-US" dirty="0" err="1"/>
+              <a:t>bằng</a:t>
+            </a:r>
+            <a:r>
+              <a:rPr lang="en-US" dirty="0"/>
+              <a:t> </a:t>
+            </a:r>
+            <a:r>
+              <a:rPr lang="en-US" dirty="0" err="1"/>
+              <a:t>security.toml</a:t>
+            </a:r>
+            <a:endParaRPr lang="en-US" dirty="0"/>
+          </a:p>
+          <a:p>
+            <a:r>
+              <a:rPr lang="en-US" dirty="0"/>
+              <a:t>- </a:t>
+            </a:r>
+            <a:r>
+              <a:rPr lang="en-US" dirty="0" err="1"/>
+              <a:t>Bảo</a:t>
+            </a:r>
+            <a:r>
+              <a:rPr lang="en-US" dirty="0"/>
+              <a:t> </a:t>
+            </a:r>
+            <a:r>
+              <a:rPr lang="en-US" dirty="0" err="1"/>
+              <a:t>mật</a:t>
+            </a:r>
+            <a:r>
+              <a:rPr lang="en-US" dirty="0"/>
+              <a:t> Volume Servers dung JWT</a:t>
+            </a:r>
+          </a:p>
+          <a:p>
+            <a:r>
+              <a:rPr lang="en-US" dirty="0"/>
+              <a:t>- </a:t>
+            </a:r>
+            <a:r>
+              <a:rPr lang="en-US" dirty="0" err="1"/>
+              <a:t>Bảo</a:t>
+            </a:r>
+            <a:r>
+              <a:rPr lang="en-US" dirty="0"/>
+              <a:t> </a:t>
+            </a:r>
+            <a:r>
+              <a:rPr lang="en-US" dirty="0" err="1"/>
+              <a:t>mật</a:t>
+            </a:r>
+            <a:r>
+              <a:rPr lang="en-US" dirty="0"/>
+              <a:t> Filer dung JWT</a:t>
+            </a:r>
+          </a:p>
+        </p:txBody>
+      </p:sp>
+    </p:spTree>
+    <p:extLst>
+      <p:ext uri="{BB962C8B-B14F-4D97-AF65-F5344CB8AC3E}">
+        <p14:creationId xmlns:p14="http://schemas.microsoft.com/office/powerpoint/2010/main" val="2500241660"/>
+      </p:ext>
+    </p:extLst>
+  </p:cSld>
+  <p:clrMapOvr>
+    <a:masterClrMapping/>
+  </p:clrMapOvr>
+</p:sld>
+</file>
+
+<file path=ppt/slides/slide23.xml><?xml version="1.0" encoding="utf-8"?>
+<p:sld xmlns:a="http://schemas.openxmlformats.org/drawingml/2006/main" xmlns:r="http://schemas.openxmlformats.org/officeDocument/2006/relationships" xmlns:p="http://schemas.openxmlformats.org/presentationml/2006/main">
+  <p:cSld>
+    <p:spTree>
+      <p:nvGrpSpPr>
+        <p:cNvPr id="1" name=""/>
+        <p:cNvGrpSpPr/>
+        <p:nvPr/>
+      </p:nvGrpSpPr>
+      <p:grpSpPr>
+        <a:xfrm>
+          <a:off x="0" y="0"/>
+          <a:ext cx="0" cy="0"/>
+          <a:chOff x="0" y="0"/>
+          <a:chExt cx="0" cy="0"/>
+        </a:xfrm>
+      </p:grpSpPr>
+      <p:sp>
+        <p:nvSpPr>
+          <p:cNvPr id="2" name="Title 1">
+            <a:extLst>
+              <a:ext uri="{FF2B5EF4-FFF2-40B4-BE49-F238E27FC236}">
+                <a16:creationId xmlns:a16="http://schemas.microsoft.com/office/drawing/2014/main" id="{1743B7B7-3D24-90A2-3C58-A65F9D64BCA3}"/>
+              </a:ext>
+            </a:extLst>
+          </p:cNvPr>
+          <p:cNvSpPr>
+            <a:spLocks noGrp="1"/>
+          </p:cNvSpPr>
+          <p:nvPr>
+            <p:ph type="title"/>
+          </p:nvPr>
+        </p:nvSpPr>
+        <p:spPr/>
+        <p:txBody>
+          <a:bodyPr/>
+          <a:lstStyle/>
+          <a:p>
+            <a:r>
+              <a:rPr lang="en-US" dirty="0"/>
+              <a:t>13. I/o performance</a:t>
+            </a:r>
+          </a:p>
+        </p:txBody>
+      </p:sp>
+      <p:sp>
+        <p:nvSpPr>
+          <p:cNvPr id="3" name="Content Placeholder 2">
+            <a:extLst>
+              <a:ext uri="{FF2B5EF4-FFF2-40B4-BE49-F238E27FC236}">
+                <a16:creationId xmlns:a16="http://schemas.microsoft.com/office/drawing/2014/main" id="{A1BF9DE8-18D6-7AB4-C15C-10ADFA630E82}"/>
+              </a:ext>
+            </a:extLst>
+          </p:cNvPr>
+          <p:cNvSpPr>
+            <a:spLocks noGrp="1"/>
+          </p:cNvSpPr>
+          <p:nvPr>
+            <p:ph idx="1"/>
+          </p:nvPr>
+        </p:nvSpPr>
+        <p:spPr/>
+        <p:txBody>
+          <a:bodyPr/>
+          <a:lstStyle/>
+          <a:p>
+            <a:endParaRPr lang="en-US" dirty="0"/>
+          </a:p>
+        </p:txBody>
+      </p:sp>
+    </p:spTree>
+    <p:extLst>
+      <p:ext uri="{BB962C8B-B14F-4D97-AF65-F5344CB8AC3E}">
+        <p14:creationId xmlns:p14="http://schemas.microsoft.com/office/powerpoint/2010/main" val="12475379"/>
+      </p:ext>
+    </p:extLst>
+  </p:cSld>
+  <p:clrMapOvr>
+    <a:masterClrMapping/>
+  </p:clrMapOvr>
+</p:sld>
+</file>
+
+<file path=ppt/slides/slide24.xml><?xml version="1.0" encoding="utf-8"?>
+<p:sld xmlns:a="http://schemas.openxmlformats.org/drawingml/2006/main" xmlns:r="http://schemas.openxmlformats.org/officeDocument/2006/relationships" xmlns:p="http://schemas.openxmlformats.org/presentationml/2006/main">
+  <p:cSld>
+    <p:spTree>
+      <p:nvGrpSpPr>
+        <p:cNvPr id="1" name=""/>
+        <p:cNvGrpSpPr/>
+        <p:nvPr/>
+      </p:nvGrpSpPr>
+      <p:grpSpPr>
+        <a:xfrm>
+          <a:off x="0" y="0"/>
+          <a:ext cx="0" cy="0"/>
+          <a:chOff x="0" y="0"/>
+          <a:chExt cx="0" cy="0"/>
+        </a:xfrm>
+      </p:grpSpPr>
+      <p:sp>
+        <p:nvSpPr>
+          <p:cNvPr id="2" name="Title 1">
+            <a:extLst>
+              <a:ext uri="{FF2B5EF4-FFF2-40B4-BE49-F238E27FC236}">
+                <a16:creationId xmlns:a16="http://schemas.microsoft.com/office/drawing/2014/main" id="{4B50D9C9-0C70-2E5C-86DD-0F659225A3B7}"/>
+              </a:ext>
+            </a:extLst>
+          </p:cNvPr>
+          <p:cNvSpPr>
+            <a:spLocks noGrp="1"/>
+          </p:cNvSpPr>
+          <p:nvPr>
+            <p:ph type="title" idx="4294967295"/>
+          </p:nvPr>
+        </p:nvSpPr>
+        <p:spPr>
+          <a:xfrm>
+            <a:off x="0" y="2679700"/>
+            <a:ext cx="9718675" cy="1498600"/>
+          </a:xfrm>
+        </p:spPr>
+        <p:txBody>
+          <a:bodyPr/>
+          <a:lstStyle/>
+          <a:p>
+            <a:pPr algn="ctr"/>
+            <a:r>
+              <a:rPr lang="en-US" dirty="0"/>
+              <a:t>Thank you for listening!</a:t>
+            </a:r>
+          </a:p>
+        </p:txBody>
+      </p:sp>
+    </p:spTree>
+    <p:extLst>
+      <p:ext uri="{BB962C8B-B14F-4D97-AF65-F5344CB8AC3E}">
+        <p14:creationId xmlns:p14="http://schemas.microsoft.com/office/powerpoint/2010/main" val="31356700"/>
       </p:ext>
     </p:extLst>
   </p:cSld>
@@ -23427,6 +27052,104 @@
             <a:r>
               <a:rPr lang="en-US" sz="2000" dirty="0"/>
               <a:t> replication</a:t>
+            </a:r>
+          </a:p>
+          <a:p>
+            <a:pPr>
+              <a:buFontTx/>
+              <a:buChar char="-"/>
+            </a:pPr>
+            <a:r>
+              <a:rPr lang="en-US" sz="2000" dirty="0"/>
+              <a:t> </a:t>
+            </a:r>
+            <a:r>
+              <a:rPr lang="en-US" sz="2000" dirty="0" err="1"/>
+              <a:t>Có</a:t>
+            </a:r>
+            <a:r>
+              <a:rPr lang="en-US" sz="2000" dirty="0"/>
+              <a:t> </a:t>
+            </a:r>
+            <a:r>
+              <a:rPr lang="en-US" sz="2000" dirty="0" err="1"/>
+              <a:t>giao</a:t>
+            </a:r>
+            <a:r>
+              <a:rPr lang="en-US" sz="2000" dirty="0"/>
+              <a:t> </a:t>
+            </a:r>
+            <a:r>
+              <a:rPr lang="en-US" sz="2000" dirty="0" err="1"/>
+              <a:t>diện</a:t>
+            </a:r>
+            <a:r>
+              <a:rPr lang="en-US" sz="2000" dirty="0"/>
+              <a:t> </a:t>
+            </a:r>
+            <a:r>
+              <a:rPr lang="en-US" sz="2000" dirty="0" err="1"/>
+              <a:t>để</a:t>
+            </a:r>
+            <a:r>
+              <a:rPr lang="en-US" sz="2000" dirty="0"/>
+              <a:t> </a:t>
+            </a:r>
+            <a:r>
+              <a:rPr lang="en-US" sz="2000" dirty="0" err="1"/>
+              <a:t>xem</a:t>
+            </a:r>
+            <a:r>
+              <a:rPr lang="en-US" sz="2000" dirty="0"/>
+              <a:t> </a:t>
+            </a:r>
+            <a:r>
+              <a:rPr lang="en-US" sz="2000" dirty="0" err="1"/>
+              <a:t>thông</a:t>
+            </a:r>
+            <a:r>
+              <a:rPr lang="en-US" sz="2000" dirty="0"/>
+              <a:t> tin </a:t>
+            </a:r>
+            <a:r>
+              <a:rPr lang="en-US" sz="2000" dirty="0" err="1"/>
+              <a:t>của</a:t>
+            </a:r>
+            <a:r>
+              <a:rPr lang="en-US" sz="2000" dirty="0"/>
+              <a:t> </a:t>
+            </a:r>
+            <a:r>
+              <a:rPr lang="en-US" sz="2000" dirty="0" err="1"/>
+              <a:t>toàn</a:t>
+            </a:r>
+            <a:r>
+              <a:rPr lang="en-US" sz="2000" dirty="0"/>
+              <a:t> </a:t>
+            </a:r>
+            <a:r>
+              <a:rPr lang="en-US" sz="2000" dirty="0" err="1"/>
+              <a:t>bộ</a:t>
+            </a:r>
+            <a:r>
+              <a:rPr lang="en-US" sz="2000" dirty="0"/>
+              <a:t> master cluster </a:t>
+            </a:r>
+            <a:r>
+              <a:rPr lang="en-US" sz="2000" dirty="0" err="1"/>
+              <a:t>và</a:t>
+            </a:r>
+            <a:r>
+              <a:rPr lang="en-US" sz="2000" dirty="0"/>
+              <a:t> </a:t>
+            </a:r>
+            <a:r>
+              <a:rPr lang="en-US" sz="2000" dirty="0" err="1"/>
+              <a:t>các</a:t>
+            </a:r>
+            <a:r>
+              <a:rPr lang="en-US" sz="2000" dirty="0"/>
+              <a:t> volume servers (port 9333)</a:t>
             </a:r>
           </a:p>
         </p:txBody>
@@ -24520,7 +28243,7 @@
             </a:r>
             <a:r>
               <a:rPr lang="en-US" sz="2000" dirty="0"/>
-              <a:t>. </a:t>
+              <a:t> (default: 8). </a:t>
             </a:r>
             <a:r>
               <a:rPr lang="en-US" sz="2000" dirty="0" err="1"/>
@@ -24709,7 +28432,7 @@
             </a:r>
             <a:r>
               <a:rPr lang="en-US" sz="2000" dirty="0"/>
-              <a:t>. </a:t>
+              <a:t> (default: 30000). </a:t>
             </a:r>
             <a:r>
               <a:rPr lang="en-US" sz="2000" dirty="0" err="1"/>
@@ -24933,16 +28656,105 @@
             <a:r>
               <a:rPr lang="en-US" sz="2000" dirty="0"/>
               <a:t> collection:</a:t>
+            </a:r>
+          </a:p>
+          <a:p>
+            <a:r>
+              <a:rPr lang="en-US" sz="2000" dirty="0"/>
+              <a:t>- </a:t>
+            </a:r>
+            <a:r>
+              <a:rPr lang="en-US" sz="2000" dirty="0" err="1"/>
+              <a:t>Các</a:t>
+            </a:r>
+            <a:r>
+              <a:rPr lang="en-US" sz="2000" dirty="0"/>
+              <a:t> volume </a:t>
+            </a:r>
+            <a:r>
+              <a:rPr lang="en-US" sz="2000" dirty="0" err="1"/>
+              <a:t>chung</a:t>
+            </a:r>
+            <a:r>
+              <a:rPr lang="en-US" sz="2000" dirty="0"/>
+              <a:t> 1 collection </a:t>
+            </a:r>
+            <a:r>
+              <a:rPr lang="en-US" sz="2000" dirty="0" err="1"/>
+              <a:t>sẽ</a:t>
+            </a:r>
+            <a:r>
+              <a:rPr lang="en-US" sz="2000" dirty="0"/>
+              <a:t> </a:t>
+            </a:r>
+            <a:r>
+              <a:rPr lang="en-US" sz="2000" dirty="0" err="1"/>
+              <a:t>có</a:t>
+            </a:r>
+            <a:r>
+              <a:rPr lang="en-US" sz="2000" dirty="0"/>
+              <a:t> </a:t>
+            </a:r>
+            <a:r>
+              <a:rPr lang="en-US" sz="2000" dirty="0" err="1"/>
+              <a:t>tên</a:t>
+            </a:r>
+            <a:r>
+              <a:rPr lang="en-US" sz="2000" dirty="0"/>
+              <a:t> file </a:t>
+            </a:r>
+            <a:r>
+              <a:rPr lang="en-US" sz="2000" dirty="0" err="1"/>
+              <a:t>theo</a:t>
+            </a:r>
+            <a:r>
+              <a:rPr lang="en-US" sz="2000" dirty="0"/>
+              <a:t> </a:t>
+            </a:r>
+            <a:r>
+              <a:rPr lang="en-US" sz="2000" dirty="0" err="1"/>
+              <a:t>dạng</a:t>
+            </a:r>
+            <a:endParaRPr lang="en-US" sz="2000" dirty="0"/>
+          </a:p>
+          <a:p>
+            <a:r>
+              <a:rPr lang="en-US" sz="2000" dirty="0"/>
+              <a:t>&lt;</a:t>
+            </a:r>
+            <a:r>
+              <a:rPr lang="en-US" sz="2000" dirty="0" err="1"/>
+              <a:t>collection_name</a:t>
+            </a:r>
+            <a:r>
+              <a:rPr lang="en-US" sz="2000" dirty="0"/>
+              <a:t>&gt;_&lt;</a:t>
+            </a:r>
+            <a:r>
+              <a:rPr lang="en-US" sz="2000" dirty="0" err="1"/>
+              <a:t>volume_id</a:t>
+            </a:r>
+            <a:r>
+              <a:rPr lang="en-US" sz="2000" dirty="0"/>
+              <a:t>&gt;.</a:t>
+            </a:r>
+            <a:r>
+              <a:rPr lang="en-US" sz="2000" dirty="0" err="1"/>
+              <a:t>dat</a:t>
+            </a:r>
+            <a:r>
+              <a:rPr lang="en-US" sz="2000" dirty="0"/>
+              <a:t>, ....</a:t>
             </a:r>
           </a:p>
         </p:txBody>
       </p:sp>
       <p:pic>
         <p:nvPicPr>
-          <p:cNvPr id="13" name="Picture 12">
+          <p:cNvPr id="16" name="Picture 15">
             <a:extLst>
               <a:ext uri="{FF2B5EF4-FFF2-40B4-BE49-F238E27FC236}">
-                <a16:creationId xmlns:a16="http://schemas.microsoft.com/office/drawing/2014/main" id="{F81D7759-3AD9-6FEF-BD78-62672167F6BA}"/>
+                <a16:creationId xmlns:a16="http://schemas.microsoft.com/office/drawing/2014/main" id="{76A2B8AF-0B80-10C3-F9A3-B8C8BA5D325E}"/>
               </a:ext>
             </a:extLst>
           </p:cNvPr>
@@ -24959,8 +28771,8 @@
         </p:blipFill>
         <p:spPr>
           <a:xfrm>
-            <a:off x="9330493" y="226194"/>
-            <a:ext cx="2048434" cy="1348499"/>
+            <a:off x="6873307" y="5194274"/>
+            <a:ext cx="4916985" cy="1078510"/>
           </a:xfrm>
           <a:prstGeom prst="rect">
             <a:avLst/>
@@ -24969,10 +28781,10 @@
       </p:pic>
       <p:pic>
         <p:nvPicPr>
-          <p:cNvPr id="16" name="Picture 15">
+          <p:cNvPr id="7" name="Picture 6">
             <a:extLst>
               <a:ext uri="{FF2B5EF4-FFF2-40B4-BE49-F238E27FC236}">
-                <a16:creationId xmlns:a16="http://schemas.microsoft.com/office/drawing/2014/main" id="{76A2B8AF-0B80-10C3-F9A3-B8C8BA5D325E}"/>
+                <a16:creationId xmlns:a16="http://schemas.microsoft.com/office/drawing/2014/main" id="{521E3404-CCDE-A529-7C73-F497475020EE}"/>
               </a:ext>
             </a:extLst>
           </p:cNvPr>
@@ -24989,8 +28801,8 @@
         </p:blipFill>
         <p:spPr>
           <a:xfrm>
-            <a:off x="3425671" y="5461737"/>
-            <a:ext cx="4916985" cy="1078510"/>
+            <a:off x="9047747" y="448878"/>
+            <a:ext cx="2598166" cy="1351046"/>
           </a:xfrm>
           <a:prstGeom prst="rect">
             <a:avLst/>

--- a/SeaweedFS_2.pptx
+++ b/SeaweedFS_2.pptx
@@ -252,7 +252,7 @@
           <a:p>
             <a:fld id="{F4EA02E5-E721-49EC-8C9E-831D4F1F80C1}" type="datetimeFigureOut">
               <a:rPr lang="en-US" smtClean="0"/>
-              <a:t>5/21/2025</a:t>
+              <a:t>5/23/2025</a:t>
             </a:fld>
             <a:endParaRPr lang="en-US"/>
           </a:p>
@@ -10470,7 +10470,7 @@
           <a:p>
             <a:fld id="{E20551D8-BC34-4A3A-9222-8DAA018FDB8F}" type="datetimeFigureOut">
               <a:rPr lang="en-US" smtClean="0"/>
-              <a:t>5/21/2025</a:t>
+              <a:t>5/23/2025</a:t>
             </a:fld>
             <a:endParaRPr lang="en-US"/>
           </a:p>
@@ -10677,7 +10677,7 @@
           <a:p>
             <a:fld id="{E20551D8-BC34-4A3A-9222-8DAA018FDB8F}" type="datetimeFigureOut">
               <a:rPr lang="en-US" smtClean="0"/>
-              <a:t>5/21/2025</a:t>
+              <a:t>5/23/2025</a:t>
             </a:fld>
             <a:endParaRPr lang="en-US"/>
           </a:p>
@@ -10857,7 +10857,7 @@
           <a:p>
             <a:fld id="{E20551D8-BC34-4A3A-9222-8DAA018FDB8F}" type="datetimeFigureOut">
               <a:rPr lang="en-US" smtClean="0"/>
-              <a:t>5/21/2025</a:t>
+              <a:t>5/23/2025</a:t>
             </a:fld>
             <a:endParaRPr lang="en-US"/>
           </a:p>
@@ -11062,7 +11062,7 @@
           <a:p>
             <a:fld id="{E20551D8-BC34-4A3A-9222-8DAA018FDB8F}" type="datetimeFigureOut">
               <a:rPr lang="en-US" smtClean="0"/>
-              <a:t>5/21/2025</a:t>
+              <a:t>5/23/2025</a:t>
             </a:fld>
             <a:endParaRPr lang="en-US"/>
           </a:p>
@@ -19960,7 +19960,7 @@
           <a:p>
             <a:fld id="{E20551D8-BC34-4A3A-9222-8DAA018FDB8F}" type="datetimeFigureOut">
               <a:rPr lang="en-US" smtClean="0"/>
-              <a:t>5/21/2025</a:t>
+              <a:t>5/23/2025</a:t>
             </a:fld>
             <a:endParaRPr lang="en-US"/>
           </a:p>
@@ -20234,7 +20234,7 @@
           <a:p>
             <a:fld id="{E20551D8-BC34-4A3A-9222-8DAA018FDB8F}" type="datetimeFigureOut">
               <a:rPr lang="en-US" smtClean="0"/>
-              <a:t>5/21/2025</a:t>
+              <a:t>5/23/2025</a:t>
             </a:fld>
             <a:endParaRPr lang="en-US"/>
           </a:p>
@@ -20632,7 +20632,7 @@
           <a:p>
             <a:fld id="{E20551D8-BC34-4A3A-9222-8DAA018FDB8F}" type="datetimeFigureOut">
               <a:rPr lang="en-US" smtClean="0"/>
-              <a:t>5/21/2025</a:t>
+              <a:t>5/23/2025</a:t>
             </a:fld>
             <a:endParaRPr lang="en-US"/>
           </a:p>
@@ -20750,7 +20750,7 @@
           <a:p>
             <a:fld id="{E20551D8-BC34-4A3A-9222-8DAA018FDB8F}" type="datetimeFigureOut">
               <a:rPr lang="en-US" smtClean="0"/>
-              <a:t>5/21/2025</a:t>
+              <a:t>5/23/2025</a:t>
             </a:fld>
             <a:endParaRPr lang="en-US"/>
           </a:p>
@@ -20845,7 +20845,7 @@
           <a:p>
             <a:fld id="{E20551D8-BC34-4A3A-9222-8DAA018FDB8F}" type="datetimeFigureOut">
               <a:rPr lang="en-US" smtClean="0"/>
-              <a:t>5/21/2025</a:t>
+              <a:t>5/23/2025</a:t>
             </a:fld>
             <a:endParaRPr lang="en-US"/>
           </a:p>
@@ -21135,7 +21135,7 @@
           <a:p>
             <a:fld id="{E20551D8-BC34-4A3A-9222-8DAA018FDB8F}" type="datetimeFigureOut">
               <a:rPr lang="en-US" smtClean="0"/>
-              <a:t>5/21/2025</a:t>
+              <a:t>5/23/2025</a:t>
             </a:fld>
             <a:endParaRPr lang="en-US"/>
           </a:p>
@@ -21415,7 +21415,7 @@
           <a:p>
             <a:fld id="{E20551D8-BC34-4A3A-9222-8DAA018FDB8F}" type="datetimeFigureOut">
               <a:rPr lang="en-US" smtClean="0"/>
-              <a:t>5/21/2025</a:t>
+              <a:t>5/23/2025</a:t>
             </a:fld>
             <a:endParaRPr lang="en-US"/>
           </a:p>
@@ -21665,7 +21665,7 @@
           <a:p>
             <a:fld id="{E20551D8-BC34-4A3A-9222-8DAA018FDB8F}" type="datetimeFigureOut">
               <a:rPr lang="en-US" smtClean="0"/>
-              <a:t>5/21/2025</a:t>
+              <a:t>5/23/2025</a:t>
             </a:fld>
             <a:endParaRPr lang="en-US"/>
           </a:p>
@@ -26005,7 +26005,7 @@
           </a:p>
           <a:p>
             <a:r>
-              <a:rPr lang="en-US" dirty="0"/>
+              <a:rPr lang="en-US" b="1" dirty="0"/>
               <a:t>Async Backup: </a:t>
             </a:r>
             <a:r>
@@ -26119,7 +26119,7 @@
           </a:p>
           <a:p>
             <a:r>
-              <a:rPr lang="en-US" dirty="0"/>
+              <a:rPr lang="en-US" b="1" dirty="0"/>
               <a:t>Recovery:</a:t>
             </a:r>
           </a:p>
@@ -26474,7 +26474,9 @@
         </p:nvSpPr>
         <p:spPr/>
         <p:txBody>
-          <a:bodyPr/>
+          <a:bodyPr>
+            <a:normAutofit/>
+          </a:bodyPr>
           <a:lstStyle/>
           <a:p>
             <a:r>
@@ -26492,6 +26494,28 @@
             <a:r>
               <a:rPr lang="en-US" dirty="0" err="1"/>
               <a:t>security.toml</a:t>
+            </a:r>
+            <a:r>
+              <a:rPr lang="en-US" dirty="0"/>
+              <a:t> generate </a:t>
+            </a:r>
+            <a:r>
+              <a:rPr lang="en-US" dirty="0" err="1"/>
+              <a:t>bằng</a:t>
+            </a:r>
+            <a:r>
+              <a:rPr lang="en-US" dirty="0"/>
+              <a:t> </a:t>
+            </a:r>
+            <a:r>
+              <a:rPr lang="en-US" b="0" i="0" dirty="0">
+                <a:solidFill>
+                  <a:srgbClr val="1F2328"/>
+                </a:solidFill>
+                <a:effectLst/>
+                <a:latin typeface="ui-monospace"/>
+              </a:rPr>
+              <a:t>weed scaffold -config=security</a:t>
             </a:r>
             <a:endParaRPr lang="en-US" dirty="0"/>
           </a:p>
@@ -26514,10 +26538,188 @@
             </a:r>
             <a:r>
               <a:rPr lang="en-US" dirty="0"/>
-              <a:t> Volume Servers dung JWT</a:t>
+              <a:t> Volume Servers dung JW</a:t>
             </a:r>
           </a:p>
           <a:p>
+            <a:pPr marL="0" indent="0">
+              <a:buNone/>
+            </a:pPr>
+            <a:r>
+              <a:rPr lang="en-US" dirty="0"/>
+              <a:t>	+ </a:t>
+            </a:r>
+            <a:r>
+              <a:rPr lang="en-US" dirty="0" err="1"/>
+              <a:t>Trong</a:t>
+            </a:r>
+            <a:r>
+              <a:rPr lang="en-US" dirty="0"/>
+              <a:t> </a:t>
+            </a:r>
+            <a:r>
+              <a:rPr lang="en-US" dirty="0" err="1"/>
+              <a:t>security.toml</a:t>
+            </a:r>
+            <a:r>
+              <a:rPr lang="en-US" dirty="0"/>
+              <a:t>, set “</a:t>
+            </a:r>
+            <a:r>
+              <a:rPr lang="en-US" b="0" i="0" dirty="0" err="1">
+                <a:solidFill>
+                  <a:srgbClr val="1F2328"/>
+                </a:solidFill>
+                <a:effectLst/>
+                <a:latin typeface="ui-monospace"/>
+              </a:rPr>
+              <a:t>jwt.signing.key</a:t>
+            </a:r>
+            <a:r>
+              <a:rPr lang="en-US" b="0" i="0" dirty="0">
+                <a:solidFill>
+                  <a:srgbClr val="1F2328"/>
+                </a:solidFill>
+                <a:effectLst/>
+                <a:latin typeface="ui-monospace"/>
+              </a:rPr>
+              <a:t>” </a:t>
+            </a:r>
+          </a:p>
+          <a:p>
+            <a:r>
+              <a:rPr lang="en-US" dirty="0">
+                <a:solidFill>
+                  <a:srgbClr val="1F2328"/>
+                </a:solidFill>
+                <a:latin typeface="ui-monospace"/>
+              </a:rPr>
+              <a:t>      	</a:t>
+            </a:r>
+            <a:r>
+              <a:rPr lang="en-US" dirty="0"/>
+              <a:t>+ Copy file </a:t>
+            </a:r>
+            <a:r>
+              <a:rPr lang="en-US" dirty="0">
+                <a:solidFill>
+                  <a:srgbClr val="1F2328"/>
+                </a:solidFill>
+                <a:latin typeface="ui-monospace"/>
+              </a:rPr>
+              <a:t>security </a:t>
+            </a:r>
+            <a:r>
+              <a:rPr lang="en-US" dirty="0" err="1">
+                <a:solidFill>
+                  <a:srgbClr val="1F2328"/>
+                </a:solidFill>
+                <a:latin typeface="ui-monospace"/>
+              </a:rPr>
+              <a:t>tương</a:t>
+            </a:r>
+            <a:r>
+              <a:rPr lang="en-US" dirty="0">
+                <a:solidFill>
+                  <a:srgbClr val="1F2328"/>
+                </a:solidFill>
+                <a:latin typeface="ui-monospace"/>
+              </a:rPr>
+              <a:t> </a:t>
+            </a:r>
+            <a:r>
+              <a:rPr lang="en-US" dirty="0" err="1">
+                <a:solidFill>
+                  <a:srgbClr val="1F2328"/>
+                </a:solidFill>
+                <a:latin typeface="ui-monospace"/>
+              </a:rPr>
+              <a:t>tự</a:t>
+            </a:r>
+            <a:r>
+              <a:rPr lang="en-US" dirty="0">
+                <a:solidFill>
+                  <a:srgbClr val="1F2328"/>
+                </a:solidFill>
+                <a:latin typeface="ui-monospace"/>
+              </a:rPr>
+              <a:t> sang </a:t>
+            </a:r>
+            <a:r>
+              <a:rPr lang="en-US" dirty="0" err="1">
+                <a:solidFill>
+                  <a:srgbClr val="1F2328"/>
+                </a:solidFill>
+                <a:latin typeface="ui-monospace"/>
+              </a:rPr>
+              <a:t>tất</a:t>
+            </a:r>
+            <a:r>
+              <a:rPr lang="en-US" dirty="0">
+                <a:solidFill>
+                  <a:srgbClr val="1F2328"/>
+                </a:solidFill>
+                <a:latin typeface="ui-monospace"/>
+              </a:rPr>
+              <a:t> </a:t>
+            </a:r>
+            <a:r>
+              <a:rPr lang="en-US" dirty="0" err="1">
+                <a:solidFill>
+                  <a:srgbClr val="1F2328"/>
+                </a:solidFill>
+                <a:latin typeface="ui-monospace"/>
+              </a:rPr>
+              <a:t>cả</a:t>
+            </a:r>
+            <a:r>
+              <a:rPr lang="en-US" dirty="0">
+                <a:solidFill>
+                  <a:srgbClr val="1F2328"/>
+                </a:solidFill>
+                <a:latin typeface="ui-monospace"/>
+              </a:rPr>
+              <a:t> masters </a:t>
+            </a:r>
+            <a:r>
+              <a:rPr lang="en-US" dirty="0" err="1">
+                <a:solidFill>
+                  <a:srgbClr val="1F2328"/>
+                </a:solidFill>
+                <a:latin typeface="ui-monospace"/>
+              </a:rPr>
+              <a:t>và</a:t>
+            </a:r>
+            <a:r>
+              <a:rPr lang="en-US" dirty="0">
+                <a:solidFill>
+                  <a:srgbClr val="1F2328"/>
+                </a:solidFill>
+                <a:latin typeface="ui-monospace"/>
+              </a:rPr>
+              <a:t> </a:t>
+            </a:r>
+            <a:r>
+              <a:rPr lang="en-US" dirty="0" err="1">
+                <a:solidFill>
+                  <a:srgbClr val="1F2328"/>
+                </a:solidFill>
+                <a:latin typeface="ui-monospace"/>
+              </a:rPr>
+              <a:t>các</a:t>
+            </a:r>
+            <a:r>
+              <a:rPr lang="en-US" dirty="0">
+                <a:solidFill>
+                  <a:srgbClr val="1F2328"/>
+                </a:solidFill>
+                <a:latin typeface="ui-monospace"/>
+              </a:rPr>
+              <a:t> volume servers</a:t>
+            </a:r>
+            <a:endParaRPr lang="en-US" dirty="0"/>
+          </a:p>
+          <a:p>
             <a:r>
               <a:rPr lang="en-US" dirty="0"/>
               <a:t>- </a:t>
@@ -26536,7 +26738,213 @@
             </a:r>
             <a:r>
               <a:rPr lang="en-US" dirty="0"/>
-              <a:t> Filer dung JWT</a:t>
+              <a:t> Filer HTTP dung JWT</a:t>
+            </a:r>
+          </a:p>
+          <a:p>
+            <a:pPr marL="0" indent="0">
+              <a:buNone/>
+            </a:pPr>
+            <a:r>
+              <a:rPr lang="en-US" dirty="0"/>
+              <a:t>      	+ </a:t>
+            </a:r>
+            <a:r>
+              <a:rPr lang="en-US" dirty="0" err="1"/>
+              <a:t>Trong</a:t>
+            </a:r>
+            <a:r>
+              <a:rPr lang="en-US" dirty="0"/>
+              <a:t> </a:t>
+            </a:r>
+            <a:r>
+              <a:rPr lang="en-US" dirty="0" err="1"/>
+              <a:t>security.toml</a:t>
+            </a:r>
+            <a:r>
+              <a:rPr lang="en-US" dirty="0"/>
+              <a:t>, set “</a:t>
+            </a:r>
+            <a:r>
+              <a:rPr lang="en-US" b="0" i="0" dirty="0" err="1">
+                <a:solidFill>
+                  <a:srgbClr val="1F2328"/>
+                </a:solidFill>
+                <a:effectLst/>
+                <a:latin typeface="ui-monospace"/>
+              </a:rPr>
+              <a:t>jwt.signing.key</a:t>
+            </a:r>
+            <a:r>
+              <a:rPr lang="en-US" b="0" i="0" dirty="0">
+                <a:solidFill>
+                  <a:srgbClr val="1F2328"/>
+                </a:solidFill>
+                <a:effectLst/>
+                <a:latin typeface="ui-monospace"/>
+              </a:rPr>
+              <a:t>” </a:t>
+            </a:r>
+            <a:r>
+              <a:rPr lang="en-US" b="0" i="0" dirty="0" err="1">
+                <a:solidFill>
+                  <a:srgbClr val="1F2328"/>
+                </a:solidFill>
+                <a:effectLst/>
+                <a:latin typeface="ui-monospace"/>
+              </a:rPr>
+              <a:t>và</a:t>
+            </a:r>
+            <a:r>
+              <a:rPr lang="en-US" b="0" i="0" dirty="0">
+                <a:solidFill>
+                  <a:srgbClr val="1F2328"/>
+                </a:solidFill>
+                <a:effectLst/>
+                <a:latin typeface="ui-monospace"/>
+              </a:rPr>
+              <a:t> “</a:t>
+            </a:r>
+            <a:r>
+              <a:rPr lang="en-US" b="0" i="0" dirty="0" err="1">
+                <a:solidFill>
+                  <a:srgbClr val="1F2328"/>
+                </a:solidFill>
+                <a:effectLst/>
+                <a:latin typeface="ui-monospace"/>
+              </a:rPr>
+              <a:t>jwt.filer_signing.read.key</a:t>
+            </a:r>
+            <a:r>
+              <a:rPr lang="en-US" b="0" i="0" dirty="0">
+                <a:solidFill>
+                  <a:srgbClr val="1F2328"/>
+                </a:solidFill>
+                <a:effectLst/>
+                <a:latin typeface="ui-monospace"/>
+              </a:rPr>
+              <a:t>”</a:t>
+            </a:r>
+          </a:p>
+          <a:p>
+            <a:r>
+              <a:rPr lang="en-US" dirty="0">
+                <a:solidFill>
+                  <a:srgbClr val="1F2328"/>
+                </a:solidFill>
+                <a:latin typeface="ui-monospace"/>
+              </a:rPr>
+              <a:t>      	</a:t>
+            </a:r>
+            <a:r>
+              <a:rPr lang="en-US" dirty="0"/>
+              <a:t>+ Copy file </a:t>
+            </a:r>
+            <a:r>
+              <a:rPr lang="en-US" dirty="0">
+                <a:solidFill>
+                  <a:srgbClr val="1F2328"/>
+                </a:solidFill>
+                <a:latin typeface="ui-monospace"/>
+              </a:rPr>
+              <a:t>security </a:t>
+            </a:r>
+            <a:r>
+              <a:rPr lang="en-US" dirty="0" err="1">
+                <a:solidFill>
+                  <a:srgbClr val="1F2328"/>
+                </a:solidFill>
+                <a:latin typeface="ui-monospace"/>
+              </a:rPr>
+              <a:t>tương</a:t>
+            </a:r>
+            <a:r>
+              <a:rPr lang="en-US" dirty="0">
+                <a:solidFill>
+                  <a:srgbClr val="1F2328"/>
+                </a:solidFill>
+                <a:latin typeface="ui-monospace"/>
+              </a:rPr>
+              <a:t> </a:t>
+            </a:r>
+            <a:r>
+              <a:rPr lang="en-US" dirty="0" err="1">
+                <a:solidFill>
+                  <a:srgbClr val="1F2328"/>
+                </a:solidFill>
+                <a:latin typeface="ui-monospace"/>
+              </a:rPr>
+              <a:t>tự</a:t>
+            </a:r>
+            <a:r>
+              <a:rPr lang="en-US" dirty="0">
+                <a:solidFill>
+                  <a:srgbClr val="1F2328"/>
+                </a:solidFill>
+                <a:latin typeface="ui-monospace"/>
+              </a:rPr>
+              <a:t> sang </a:t>
+            </a:r>
+            <a:r>
+              <a:rPr lang="en-US" dirty="0" err="1">
+                <a:solidFill>
+                  <a:srgbClr val="1F2328"/>
+                </a:solidFill>
+                <a:latin typeface="ui-monospace"/>
+              </a:rPr>
+              <a:t>tất</a:t>
+            </a:r>
+            <a:r>
+              <a:rPr lang="en-US" dirty="0">
+                <a:solidFill>
+                  <a:srgbClr val="1F2328"/>
+                </a:solidFill>
+                <a:latin typeface="ui-monospace"/>
+              </a:rPr>
+              <a:t> </a:t>
+            </a:r>
+            <a:r>
+              <a:rPr lang="en-US" dirty="0" err="1">
+                <a:solidFill>
+                  <a:srgbClr val="1F2328"/>
+                </a:solidFill>
+                <a:latin typeface="ui-monospace"/>
+              </a:rPr>
+              <a:t>cả</a:t>
+            </a:r>
+            <a:r>
+              <a:rPr lang="en-US" dirty="0">
+                <a:solidFill>
+                  <a:srgbClr val="1F2328"/>
+                </a:solidFill>
+                <a:latin typeface="ui-monospace"/>
+              </a:rPr>
+              <a:t> </a:t>
+            </a:r>
+            <a:r>
+              <a:rPr lang="en-US" dirty="0" err="1">
+                <a:solidFill>
+                  <a:srgbClr val="1F2328"/>
+                </a:solidFill>
+                <a:latin typeface="ui-monospace"/>
+              </a:rPr>
+              <a:t>các</a:t>
+            </a:r>
+            <a:r>
+              <a:rPr lang="en-US" dirty="0">
+                <a:solidFill>
+                  <a:srgbClr val="1F2328"/>
+                </a:solidFill>
+                <a:latin typeface="ui-monospace"/>
+              </a:rPr>
+              <a:t> filers</a:t>
+            </a:r>
+            <a:endParaRPr lang="en-US" dirty="0"/>
+          </a:p>
+          <a:p>
+            <a:r>
+              <a:rPr lang="en-US" dirty="0"/>
+              <a:t> </a:t>
             </a:r>
           </a:p>
         </p:txBody>

--- a/SeaweedFS_2.pptx
+++ b/SeaweedFS_2.pptx
@@ -5,33 +5,34 @@
     <p:sldMasterId id="2147483792" r:id="rId1"/>
   </p:sldMasterIdLst>
   <p:notesMasterIdLst>
-    <p:notesMasterId r:id="rId26"/>
+    <p:notesMasterId r:id="rId27"/>
   </p:notesMasterIdLst>
   <p:sldIdLst>
     <p:sldId id="256" r:id="rId2"/>
     <p:sldId id="257" r:id="rId3"/>
-    <p:sldId id="271" r:id="rId4"/>
-    <p:sldId id="272" r:id="rId5"/>
-    <p:sldId id="281" r:id="rId6"/>
-    <p:sldId id="273" r:id="rId7"/>
-    <p:sldId id="286" r:id="rId8"/>
-    <p:sldId id="282" r:id="rId9"/>
-    <p:sldId id="284" r:id="rId10"/>
-    <p:sldId id="285" r:id="rId11"/>
-    <p:sldId id="274" r:id="rId12"/>
-    <p:sldId id="287" r:id="rId13"/>
-    <p:sldId id="275" r:id="rId14"/>
-    <p:sldId id="276" r:id="rId15"/>
-    <p:sldId id="291" r:id="rId16"/>
-    <p:sldId id="292" r:id="rId17"/>
-    <p:sldId id="289" r:id="rId18"/>
-    <p:sldId id="277" r:id="rId19"/>
-    <p:sldId id="283" r:id="rId20"/>
-    <p:sldId id="279" r:id="rId21"/>
-    <p:sldId id="288" r:id="rId22"/>
-    <p:sldId id="293" r:id="rId23"/>
-    <p:sldId id="294" r:id="rId24"/>
-    <p:sldId id="263" r:id="rId25"/>
+    <p:sldId id="295" r:id="rId4"/>
+    <p:sldId id="271" r:id="rId5"/>
+    <p:sldId id="272" r:id="rId6"/>
+    <p:sldId id="281" r:id="rId7"/>
+    <p:sldId id="273" r:id="rId8"/>
+    <p:sldId id="286" r:id="rId9"/>
+    <p:sldId id="282" r:id="rId10"/>
+    <p:sldId id="284" r:id="rId11"/>
+    <p:sldId id="285" r:id="rId12"/>
+    <p:sldId id="274" r:id="rId13"/>
+    <p:sldId id="287" r:id="rId14"/>
+    <p:sldId id="275" r:id="rId15"/>
+    <p:sldId id="276" r:id="rId16"/>
+    <p:sldId id="291" r:id="rId17"/>
+    <p:sldId id="292" r:id="rId18"/>
+    <p:sldId id="289" r:id="rId19"/>
+    <p:sldId id="277" r:id="rId20"/>
+    <p:sldId id="283" r:id="rId21"/>
+    <p:sldId id="279" r:id="rId22"/>
+    <p:sldId id="288" r:id="rId23"/>
+    <p:sldId id="293" r:id="rId24"/>
+    <p:sldId id="294" r:id="rId25"/>
+    <p:sldId id="263" r:id="rId26"/>
   </p:sldIdLst>
   <p:sldSz cx="12192000" cy="6858000"/>
   <p:notesSz cx="6858000" cy="9144000"/>
@@ -137,6 +138,7 @@
           <p14:sldIdLst>
             <p14:sldId id="256"/>
             <p14:sldId id="257"/>
+            <p14:sldId id="295"/>
             <p14:sldId id="271"/>
             <p14:sldId id="272"/>
             <p14:sldId id="281"/>
@@ -587,7 +589,7 @@
           <a:p>
             <a:fld id="{1D0B6432-5F7B-49C7-89E7-0B8C7DC3AE06}" type="slidenum">
               <a:rPr lang="en-US" smtClean="0"/>
-              <a:t>3</a:t>
+              <a:t>4</a:t>
             </a:fld>
             <a:endParaRPr lang="en-US"/>
           </a:p>
@@ -671,7 +673,7 @@
           <a:p>
             <a:fld id="{1D0B6432-5F7B-49C7-89E7-0B8C7DC3AE06}" type="slidenum">
               <a:rPr lang="en-US" smtClean="0"/>
-              <a:t>16</a:t>
+              <a:t>17</a:t>
             </a:fld>
             <a:endParaRPr lang="en-US"/>
           </a:p>
@@ -755,7 +757,7 @@
           <a:p>
             <a:fld id="{1D0B6432-5F7B-49C7-89E7-0B8C7DC3AE06}" type="slidenum">
               <a:rPr lang="en-US" smtClean="0"/>
-              <a:t>17</a:t>
+              <a:t>18</a:t>
             </a:fld>
             <a:endParaRPr lang="en-US"/>
           </a:p>
@@ -872,7 +874,7 @@
           <a:p>
             <a:fld id="{1D0B6432-5F7B-49C7-89E7-0B8C7DC3AE06}" type="slidenum">
               <a:rPr lang="en-US" smtClean="0"/>
-              <a:t>20</a:t>
+              <a:t>21</a:t>
             </a:fld>
             <a:endParaRPr lang="en-US"/>
           </a:p>
@@ -959,7 +961,7 @@
           <a:p>
             <a:fld id="{1D0B6432-5F7B-49C7-89E7-0B8C7DC3AE06}" type="slidenum">
               <a:rPr lang="en-US" smtClean="0"/>
-              <a:t>21</a:t>
+              <a:t>22</a:t>
             </a:fld>
             <a:endParaRPr lang="en-US"/>
           </a:p>
@@ -1046,7 +1048,7 @@
           <a:p>
             <a:fld id="{1D0B6432-5F7B-49C7-89E7-0B8C7DC3AE06}" type="slidenum">
               <a:rPr lang="en-US" smtClean="0"/>
-              <a:t>4</a:t>
+              <a:t>5</a:t>
             </a:fld>
             <a:endParaRPr lang="en-US"/>
           </a:p>
@@ -1133,7 +1135,7 @@
           <a:p>
             <a:fld id="{1D0B6432-5F7B-49C7-89E7-0B8C7DC3AE06}" type="slidenum">
               <a:rPr lang="en-US" smtClean="0"/>
-              <a:t>5</a:t>
+              <a:t>6</a:t>
             </a:fld>
             <a:endParaRPr lang="en-US"/>
           </a:p>
@@ -1217,7 +1219,7 @@
           <a:p>
             <a:fld id="{1D0B6432-5F7B-49C7-89E7-0B8C7DC3AE06}" type="slidenum">
               <a:rPr lang="en-US" smtClean="0"/>
-              <a:t>6</a:t>
+              <a:t>7</a:t>
             </a:fld>
             <a:endParaRPr lang="en-US"/>
           </a:p>
@@ -1301,7 +1303,7 @@
           <a:p>
             <a:fld id="{1D0B6432-5F7B-49C7-89E7-0B8C7DC3AE06}" type="slidenum">
               <a:rPr lang="en-US" smtClean="0"/>
-              <a:t>7</a:t>
+              <a:t>8</a:t>
             </a:fld>
             <a:endParaRPr lang="en-US"/>
           </a:p>
@@ -1397,7 +1399,7 @@
           <a:p>
             <a:fld id="{1D0B6432-5F7B-49C7-89E7-0B8C7DC3AE06}" type="slidenum">
               <a:rPr lang="en-US" smtClean="0"/>
-              <a:t>8</a:t>
+              <a:t>9</a:t>
             </a:fld>
             <a:endParaRPr lang="en-US"/>
           </a:p>
@@ -1484,7 +1486,7 @@
           <a:p>
             <a:fld id="{1D0B6432-5F7B-49C7-89E7-0B8C7DC3AE06}" type="slidenum">
               <a:rPr lang="en-US" smtClean="0"/>
-              <a:t>9</a:t>
+              <a:t>10</a:t>
             </a:fld>
             <a:endParaRPr lang="en-US"/>
           </a:p>
@@ -1571,7 +1573,7 @@
           <a:p>
             <a:fld id="{1D0B6432-5F7B-49C7-89E7-0B8C7DC3AE06}" type="slidenum">
               <a:rPr lang="en-US" smtClean="0"/>
-              <a:t>10</a:t>
+              <a:t>11</a:t>
             </a:fld>
             <a:endParaRPr lang="en-US"/>
           </a:p>
@@ -1658,7 +1660,7 @@
           <a:p>
             <a:fld id="{1D0B6432-5F7B-49C7-89E7-0B8C7DC3AE06}" type="slidenum">
               <a:rPr lang="en-US" smtClean="0"/>
-              <a:t>12</a:t>
+              <a:t>13</a:t>
             </a:fld>
             <a:endParaRPr lang="en-US"/>
           </a:p>
@@ -22300,6 +22302,14 @@
 <file path=ppt/slides/slide10.xml><?xml version="1.0" encoding="utf-8"?>
 <p:sld xmlns:a="http://schemas.openxmlformats.org/drawingml/2006/main" xmlns:r="http://schemas.openxmlformats.org/officeDocument/2006/relationships" xmlns:p="http://schemas.openxmlformats.org/presentationml/2006/main">
   <p:cSld>
+    <p:bg>
+      <p:bgPr>
+        <a:solidFill>
+          <a:schemeClr val="bg1"/>
+        </a:solidFill>
+        <a:effectLst/>
+      </p:bgPr>
+    </p:bg>
     <p:spTree>
       <p:nvGrpSpPr>
         <p:cNvPr id="1" name=""/>
@@ -22337,7 +22347,7 @@
           <a:p>
             <a:r>
               <a:rPr lang="en-US" dirty="0"/>
-              <a:t>3. Volume server – API</a:t>
+              <a:t>4. Volume server</a:t>
             </a:r>
           </a:p>
         </p:txBody>
@@ -22370,39 +22380,530 @@
           <a:p>
             <a:r>
               <a:rPr lang="en-US" dirty="0"/>
-              <a:t>- Read chunk by fid: [GET] /:fid</a:t>
+              <a:t>- </a:t>
+            </a:r>
+            <a:r>
+              <a:rPr lang="en-US" dirty="0" err="1"/>
+              <a:t>Các</a:t>
+            </a:r>
+            <a:r>
+              <a:rPr lang="en-US" dirty="0"/>
+              <a:t> file </a:t>
+            </a:r>
+            <a:r>
+              <a:rPr lang="en-US" dirty="0" err="1"/>
+              <a:t>được</a:t>
+            </a:r>
+            <a:r>
+              <a:rPr lang="en-US" dirty="0"/>
+              <a:t> </a:t>
+            </a:r>
+            <a:r>
+              <a:rPr lang="en-US" dirty="0" err="1"/>
+              <a:t>tách</a:t>
+            </a:r>
+            <a:r>
+              <a:rPr lang="en-US" dirty="0"/>
+              <a:t> </a:t>
+            </a:r>
+            <a:r>
+              <a:rPr lang="en-US" dirty="0" err="1"/>
+              <a:t>nhỏ</a:t>
+            </a:r>
+            <a:r>
+              <a:rPr lang="en-US" dirty="0"/>
+              <a:t> </a:t>
+            </a:r>
+            <a:r>
+              <a:rPr lang="en-US" dirty="0" err="1"/>
+              <a:t>ra</a:t>
+            </a:r>
+            <a:r>
+              <a:rPr lang="en-US" dirty="0"/>
+              <a:t> </a:t>
+            </a:r>
+            <a:r>
+              <a:rPr lang="en-US" dirty="0" err="1"/>
+              <a:t>thành</a:t>
+            </a:r>
+            <a:r>
+              <a:rPr lang="en-US" dirty="0"/>
+              <a:t> </a:t>
+            </a:r>
+            <a:r>
+              <a:rPr lang="en-US" dirty="0" err="1"/>
+              <a:t>các</a:t>
+            </a:r>
+            <a:r>
+              <a:rPr lang="en-US" dirty="0"/>
+              <a:t> chunks, chunk size </a:t>
+            </a:r>
+            <a:r>
+              <a:rPr lang="en-US" dirty="0" err="1"/>
+              <a:t>phụ</a:t>
+            </a:r>
+            <a:r>
+              <a:rPr lang="en-US" dirty="0"/>
+              <a:t> </a:t>
+            </a:r>
+            <a:r>
+              <a:rPr lang="en-US" dirty="0" err="1"/>
+              <a:t>thuộc</a:t>
+            </a:r>
+            <a:r>
+              <a:rPr lang="en-US" dirty="0"/>
+              <a:t> </a:t>
+            </a:r>
+            <a:r>
+              <a:rPr lang="en-US" dirty="0" err="1"/>
+              <a:t>vào</a:t>
+            </a:r>
+            <a:r>
+              <a:rPr lang="en-US" dirty="0"/>
+              <a:t> </a:t>
+            </a:r>
+            <a:r>
+              <a:rPr lang="en-US" dirty="0" err="1"/>
+              <a:t>phần</a:t>
+            </a:r>
+            <a:r>
+              <a:rPr lang="en-US" dirty="0"/>
+              <a:t> </a:t>
+            </a:r>
+            <a:r>
+              <a:rPr lang="en-US" dirty="0" err="1"/>
+              <a:t>cứng</a:t>
+            </a:r>
+            <a:r>
+              <a:rPr lang="en-US" dirty="0"/>
+              <a:t>, </a:t>
+            </a:r>
+            <a:r>
+              <a:rPr lang="en-US" dirty="0" err="1"/>
+              <a:t>thường</a:t>
+            </a:r>
+            <a:r>
+              <a:rPr lang="en-US" dirty="0"/>
+              <a:t> </a:t>
+            </a:r>
+            <a:r>
+              <a:rPr lang="en-US" dirty="0" err="1"/>
+              <a:t>từ</a:t>
+            </a:r>
+            <a:r>
+              <a:rPr lang="en-US" dirty="0"/>
+              <a:t> 1MB ~ 10MB</a:t>
             </a:r>
           </a:p>
           <a:p>
             <a:r>
               <a:rPr lang="en-US" dirty="0"/>
-              <a:t>- Upload file by fid (need master to assign a fid first): [POST] /:fid</a:t>
+              <a:t>- </a:t>
+            </a:r>
+            <a:r>
+              <a:rPr lang="en-US" dirty="0" err="1"/>
+              <a:t>Mỗi</a:t>
+            </a:r>
+            <a:r>
+              <a:rPr lang="en-US" dirty="0"/>
+              <a:t> chunk </a:t>
+            </a:r>
+            <a:r>
+              <a:rPr lang="en-US" dirty="0" err="1"/>
+              <a:t>có</a:t>
+            </a:r>
+            <a:r>
+              <a:rPr lang="en-US" dirty="0"/>
+              <a:t> </a:t>
+            </a:r>
+            <a:r>
+              <a:rPr lang="en-US" dirty="0" err="1"/>
+              <a:t>một</a:t>
+            </a:r>
+            <a:r>
+              <a:rPr lang="en-US" dirty="0"/>
+              <a:t> fid </a:t>
+            </a:r>
+            <a:r>
+              <a:rPr lang="en-US" dirty="0" err="1"/>
+              <a:t>tương</a:t>
+            </a:r>
+            <a:r>
+              <a:rPr lang="en-US" dirty="0"/>
+              <a:t> </a:t>
+            </a:r>
+            <a:r>
+              <a:rPr lang="en-US" dirty="0" err="1"/>
+              <a:t>ứng</a:t>
+            </a:r>
+            <a:r>
+              <a:rPr lang="en-US" dirty="0"/>
+              <a:t> </a:t>
+            </a:r>
+            <a:r>
+              <a:rPr lang="en-US" dirty="0" err="1"/>
+              <a:t>và</a:t>
+            </a:r>
+            <a:r>
+              <a:rPr lang="en-US" dirty="0"/>
+              <a:t> </a:t>
+            </a:r>
+            <a:r>
+              <a:rPr lang="en-US" dirty="0" err="1"/>
+              <a:t>một</a:t>
+            </a:r>
+            <a:r>
+              <a:rPr lang="en-US" dirty="0"/>
+              <a:t> </a:t>
+            </a:r>
+            <a:r>
+              <a:rPr lang="en-US" dirty="0" err="1"/>
+              <a:t>vài</a:t>
+            </a:r>
+            <a:r>
+              <a:rPr lang="en-US" dirty="0"/>
+              <a:t> metadata </a:t>
+            </a:r>
+            <a:r>
+              <a:rPr lang="en-US" dirty="0" err="1"/>
+              <a:t>khác</a:t>
+            </a:r>
+            <a:r>
+              <a:rPr lang="en-US" dirty="0"/>
+              <a:t>, </a:t>
+            </a:r>
+            <a:r>
+              <a:rPr lang="en-US" dirty="0" err="1"/>
+              <a:t>mỗi</a:t>
+            </a:r>
+            <a:r>
+              <a:rPr lang="en-US" dirty="0"/>
+              <a:t> chunk </a:t>
+            </a:r>
+            <a:r>
+              <a:rPr lang="en-US" dirty="0" err="1"/>
+              <a:t>nằm</a:t>
+            </a:r>
+            <a:r>
+              <a:rPr lang="en-US" dirty="0"/>
+              <a:t> </a:t>
+            </a:r>
+            <a:r>
+              <a:rPr lang="en-US" dirty="0" err="1"/>
+              <a:t>trong</a:t>
+            </a:r>
+            <a:r>
+              <a:rPr lang="en-US" dirty="0"/>
+              <a:t> </a:t>
+            </a:r>
+            <a:r>
+              <a:rPr lang="en-US" dirty="0" err="1"/>
+              <a:t>một</a:t>
+            </a:r>
+            <a:r>
+              <a:rPr lang="en-US" dirty="0"/>
+              <a:t> volume.</a:t>
             </a:r>
           </a:p>
           <a:p>
             <a:r>
               <a:rPr lang="en-US" dirty="0"/>
-              <a:t>- Upload file directly: [POST] /submit</a:t>
+              <a:t>- File </a:t>
+            </a:r>
+            <a:r>
+              <a:rPr lang="en-US" dirty="0" err="1"/>
+              <a:t>nhỏ</a:t>
+            </a:r>
+            <a:r>
+              <a:rPr lang="en-US" dirty="0"/>
+              <a:t> </a:t>
+            </a:r>
+            <a:r>
+              <a:rPr lang="en-US" dirty="0" err="1"/>
+              <a:t>là</a:t>
+            </a:r>
+            <a:r>
+              <a:rPr lang="en-US" dirty="0"/>
+              <a:t> file </a:t>
+            </a:r>
+            <a:r>
+              <a:rPr lang="en-US" dirty="0" err="1"/>
+              <a:t>chỉ</a:t>
+            </a:r>
+            <a:r>
+              <a:rPr lang="en-US" dirty="0"/>
+              <a:t> </a:t>
+            </a:r>
+            <a:r>
+              <a:rPr lang="en-US" dirty="0" err="1"/>
+              <a:t>cần</a:t>
+            </a:r>
+            <a:r>
+              <a:rPr lang="en-US" dirty="0"/>
+              <a:t> </a:t>
+            </a:r>
+            <a:r>
+              <a:rPr lang="en-US" dirty="0" err="1"/>
+              <a:t>lưu</a:t>
+            </a:r>
+            <a:r>
+              <a:rPr lang="en-US" dirty="0"/>
+              <a:t> </a:t>
+            </a:r>
+            <a:r>
+              <a:rPr lang="en-US" dirty="0" err="1"/>
+              <a:t>bằng</a:t>
+            </a:r>
+            <a:r>
+              <a:rPr lang="en-US" dirty="0"/>
+              <a:t> 1 chunk </a:t>
             </a:r>
           </a:p>
           <a:p>
             <a:r>
               <a:rPr lang="en-US" dirty="0"/>
-              <a:t>- Delete file by fid: [DELETE] /:fid</a:t>
+              <a:t>- </a:t>
+            </a:r>
+            <a:r>
+              <a:rPr lang="en-US" dirty="0" err="1"/>
+              <a:t>Với</a:t>
+            </a:r>
+            <a:r>
+              <a:rPr lang="en-US" dirty="0"/>
+              <a:t> </a:t>
+            </a:r>
+            <a:r>
+              <a:rPr lang="en-US" dirty="0" err="1"/>
+              <a:t>những</a:t>
+            </a:r>
+            <a:r>
+              <a:rPr lang="en-US" dirty="0"/>
+              <a:t> file to </a:t>
+            </a:r>
+            <a:r>
+              <a:rPr lang="en-US" dirty="0" err="1"/>
+              <a:t>hơn</a:t>
+            </a:r>
+            <a:r>
+              <a:rPr lang="en-US" dirty="0"/>
+              <a:t>, </a:t>
+            </a:r>
+            <a:r>
+              <a:rPr lang="en-US" dirty="0" err="1"/>
+              <a:t>lưu</a:t>
+            </a:r>
+            <a:r>
+              <a:rPr lang="en-US" dirty="0"/>
+              <a:t> </a:t>
+            </a:r>
+            <a:r>
+              <a:rPr lang="en-US" dirty="0" err="1"/>
+              <a:t>thành</a:t>
+            </a:r>
+            <a:r>
+              <a:rPr lang="en-US" dirty="0"/>
+              <a:t> </a:t>
+            </a:r>
+            <a:r>
+              <a:rPr lang="en-US" dirty="0" err="1"/>
+              <a:t>nhiều</a:t>
+            </a:r>
+            <a:r>
+              <a:rPr lang="en-US" dirty="0"/>
+              <a:t> chunks, </a:t>
             </a:r>
           </a:p>
           <a:p>
             <a:r>
-              <a:rPr lang="en-US" dirty="0"/>
-              <a:t>- Get volume server status: [GET] /status</a:t>
+              <a:rPr lang="en-US" dirty="0" err="1"/>
+              <a:t>nếu</a:t>
+            </a:r>
+            <a:r>
+              <a:rPr lang="en-US" dirty="0"/>
+              <a:t> </a:t>
+            </a:r>
+            <a:r>
+              <a:rPr lang="en-US" dirty="0" err="1"/>
+              <a:t>sửa</a:t>
+            </a:r>
+            <a:r>
+              <a:rPr lang="en-US" dirty="0"/>
+              <a:t> </a:t>
+            </a:r>
+            <a:r>
+              <a:rPr lang="en-US" dirty="0" err="1"/>
+              <a:t>xóa</a:t>
+            </a:r>
+            <a:r>
+              <a:rPr lang="en-US" dirty="0"/>
+              <a:t> </a:t>
+            </a:r>
+            <a:r>
+              <a:rPr lang="en-US" dirty="0" err="1"/>
+              <a:t>bằng</a:t>
+            </a:r>
+            <a:r>
+              <a:rPr lang="en-US" dirty="0"/>
+              <a:t> fid, file </a:t>
+            </a:r>
+            <a:r>
+              <a:rPr lang="en-US" dirty="0" err="1"/>
+              <a:t>sẽ</a:t>
+            </a:r>
+            <a:r>
+              <a:rPr lang="en-US" dirty="0"/>
+              <a:t> </a:t>
+            </a:r>
+            <a:r>
+              <a:rPr lang="en-US" dirty="0" err="1"/>
+              <a:t>bị</a:t>
+            </a:r>
+            <a:r>
+              <a:rPr lang="en-US" dirty="0"/>
+              <a:t> </a:t>
+            </a:r>
+            <a:r>
+              <a:rPr lang="en-US" dirty="0" err="1"/>
+              <a:t>lỗi</a:t>
+            </a:r>
+            <a:r>
+              <a:rPr lang="en-US" dirty="0"/>
+              <a:t>.</a:t>
+            </a:r>
+          </a:p>
+          <a:p>
+            <a:r>
+              <a:rPr lang="en-US" dirty="0"/>
+              <a:t>- </a:t>
+            </a:r>
+            <a:r>
+              <a:rPr lang="en-US" dirty="0" err="1"/>
+              <a:t>Có</a:t>
+            </a:r>
+            <a:r>
+              <a:rPr lang="en-US" dirty="0"/>
+              <a:t> </a:t>
+            </a:r>
+            <a:r>
+              <a:rPr lang="en-US" dirty="0" err="1"/>
+              <a:t>thể</a:t>
+            </a:r>
+            <a:r>
+              <a:rPr lang="en-US" dirty="0"/>
+              <a:t> </a:t>
+            </a:r>
+            <a:r>
+              <a:rPr lang="en-US" dirty="0" err="1"/>
+              <a:t>xem</a:t>
+            </a:r>
+            <a:r>
+              <a:rPr lang="en-US" dirty="0"/>
+              <a:t> </a:t>
+            </a:r>
+            <a:r>
+              <a:rPr lang="en-US" dirty="0" err="1"/>
+              <a:t>được</a:t>
+            </a:r>
+            <a:r>
+              <a:rPr lang="en-US" dirty="0"/>
+              <a:t> 1 file </a:t>
+            </a:r>
+            <a:r>
+              <a:rPr lang="en-US" dirty="0" err="1"/>
+              <a:t>gồm</a:t>
+            </a:r>
+            <a:r>
+              <a:rPr lang="en-US" dirty="0"/>
+              <a:t> </a:t>
+            </a:r>
+            <a:r>
+              <a:rPr lang="en-US" dirty="0" err="1"/>
+              <a:t>những</a:t>
+            </a:r>
+            <a:r>
+              <a:rPr lang="en-US" dirty="0"/>
+              <a:t> chunk </a:t>
+            </a:r>
+            <a:r>
+              <a:rPr lang="en-US" dirty="0" err="1"/>
+              <a:t>nào</a:t>
+            </a:r>
+            <a:endParaRPr lang="en-US" dirty="0"/>
+          </a:p>
+          <a:p>
+            <a:r>
+              <a:rPr lang="en-US" dirty="0"/>
+              <a:t> </a:t>
+            </a:r>
+            <a:r>
+              <a:rPr lang="en-US" dirty="0" err="1"/>
+              <a:t>bằng</a:t>
+            </a:r>
+            <a:r>
+              <a:rPr lang="en-US" dirty="0"/>
+              <a:t> </a:t>
+            </a:r>
+            <a:r>
+              <a:rPr lang="en-US" dirty="0" err="1"/>
+              <a:t>cách</a:t>
+            </a:r>
+            <a:r>
+              <a:rPr lang="en-US" dirty="0"/>
+              <a:t> call </a:t>
+            </a:r>
+            <a:r>
+              <a:rPr lang="en-US" dirty="0" err="1"/>
+              <a:t>api</a:t>
+            </a:r>
+            <a:r>
+              <a:rPr lang="en-US" dirty="0"/>
+              <a:t> </a:t>
+            </a:r>
+            <a:r>
+              <a:rPr lang="en-US" dirty="0" err="1"/>
+              <a:t>tới</a:t>
+            </a:r>
+            <a:r>
+              <a:rPr lang="en-US" dirty="0"/>
+              <a:t> filer.</a:t>
             </a:r>
           </a:p>
         </p:txBody>
       </p:sp>
+      <p:pic>
+        <p:nvPicPr>
+          <p:cNvPr id="9" name="Picture 8">
+            <a:extLst>
+              <a:ext uri="{FF2B5EF4-FFF2-40B4-BE49-F238E27FC236}">
+                <a16:creationId xmlns:a16="http://schemas.microsoft.com/office/drawing/2014/main" id="{4630B250-4DC1-A79A-B68E-4BB138E5B877}"/>
+              </a:ext>
+            </a:extLst>
+          </p:cNvPr>
+          <p:cNvPicPr>
+            <a:picLocks noChangeAspect="1"/>
+          </p:cNvPicPr>
+          <p:nvPr/>
+        </p:nvPicPr>
+        <p:blipFill>
+          <a:blip r:embed="rId3"/>
+          <a:stretch>
+            <a:fillRect/>
+          </a:stretch>
+        </p:blipFill>
+        <p:spPr>
+          <a:xfrm>
+            <a:off x="6906879" y="3265371"/>
+            <a:ext cx="4961069" cy="3435510"/>
+          </a:xfrm>
+          <a:prstGeom prst="rect">
+            <a:avLst/>
+          </a:prstGeom>
+        </p:spPr>
+      </p:pic>
     </p:spTree>
     <p:extLst>
       <p:ext uri="{BB962C8B-B14F-4D97-AF65-F5344CB8AC3E}">
-        <p14:creationId xmlns:p14="http://schemas.microsoft.com/office/powerpoint/2010/main" val="2134711567"/>
+        <p14:creationId xmlns:p14="http://schemas.microsoft.com/office/powerpoint/2010/main" val="2135674224"/>
       </p:ext>
     </p:extLst>
   </p:cSld>
@@ -22452,7 +22953,128 @@
           <a:p>
             <a:r>
               <a:rPr lang="en-US" dirty="0"/>
-              <a:t>4. filer server – filer storage</a:t>
+              <a:t>4. Volume server</a:t>
+            </a:r>
+          </a:p>
+        </p:txBody>
+      </p:sp>
+      <p:sp>
+        <p:nvSpPr>
+          <p:cNvPr id="14" name="Content Placeholder 13">
+            <a:extLst>
+              <a:ext uri="{FF2B5EF4-FFF2-40B4-BE49-F238E27FC236}">
+                <a16:creationId xmlns:a16="http://schemas.microsoft.com/office/drawing/2014/main" id="{F9DD3D4C-48F7-1F80-AC94-B6BABD4E0051}"/>
+              </a:ext>
+            </a:extLst>
+          </p:cNvPr>
+          <p:cNvSpPr>
+            <a:spLocks noGrp="1"/>
+          </p:cNvSpPr>
+          <p:nvPr>
+            <p:ph idx="1"/>
+          </p:nvPr>
+        </p:nvSpPr>
+        <p:spPr>
+          <a:xfrm>
+            <a:off x="1024127" y="2084832"/>
+            <a:ext cx="10843821" cy="4353402"/>
+          </a:xfrm>
+        </p:spPr>
+        <p:txBody>
+          <a:bodyPr/>
+          <a:lstStyle/>
+          <a:p>
+            <a:r>
+              <a:rPr lang="en-US" b="1" dirty="0"/>
+              <a:t>API:</a:t>
+            </a:r>
+          </a:p>
+          <a:p>
+            <a:r>
+              <a:rPr lang="en-US" dirty="0"/>
+              <a:t>- Read chunk by fid: [GET] /:fid</a:t>
+            </a:r>
+          </a:p>
+          <a:p>
+            <a:r>
+              <a:rPr lang="en-US" dirty="0"/>
+              <a:t>- Upload file by fid (need master to assign a fid first): [POST] /:fid</a:t>
+            </a:r>
+          </a:p>
+          <a:p>
+            <a:r>
+              <a:rPr lang="en-US" dirty="0"/>
+              <a:t>- Upload file directly: [POST] /submit</a:t>
+            </a:r>
+          </a:p>
+          <a:p>
+            <a:r>
+              <a:rPr lang="en-US" dirty="0"/>
+              <a:t>- Delete file by fid: [DELETE] /:fid</a:t>
+            </a:r>
+          </a:p>
+          <a:p>
+            <a:r>
+              <a:rPr lang="en-US" dirty="0"/>
+              <a:t>- Get volume server status: [GET] /status</a:t>
+            </a:r>
+          </a:p>
+        </p:txBody>
+      </p:sp>
+    </p:spTree>
+    <p:extLst>
+      <p:ext uri="{BB962C8B-B14F-4D97-AF65-F5344CB8AC3E}">
+        <p14:creationId xmlns:p14="http://schemas.microsoft.com/office/powerpoint/2010/main" val="2134711567"/>
+      </p:ext>
+    </p:extLst>
+  </p:cSld>
+  <p:clrMapOvr>
+    <a:masterClrMapping/>
+  </p:clrMapOvr>
+</p:sld>
+</file>
+
+<file path=ppt/slides/slide12.xml><?xml version="1.0" encoding="utf-8"?>
+<p:sld xmlns:a="http://schemas.openxmlformats.org/drawingml/2006/main" xmlns:r="http://schemas.openxmlformats.org/officeDocument/2006/relationships" xmlns:p="http://schemas.openxmlformats.org/presentationml/2006/main">
+  <p:cSld>
+    <p:spTree>
+      <p:nvGrpSpPr>
+        <p:cNvPr id="1" name=""/>
+        <p:cNvGrpSpPr/>
+        <p:nvPr/>
+      </p:nvGrpSpPr>
+      <p:grpSpPr>
+        <a:xfrm>
+          <a:off x="0" y="0"/>
+          <a:ext cx="0" cy="0"/>
+          <a:chOff x="0" y="0"/>
+          <a:chExt cx="0" cy="0"/>
+        </a:xfrm>
+      </p:grpSpPr>
+      <p:sp>
+        <p:nvSpPr>
+          <p:cNvPr id="2" name="Title 1">
+            <a:extLst>
+              <a:ext uri="{FF2B5EF4-FFF2-40B4-BE49-F238E27FC236}">
+                <a16:creationId xmlns:a16="http://schemas.microsoft.com/office/drawing/2014/main" id="{1743B7B7-3D24-90A2-3C58-A65F9D64BCA3}"/>
+              </a:ext>
+            </a:extLst>
+          </p:cNvPr>
+          <p:cNvSpPr>
+            <a:spLocks noGrp="1"/>
+          </p:cNvSpPr>
+          <p:nvPr>
+            <p:ph type="title"/>
+          </p:nvPr>
+        </p:nvSpPr>
+        <p:spPr/>
+        <p:txBody>
+          <a:bodyPr/>
+          <a:lstStyle/>
+          <a:p>
+            <a:r>
+              <a:rPr lang="en-US" dirty="0"/>
+              <a:t>5. filer server</a:t>
             </a:r>
           </a:p>
         </p:txBody>
@@ -22914,7 +23536,7 @@
 </p:sld>
 </file>
 
-<file path=ppt/slides/slide12.xml><?xml version="1.0" encoding="utf-8"?>
+<file path=ppt/slides/slide13.xml><?xml version="1.0" encoding="utf-8"?>
 <p:sld xmlns:a="http://schemas.openxmlformats.org/drawingml/2006/main" xmlns:r="http://schemas.openxmlformats.org/officeDocument/2006/relationships" xmlns:p="http://schemas.openxmlformats.org/presentationml/2006/main">
   <p:cSld>
     <p:spTree>
@@ -22954,7 +23576,7 @@
           <a:p>
             <a:r>
               <a:rPr lang="en-US" dirty="0"/>
-              <a:t>4. filer server – API</a:t>
+              <a:t>5. filer server</a:t>
             </a:r>
           </a:p>
         </p:txBody>
@@ -22981,6 +23603,12 @@
             <a:normAutofit/>
           </a:bodyPr>
           <a:lstStyle/>
+          <a:p>
+            <a:r>
+              <a:rPr lang="en-US" b="1" dirty="0"/>
+              <a:t>API:</a:t>
+            </a:r>
+          </a:p>
           <a:p>
             <a:r>
               <a:rPr lang="en-US" dirty="0"/>
@@ -23105,7 +23733,7 @@
 </p:sld>
 </file>
 
-<file path=ppt/slides/slide13.xml><?xml version="1.0" encoding="utf-8"?>
+<file path=ppt/slides/slide14.xml><?xml version="1.0" encoding="utf-8"?>
 <p:sld xmlns:a="http://schemas.openxmlformats.org/drawingml/2006/main" xmlns:r="http://schemas.openxmlformats.org/officeDocument/2006/relationships" xmlns:p="http://schemas.openxmlformats.org/presentationml/2006/main">
   <p:cSld>
     <p:spTree>
@@ -23145,7 +23773,7 @@
           <a:p>
             <a:r>
               <a:rPr lang="en-US" dirty="0"/>
-              <a:t>5. Weed shell</a:t>
+              <a:t>6. Weed shell</a:t>
             </a:r>
           </a:p>
         </p:txBody>
@@ -23516,6 +24144,36 @@
           </a:p>
         </p:txBody>
       </p:sp>
+      <p:pic>
+        <p:nvPicPr>
+          <p:cNvPr id="11" name="Picture 10">
+            <a:extLst>
+              <a:ext uri="{FF2B5EF4-FFF2-40B4-BE49-F238E27FC236}">
+                <a16:creationId xmlns:a16="http://schemas.microsoft.com/office/drawing/2014/main" id="{3A01ECB7-D8BC-4F51-F5A9-C3A129B61D2D}"/>
+              </a:ext>
+            </a:extLst>
+          </p:cNvPr>
+          <p:cNvPicPr>
+            <a:picLocks noChangeAspect="1"/>
+          </p:cNvPicPr>
+          <p:nvPr/>
+        </p:nvPicPr>
+        <p:blipFill>
+          <a:blip r:embed="rId2"/>
+          <a:stretch>
+            <a:fillRect/>
+          </a:stretch>
+        </p:blipFill>
+        <p:spPr>
+          <a:xfrm>
+            <a:off x="1140735" y="4977396"/>
+            <a:ext cx="9525629" cy="1028768"/>
+          </a:xfrm>
+          <a:prstGeom prst="rect">
+            <a:avLst/>
+          </a:prstGeom>
+        </p:spPr>
+      </p:pic>
     </p:spTree>
     <p:extLst>
       <p:ext uri="{BB962C8B-B14F-4D97-AF65-F5344CB8AC3E}">
@@ -23529,7 +24187,7 @@
 </p:sld>
 </file>
 
-<file path=ppt/slides/slide14.xml><?xml version="1.0" encoding="utf-8"?>
+<file path=ppt/slides/slide15.xml><?xml version="1.0" encoding="utf-8"?>
 <p:sld xmlns:a="http://schemas.openxmlformats.org/drawingml/2006/main" xmlns:r="http://schemas.openxmlformats.org/officeDocument/2006/relationships" xmlns:p="http://schemas.openxmlformats.org/presentationml/2006/main">
   <p:cSld>
     <p:spTree>
@@ -23604,7 +24262,7 @@
           <a:p>
             <a:r>
               <a:rPr lang="en-US" dirty="0"/>
-              <a:t>6. SEAWEEDFs K8s deployment With HA</a:t>
+              <a:t>7. SEAWEEDFs K8s deployment With HA</a:t>
             </a:r>
           </a:p>
         </p:txBody>
@@ -23939,7 +24597,365 @@
 </p:sld>
 </file>
 
-<file path=ppt/slides/slide15.xml><?xml version="1.0" encoding="utf-8"?>
+<file path=ppt/slides/slide16.xml><?xml version="1.0" encoding="utf-8"?>
+<p:sld xmlns:a="http://schemas.openxmlformats.org/drawingml/2006/main" xmlns:r="http://schemas.openxmlformats.org/officeDocument/2006/relationships" xmlns:p="http://schemas.openxmlformats.org/presentationml/2006/main">
+  <p:cSld>
+    <p:spTree>
+      <p:nvGrpSpPr>
+        <p:cNvPr id="1" name=""/>
+        <p:cNvGrpSpPr/>
+        <p:nvPr/>
+      </p:nvGrpSpPr>
+      <p:grpSpPr>
+        <a:xfrm>
+          <a:off x="0" y="0"/>
+          <a:ext cx="0" cy="0"/>
+          <a:chOff x="0" y="0"/>
+          <a:chExt cx="0" cy="0"/>
+        </a:xfrm>
+      </p:grpSpPr>
+      <p:pic>
+        <p:nvPicPr>
+          <p:cNvPr id="6" name="Content Placeholder 5">
+            <a:extLst>
+              <a:ext uri="{FF2B5EF4-FFF2-40B4-BE49-F238E27FC236}">
+                <a16:creationId xmlns:a16="http://schemas.microsoft.com/office/drawing/2014/main" id="{1E87C39F-BE70-EFFB-36A4-5C82CC99185B}"/>
+              </a:ext>
+            </a:extLst>
+          </p:cNvPr>
+          <p:cNvPicPr>
+            <a:picLocks noGrp="1" noChangeAspect="1"/>
+          </p:cNvPicPr>
+          <p:nvPr>
+            <p:ph idx="1"/>
+          </p:nvPr>
+        </p:nvPicPr>
+        <p:blipFill>
+          <a:blip r:embed="rId2"/>
+          <a:stretch>
+            <a:fillRect/>
+          </a:stretch>
+        </p:blipFill>
+        <p:spPr>
+          <a:xfrm>
+            <a:off x="3928534" y="1490134"/>
+            <a:ext cx="7942018" cy="5021313"/>
+          </a:xfrm>
+        </p:spPr>
+      </p:pic>
+      <p:sp>
+        <p:nvSpPr>
+          <p:cNvPr id="2" name="Title 1">
+            <a:extLst>
+              <a:ext uri="{FF2B5EF4-FFF2-40B4-BE49-F238E27FC236}">
+                <a16:creationId xmlns:a16="http://schemas.microsoft.com/office/drawing/2014/main" id="{1743B7B7-3D24-90A2-3C58-A65F9D64BCA3}"/>
+              </a:ext>
+            </a:extLst>
+          </p:cNvPr>
+          <p:cNvSpPr>
+            <a:spLocks noGrp="1"/>
+          </p:cNvSpPr>
+          <p:nvPr>
+            <p:ph type="title"/>
+          </p:nvPr>
+        </p:nvSpPr>
+        <p:spPr/>
+        <p:txBody>
+          <a:bodyPr/>
+          <a:lstStyle/>
+          <a:p>
+            <a:r>
+              <a:rPr lang="en-US" dirty="0"/>
+              <a:t>7. SEAWEEDFs K8s deployment With HA</a:t>
+            </a:r>
+          </a:p>
+        </p:txBody>
+      </p:sp>
+      <p:sp>
+        <p:nvSpPr>
+          <p:cNvPr id="10" name="TextBox 9">
+            <a:extLst>
+              <a:ext uri="{FF2B5EF4-FFF2-40B4-BE49-F238E27FC236}">
+                <a16:creationId xmlns:a16="http://schemas.microsoft.com/office/drawing/2014/main" id="{08A49F71-0CEA-3911-3065-4041216D7271}"/>
+              </a:ext>
+            </a:extLst>
+          </p:cNvPr>
+          <p:cNvSpPr txBox="1"/>
+          <p:nvPr/>
+        </p:nvSpPr>
+        <p:spPr>
+          <a:xfrm>
+            <a:off x="321448" y="2522230"/>
+            <a:ext cx="3607086" cy="3693319"/>
+          </a:xfrm>
+          <a:prstGeom prst="rect">
+            <a:avLst/>
+          </a:prstGeom>
+          <a:noFill/>
+        </p:spPr>
+        <p:txBody>
+          <a:bodyPr wrap="square" rtlCol="0">
+            <a:spAutoFit/>
+          </a:bodyPr>
+          <a:lstStyle/>
+          <a:p>
+            <a:pPr marL="285750" indent="-285750">
+              <a:buFontTx/>
+              <a:buChar char="-"/>
+            </a:pPr>
+            <a:r>
+              <a:rPr lang="en-US" dirty="0"/>
+              <a:t>3 nodes, replica: “001”</a:t>
+            </a:r>
+          </a:p>
+          <a:p>
+            <a:pPr marL="285750" indent="-285750">
+              <a:buFont typeface="Symbol" panose="05050102010706020507" pitchFamily="18" charset="2"/>
+              <a:buChar char="Þ"/>
+            </a:pPr>
+            <a:r>
+              <a:rPr lang="en-US" dirty="0"/>
+              <a:t>1 + “0+0+1” = 2 data copies</a:t>
+            </a:r>
+          </a:p>
+          <a:p>
+            <a:pPr marL="285750" indent="-285750">
+              <a:buFont typeface="Symbol" panose="05050102010706020507" pitchFamily="18" charset="2"/>
+              <a:buChar char="Þ"/>
+            </a:pPr>
+            <a:r>
+              <a:rPr lang="en-US" dirty="0"/>
+              <a:t>Always needs 2/3 nodes alive otherwise stop write</a:t>
+            </a:r>
+          </a:p>
+          <a:p>
+            <a:pPr marL="285750" indent="-285750">
+              <a:buFont typeface="Symbol" panose="05050102010706020507" pitchFamily="18" charset="2"/>
+              <a:buChar char="Þ"/>
+            </a:pPr>
+            <a:endParaRPr lang="en-US" dirty="0"/>
+          </a:p>
+          <a:p>
+            <a:pPr marL="285750" indent="-285750">
+              <a:buFontTx/>
+              <a:buChar char="-"/>
+            </a:pPr>
+            <a:r>
+              <a:rPr lang="en-US" dirty="0"/>
+              <a:t>Khi data </a:t>
+            </a:r>
+            <a:r>
+              <a:rPr lang="en-US" dirty="0" err="1"/>
+              <a:t>chỉ</a:t>
+            </a:r>
+            <a:r>
+              <a:rPr lang="en-US" dirty="0"/>
+              <a:t> </a:t>
+            </a:r>
+            <a:r>
+              <a:rPr lang="en-US" dirty="0" err="1"/>
+              <a:t>còn</a:t>
+            </a:r>
+            <a:r>
+              <a:rPr lang="en-US" dirty="0"/>
+              <a:t> 1 </a:t>
+            </a:r>
+            <a:r>
+              <a:rPr lang="en-US" dirty="0" err="1"/>
+              <a:t>bản</a:t>
+            </a:r>
+            <a:r>
+              <a:rPr lang="en-US" dirty="0"/>
+              <a:t> copy (1/3 node down) =&gt; </a:t>
+            </a:r>
+            <a:r>
+              <a:rPr lang="en-US" dirty="0" err="1"/>
+              <a:t>cần</a:t>
+            </a:r>
+            <a:r>
+              <a:rPr lang="en-US" dirty="0"/>
+              <a:t> </a:t>
+            </a:r>
+            <a:r>
+              <a:rPr lang="en-US" dirty="0" err="1"/>
+              <a:t>chạy</a:t>
+            </a:r>
+            <a:r>
+              <a:rPr lang="en-US" dirty="0"/>
+              <a:t> maintenance </a:t>
+            </a:r>
+            <a:r>
+              <a:rPr lang="en-US" dirty="0" err="1"/>
+              <a:t>trong</a:t>
+            </a:r>
+            <a:r>
+              <a:rPr lang="en-US" dirty="0"/>
+              <a:t> weed shell:</a:t>
+            </a:r>
+          </a:p>
+          <a:p>
+            <a:pPr lvl="1"/>
+            <a:r>
+              <a:rPr lang="en-US" dirty="0"/>
+              <a:t>+ </a:t>
+            </a:r>
+            <a:r>
+              <a:rPr lang="en-US" dirty="0" err="1"/>
+              <a:t>volume.balance</a:t>
+            </a:r>
+            <a:r>
+              <a:rPr lang="en-US" dirty="0"/>
+              <a:t>: di </a:t>
+            </a:r>
+            <a:r>
+              <a:rPr lang="en-US" dirty="0" err="1"/>
+              <a:t>chuyển</a:t>
+            </a:r>
+            <a:r>
+              <a:rPr lang="en-US" dirty="0"/>
+              <a:t> </a:t>
+            </a:r>
+            <a:r>
+              <a:rPr lang="en-US" dirty="0" err="1"/>
+              <a:t>các</a:t>
+            </a:r>
+            <a:r>
+              <a:rPr lang="en-US" dirty="0"/>
+              <a:t> volume </a:t>
+            </a:r>
+            <a:r>
+              <a:rPr lang="en-US" dirty="0" err="1"/>
+              <a:t>đều</a:t>
+            </a:r>
+            <a:r>
+              <a:rPr lang="en-US" dirty="0"/>
+              <a:t> </a:t>
+            </a:r>
+            <a:r>
+              <a:rPr lang="en-US" dirty="0" err="1"/>
+              <a:t>trên</a:t>
+            </a:r>
+            <a:r>
+              <a:rPr lang="en-US" dirty="0"/>
+              <a:t> </a:t>
+            </a:r>
+            <a:r>
+              <a:rPr lang="en-US" dirty="0" err="1"/>
+              <a:t>các</a:t>
+            </a:r>
+            <a:r>
+              <a:rPr lang="en-US" dirty="0"/>
+              <a:t> volume servers, </a:t>
+            </a:r>
+            <a:r>
+              <a:rPr lang="en-US" dirty="0" err="1"/>
+              <a:t>tránh</a:t>
+            </a:r>
+            <a:r>
+              <a:rPr lang="en-US" dirty="0"/>
+              <a:t> </a:t>
+            </a:r>
+            <a:r>
+              <a:rPr lang="en-US" dirty="0" err="1"/>
+              <a:t>bị</a:t>
+            </a:r>
+            <a:r>
+              <a:rPr lang="en-US" dirty="0"/>
+              <a:t> </a:t>
+            </a:r>
+            <a:r>
+              <a:rPr lang="en-US" dirty="0" err="1"/>
+              <a:t>quá</a:t>
+            </a:r>
+            <a:r>
+              <a:rPr lang="en-US" dirty="0"/>
+              <a:t> </a:t>
+            </a:r>
+            <a:r>
+              <a:rPr lang="en-US" dirty="0" err="1"/>
+              <a:t>tải</a:t>
+            </a:r>
+            <a:endParaRPr lang="en-US" dirty="0"/>
+          </a:p>
+          <a:p>
+            <a:pPr lvl="1"/>
+            <a:r>
+              <a:rPr lang="en-US" dirty="0"/>
+              <a:t>+ </a:t>
+            </a:r>
+            <a:r>
+              <a:rPr lang="en-US" dirty="0" err="1"/>
+              <a:t>volume.fix.replication</a:t>
+            </a:r>
+            <a:r>
+              <a:rPr lang="en-US" dirty="0"/>
+              <a:t>: </a:t>
+            </a:r>
+            <a:r>
+              <a:rPr lang="en-US" dirty="0" err="1"/>
+              <a:t>tạo</a:t>
+            </a:r>
+            <a:r>
+              <a:rPr lang="en-US" dirty="0"/>
+              <a:t> </a:t>
+            </a:r>
+            <a:r>
+              <a:rPr lang="en-US" dirty="0" err="1"/>
+              <a:t>đủ</a:t>
+            </a:r>
+            <a:r>
+              <a:rPr lang="en-US" dirty="0"/>
+              <a:t> </a:t>
+            </a:r>
+            <a:r>
+              <a:rPr lang="en-US" dirty="0" err="1"/>
+              <a:t>số</a:t>
+            </a:r>
+            <a:r>
+              <a:rPr lang="en-US" dirty="0"/>
+              <a:t> </a:t>
+            </a:r>
+            <a:r>
+              <a:rPr lang="en-US" dirty="0" err="1"/>
+              <a:t>lượng</a:t>
+            </a:r>
+            <a:r>
+              <a:rPr lang="en-US" dirty="0"/>
+              <a:t> replica </a:t>
+            </a:r>
+            <a:r>
+              <a:rPr lang="en-US" dirty="0" err="1"/>
+              <a:t>cho</a:t>
+            </a:r>
+            <a:r>
+              <a:rPr lang="en-US" dirty="0"/>
+              <a:t> </a:t>
+            </a:r>
+            <a:r>
+              <a:rPr lang="en-US" dirty="0" err="1"/>
+              <a:t>mỗi</a:t>
+            </a:r>
+            <a:r>
+              <a:rPr lang="en-US" dirty="0"/>
+              <a:t> volume</a:t>
+            </a:r>
+          </a:p>
+        </p:txBody>
+      </p:sp>
+    </p:spTree>
+    <p:extLst>
+      <p:ext uri="{BB962C8B-B14F-4D97-AF65-F5344CB8AC3E}">
+        <p14:creationId xmlns:p14="http://schemas.microsoft.com/office/powerpoint/2010/main" val="2274174557"/>
+      </p:ext>
+    </p:extLst>
+  </p:cSld>
+  <p:clrMapOvr>
+    <a:masterClrMapping/>
+  </p:clrMapOvr>
+</p:sld>
+</file>
+
+<file path=ppt/slides/slide17.xml><?xml version="1.0" encoding="utf-8"?>
 <p:sld xmlns:a="http://schemas.openxmlformats.org/drawingml/2006/main" xmlns:r="http://schemas.openxmlformats.org/officeDocument/2006/relationships" xmlns:p="http://schemas.openxmlformats.org/presentationml/2006/main">
   <p:cSld>
     <p:spTree>
@@ -23979,365 +24995,7 @@
           <a:p>
             <a:r>
               <a:rPr lang="en-US" dirty="0"/>
-              <a:t>6. SEAWEEDFs K8s deployment With HA</a:t>
-            </a:r>
-          </a:p>
-        </p:txBody>
-      </p:sp>
-      <p:sp>
-        <p:nvSpPr>
-          <p:cNvPr id="10" name="TextBox 9">
-            <a:extLst>
-              <a:ext uri="{FF2B5EF4-FFF2-40B4-BE49-F238E27FC236}">
-                <a16:creationId xmlns:a16="http://schemas.microsoft.com/office/drawing/2014/main" id="{08A49F71-0CEA-3911-3065-4041216D7271}"/>
-              </a:ext>
-            </a:extLst>
-          </p:cNvPr>
-          <p:cNvSpPr txBox="1"/>
-          <p:nvPr/>
-        </p:nvSpPr>
-        <p:spPr>
-          <a:xfrm>
-            <a:off x="321448" y="2522230"/>
-            <a:ext cx="3607086" cy="3693319"/>
-          </a:xfrm>
-          <a:prstGeom prst="rect">
-            <a:avLst/>
-          </a:prstGeom>
-          <a:noFill/>
-        </p:spPr>
-        <p:txBody>
-          <a:bodyPr wrap="square" rtlCol="0">
-            <a:spAutoFit/>
-          </a:bodyPr>
-          <a:lstStyle/>
-          <a:p>
-            <a:pPr marL="285750" indent="-285750">
-              <a:buFontTx/>
-              <a:buChar char="-"/>
-            </a:pPr>
-            <a:r>
-              <a:rPr lang="en-US" dirty="0"/>
-              <a:t>3 nodes, replica: “001”</a:t>
-            </a:r>
-          </a:p>
-          <a:p>
-            <a:pPr marL="285750" indent="-285750">
-              <a:buFont typeface="Symbol" panose="05050102010706020507" pitchFamily="18" charset="2"/>
-              <a:buChar char="Þ"/>
-            </a:pPr>
-            <a:r>
-              <a:rPr lang="en-US" dirty="0"/>
-              <a:t>1 + “0+0+1” = 2 data copies</a:t>
-            </a:r>
-          </a:p>
-          <a:p>
-            <a:pPr marL="285750" indent="-285750">
-              <a:buFont typeface="Symbol" panose="05050102010706020507" pitchFamily="18" charset="2"/>
-              <a:buChar char="Þ"/>
-            </a:pPr>
-            <a:r>
-              <a:rPr lang="en-US" dirty="0"/>
-              <a:t>Always needs 2/3 nodes alive otherwise stop write</a:t>
-            </a:r>
-          </a:p>
-          <a:p>
-            <a:pPr marL="285750" indent="-285750">
-              <a:buFont typeface="Symbol" panose="05050102010706020507" pitchFamily="18" charset="2"/>
-              <a:buChar char="Þ"/>
-            </a:pPr>
-            <a:endParaRPr lang="en-US" dirty="0"/>
-          </a:p>
-          <a:p>
-            <a:pPr marL="285750" indent="-285750">
-              <a:buFontTx/>
-              <a:buChar char="-"/>
-            </a:pPr>
-            <a:r>
-              <a:rPr lang="en-US" dirty="0"/>
-              <a:t>Khi data </a:t>
-            </a:r>
-            <a:r>
-              <a:rPr lang="en-US" dirty="0" err="1"/>
-              <a:t>chỉ</a:t>
-            </a:r>
-            <a:r>
-              <a:rPr lang="en-US" dirty="0"/>
-              <a:t> </a:t>
-            </a:r>
-            <a:r>
-              <a:rPr lang="en-US" dirty="0" err="1"/>
-              <a:t>còn</a:t>
-            </a:r>
-            <a:r>
-              <a:rPr lang="en-US" dirty="0"/>
-              <a:t> 1 </a:t>
-            </a:r>
-            <a:r>
-              <a:rPr lang="en-US" dirty="0" err="1"/>
-              <a:t>bản</a:t>
-            </a:r>
-            <a:r>
-              <a:rPr lang="en-US" dirty="0"/>
-              <a:t> copy (1/3 node down) =&gt; </a:t>
-            </a:r>
-            <a:r>
-              <a:rPr lang="en-US" dirty="0" err="1"/>
-              <a:t>cần</a:t>
-            </a:r>
-            <a:r>
-              <a:rPr lang="en-US" dirty="0"/>
-              <a:t> </a:t>
-            </a:r>
-            <a:r>
-              <a:rPr lang="en-US" dirty="0" err="1"/>
-              <a:t>chạy</a:t>
-            </a:r>
-            <a:r>
-              <a:rPr lang="en-US" dirty="0"/>
-              <a:t> maintenance </a:t>
-            </a:r>
-            <a:r>
-              <a:rPr lang="en-US" dirty="0" err="1"/>
-              <a:t>trong</a:t>
-            </a:r>
-            <a:r>
-              <a:rPr lang="en-US" dirty="0"/>
-              <a:t> weed shell:</a:t>
-            </a:r>
-          </a:p>
-          <a:p>
-            <a:pPr lvl="1"/>
-            <a:r>
-              <a:rPr lang="en-US" dirty="0"/>
-              <a:t>+ </a:t>
-            </a:r>
-            <a:r>
-              <a:rPr lang="en-US" dirty="0" err="1"/>
-              <a:t>volume.balance</a:t>
-            </a:r>
-            <a:r>
-              <a:rPr lang="en-US" dirty="0"/>
-              <a:t>: di </a:t>
-            </a:r>
-            <a:r>
-              <a:rPr lang="en-US" dirty="0" err="1"/>
-              <a:t>chuyển</a:t>
-            </a:r>
-            <a:r>
-              <a:rPr lang="en-US" dirty="0"/>
-              <a:t> </a:t>
-            </a:r>
-            <a:r>
-              <a:rPr lang="en-US" dirty="0" err="1"/>
-              <a:t>các</a:t>
-            </a:r>
-            <a:r>
-              <a:rPr lang="en-US" dirty="0"/>
-              <a:t> volume </a:t>
-            </a:r>
-            <a:r>
-              <a:rPr lang="en-US" dirty="0" err="1"/>
-              <a:t>đều</a:t>
-            </a:r>
-            <a:r>
-              <a:rPr lang="en-US" dirty="0"/>
-              <a:t> </a:t>
-            </a:r>
-            <a:r>
-              <a:rPr lang="en-US" dirty="0" err="1"/>
-              <a:t>trên</a:t>
-            </a:r>
-            <a:r>
-              <a:rPr lang="en-US" dirty="0"/>
-              <a:t> </a:t>
-            </a:r>
-            <a:r>
-              <a:rPr lang="en-US" dirty="0" err="1"/>
-              <a:t>các</a:t>
-            </a:r>
-            <a:r>
-              <a:rPr lang="en-US" dirty="0"/>
-              <a:t> volume servers, </a:t>
-            </a:r>
-            <a:r>
-              <a:rPr lang="en-US" dirty="0" err="1"/>
-              <a:t>tránh</a:t>
-            </a:r>
-            <a:r>
-              <a:rPr lang="en-US" dirty="0"/>
-              <a:t> </a:t>
-            </a:r>
-            <a:r>
-              <a:rPr lang="en-US" dirty="0" err="1"/>
-              <a:t>bị</a:t>
-            </a:r>
-            <a:r>
-              <a:rPr lang="en-US" dirty="0"/>
-              <a:t> </a:t>
-            </a:r>
-            <a:r>
-              <a:rPr lang="en-US" dirty="0" err="1"/>
-              <a:t>quá</a:t>
-            </a:r>
-            <a:r>
-              <a:rPr lang="en-US" dirty="0"/>
-              <a:t> </a:t>
-            </a:r>
-            <a:r>
-              <a:rPr lang="en-US" dirty="0" err="1"/>
-              <a:t>tải</a:t>
-            </a:r>
-            <a:endParaRPr lang="en-US" dirty="0"/>
-          </a:p>
-          <a:p>
-            <a:pPr lvl="1"/>
-            <a:r>
-              <a:rPr lang="en-US" dirty="0"/>
-              <a:t>+ </a:t>
-            </a:r>
-            <a:r>
-              <a:rPr lang="en-US" dirty="0" err="1"/>
-              <a:t>volume.fix.replication</a:t>
-            </a:r>
-            <a:r>
-              <a:rPr lang="en-US" dirty="0"/>
-              <a:t>: </a:t>
-            </a:r>
-            <a:r>
-              <a:rPr lang="en-US" dirty="0" err="1"/>
-              <a:t>tạo</a:t>
-            </a:r>
-            <a:r>
-              <a:rPr lang="en-US" dirty="0"/>
-              <a:t> </a:t>
-            </a:r>
-            <a:r>
-              <a:rPr lang="en-US" dirty="0" err="1"/>
-              <a:t>đủ</a:t>
-            </a:r>
-            <a:r>
-              <a:rPr lang="en-US" dirty="0"/>
-              <a:t> </a:t>
-            </a:r>
-            <a:r>
-              <a:rPr lang="en-US" dirty="0" err="1"/>
-              <a:t>số</a:t>
-            </a:r>
-            <a:r>
-              <a:rPr lang="en-US" dirty="0"/>
-              <a:t> </a:t>
-            </a:r>
-            <a:r>
-              <a:rPr lang="en-US" dirty="0" err="1"/>
-              <a:t>lượng</a:t>
-            </a:r>
-            <a:r>
-              <a:rPr lang="en-US" dirty="0"/>
-              <a:t> replica </a:t>
-            </a:r>
-            <a:r>
-              <a:rPr lang="en-US" dirty="0" err="1"/>
-              <a:t>cho</a:t>
-            </a:r>
-            <a:r>
-              <a:rPr lang="en-US" dirty="0"/>
-              <a:t> </a:t>
-            </a:r>
-            <a:r>
-              <a:rPr lang="en-US" dirty="0" err="1"/>
-              <a:t>mỗi</a:t>
-            </a:r>
-            <a:r>
-              <a:rPr lang="en-US" dirty="0"/>
-              <a:t> volume</a:t>
-            </a:r>
-          </a:p>
-        </p:txBody>
-      </p:sp>
-      <p:pic>
-        <p:nvPicPr>
-          <p:cNvPr id="16" name="Content Placeholder 15">
-            <a:extLst>
-              <a:ext uri="{FF2B5EF4-FFF2-40B4-BE49-F238E27FC236}">
-                <a16:creationId xmlns:a16="http://schemas.microsoft.com/office/drawing/2014/main" id="{7F58AD2B-3423-37D2-73B8-4A0B7CD50D2A}"/>
-              </a:ext>
-            </a:extLst>
-          </p:cNvPr>
-          <p:cNvPicPr>
-            <a:picLocks noGrp="1" noChangeAspect="1"/>
-          </p:cNvPicPr>
-          <p:nvPr>
-            <p:ph idx="1"/>
-          </p:nvPr>
-        </p:nvPicPr>
-        <p:blipFill>
-          <a:blip r:embed="rId2"/>
-          <a:stretch>
-            <a:fillRect/>
-          </a:stretch>
-        </p:blipFill>
-        <p:spPr>
-          <a:xfrm>
-            <a:off x="4032986" y="1749927"/>
-            <a:ext cx="7911018" cy="4968505"/>
-          </a:xfrm>
-        </p:spPr>
-      </p:pic>
-    </p:spTree>
-    <p:extLst>
-      <p:ext uri="{BB962C8B-B14F-4D97-AF65-F5344CB8AC3E}">
-        <p14:creationId xmlns:p14="http://schemas.microsoft.com/office/powerpoint/2010/main" val="2274174557"/>
-      </p:ext>
-    </p:extLst>
-  </p:cSld>
-  <p:clrMapOvr>
-    <a:masterClrMapping/>
-  </p:clrMapOvr>
-</p:sld>
-</file>
-
-<file path=ppt/slides/slide16.xml><?xml version="1.0" encoding="utf-8"?>
-<p:sld xmlns:a="http://schemas.openxmlformats.org/drawingml/2006/main" xmlns:r="http://schemas.openxmlformats.org/officeDocument/2006/relationships" xmlns:p="http://schemas.openxmlformats.org/presentationml/2006/main">
-  <p:cSld>
-    <p:spTree>
-      <p:nvGrpSpPr>
-        <p:cNvPr id="1" name=""/>
-        <p:cNvGrpSpPr/>
-        <p:nvPr/>
-      </p:nvGrpSpPr>
-      <p:grpSpPr>
-        <a:xfrm>
-          <a:off x="0" y="0"/>
-          <a:ext cx="0" cy="0"/>
-          <a:chOff x="0" y="0"/>
-          <a:chExt cx="0" cy="0"/>
-        </a:xfrm>
-      </p:grpSpPr>
-      <p:sp>
-        <p:nvSpPr>
-          <p:cNvPr id="2" name="Title 1">
-            <a:extLst>
-              <a:ext uri="{FF2B5EF4-FFF2-40B4-BE49-F238E27FC236}">
-                <a16:creationId xmlns:a16="http://schemas.microsoft.com/office/drawing/2014/main" id="{1743B7B7-3D24-90A2-3C58-A65F9D64BCA3}"/>
-              </a:ext>
-            </a:extLst>
-          </p:cNvPr>
-          <p:cNvSpPr>
-            <a:spLocks noGrp="1"/>
-          </p:cNvSpPr>
-          <p:nvPr>
-            <p:ph type="title"/>
-          </p:nvPr>
-        </p:nvSpPr>
-        <p:spPr/>
-        <p:txBody>
-          <a:bodyPr/>
-          <a:lstStyle/>
-          <a:p>
-            <a:r>
-              <a:rPr lang="en-US" dirty="0"/>
-              <a:t>5. FUSE MOUNT</a:t>
+              <a:t>8. FUSE MOUNT</a:t>
             </a:r>
           </a:p>
         </p:txBody>
@@ -24599,7 +25257,7 @@
 </p:sld>
 </file>
 
-<file path=ppt/slides/slide17.xml><?xml version="1.0" encoding="utf-8"?>
+<file path=ppt/slides/slide18.xml><?xml version="1.0" encoding="utf-8"?>
 <p:sld xmlns:a="http://schemas.openxmlformats.org/drawingml/2006/main" xmlns:r="http://schemas.openxmlformats.org/officeDocument/2006/relationships" xmlns:p="http://schemas.openxmlformats.org/presentationml/2006/main">
   <p:cSld>
     <p:spTree>
@@ -24639,7 +25297,7 @@
           <a:p>
             <a:r>
               <a:rPr lang="en-US" dirty="0"/>
-              <a:t>5. FUSE MOUNT</a:t>
+              <a:t>8. FUSE MOUNT</a:t>
             </a:r>
           </a:p>
         </p:txBody>
@@ -24721,7 +25379,7 @@
 </p:sld>
 </file>
 
-<file path=ppt/slides/slide18.xml><?xml version="1.0" encoding="utf-8"?>
+<file path=ppt/slides/slide19.xml><?xml version="1.0" encoding="utf-8"?>
 <p:sld xmlns:a="http://schemas.openxmlformats.org/drawingml/2006/main" xmlns:r="http://schemas.openxmlformats.org/officeDocument/2006/relationships" xmlns:p="http://schemas.openxmlformats.org/presentationml/2006/main">
   <p:cSld>
     <p:spTree>
@@ -24797,7 +25455,7 @@
           <a:p>
             <a:r>
               <a:rPr lang="en-US" sz="4400" dirty="0"/>
-              <a:t>7. SEAWEEDFs CSI</a:t>
+              <a:t>9. SEAWEEDFs CSI</a:t>
             </a:r>
           </a:p>
         </p:txBody>
@@ -25197,391 +25855,6 @@
     <p:extLst>
       <p:ext uri="{BB962C8B-B14F-4D97-AF65-F5344CB8AC3E}">
         <p14:creationId xmlns:p14="http://schemas.microsoft.com/office/powerpoint/2010/main" val="2437479601"/>
-      </p:ext>
-    </p:extLst>
-  </p:cSld>
-  <p:clrMapOvr>
-    <a:masterClrMapping/>
-  </p:clrMapOvr>
-</p:sld>
-</file>
-
-<file path=ppt/slides/slide19.xml><?xml version="1.0" encoding="utf-8"?>
-<p:sld xmlns:a="http://schemas.openxmlformats.org/drawingml/2006/main" xmlns:r="http://schemas.openxmlformats.org/officeDocument/2006/relationships" xmlns:p="http://schemas.openxmlformats.org/presentationml/2006/main">
-  <p:cSld>
-    <p:spTree>
-      <p:nvGrpSpPr>
-        <p:cNvPr id="1" name=""/>
-        <p:cNvGrpSpPr/>
-        <p:nvPr/>
-      </p:nvGrpSpPr>
-      <p:grpSpPr>
-        <a:xfrm>
-          <a:off x="0" y="0"/>
-          <a:ext cx="0" cy="0"/>
-          <a:chOff x="0" y="0"/>
-          <a:chExt cx="0" cy="0"/>
-        </a:xfrm>
-      </p:grpSpPr>
-      <p:sp>
-        <p:nvSpPr>
-          <p:cNvPr id="2" name="Title 1">
-            <a:extLst>
-              <a:ext uri="{FF2B5EF4-FFF2-40B4-BE49-F238E27FC236}">
-                <a16:creationId xmlns:a16="http://schemas.microsoft.com/office/drawing/2014/main" id="{1743B7B7-3D24-90A2-3C58-A65F9D64BCA3}"/>
-              </a:ext>
-            </a:extLst>
-          </p:cNvPr>
-          <p:cNvSpPr>
-            <a:spLocks noGrp="1"/>
-          </p:cNvSpPr>
-          <p:nvPr>
-            <p:ph type="title"/>
-          </p:nvPr>
-        </p:nvSpPr>
-        <p:spPr/>
-        <p:txBody>
-          <a:bodyPr/>
-          <a:lstStyle/>
-          <a:p>
-            <a:r>
-              <a:rPr lang="en-US" dirty="0"/>
-              <a:t>9. Scalability</a:t>
-            </a:r>
-          </a:p>
-        </p:txBody>
-      </p:sp>
-      <p:sp>
-        <p:nvSpPr>
-          <p:cNvPr id="3" name="Content Placeholder 2">
-            <a:extLst>
-              <a:ext uri="{FF2B5EF4-FFF2-40B4-BE49-F238E27FC236}">
-                <a16:creationId xmlns:a16="http://schemas.microsoft.com/office/drawing/2014/main" id="{A1BF9DE8-18D6-7AB4-C15C-10ADFA630E82}"/>
-              </a:ext>
-            </a:extLst>
-          </p:cNvPr>
-          <p:cNvSpPr>
-            <a:spLocks noGrp="1"/>
-          </p:cNvSpPr>
-          <p:nvPr>
-            <p:ph idx="1"/>
-          </p:nvPr>
-        </p:nvSpPr>
-        <p:spPr/>
-        <p:txBody>
-          <a:bodyPr/>
-          <a:lstStyle/>
-          <a:p>
-            <a:r>
-              <a:rPr lang="en-US" dirty="0"/>
-              <a:t>- Add </a:t>
-            </a:r>
-            <a:r>
-              <a:rPr lang="en-US" dirty="0" err="1"/>
-              <a:t>thêm</a:t>
-            </a:r>
-            <a:r>
-              <a:rPr lang="en-US" dirty="0"/>
-              <a:t> master, filer, volume servers: add host </a:t>
-            </a:r>
-            <a:r>
-              <a:rPr lang="en-US" dirty="0" err="1"/>
-              <a:t>và</a:t>
-            </a:r>
-            <a:r>
-              <a:rPr lang="en-US" dirty="0"/>
-              <a:t> </a:t>
-            </a:r>
-            <a:r>
-              <a:rPr lang="en-US" dirty="0" err="1"/>
-              <a:t>chạy</a:t>
-            </a:r>
-            <a:r>
-              <a:rPr lang="en-US" dirty="0"/>
-              <a:t> weed master </a:t>
-            </a:r>
-            <a:r>
-              <a:rPr lang="en-US" dirty="0" err="1"/>
-              <a:t>và</a:t>
-            </a:r>
-            <a:r>
-              <a:rPr lang="en-US" dirty="0"/>
-              <a:t> weed filer, </a:t>
-            </a:r>
-            <a:r>
-              <a:rPr lang="en-US" dirty="0" err="1"/>
-              <a:t>cài</a:t>
-            </a:r>
-            <a:r>
-              <a:rPr lang="en-US" dirty="0"/>
-              <a:t> </a:t>
-            </a:r>
-            <a:r>
-              <a:rPr lang="en-US" dirty="0" err="1"/>
-              <a:t>bằng</a:t>
-            </a:r>
-            <a:r>
-              <a:rPr lang="en-US" dirty="0"/>
-              <a:t> helm =&gt; </a:t>
-            </a:r>
-            <a:r>
-              <a:rPr lang="en-US" dirty="0" err="1"/>
-              <a:t>tăng</a:t>
-            </a:r>
-            <a:r>
-              <a:rPr lang="en-US" dirty="0"/>
-              <a:t> replica</a:t>
-            </a:r>
-          </a:p>
-          <a:p>
-            <a:r>
-              <a:rPr lang="en-US" dirty="0"/>
-              <a:t>- </a:t>
-            </a:r>
-            <a:r>
-              <a:rPr lang="en-US" dirty="0" err="1"/>
-              <a:t>Thêm</a:t>
-            </a:r>
-            <a:r>
-              <a:rPr lang="en-US" dirty="0"/>
-              <a:t> disk: add </a:t>
-            </a:r>
-            <a:r>
-              <a:rPr lang="en-US" dirty="0" err="1"/>
-              <a:t>thêm</a:t>
-            </a:r>
-            <a:r>
-              <a:rPr lang="en-US" dirty="0"/>
-              <a:t> </a:t>
-            </a:r>
-            <a:r>
-              <a:rPr lang="en-US" dirty="0" err="1"/>
-              <a:t>dataDir</a:t>
-            </a:r>
-            <a:r>
-              <a:rPr lang="en-US" dirty="0"/>
-              <a:t> </a:t>
-            </a:r>
-            <a:r>
-              <a:rPr lang="en-US" dirty="0" err="1"/>
-              <a:t>cho</a:t>
-            </a:r>
-            <a:r>
-              <a:rPr lang="en-US" dirty="0"/>
-              <a:t> volume server</a:t>
-            </a:r>
-          </a:p>
-          <a:p>
-            <a:r>
-              <a:rPr lang="en-US" dirty="0"/>
-              <a:t>- </a:t>
-            </a:r>
-            <a:r>
-              <a:rPr lang="en-US" dirty="0" err="1"/>
-              <a:t>Tăng</a:t>
-            </a:r>
-            <a:r>
-              <a:rPr lang="en-US" dirty="0"/>
-              <a:t> </a:t>
-            </a:r>
-            <a:r>
-              <a:rPr lang="en-US" dirty="0" err="1"/>
-              <a:t>số</a:t>
-            </a:r>
-            <a:r>
-              <a:rPr lang="en-US" dirty="0"/>
-              <a:t> </a:t>
-            </a:r>
-            <a:r>
-              <a:rPr lang="en-US" dirty="0" err="1"/>
-              <a:t>lượng</a:t>
-            </a:r>
-            <a:r>
-              <a:rPr lang="en-US" dirty="0"/>
-              <a:t> volume: </a:t>
-            </a:r>
-            <a:r>
-              <a:rPr lang="en-US" dirty="0" err="1"/>
-              <a:t>gọi</a:t>
-            </a:r>
-            <a:r>
-              <a:rPr lang="en-US" dirty="0"/>
-              <a:t> master API: </a:t>
-            </a:r>
-            <a:r>
-              <a:rPr lang="en-US" dirty="0" err="1"/>
-              <a:t>preallocate</a:t>
-            </a:r>
-            <a:r>
-              <a:rPr lang="en-US" dirty="0"/>
-              <a:t> volumes </a:t>
-            </a:r>
-            <a:r>
-              <a:rPr lang="en-US" dirty="0" err="1"/>
-              <a:t>hoặc</a:t>
-            </a:r>
-            <a:r>
-              <a:rPr lang="en-US" dirty="0"/>
-              <a:t> </a:t>
-            </a:r>
-            <a:r>
-              <a:rPr lang="en-US" dirty="0" err="1"/>
-              <a:t>dùng</a:t>
-            </a:r>
-            <a:r>
-              <a:rPr lang="en-US" dirty="0"/>
-              <a:t> weed shell: </a:t>
-            </a:r>
-            <a:r>
-              <a:rPr lang="en-US" dirty="0" err="1"/>
-              <a:t>volume.grow</a:t>
-            </a:r>
-            <a:r>
-              <a:rPr lang="en-US" dirty="0"/>
-              <a:t> =&gt; </a:t>
-            </a:r>
-            <a:r>
-              <a:rPr lang="en-US" dirty="0" err="1"/>
-              <a:t>tăng</a:t>
-            </a:r>
-            <a:r>
-              <a:rPr lang="en-US" dirty="0"/>
-              <a:t> read </a:t>
-            </a:r>
-            <a:r>
-              <a:rPr lang="en-US" dirty="0" err="1"/>
-              <a:t>và</a:t>
-            </a:r>
-            <a:r>
-              <a:rPr lang="en-US" dirty="0"/>
-              <a:t> write concurrency</a:t>
-            </a:r>
-          </a:p>
-          <a:p>
-            <a:r>
-              <a:rPr lang="en-US" dirty="0"/>
-              <a:t>- </a:t>
-            </a:r>
-            <a:r>
-              <a:rPr lang="en-US" dirty="0" err="1"/>
-              <a:t>Có</a:t>
-            </a:r>
-            <a:r>
-              <a:rPr lang="en-US" dirty="0"/>
-              <a:t> </a:t>
-            </a:r>
-            <a:r>
-              <a:rPr lang="en-US" dirty="0" err="1"/>
-              <a:t>thể</a:t>
-            </a:r>
-            <a:r>
-              <a:rPr lang="en-US" dirty="0"/>
-              <a:t> </a:t>
-            </a:r>
-            <a:r>
-              <a:rPr lang="en-US" dirty="0" err="1"/>
-              <a:t>sửa</a:t>
-            </a:r>
-            <a:r>
-              <a:rPr lang="en-US" dirty="0"/>
-              <a:t> </a:t>
-            </a:r>
-            <a:r>
-              <a:rPr lang="en-US" dirty="0" err="1"/>
-              <a:t>lại</a:t>
-            </a:r>
-            <a:r>
-              <a:rPr lang="en-US" dirty="0"/>
-              <a:t> </a:t>
-            </a:r>
-            <a:r>
-              <a:rPr lang="en-US" dirty="0" err="1"/>
-              <a:t>số</a:t>
-            </a:r>
-            <a:r>
-              <a:rPr lang="en-US" dirty="0"/>
-              <a:t> </a:t>
-            </a:r>
-            <a:r>
-              <a:rPr lang="en-US" dirty="0" err="1"/>
-              <a:t>lượng</a:t>
-            </a:r>
-            <a:r>
-              <a:rPr lang="en-US" dirty="0"/>
-              <a:t> volume </a:t>
-            </a:r>
-            <a:r>
-              <a:rPr lang="en-US" dirty="0" err="1"/>
-              <a:t>khởi</a:t>
-            </a:r>
-            <a:r>
-              <a:rPr lang="en-US" dirty="0"/>
-              <a:t> </a:t>
-            </a:r>
-            <a:r>
-              <a:rPr lang="en-US" dirty="0" err="1"/>
-              <a:t>tạo</a:t>
-            </a:r>
-            <a:r>
-              <a:rPr lang="en-US" dirty="0"/>
-              <a:t> </a:t>
-            </a:r>
-            <a:r>
-              <a:rPr lang="en-US" dirty="0" err="1"/>
-              <a:t>bằng</a:t>
-            </a:r>
-            <a:r>
-              <a:rPr lang="en-US" dirty="0"/>
-              <a:t> </a:t>
-            </a:r>
-            <a:r>
-              <a:rPr lang="en-US" dirty="0" err="1"/>
-              <a:t>master.toml</a:t>
-            </a:r>
-            <a:r>
-              <a:rPr lang="en-US" dirty="0"/>
-              <a:t>:</a:t>
-            </a:r>
-          </a:p>
-          <a:p>
-            <a:endParaRPr lang="en-US" dirty="0"/>
-          </a:p>
-        </p:txBody>
-      </p:sp>
-      <p:pic>
-        <p:nvPicPr>
-          <p:cNvPr id="5" name="Picture 4">
-            <a:extLst>
-              <a:ext uri="{FF2B5EF4-FFF2-40B4-BE49-F238E27FC236}">
-                <a16:creationId xmlns:a16="http://schemas.microsoft.com/office/drawing/2014/main" id="{25836CA4-F042-96C1-74E3-7BC055FBEE48}"/>
-              </a:ext>
-            </a:extLst>
-          </p:cNvPr>
-          <p:cNvPicPr>
-            <a:picLocks noChangeAspect="1"/>
-          </p:cNvPicPr>
-          <p:nvPr/>
-        </p:nvPicPr>
-        <p:blipFill>
-          <a:blip r:embed="rId2"/>
-          <a:stretch>
-            <a:fillRect/>
-          </a:stretch>
-        </p:blipFill>
-        <p:spPr>
-          <a:xfrm>
-            <a:off x="1447799" y="4862473"/>
-            <a:ext cx="6315956" cy="1648055"/>
-          </a:xfrm>
-          <a:prstGeom prst="rect">
-            <a:avLst/>
-          </a:prstGeom>
-        </p:spPr>
-      </p:pic>
-    </p:spTree>
-    <p:extLst>
-      <p:ext uri="{BB962C8B-B14F-4D97-AF65-F5344CB8AC3E}">
-        <p14:creationId xmlns:p14="http://schemas.microsoft.com/office/powerpoint/2010/main" val="1621327850"/>
       </p:ext>
     </p:extLst>
   </p:cSld>
@@ -25657,8 +25930,8 @@
         </p:nvSpPr>
         <p:spPr>
           <a:xfrm>
-            <a:off x="3472542" y="1698011"/>
-            <a:ext cx="5246915" cy="4893647"/>
+            <a:off x="5878858" y="1135707"/>
+            <a:ext cx="6220098" cy="5722293"/>
           </a:xfrm>
           <a:prstGeom prst="rect">
             <a:avLst/>
@@ -25676,7 +25949,15 @@
             </a:pPr>
             <a:r>
               <a:rPr lang="en-US" sz="2400" dirty="0"/>
-              <a:t>Architecture and Workflow</a:t>
+              <a:t>What is </a:t>
+            </a:r>
+            <a:r>
+              <a:rPr lang="en-US" sz="2400" dirty="0" err="1"/>
+              <a:t>SeaweedFS</a:t>
+            </a:r>
+            <a:r>
+              <a:rPr lang="en-US" sz="2400" dirty="0"/>
+              <a:t>?</a:t>
             </a:r>
           </a:p>
           <a:p>
@@ -25685,7 +25966,7 @@
             </a:pPr>
             <a:r>
               <a:rPr lang="en-US" sz="2400" dirty="0"/>
-              <a:t>Master Server</a:t>
+              <a:t>Architecture and Workflow</a:t>
             </a:r>
           </a:p>
           <a:p>
@@ -25694,7 +25975,7 @@
             </a:pPr>
             <a:r>
               <a:rPr lang="en-US" sz="2400" dirty="0"/>
-              <a:t>Volume Server – Object Storage</a:t>
+              <a:t>Master Server</a:t>
             </a:r>
           </a:p>
           <a:p>
@@ -25703,7 +25984,7 @@
             </a:pPr>
             <a:r>
               <a:rPr lang="en-US" sz="2400" dirty="0"/>
-              <a:t>Filer Server – Filer Storage</a:t>
+              <a:t>Volume Server</a:t>
             </a:r>
           </a:p>
           <a:p>
@@ -25712,7 +25993,7 @@
             </a:pPr>
             <a:r>
               <a:rPr lang="en-US" sz="2400" dirty="0"/>
-              <a:t>weed shell</a:t>
+              <a:t>Filer Server </a:t>
             </a:r>
           </a:p>
           <a:p>
@@ -25720,12 +26001,8 @@
               <a:buAutoNum type="arabicPeriod"/>
             </a:pPr>
             <a:r>
-              <a:rPr lang="en-US" sz="2400" dirty="0" err="1"/>
-              <a:t>SeaweedFS</a:t>
-            </a:r>
-            <a:r>
               <a:rPr lang="en-US" sz="2400" dirty="0"/>
-              <a:t> K8s Deployment</a:t>
+              <a:t>weed shell</a:t>
             </a:r>
           </a:p>
           <a:p>
@@ -25738,7 +26015,38 @@
             </a:r>
             <a:r>
               <a:rPr lang="en-US" sz="2400" dirty="0"/>
+              <a:t> K8s Deployment with HA</a:t>
+            </a:r>
+          </a:p>
+          <a:p>
+            <a:pPr marL="342900" indent="-342900">
+              <a:buAutoNum type="arabicPeriod"/>
+            </a:pPr>
+            <a:r>
+              <a:rPr lang="en-US" sz="2400" dirty="0"/>
+              <a:t>FUSE mount</a:t>
+            </a:r>
+          </a:p>
+          <a:p>
+            <a:pPr marL="342900" indent="-342900">
+              <a:buAutoNum type="arabicPeriod"/>
+            </a:pPr>
+            <a:r>
+              <a:rPr lang="en-US" sz="2400" dirty="0" err="1"/>
+              <a:t>SeaweedFS</a:t>
+            </a:r>
+            <a:r>
+              <a:rPr lang="en-US" sz="2400" dirty="0"/>
               <a:t> CSI </a:t>
+            </a:r>
+          </a:p>
+          <a:p>
+            <a:pPr marL="342900" indent="-342900">
+              <a:buAutoNum type="arabicPeriod"/>
+            </a:pPr>
+            <a:r>
+              <a:rPr lang="en-US" sz="2400" dirty="0"/>
+              <a:t> Scalability</a:t>
             </a:r>
           </a:p>
           <a:p>
@@ -25748,7 +26056,7 @@
             </a:pPr>
             <a:r>
               <a:rPr lang="en-US" sz="2400" dirty="0"/>
-              <a:t>API Support for File Operations</a:t>
+              <a:t> Backup and Recovery</a:t>
             </a:r>
           </a:p>
           <a:p>
@@ -25757,7 +26065,7 @@
             </a:pPr>
             <a:r>
               <a:rPr lang="en-US" sz="2400" dirty="0"/>
-              <a:t>HA</a:t>
+              <a:t> Monitoring</a:t>
             </a:r>
           </a:p>
           <a:p>
@@ -25766,17 +26074,7 @@
             </a:pPr>
             <a:r>
               <a:rPr lang="en-US" sz="2400" dirty="0"/>
-              <a:t>Scalability</a:t>
-            </a:r>
-          </a:p>
-          <a:p>
-            <a:pPr marL="342900" indent="-342900">
-              <a:buFontTx/>
-              <a:buAutoNum type="arabicPeriod"/>
-            </a:pPr>
-            <a:r>
-              <a:rPr lang="en-US" sz="2400" dirty="0"/>
-              <a:t> Backup and Recovery</a:t>
+              <a:t> Security </a:t>
             </a:r>
           </a:p>
           <a:p>
@@ -25849,7 +26147,7 @@
           <a:p>
             <a:r>
               <a:rPr lang="en-US" dirty="0"/>
-              <a:t>10. Backup and recovery</a:t>
+              <a:t>10. Scalability</a:t>
             </a:r>
           </a:p>
         </p:txBody>
@@ -25870,29 +26168,212 @@
             <p:ph idx="1"/>
           </p:nvPr>
         </p:nvSpPr>
-        <p:spPr>
-          <a:xfrm>
-            <a:off x="1024128" y="1905801"/>
-            <a:ext cx="9852419" cy="4745256"/>
-          </a:xfrm>
-        </p:spPr>
+        <p:spPr/>
         <p:txBody>
-          <a:bodyPr>
-            <a:normAutofit lnSpcReduction="10000"/>
-          </a:bodyPr>
+          <a:bodyPr/>
           <a:lstStyle/>
           <a:p>
             <a:r>
+              <a:rPr lang="en-US" dirty="0"/>
+              <a:t>- Add </a:t>
+            </a:r>
+            <a:r>
+              <a:rPr lang="en-US" dirty="0" err="1"/>
+              <a:t>thêm</a:t>
+            </a:r>
+            <a:r>
+              <a:rPr lang="en-US" dirty="0"/>
+              <a:t> master, filer, volume servers: add host </a:t>
+            </a:r>
+            <a:r>
+              <a:rPr lang="en-US" dirty="0" err="1"/>
+              <a:t>và</a:t>
+            </a:r>
+            <a:r>
+              <a:rPr lang="en-US" dirty="0"/>
+              <a:t> </a:t>
+            </a:r>
+            <a:r>
+              <a:rPr lang="en-US" dirty="0" err="1"/>
+              <a:t>chạy</a:t>
+            </a:r>
+            <a:r>
+              <a:rPr lang="en-US" dirty="0"/>
+              <a:t> weed master </a:t>
+            </a:r>
+            <a:r>
+              <a:rPr lang="en-US" dirty="0" err="1"/>
+              <a:t>và</a:t>
+            </a:r>
+            <a:r>
+              <a:rPr lang="en-US" dirty="0"/>
+              <a:t> weed filer, </a:t>
+            </a:r>
+            <a:r>
+              <a:rPr lang="en-US" dirty="0" err="1"/>
+              <a:t>cài</a:t>
+            </a:r>
+            <a:r>
+              <a:rPr lang="en-US" dirty="0"/>
+              <a:t> </a:t>
+            </a:r>
+            <a:r>
+              <a:rPr lang="en-US" dirty="0" err="1"/>
+              <a:t>bằng</a:t>
+            </a:r>
+            <a:r>
+              <a:rPr lang="en-US" dirty="0"/>
+              <a:t> helm =&gt; </a:t>
+            </a:r>
+            <a:r>
+              <a:rPr lang="en-US" dirty="0" err="1"/>
+              <a:t>tăng</a:t>
+            </a:r>
+            <a:r>
+              <a:rPr lang="en-US" dirty="0"/>
+              <a:t> replica</a:t>
+            </a:r>
+          </a:p>
+          <a:p>
+            <a:r>
+              <a:rPr lang="en-US" dirty="0"/>
+              <a:t>- </a:t>
+            </a:r>
+            <a:r>
+              <a:rPr lang="en-US" dirty="0" err="1"/>
+              <a:t>Thêm</a:t>
+            </a:r>
+            <a:r>
+              <a:rPr lang="en-US" dirty="0"/>
+              <a:t> disk: add </a:t>
+            </a:r>
+            <a:r>
+              <a:rPr lang="en-US" dirty="0" err="1"/>
+              <a:t>thêm</a:t>
+            </a:r>
+            <a:r>
+              <a:rPr lang="en-US" dirty="0"/>
+              <a:t> </a:t>
+            </a:r>
+            <a:r>
+              <a:rPr lang="en-US" dirty="0" err="1"/>
+              <a:t>dataDir</a:t>
+            </a:r>
+            <a:r>
+              <a:rPr lang="en-US" dirty="0"/>
+              <a:t> </a:t>
+            </a:r>
+            <a:r>
+              <a:rPr lang="en-US" dirty="0" err="1"/>
+              <a:t>cho</a:t>
+            </a:r>
+            <a:r>
+              <a:rPr lang="en-US" dirty="0"/>
+              <a:t> volume server</a:t>
+            </a:r>
+          </a:p>
+          <a:p>
+            <a:r>
+              <a:rPr lang="en-US" dirty="0"/>
+              <a:t>- </a:t>
+            </a:r>
+            <a:r>
+              <a:rPr lang="en-US" dirty="0" err="1"/>
+              <a:t>Tăng</a:t>
+            </a:r>
+            <a:r>
+              <a:rPr lang="en-US" dirty="0"/>
+              <a:t> </a:t>
+            </a:r>
+            <a:r>
+              <a:rPr lang="en-US" dirty="0" err="1"/>
+              <a:t>số</a:t>
+            </a:r>
+            <a:r>
+              <a:rPr lang="en-US" dirty="0"/>
+              <a:t> </a:t>
+            </a:r>
+            <a:r>
+              <a:rPr lang="en-US" dirty="0" err="1"/>
+              <a:t>lượng</a:t>
+            </a:r>
+            <a:r>
+              <a:rPr lang="en-US" dirty="0"/>
+              <a:t> volume: </a:t>
+            </a:r>
+            <a:r>
+              <a:rPr lang="en-US" dirty="0" err="1"/>
+              <a:t>gọi</a:t>
+            </a:r>
+            <a:r>
+              <a:rPr lang="en-US" dirty="0"/>
+              <a:t> master API: </a:t>
+            </a:r>
+            <a:r>
+              <a:rPr lang="en-US" dirty="0" err="1"/>
+              <a:t>preallocate</a:t>
+            </a:r>
+            <a:r>
+              <a:rPr lang="en-US" dirty="0"/>
+              <a:t> volumes </a:t>
+            </a:r>
+            <a:r>
+              <a:rPr lang="en-US" dirty="0" err="1"/>
+              <a:t>hoặc</a:t>
+            </a:r>
+            <a:r>
+              <a:rPr lang="en-US" dirty="0"/>
+              <a:t> </a:t>
+            </a:r>
+            <a:r>
+              <a:rPr lang="en-US" dirty="0" err="1"/>
+              <a:t>dùng</a:t>
+            </a:r>
+            <a:r>
+              <a:rPr lang="en-US" dirty="0"/>
+              <a:t> weed shell: </a:t>
+            </a:r>
+            <a:r>
+              <a:rPr lang="en-US" dirty="0" err="1"/>
+              <a:t>volume.grow</a:t>
+            </a:r>
+            <a:r>
+              <a:rPr lang="en-US" dirty="0"/>
+              <a:t> =&gt; </a:t>
+            </a:r>
+            <a:r>
+              <a:rPr lang="en-US" dirty="0" err="1"/>
+              <a:t>tăng</a:t>
+            </a:r>
+            <a:r>
+              <a:rPr lang="en-US" dirty="0"/>
+              <a:t> read </a:t>
+            </a:r>
+            <a:r>
+              <a:rPr lang="en-US" dirty="0" err="1"/>
+              <a:t>và</a:t>
+            </a:r>
+            <a:r>
+              <a:rPr lang="en-US" dirty="0"/>
+              <a:t> write concurrency</a:t>
+            </a:r>
+          </a:p>
+          <a:p>
+            <a:r>
+              <a:rPr lang="en-US" dirty="0"/>
+              <a:t>- </a:t>
+            </a:r>
+            <a:r>
               <a:rPr lang="en-US" dirty="0" err="1"/>
               <a:t>Có</a:t>
             </a:r>
             <a:r>
               <a:rPr lang="en-US" dirty="0"/>
-              <a:t> 3 </a:t>
+              <a:t> </a:t>
             </a:r>
             <a:r>
               <a:rPr lang="en-US" dirty="0" err="1"/>
-              <a:t>cách</a:t>
+              <a:t>thể</a:t>
             </a:r>
             <a:r>
               <a:rPr lang="en-US" dirty="0"/>
@@ -25900,15 +26381,15 @@
             </a:r>
             <a:r>
               <a:rPr lang="en-US" dirty="0" err="1"/>
-              <a:t>để</a:t>
-            </a:r>
-            <a:r>
-              <a:rPr lang="en-US" dirty="0"/>
-              <a:t> backup </a:t>
+              <a:t>sửa</a:t>
+            </a:r>
+            <a:r>
+              <a:rPr lang="en-US" dirty="0"/>
+              <a:t> </a:t>
             </a:r>
             <a:r>
               <a:rPr lang="en-US" dirty="0" err="1"/>
-              <a:t>hệ</a:t>
+              <a:t>lại</a:t>
             </a:r>
             <a:r>
               <a:rPr lang="en-US" dirty="0"/>
@@ -25916,7 +26397,7 @@
             </a:r>
             <a:r>
               <a:rPr lang="en-US" dirty="0" err="1"/>
-              <a:t>thống</a:t>
+              <a:t>số</a:t>
             </a:r>
             <a:r>
               <a:rPr lang="en-US" dirty="0"/>
@@ -25924,7 +26405,39 @@
             </a:r>
             <a:r>
               <a:rPr lang="en-US" dirty="0" err="1"/>
-              <a:t>SeaweedFS</a:t>
+              <a:t>lượng</a:t>
+            </a:r>
+            <a:r>
+              <a:rPr lang="en-US" dirty="0"/>
+              <a:t> volume </a:t>
+            </a:r>
+            <a:r>
+              <a:rPr lang="en-US" dirty="0" err="1"/>
+              <a:t>khởi</a:t>
+            </a:r>
+            <a:r>
+              <a:rPr lang="en-US" dirty="0"/>
+              <a:t> </a:t>
+            </a:r>
+            <a:r>
+              <a:rPr lang="en-US" dirty="0" err="1"/>
+              <a:t>tạo</a:t>
+            </a:r>
+            <a:r>
+              <a:rPr lang="en-US" dirty="0"/>
+              <a:t> </a:t>
+            </a:r>
+            <a:r>
+              <a:rPr lang="en-US" dirty="0" err="1"/>
+              <a:t>bằng</a:t>
+            </a:r>
+            <a:r>
+              <a:rPr lang="en-US" dirty="0"/>
+              <a:t> </a:t>
+            </a:r>
+            <a:r>
+              <a:rPr lang="en-US" dirty="0" err="1"/>
+              <a:t>master.toml</a:t>
             </a:r>
             <a:r>
               <a:rPr lang="en-US" dirty="0"/>
@@ -25932,267 +26445,44 @@
             </a:r>
           </a:p>
           <a:p>
-            <a:r>
-              <a:rPr lang="en-US" dirty="0"/>
-              <a:t>- Backup folders and files using filer (async backup)</a:t>
-            </a:r>
-          </a:p>
-          <a:p>
-            <a:r>
-              <a:rPr lang="en-US" dirty="0"/>
-              <a:t>- Backup metadata and volume data</a:t>
-            </a:r>
-          </a:p>
-          <a:p>
-            <a:r>
-              <a:rPr lang="en-US" dirty="0"/>
-              <a:t>- Backup all k8s system with K8up</a:t>
-            </a:r>
-          </a:p>
-          <a:p>
-            <a:r>
-              <a:rPr lang="en-US" dirty="0"/>
-              <a:t>=&gt; </a:t>
-            </a:r>
-            <a:r>
-              <a:rPr lang="en-US" dirty="0" err="1"/>
-              <a:t>Cách</a:t>
-            </a:r>
-            <a:r>
-              <a:rPr lang="en-US" dirty="0"/>
-              <a:t> </a:t>
-            </a:r>
-            <a:r>
-              <a:rPr lang="en-US" dirty="0" err="1"/>
-              <a:t>đơn</a:t>
-            </a:r>
-            <a:r>
-              <a:rPr lang="en-US" dirty="0"/>
-              <a:t> </a:t>
-            </a:r>
-            <a:r>
-              <a:rPr lang="en-US" dirty="0" err="1"/>
-              <a:t>giản</a:t>
-            </a:r>
-            <a:r>
-              <a:rPr lang="en-US" dirty="0"/>
-              <a:t> </a:t>
-            </a:r>
-            <a:r>
-              <a:rPr lang="en-US" dirty="0" err="1"/>
-              <a:t>và</a:t>
-            </a:r>
-            <a:r>
-              <a:rPr lang="en-US" dirty="0"/>
-              <a:t> </a:t>
-            </a:r>
-            <a:r>
-              <a:rPr lang="en-US" dirty="0" err="1"/>
-              <a:t>phù</a:t>
-            </a:r>
-            <a:r>
-              <a:rPr lang="en-US" dirty="0"/>
-              <a:t> </a:t>
-            </a:r>
-            <a:r>
-              <a:rPr lang="en-US" dirty="0" err="1"/>
-              <a:t>hợp</a:t>
-            </a:r>
-            <a:r>
-              <a:rPr lang="en-US" dirty="0"/>
-              <a:t>: Async backup</a:t>
-            </a:r>
-          </a:p>
-          <a:p>
-            <a:r>
-              <a:rPr lang="en-US" b="1" dirty="0"/>
-              <a:t>Async Backup: </a:t>
-            </a:r>
-            <a:r>
-              <a:rPr lang="en-US" dirty="0" err="1"/>
-              <a:t>Lắng</a:t>
-            </a:r>
-            <a:r>
-              <a:rPr lang="en-US" dirty="0"/>
-              <a:t> </a:t>
-            </a:r>
-            <a:r>
-              <a:rPr lang="en-US" dirty="0" err="1"/>
-              <a:t>nghe</a:t>
-            </a:r>
-            <a:r>
-              <a:rPr lang="en-US" dirty="0"/>
-              <a:t> log </a:t>
-            </a:r>
-            <a:r>
-              <a:rPr lang="en-US" dirty="0" err="1"/>
-              <a:t>thay</a:t>
-            </a:r>
-            <a:r>
-              <a:rPr lang="en-US" dirty="0"/>
-              <a:t> </a:t>
-            </a:r>
-            <a:r>
-              <a:rPr lang="en-US" dirty="0" err="1"/>
-              <a:t>đổi</a:t>
-            </a:r>
-            <a:r>
-              <a:rPr lang="en-US" dirty="0"/>
-              <a:t> metadata </a:t>
-            </a:r>
-            <a:r>
-              <a:rPr lang="en-US" dirty="0" err="1"/>
-              <a:t>và</a:t>
-            </a:r>
-            <a:r>
-              <a:rPr lang="en-US" dirty="0"/>
-              <a:t> backup </a:t>
-            </a:r>
-            <a:r>
-              <a:rPr lang="en-US" dirty="0" err="1"/>
-              <a:t>về</a:t>
-            </a:r>
-            <a:r>
-              <a:rPr lang="en-US" dirty="0"/>
-              <a:t> sink</a:t>
-            </a:r>
-          </a:p>
-          <a:p>
-            <a:r>
-              <a:rPr lang="en-US" dirty="0"/>
-              <a:t>- </a:t>
-            </a:r>
-            <a:r>
-              <a:rPr lang="en-US" dirty="0" err="1"/>
-              <a:t>Dùng</a:t>
-            </a:r>
-            <a:r>
-              <a:rPr lang="en-US" dirty="0"/>
-              <a:t> weed scaffold -config=replication -output=. </a:t>
-            </a:r>
-            <a:r>
-              <a:rPr lang="en-US" dirty="0" err="1"/>
-              <a:t>để</a:t>
-            </a:r>
-            <a:r>
-              <a:rPr lang="en-US" dirty="0"/>
-              <a:t> generate config file.</a:t>
-            </a:r>
-          </a:p>
-          <a:p>
-            <a:r>
-              <a:rPr lang="en-US" dirty="0"/>
-              <a:t>- </a:t>
-            </a:r>
-            <a:r>
-              <a:rPr lang="en-US" dirty="0" err="1"/>
-              <a:t>Sửa</a:t>
-            </a:r>
-            <a:r>
-              <a:rPr lang="en-US" dirty="0"/>
-              <a:t> config file: </a:t>
-            </a:r>
-            <a:r>
-              <a:rPr lang="en-US" dirty="0" err="1"/>
-              <a:t>chọn</a:t>
-            </a:r>
-            <a:r>
-              <a:rPr lang="en-US" dirty="0"/>
-              <a:t> sink (</a:t>
-            </a:r>
-            <a:r>
-              <a:rPr lang="en-US" dirty="0" err="1"/>
-              <a:t>dst</a:t>
-            </a:r>
-            <a:r>
-              <a:rPr lang="en-US" dirty="0"/>
-              <a:t> </a:t>
-            </a:r>
-            <a:r>
-              <a:rPr lang="en-US" dirty="0" err="1"/>
-              <a:t>của</a:t>
-            </a:r>
-            <a:r>
-              <a:rPr lang="en-US" dirty="0"/>
-              <a:t> backup data)</a:t>
-            </a:r>
-          </a:p>
-          <a:p>
-            <a:r>
-              <a:rPr lang="en-US" b="1" dirty="0"/>
-              <a:t>Recovery:</a:t>
-            </a:r>
-          </a:p>
-          <a:p>
-            <a:r>
-              <a:rPr lang="en-US" dirty="0"/>
-              <a:t>- </a:t>
-            </a:r>
-            <a:r>
-              <a:rPr lang="en-US" dirty="0" err="1"/>
-              <a:t>Dùng</a:t>
-            </a:r>
-            <a:r>
-              <a:rPr lang="en-US" dirty="0"/>
-              <a:t> weed </a:t>
-            </a:r>
-            <a:r>
-              <a:rPr lang="en-US" dirty="0" err="1"/>
-              <a:t>filer.copy</a:t>
-            </a:r>
-            <a:r>
-              <a:rPr lang="en-US" dirty="0"/>
-              <a:t> ./path/to/</a:t>
-            </a:r>
-            <a:r>
-              <a:rPr lang="en-US" dirty="0" err="1"/>
-              <a:t>folder_or_file</a:t>
-            </a:r>
-            <a:r>
-              <a:rPr lang="en-US" dirty="0"/>
-              <a:t> </a:t>
-            </a:r>
-            <a:r>
-              <a:rPr lang="en-US" dirty="0">
-                <a:hlinkClick r:id="rId3"/>
-              </a:rPr>
-              <a:t>http://filer_server:8888/</a:t>
-            </a:r>
-            <a:r>
-              <a:rPr lang="en-US" dirty="0"/>
-              <a:t> </a:t>
-            </a:r>
-            <a:r>
-              <a:rPr lang="en-US" dirty="0" err="1"/>
-              <a:t>để</a:t>
-            </a:r>
-            <a:r>
-              <a:rPr lang="en-US" dirty="0"/>
-              <a:t> upload </a:t>
-            </a:r>
-            <a:r>
-              <a:rPr lang="en-US" dirty="0" err="1"/>
-              <a:t>lại</a:t>
-            </a:r>
-            <a:r>
-              <a:rPr lang="en-US" dirty="0"/>
-              <a:t> data </a:t>
-            </a:r>
-            <a:r>
-              <a:rPr lang="en-US" dirty="0" err="1"/>
-              <a:t>vào</a:t>
-            </a:r>
-            <a:r>
-              <a:rPr lang="en-US" dirty="0"/>
-              <a:t> filer</a:t>
-            </a:r>
+            <a:endParaRPr lang="en-US" dirty="0"/>
           </a:p>
         </p:txBody>
       </p:sp>
+      <p:pic>
+        <p:nvPicPr>
+          <p:cNvPr id="5" name="Picture 4">
+            <a:extLst>
+              <a:ext uri="{FF2B5EF4-FFF2-40B4-BE49-F238E27FC236}">
+                <a16:creationId xmlns:a16="http://schemas.microsoft.com/office/drawing/2014/main" id="{25836CA4-F042-96C1-74E3-7BC055FBEE48}"/>
+              </a:ext>
+            </a:extLst>
+          </p:cNvPr>
+          <p:cNvPicPr>
+            <a:picLocks noChangeAspect="1"/>
+          </p:cNvPicPr>
+          <p:nvPr/>
+        </p:nvPicPr>
+        <p:blipFill>
+          <a:blip r:embed="rId2"/>
+          <a:stretch>
+            <a:fillRect/>
+          </a:stretch>
+        </p:blipFill>
+        <p:spPr>
+          <a:xfrm>
+            <a:off x="1447799" y="4862473"/>
+            <a:ext cx="6315956" cy="1648055"/>
+          </a:xfrm>
+          <a:prstGeom prst="rect">
+            <a:avLst/>
+          </a:prstGeom>
+        </p:spPr>
+      </p:pic>
     </p:spTree>
     <p:extLst>
       <p:ext uri="{BB962C8B-B14F-4D97-AF65-F5344CB8AC3E}">
-        <p14:creationId xmlns:p14="http://schemas.microsoft.com/office/powerpoint/2010/main" val="135000174"/>
+        <p14:creationId xmlns:p14="http://schemas.microsoft.com/office/powerpoint/2010/main" val="1621327850"/>
       </p:ext>
     </p:extLst>
   </p:cSld>
@@ -26242,7 +26532,7 @@
           <a:p>
             <a:r>
               <a:rPr lang="en-US" dirty="0"/>
-              <a:t>11. monitoring</a:t>
+              <a:t>11. Backup and recovery</a:t>
             </a:r>
           </a:p>
         </p:txBody>
@@ -26263,26 +26553,29 @@
             <p:ph idx="1"/>
           </p:nvPr>
         </p:nvSpPr>
-        <p:spPr/>
+        <p:spPr>
+          <a:xfrm>
+            <a:off x="1024128" y="1905801"/>
+            <a:ext cx="9852419" cy="4745256"/>
+          </a:xfrm>
+        </p:spPr>
         <p:txBody>
-          <a:bodyPr/>
+          <a:bodyPr>
+            <a:normAutofit lnSpcReduction="10000"/>
+          </a:bodyPr>
           <a:lstStyle/>
           <a:p>
             <a:r>
-              <a:rPr lang="en-US" dirty="0"/>
-              <a:t>- </a:t>
-            </a:r>
-            <a:r>
               <a:rPr lang="en-US" dirty="0" err="1"/>
-              <a:t>Sử</a:t>
-            </a:r>
-            <a:r>
-              <a:rPr lang="en-US" dirty="0"/>
-              <a:t> </a:t>
+              <a:t>Có</a:t>
+            </a:r>
+            <a:r>
+              <a:rPr lang="en-US" dirty="0"/>
+              <a:t> 3 </a:t>
             </a:r>
             <a:r>
               <a:rPr lang="en-US" dirty="0" err="1"/>
-              <a:t>dụng</a:t>
+              <a:t>cách</a:t>
             </a:r>
             <a:r>
               <a:rPr lang="en-US" dirty="0"/>
@@ -26290,19 +26583,83 @@
             </a:r>
             <a:r>
               <a:rPr lang="en-US" dirty="0" err="1"/>
-              <a:t>các</a:t>
-            </a:r>
-            <a:r>
-              <a:rPr lang="en-US" dirty="0"/>
-              <a:t> </a:t>
+              <a:t>để</a:t>
+            </a:r>
+            <a:r>
+              <a:rPr lang="en-US" dirty="0"/>
+              <a:t> backup </a:t>
             </a:r>
             <a:r>
               <a:rPr lang="en-US" dirty="0" err="1"/>
-              <a:t>api</a:t>
-            </a:r>
-            <a:r>
-              <a:rPr lang="en-US" dirty="0"/>
-              <a:t> health </a:t>
+              <a:t>hệ</a:t>
+            </a:r>
+            <a:r>
+              <a:rPr lang="en-US" dirty="0"/>
+              <a:t> </a:t>
+            </a:r>
+            <a:r>
+              <a:rPr lang="en-US" dirty="0" err="1"/>
+              <a:t>thống</a:t>
+            </a:r>
+            <a:r>
+              <a:rPr lang="en-US" dirty="0"/>
+              <a:t> </a:t>
+            </a:r>
+            <a:r>
+              <a:rPr lang="en-US" dirty="0" err="1"/>
+              <a:t>SeaweedFS</a:t>
+            </a:r>
+            <a:r>
+              <a:rPr lang="en-US" dirty="0"/>
+              <a:t>:</a:t>
+            </a:r>
+          </a:p>
+          <a:p>
+            <a:r>
+              <a:rPr lang="en-US" dirty="0"/>
+              <a:t>- Backup folders and files using filer (async backup)</a:t>
+            </a:r>
+          </a:p>
+          <a:p>
+            <a:r>
+              <a:rPr lang="en-US" dirty="0"/>
+              <a:t>- Backup metadata and volume data</a:t>
+            </a:r>
+          </a:p>
+          <a:p>
+            <a:r>
+              <a:rPr lang="en-US" dirty="0"/>
+              <a:t>- Backup all k8s system with K8up</a:t>
+            </a:r>
+          </a:p>
+          <a:p>
+            <a:r>
+              <a:rPr lang="en-US" dirty="0"/>
+              <a:t>=&gt; </a:t>
+            </a:r>
+            <a:r>
+              <a:rPr lang="en-US" dirty="0" err="1"/>
+              <a:t>Cách</a:t>
+            </a:r>
+            <a:r>
+              <a:rPr lang="en-US" dirty="0"/>
+              <a:t> </a:t>
+            </a:r>
+            <a:r>
+              <a:rPr lang="en-US" dirty="0" err="1"/>
+              <a:t>đơn</a:t>
+            </a:r>
+            <a:r>
+              <a:rPr lang="en-US" dirty="0"/>
+              <a:t> </a:t>
+            </a:r>
+            <a:r>
+              <a:rPr lang="en-US" dirty="0" err="1"/>
+              <a:t>giản</a:t>
+            </a:r>
+            <a:r>
+              <a:rPr lang="en-US" dirty="0"/>
+              <a:t> </a:t>
             </a:r>
             <a:r>
               <a:rPr lang="en-US" dirty="0" err="1"/>
@@ -26310,17 +26667,33 @@
             </a:r>
             <a:r>
               <a:rPr lang="en-US" dirty="0"/>
-              <a:t> status</a:t>
+              <a:t> </a:t>
+            </a:r>
+            <a:r>
+              <a:rPr lang="en-US" dirty="0" err="1"/>
+              <a:t>phù</a:t>
+            </a:r>
+            <a:r>
+              <a:rPr lang="en-US" dirty="0"/>
+              <a:t> </a:t>
+            </a:r>
+            <a:r>
+              <a:rPr lang="en-US" dirty="0" err="1"/>
+              <a:t>hợp</a:t>
+            </a:r>
+            <a:r>
+              <a:rPr lang="en-US" dirty="0"/>
+              <a:t>: Async backup</a:t>
             </a:r>
           </a:p>
           <a:p>
             <a:r>
-              <a:rPr lang="en-US" dirty="0"/>
-              <a:t>- </a:t>
+              <a:rPr lang="en-US" b="1" dirty="0"/>
+              <a:t>Async Backup: </a:t>
             </a:r>
             <a:r>
               <a:rPr lang="en-US" dirty="0" err="1"/>
-              <a:t>SeaweedFS</a:t>
+              <a:t>Lắng</a:t>
             </a:r>
             <a:r>
               <a:rPr lang="en-US" dirty="0"/>
@@ -26328,15 +26701,15 @@
             </a:r>
             <a:r>
               <a:rPr lang="en-US" dirty="0" err="1"/>
-              <a:t>có</a:t>
-            </a:r>
-            <a:r>
-              <a:rPr lang="en-US" dirty="0"/>
-              <a:t> </a:t>
+              <a:t>nghe</a:t>
+            </a:r>
+            <a:r>
+              <a:rPr lang="en-US" dirty="0"/>
+              <a:t> log </a:t>
             </a:r>
             <a:r>
               <a:rPr lang="en-US" dirty="0" err="1"/>
-              <a:t>thể</a:t>
+              <a:t>thay</a:t>
             </a:r>
             <a:r>
               <a:rPr lang="en-US" dirty="0"/>
@@ -26344,19 +26717,11 @@
             </a:r>
             <a:r>
               <a:rPr lang="en-US" dirty="0" err="1"/>
-              <a:t>gửi</a:t>
-            </a:r>
-            <a:r>
-              <a:rPr lang="en-US" dirty="0"/>
-              <a:t> metrics </a:t>
-            </a:r>
-            <a:r>
-              <a:rPr lang="en-US" dirty="0" err="1"/>
-              <a:t>tới</a:t>
-            </a:r>
-            <a:r>
-              <a:rPr lang="en-US" dirty="0"/>
-              <a:t> Prometheus </a:t>
+              <a:t>đổi</a:t>
+            </a:r>
+            <a:r>
+              <a:rPr lang="en-US" dirty="0"/>
+              <a:t> metadata </a:t>
             </a:r>
             <a:r>
               <a:rPr lang="en-US" dirty="0" err="1"/>
@@ -26364,15 +26729,29 @@
             </a:r>
             <a:r>
               <a:rPr lang="en-US" dirty="0"/>
-              <a:t> </a:t>
+              <a:t> backup </a:t>
             </a:r>
             <a:r>
               <a:rPr lang="en-US" dirty="0" err="1"/>
-              <a:t>dùng</a:t>
-            </a:r>
-            <a:r>
-              <a:rPr lang="en-US" dirty="0"/>
-              <a:t> Grafana </a:t>
+              <a:t>về</a:t>
+            </a:r>
+            <a:r>
+              <a:rPr lang="en-US" dirty="0"/>
+              <a:t> sink</a:t>
+            </a:r>
+          </a:p>
+          <a:p>
+            <a:r>
+              <a:rPr lang="en-US" dirty="0"/>
+              <a:t>- </a:t>
+            </a:r>
+            <a:r>
+              <a:rPr lang="en-US" dirty="0" err="1"/>
+              <a:t>Dùng</a:t>
+            </a:r>
+            <a:r>
+              <a:rPr lang="en-US" dirty="0"/>
+              <a:t> weed scaffold -config=replication -output=. </a:t>
             </a:r>
             <a:r>
               <a:rPr lang="en-US" dirty="0" err="1"/>
@@ -26380,28 +26759,153 @@
             </a:r>
             <a:r>
               <a:rPr lang="en-US" dirty="0"/>
-              <a:t> visualize.</a:t>
+              <a:t> generate config file.</a:t>
             </a:r>
           </a:p>
           <a:p>
             <a:r>
               <a:rPr lang="en-US" dirty="0"/>
-              <a:t>- Shared Grafana Dashboard: </a:t>
+              <a:t>- </a:t>
+            </a:r>
+            <a:r>
+              <a:rPr lang="en-US" dirty="0" err="1"/>
+              <a:t>Sửa</a:t>
+            </a:r>
+            <a:r>
+              <a:rPr lang="en-US" dirty="0"/>
+              <a:t> config file: </a:t>
+            </a:r>
+            <a:r>
+              <a:rPr lang="en-US" dirty="0" err="1"/>
+              <a:t>chọn</a:t>
+            </a:r>
+            <a:r>
+              <a:rPr lang="en-US" dirty="0"/>
+              <a:t> sink (</a:t>
+            </a:r>
+            <a:r>
+              <a:rPr lang="en-US" dirty="0" err="1"/>
+              <a:t>dst</a:t>
+            </a:r>
+            <a:r>
+              <a:rPr lang="en-US" dirty="0"/>
+              <a:t> </a:t>
+            </a:r>
+            <a:r>
+              <a:rPr lang="en-US" dirty="0" err="1"/>
+              <a:t>của</a:t>
+            </a:r>
+            <a:r>
+              <a:rPr lang="en-US" dirty="0"/>
+              <a:t> backup data)</a:t>
+            </a:r>
+          </a:p>
+          <a:p>
+            <a:r>
+              <a:rPr lang="en-US" b="1" dirty="0"/>
+              <a:t>Recovery:</a:t>
+            </a:r>
+          </a:p>
+          <a:p>
+            <a:r>
+              <a:rPr lang="en-US" dirty="0"/>
+              <a:t>- </a:t>
+            </a:r>
+            <a:r>
+              <a:rPr lang="en-US" dirty="0" err="1"/>
+              <a:t>Dùng</a:t>
+            </a:r>
+            <a:r>
+              <a:rPr lang="en-US" dirty="0"/>
+              <a:t> weed </a:t>
+            </a:r>
+            <a:r>
+              <a:rPr lang="en-US" dirty="0" err="1"/>
+              <a:t>filer.copy</a:t>
+            </a:r>
+            <a:r>
+              <a:rPr lang="en-US" dirty="0"/>
+              <a:t> ./path/to/</a:t>
+            </a:r>
+            <a:r>
+              <a:rPr lang="en-US" dirty="0" err="1"/>
+              <a:t>folder_or_file</a:t>
+            </a:r>
+            <a:r>
+              <a:rPr lang="en-US" dirty="0"/>
+              <a:t> </a:t>
             </a:r>
             <a:r>
               <a:rPr lang="en-US" dirty="0">
                 <a:hlinkClick r:id="rId3"/>
               </a:rPr>
-              <a:t>https://github.com/seaweedfs/seaweedfs/blob/master/other/metrics/grafana_seaweedfs.json</a:t>
-            </a:r>
-            <a:endParaRPr lang="en-US" dirty="0"/>
+              <a:t>http://filer_server:8888/</a:t>
+            </a:r>
+            <a:r>
+              <a:rPr lang="en-US" dirty="0"/>
+              <a:t> </a:t>
+            </a:r>
+            <a:r>
+              <a:rPr lang="en-US" dirty="0" err="1"/>
+              <a:t>để</a:t>
+            </a:r>
+            <a:r>
+              <a:rPr lang="en-US" dirty="0"/>
+              <a:t> upload </a:t>
+            </a:r>
+            <a:r>
+              <a:rPr lang="en-US" dirty="0" err="1"/>
+              <a:t>lại</a:t>
+            </a:r>
+            <a:r>
+              <a:rPr lang="en-US" dirty="0"/>
+              <a:t> data </a:t>
+            </a:r>
+            <a:r>
+              <a:rPr lang="en-US" dirty="0" err="1"/>
+              <a:t>vào</a:t>
+            </a:r>
+            <a:r>
+              <a:rPr lang="en-US" dirty="0"/>
+              <a:t> filer</a:t>
+            </a:r>
           </a:p>
         </p:txBody>
       </p:sp>
+      <p:pic>
+        <p:nvPicPr>
+          <p:cNvPr id="5" name="Picture 4">
+            <a:extLst>
+              <a:ext uri="{FF2B5EF4-FFF2-40B4-BE49-F238E27FC236}">
+                <a16:creationId xmlns:a16="http://schemas.microsoft.com/office/drawing/2014/main" id="{489CA7A8-FFA7-D552-EDE6-9D9BAEC4967A}"/>
+              </a:ext>
+            </a:extLst>
+          </p:cNvPr>
+          <p:cNvPicPr>
+            <a:picLocks noChangeAspect="1"/>
+          </p:cNvPicPr>
+          <p:nvPr/>
+        </p:nvPicPr>
+        <p:blipFill>
+          <a:blip r:embed="rId4"/>
+          <a:stretch>
+            <a:fillRect/>
+          </a:stretch>
+        </p:blipFill>
+        <p:spPr>
+          <a:xfrm>
+            <a:off x="7247823" y="1665171"/>
+            <a:ext cx="4659554" cy="2187138"/>
+          </a:xfrm>
+          <a:prstGeom prst="rect">
+            <a:avLst/>
+          </a:prstGeom>
+        </p:spPr>
+      </p:pic>
     </p:spTree>
     <p:extLst>
       <p:ext uri="{BB962C8B-B14F-4D97-AF65-F5344CB8AC3E}">
-        <p14:creationId xmlns:p14="http://schemas.microsoft.com/office/powerpoint/2010/main" val="1502313540"/>
+        <p14:creationId xmlns:p14="http://schemas.microsoft.com/office/powerpoint/2010/main" val="135000174"/>
       </p:ext>
     </p:extLst>
   </p:cSld>
@@ -26451,7 +26955,7 @@
           <a:p>
             <a:r>
               <a:rPr lang="en-US" dirty="0"/>
-              <a:t>12. Security</a:t>
+              <a:t>12. monitoring</a:t>
             </a:r>
           </a:p>
         </p:txBody>
@@ -26474,18 +26978,16 @@
         </p:nvSpPr>
         <p:spPr/>
         <p:txBody>
-          <a:bodyPr>
-            <a:normAutofit/>
-          </a:bodyPr>
+          <a:bodyPr/>
           <a:lstStyle/>
           <a:p>
             <a:r>
               <a:rPr lang="en-US" dirty="0"/>
-              <a:t>- Config </a:t>
+              <a:t>- </a:t>
             </a:r>
             <a:r>
               <a:rPr lang="en-US" dirty="0" err="1"/>
-              <a:t>bằng</a:t>
+              <a:t>Sử</a:t>
             </a:r>
             <a:r>
               <a:rPr lang="en-US" dirty="0"/>
@@ -26493,31 +26995,36 @@
             </a:r>
             <a:r>
               <a:rPr lang="en-US" dirty="0" err="1"/>
-              <a:t>security.toml</a:t>
-            </a:r>
-            <a:r>
-              <a:rPr lang="en-US" dirty="0"/>
-              <a:t> generate </a:t>
+              <a:t>dụng</a:t>
+            </a:r>
+            <a:r>
+              <a:rPr lang="en-US" dirty="0"/>
+              <a:t> </a:t>
             </a:r>
             <a:r>
               <a:rPr lang="en-US" dirty="0" err="1"/>
-              <a:t>bằng</a:t>
-            </a:r>
-            <a:r>
-              <a:rPr lang="en-US" dirty="0"/>
-              <a:t> </a:t>
-            </a:r>
-            <a:r>
-              <a:rPr lang="en-US" b="0" i="0" dirty="0">
-                <a:solidFill>
-                  <a:srgbClr val="1F2328"/>
-                </a:solidFill>
-                <a:effectLst/>
-                <a:latin typeface="ui-monospace"/>
-              </a:rPr>
-              <a:t>weed scaffold -config=security</a:t>
-            </a:r>
-            <a:endParaRPr lang="en-US" dirty="0"/>
+              <a:t>các</a:t>
+            </a:r>
+            <a:r>
+              <a:rPr lang="en-US" dirty="0"/>
+              <a:t> </a:t>
+            </a:r>
+            <a:r>
+              <a:rPr lang="en-US" dirty="0" err="1"/>
+              <a:t>api</a:t>
+            </a:r>
+            <a:r>
+              <a:rPr lang="en-US" dirty="0"/>
+              <a:t> health </a:t>
+            </a:r>
+            <a:r>
+              <a:rPr lang="en-US" dirty="0" err="1"/>
+              <a:t>và</a:t>
+            </a:r>
+            <a:r>
+              <a:rPr lang="en-US" dirty="0"/>
+              <a:t> status</a:t>
+            </a:r>
           </a:p>
           <a:p>
             <a:r>
@@ -26526,7 +27033,7 @@
             </a:r>
             <a:r>
               <a:rPr lang="en-US" dirty="0" err="1"/>
-              <a:t>Bảo</a:t>
+              <a:t>SeaweedFS</a:t>
             </a:r>
             <a:r>
               <a:rPr lang="en-US" dirty="0"/>
@@ -26534,425 +27041,80 @@
             </a:r>
             <a:r>
               <a:rPr lang="en-US" dirty="0" err="1"/>
-              <a:t>mật</a:t>
-            </a:r>
-            <a:r>
-              <a:rPr lang="en-US" dirty="0"/>
-              <a:t> Volume Servers dung JW</a:t>
+              <a:t>có</a:t>
+            </a:r>
+            <a:r>
+              <a:rPr lang="en-US" dirty="0"/>
+              <a:t> </a:t>
+            </a:r>
+            <a:r>
+              <a:rPr lang="en-US" dirty="0" err="1"/>
+              <a:t>thể</a:t>
+            </a:r>
+            <a:r>
+              <a:rPr lang="en-US" dirty="0"/>
+              <a:t> </a:t>
+            </a:r>
+            <a:r>
+              <a:rPr lang="en-US" dirty="0" err="1"/>
+              <a:t>gửi</a:t>
+            </a:r>
+            <a:r>
+              <a:rPr lang="en-US" dirty="0"/>
+              <a:t> metrics </a:t>
+            </a:r>
+            <a:r>
+              <a:rPr lang="en-US" dirty="0" err="1"/>
+              <a:t>tới</a:t>
+            </a:r>
+            <a:r>
+              <a:rPr lang="en-US" dirty="0"/>
+              <a:t> Prometheus </a:t>
+            </a:r>
+            <a:r>
+              <a:rPr lang="en-US" dirty="0" err="1"/>
+              <a:t>và</a:t>
+            </a:r>
+            <a:r>
+              <a:rPr lang="en-US" dirty="0"/>
+              <a:t> </a:t>
+            </a:r>
+            <a:r>
+              <a:rPr lang="en-US" dirty="0" err="1"/>
+              <a:t>dùng</a:t>
+            </a:r>
+            <a:r>
+              <a:rPr lang="en-US" dirty="0"/>
+              <a:t> Grafana </a:t>
+            </a:r>
+            <a:r>
+              <a:rPr lang="en-US" dirty="0" err="1"/>
+              <a:t>để</a:t>
+            </a:r>
+            <a:r>
+              <a:rPr lang="en-US" dirty="0"/>
+              <a:t> visualize.</a:t>
             </a:r>
           </a:p>
           <a:p>
-            <a:pPr marL="0" indent="0">
-              <a:buNone/>
-            </a:pPr>
-            <a:r>
-              <a:rPr lang="en-US" dirty="0"/>
-              <a:t>	+ </a:t>
-            </a:r>
-            <a:r>
-              <a:rPr lang="en-US" dirty="0" err="1"/>
-              <a:t>Trong</a:t>
-            </a:r>
-            <a:r>
-              <a:rPr lang="en-US" dirty="0"/>
-              <a:t> </a:t>
-            </a:r>
-            <a:r>
-              <a:rPr lang="en-US" dirty="0" err="1"/>
-              <a:t>security.toml</a:t>
-            </a:r>
-            <a:r>
-              <a:rPr lang="en-US" dirty="0"/>
-              <a:t>, set “</a:t>
-            </a:r>
-            <a:r>
-              <a:rPr lang="en-US" b="0" i="0" dirty="0" err="1">
-                <a:solidFill>
-                  <a:srgbClr val="1F2328"/>
-                </a:solidFill>
-                <a:effectLst/>
-                <a:latin typeface="ui-monospace"/>
+            <a:r>
+              <a:rPr lang="en-US" dirty="0"/>
+              <a:t>- Shared Grafana Dashboard: </a:t>
+            </a:r>
+            <a:r>
+              <a:rPr lang="en-US" dirty="0">
+                <a:hlinkClick r:id="rId3"/>
               </a:rPr>
-              <a:t>jwt.signing.key</a:t>
-            </a:r>
-            <a:r>
-              <a:rPr lang="en-US" b="0" i="0" dirty="0">
-                <a:solidFill>
-                  <a:srgbClr val="1F2328"/>
-                </a:solidFill>
-                <a:effectLst/>
-                <a:latin typeface="ui-monospace"/>
-              </a:rPr>
-              <a:t>” </a:t>
-            </a:r>
-          </a:p>
-          <a:p>
-            <a:r>
-              <a:rPr lang="en-US" dirty="0">
-                <a:solidFill>
-                  <a:srgbClr val="1F2328"/>
-                </a:solidFill>
-                <a:latin typeface="ui-monospace"/>
-              </a:rPr>
-              <a:t>      	</a:t>
-            </a:r>
-            <a:r>
-              <a:rPr lang="en-US" dirty="0"/>
-              <a:t>+ Copy file </a:t>
-            </a:r>
-            <a:r>
-              <a:rPr lang="en-US" dirty="0">
-                <a:solidFill>
-                  <a:srgbClr val="1F2328"/>
-                </a:solidFill>
-                <a:latin typeface="ui-monospace"/>
-              </a:rPr>
-              <a:t>security </a:t>
-            </a:r>
-            <a:r>
-              <a:rPr lang="en-US" dirty="0" err="1">
-                <a:solidFill>
-                  <a:srgbClr val="1F2328"/>
-                </a:solidFill>
-                <a:latin typeface="ui-monospace"/>
-              </a:rPr>
-              <a:t>tương</a:t>
-            </a:r>
-            <a:r>
-              <a:rPr lang="en-US" dirty="0">
-                <a:solidFill>
-                  <a:srgbClr val="1F2328"/>
-                </a:solidFill>
-                <a:latin typeface="ui-monospace"/>
-              </a:rPr>
-              <a:t> </a:t>
-            </a:r>
-            <a:r>
-              <a:rPr lang="en-US" dirty="0" err="1">
-                <a:solidFill>
-                  <a:srgbClr val="1F2328"/>
-                </a:solidFill>
-                <a:latin typeface="ui-monospace"/>
-              </a:rPr>
-              <a:t>tự</a:t>
-            </a:r>
-            <a:r>
-              <a:rPr lang="en-US" dirty="0">
-                <a:solidFill>
-                  <a:srgbClr val="1F2328"/>
-                </a:solidFill>
-                <a:latin typeface="ui-monospace"/>
-              </a:rPr>
-              <a:t> sang </a:t>
-            </a:r>
-            <a:r>
-              <a:rPr lang="en-US" dirty="0" err="1">
-                <a:solidFill>
-                  <a:srgbClr val="1F2328"/>
-                </a:solidFill>
-                <a:latin typeface="ui-monospace"/>
-              </a:rPr>
-              <a:t>tất</a:t>
-            </a:r>
-            <a:r>
-              <a:rPr lang="en-US" dirty="0">
-                <a:solidFill>
-                  <a:srgbClr val="1F2328"/>
-                </a:solidFill>
-                <a:latin typeface="ui-monospace"/>
-              </a:rPr>
-              <a:t> </a:t>
-            </a:r>
-            <a:r>
-              <a:rPr lang="en-US" dirty="0" err="1">
-                <a:solidFill>
-                  <a:srgbClr val="1F2328"/>
-                </a:solidFill>
-                <a:latin typeface="ui-monospace"/>
-              </a:rPr>
-              <a:t>cả</a:t>
-            </a:r>
-            <a:r>
-              <a:rPr lang="en-US" dirty="0">
-                <a:solidFill>
-                  <a:srgbClr val="1F2328"/>
-                </a:solidFill>
-                <a:latin typeface="ui-monospace"/>
-              </a:rPr>
-              <a:t> masters </a:t>
-            </a:r>
-            <a:r>
-              <a:rPr lang="en-US" dirty="0" err="1">
-                <a:solidFill>
-                  <a:srgbClr val="1F2328"/>
-                </a:solidFill>
-                <a:latin typeface="ui-monospace"/>
-              </a:rPr>
-              <a:t>và</a:t>
-            </a:r>
-            <a:r>
-              <a:rPr lang="en-US" dirty="0">
-                <a:solidFill>
-                  <a:srgbClr val="1F2328"/>
-                </a:solidFill>
-                <a:latin typeface="ui-monospace"/>
-              </a:rPr>
-              <a:t> </a:t>
-            </a:r>
-            <a:r>
-              <a:rPr lang="en-US" dirty="0" err="1">
-                <a:solidFill>
-                  <a:srgbClr val="1F2328"/>
-                </a:solidFill>
-                <a:latin typeface="ui-monospace"/>
-              </a:rPr>
-              <a:t>các</a:t>
-            </a:r>
-            <a:r>
-              <a:rPr lang="en-US" dirty="0">
-                <a:solidFill>
-                  <a:srgbClr val="1F2328"/>
-                </a:solidFill>
-                <a:latin typeface="ui-monospace"/>
-              </a:rPr>
-              <a:t> volume servers</a:t>
+              <a:t>https://github.com/seaweedfs/seaweedfs/blob/master/other/metrics/grafana_seaweedfs.json</a:t>
             </a:r>
             <a:endParaRPr lang="en-US" dirty="0"/>
-          </a:p>
-          <a:p>
-            <a:r>
-              <a:rPr lang="en-US" dirty="0"/>
-              <a:t>- </a:t>
-            </a:r>
-            <a:r>
-              <a:rPr lang="en-US" dirty="0" err="1"/>
-              <a:t>Bảo</a:t>
-            </a:r>
-            <a:r>
-              <a:rPr lang="en-US" dirty="0"/>
-              <a:t> </a:t>
-            </a:r>
-            <a:r>
-              <a:rPr lang="en-US" dirty="0" err="1"/>
-              <a:t>mật</a:t>
-            </a:r>
-            <a:r>
-              <a:rPr lang="en-US" dirty="0"/>
-              <a:t> Filer HTTP dung JWT</a:t>
-            </a:r>
-          </a:p>
-          <a:p>
-            <a:pPr marL="0" indent="0">
-              <a:buNone/>
-            </a:pPr>
-            <a:r>
-              <a:rPr lang="en-US" dirty="0"/>
-              <a:t>      	+ </a:t>
-            </a:r>
-            <a:r>
-              <a:rPr lang="en-US" dirty="0" err="1"/>
-              <a:t>Trong</a:t>
-            </a:r>
-            <a:r>
-              <a:rPr lang="en-US" dirty="0"/>
-              <a:t> </a:t>
-            </a:r>
-            <a:r>
-              <a:rPr lang="en-US" dirty="0" err="1"/>
-              <a:t>security.toml</a:t>
-            </a:r>
-            <a:r>
-              <a:rPr lang="en-US" dirty="0"/>
-              <a:t>, set “</a:t>
-            </a:r>
-            <a:r>
-              <a:rPr lang="en-US" b="0" i="0" dirty="0" err="1">
-                <a:solidFill>
-                  <a:srgbClr val="1F2328"/>
-                </a:solidFill>
-                <a:effectLst/>
-                <a:latin typeface="ui-monospace"/>
-              </a:rPr>
-              <a:t>jwt.signing.key</a:t>
-            </a:r>
-            <a:r>
-              <a:rPr lang="en-US" b="0" i="0" dirty="0">
-                <a:solidFill>
-                  <a:srgbClr val="1F2328"/>
-                </a:solidFill>
-                <a:effectLst/>
-                <a:latin typeface="ui-monospace"/>
-              </a:rPr>
-              <a:t>” </a:t>
-            </a:r>
-            <a:r>
-              <a:rPr lang="en-US" b="0" i="0" dirty="0" err="1">
-                <a:solidFill>
-                  <a:srgbClr val="1F2328"/>
-                </a:solidFill>
-                <a:effectLst/>
-                <a:latin typeface="ui-monospace"/>
-              </a:rPr>
-              <a:t>và</a:t>
-            </a:r>
-            <a:r>
-              <a:rPr lang="en-US" b="0" i="0" dirty="0">
-                <a:solidFill>
-                  <a:srgbClr val="1F2328"/>
-                </a:solidFill>
-                <a:effectLst/>
-                <a:latin typeface="ui-monospace"/>
-              </a:rPr>
-              <a:t> “</a:t>
-            </a:r>
-            <a:r>
-              <a:rPr lang="en-US" b="0" i="0" dirty="0" err="1">
-                <a:solidFill>
-                  <a:srgbClr val="1F2328"/>
-                </a:solidFill>
-                <a:effectLst/>
-                <a:latin typeface="ui-monospace"/>
-              </a:rPr>
-              <a:t>jwt.filer_signing.read.key</a:t>
-            </a:r>
-            <a:r>
-              <a:rPr lang="en-US" b="0" i="0" dirty="0">
-                <a:solidFill>
-                  <a:srgbClr val="1F2328"/>
-                </a:solidFill>
-                <a:effectLst/>
-                <a:latin typeface="ui-monospace"/>
-              </a:rPr>
-              <a:t>”</a:t>
-            </a:r>
-          </a:p>
-          <a:p>
-            <a:r>
-              <a:rPr lang="en-US" dirty="0">
-                <a:solidFill>
-                  <a:srgbClr val="1F2328"/>
-                </a:solidFill>
-                <a:latin typeface="ui-monospace"/>
-              </a:rPr>
-              <a:t>      	</a:t>
-            </a:r>
-            <a:r>
-              <a:rPr lang="en-US" dirty="0"/>
-              <a:t>+ Copy file </a:t>
-            </a:r>
-            <a:r>
-              <a:rPr lang="en-US" dirty="0">
-                <a:solidFill>
-                  <a:srgbClr val="1F2328"/>
-                </a:solidFill>
-                <a:latin typeface="ui-monospace"/>
-              </a:rPr>
-              <a:t>security </a:t>
-            </a:r>
-            <a:r>
-              <a:rPr lang="en-US" dirty="0" err="1">
-                <a:solidFill>
-                  <a:srgbClr val="1F2328"/>
-                </a:solidFill>
-                <a:latin typeface="ui-monospace"/>
-              </a:rPr>
-              <a:t>tương</a:t>
-            </a:r>
-            <a:r>
-              <a:rPr lang="en-US" dirty="0">
-                <a:solidFill>
-                  <a:srgbClr val="1F2328"/>
-                </a:solidFill>
-                <a:latin typeface="ui-monospace"/>
-              </a:rPr>
-              <a:t> </a:t>
-            </a:r>
-            <a:r>
-              <a:rPr lang="en-US" dirty="0" err="1">
-                <a:solidFill>
-                  <a:srgbClr val="1F2328"/>
-                </a:solidFill>
-                <a:latin typeface="ui-monospace"/>
-              </a:rPr>
-              <a:t>tự</a:t>
-            </a:r>
-            <a:r>
-              <a:rPr lang="en-US" dirty="0">
-                <a:solidFill>
-                  <a:srgbClr val="1F2328"/>
-                </a:solidFill>
-                <a:latin typeface="ui-monospace"/>
-              </a:rPr>
-              <a:t> sang </a:t>
-            </a:r>
-            <a:r>
-              <a:rPr lang="en-US" dirty="0" err="1">
-                <a:solidFill>
-                  <a:srgbClr val="1F2328"/>
-                </a:solidFill>
-                <a:latin typeface="ui-monospace"/>
-              </a:rPr>
-              <a:t>tất</a:t>
-            </a:r>
-            <a:r>
-              <a:rPr lang="en-US" dirty="0">
-                <a:solidFill>
-                  <a:srgbClr val="1F2328"/>
-                </a:solidFill>
-                <a:latin typeface="ui-monospace"/>
-              </a:rPr>
-              <a:t> </a:t>
-            </a:r>
-            <a:r>
-              <a:rPr lang="en-US" dirty="0" err="1">
-                <a:solidFill>
-                  <a:srgbClr val="1F2328"/>
-                </a:solidFill>
-                <a:latin typeface="ui-monospace"/>
-              </a:rPr>
-              <a:t>cả</a:t>
-            </a:r>
-            <a:r>
-              <a:rPr lang="en-US" dirty="0">
-                <a:solidFill>
-                  <a:srgbClr val="1F2328"/>
-                </a:solidFill>
-                <a:latin typeface="ui-monospace"/>
-              </a:rPr>
-              <a:t> </a:t>
-            </a:r>
-            <a:r>
-              <a:rPr lang="en-US" dirty="0" err="1">
-                <a:solidFill>
-                  <a:srgbClr val="1F2328"/>
-                </a:solidFill>
-                <a:latin typeface="ui-monospace"/>
-              </a:rPr>
-              <a:t>các</a:t>
-            </a:r>
-            <a:r>
-              <a:rPr lang="en-US" dirty="0">
-                <a:solidFill>
-                  <a:srgbClr val="1F2328"/>
-                </a:solidFill>
-                <a:latin typeface="ui-monospace"/>
-              </a:rPr>
-              <a:t> filers</a:t>
-            </a:r>
-            <a:endParaRPr lang="en-US" dirty="0"/>
-          </a:p>
-          <a:p>
-            <a:r>
-              <a:rPr lang="en-US" dirty="0"/>
-              <a:t> </a:t>
-            </a:r>
           </a:p>
         </p:txBody>
       </p:sp>
     </p:spTree>
     <p:extLst>
       <p:ext uri="{BB962C8B-B14F-4D97-AF65-F5344CB8AC3E}">
-        <p14:creationId xmlns:p14="http://schemas.microsoft.com/office/powerpoint/2010/main" val="2500241660"/>
+        <p14:creationId xmlns:p14="http://schemas.microsoft.com/office/powerpoint/2010/main" val="1502313540"/>
       </p:ext>
     </p:extLst>
   </p:cSld>
@@ -27002,7 +27164,7 @@
           <a:p>
             <a:r>
               <a:rPr lang="en-US" dirty="0"/>
-              <a:t>13. I/o performance</a:t>
+              <a:t>13. Security</a:t>
             </a:r>
           </a:p>
         </p:txBody>
@@ -27025,13 +27187,1899 @@
         </p:nvSpPr>
         <p:spPr/>
         <p:txBody>
+          <a:bodyPr>
+            <a:normAutofit/>
+          </a:bodyPr>
+          <a:lstStyle/>
+          <a:p>
+            <a:r>
+              <a:rPr lang="en-US" dirty="0"/>
+              <a:t>- Config </a:t>
+            </a:r>
+            <a:r>
+              <a:rPr lang="en-US" dirty="0" err="1"/>
+              <a:t>bằng</a:t>
+            </a:r>
+            <a:r>
+              <a:rPr lang="en-US" dirty="0"/>
+              <a:t> </a:t>
+            </a:r>
+            <a:r>
+              <a:rPr lang="en-US" dirty="0" err="1"/>
+              <a:t>security.toml</a:t>
+            </a:r>
+            <a:r>
+              <a:rPr lang="en-US" dirty="0"/>
+              <a:t> generate </a:t>
+            </a:r>
+            <a:r>
+              <a:rPr lang="en-US" dirty="0" err="1"/>
+              <a:t>bằng</a:t>
+            </a:r>
+            <a:r>
+              <a:rPr lang="en-US" dirty="0"/>
+              <a:t> </a:t>
+            </a:r>
+            <a:r>
+              <a:rPr lang="en-US" b="0" i="0" dirty="0">
+                <a:solidFill>
+                  <a:srgbClr val="1F2328"/>
+                </a:solidFill>
+                <a:effectLst/>
+                <a:latin typeface="ui-monospace"/>
+              </a:rPr>
+              <a:t>weed scaffold -config=security</a:t>
+            </a:r>
+            <a:endParaRPr lang="en-US" dirty="0"/>
+          </a:p>
+          <a:p>
+            <a:r>
+              <a:rPr lang="en-US" dirty="0"/>
+              <a:t>- </a:t>
+            </a:r>
+            <a:r>
+              <a:rPr lang="en-US" dirty="0" err="1"/>
+              <a:t>Bảo</a:t>
+            </a:r>
+            <a:r>
+              <a:rPr lang="en-US" dirty="0"/>
+              <a:t> </a:t>
+            </a:r>
+            <a:r>
+              <a:rPr lang="en-US" dirty="0" err="1"/>
+              <a:t>mật</a:t>
+            </a:r>
+            <a:r>
+              <a:rPr lang="en-US" dirty="0"/>
+              <a:t> Volume Servers dung JW</a:t>
+            </a:r>
+          </a:p>
+          <a:p>
+            <a:pPr marL="0" indent="0">
+              <a:buNone/>
+            </a:pPr>
+            <a:r>
+              <a:rPr lang="en-US" dirty="0"/>
+              <a:t>	+ </a:t>
+            </a:r>
+            <a:r>
+              <a:rPr lang="en-US" dirty="0" err="1"/>
+              <a:t>Trong</a:t>
+            </a:r>
+            <a:r>
+              <a:rPr lang="en-US" dirty="0"/>
+              <a:t> </a:t>
+            </a:r>
+            <a:r>
+              <a:rPr lang="en-US" dirty="0" err="1"/>
+              <a:t>security.toml</a:t>
+            </a:r>
+            <a:r>
+              <a:rPr lang="en-US" dirty="0"/>
+              <a:t>, set “</a:t>
+            </a:r>
+            <a:r>
+              <a:rPr lang="en-US" b="0" i="0" dirty="0" err="1">
+                <a:solidFill>
+                  <a:srgbClr val="1F2328"/>
+                </a:solidFill>
+                <a:effectLst/>
+                <a:latin typeface="ui-monospace"/>
+              </a:rPr>
+              <a:t>jwt.signing.key</a:t>
+            </a:r>
+            <a:r>
+              <a:rPr lang="en-US" b="0" i="0" dirty="0">
+                <a:solidFill>
+                  <a:srgbClr val="1F2328"/>
+                </a:solidFill>
+                <a:effectLst/>
+                <a:latin typeface="ui-monospace"/>
+              </a:rPr>
+              <a:t>” </a:t>
+            </a:r>
+          </a:p>
+          <a:p>
+            <a:r>
+              <a:rPr lang="en-US" dirty="0">
+                <a:solidFill>
+                  <a:srgbClr val="1F2328"/>
+                </a:solidFill>
+                <a:latin typeface="ui-monospace"/>
+              </a:rPr>
+              <a:t>      	</a:t>
+            </a:r>
+            <a:r>
+              <a:rPr lang="en-US" dirty="0"/>
+              <a:t>+ Copy file </a:t>
+            </a:r>
+            <a:r>
+              <a:rPr lang="en-US" dirty="0">
+                <a:solidFill>
+                  <a:srgbClr val="1F2328"/>
+                </a:solidFill>
+                <a:latin typeface="ui-monospace"/>
+              </a:rPr>
+              <a:t>security </a:t>
+            </a:r>
+            <a:r>
+              <a:rPr lang="en-US" dirty="0" err="1">
+                <a:solidFill>
+                  <a:srgbClr val="1F2328"/>
+                </a:solidFill>
+                <a:latin typeface="ui-monospace"/>
+              </a:rPr>
+              <a:t>tương</a:t>
+            </a:r>
+            <a:r>
+              <a:rPr lang="en-US" dirty="0">
+                <a:solidFill>
+                  <a:srgbClr val="1F2328"/>
+                </a:solidFill>
+                <a:latin typeface="ui-monospace"/>
+              </a:rPr>
+              <a:t> </a:t>
+            </a:r>
+            <a:r>
+              <a:rPr lang="en-US" dirty="0" err="1">
+                <a:solidFill>
+                  <a:srgbClr val="1F2328"/>
+                </a:solidFill>
+                <a:latin typeface="ui-monospace"/>
+              </a:rPr>
+              <a:t>tự</a:t>
+            </a:r>
+            <a:r>
+              <a:rPr lang="en-US" dirty="0">
+                <a:solidFill>
+                  <a:srgbClr val="1F2328"/>
+                </a:solidFill>
+                <a:latin typeface="ui-monospace"/>
+              </a:rPr>
+              <a:t> sang </a:t>
+            </a:r>
+            <a:r>
+              <a:rPr lang="en-US" dirty="0" err="1">
+                <a:solidFill>
+                  <a:srgbClr val="1F2328"/>
+                </a:solidFill>
+                <a:latin typeface="ui-monospace"/>
+              </a:rPr>
+              <a:t>tất</a:t>
+            </a:r>
+            <a:r>
+              <a:rPr lang="en-US" dirty="0">
+                <a:solidFill>
+                  <a:srgbClr val="1F2328"/>
+                </a:solidFill>
+                <a:latin typeface="ui-monospace"/>
+              </a:rPr>
+              <a:t> </a:t>
+            </a:r>
+            <a:r>
+              <a:rPr lang="en-US" dirty="0" err="1">
+                <a:solidFill>
+                  <a:srgbClr val="1F2328"/>
+                </a:solidFill>
+                <a:latin typeface="ui-monospace"/>
+              </a:rPr>
+              <a:t>cả</a:t>
+            </a:r>
+            <a:r>
+              <a:rPr lang="en-US" dirty="0">
+                <a:solidFill>
+                  <a:srgbClr val="1F2328"/>
+                </a:solidFill>
+                <a:latin typeface="ui-monospace"/>
+              </a:rPr>
+              <a:t> masters </a:t>
+            </a:r>
+            <a:r>
+              <a:rPr lang="en-US" dirty="0" err="1">
+                <a:solidFill>
+                  <a:srgbClr val="1F2328"/>
+                </a:solidFill>
+                <a:latin typeface="ui-monospace"/>
+              </a:rPr>
+              <a:t>và</a:t>
+            </a:r>
+            <a:r>
+              <a:rPr lang="en-US" dirty="0">
+                <a:solidFill>
+                  <a:srgbClr val="1F2328"/>
+                </a:solidFill>
+                <a:latin typeface="ui-monospace"/>
+              </a:rPr>
+              <a:t> </a:t>
+            </a:r>
+            <a:r>
+              <a:rPr lang="en-US" dirty="0" err="1">
+                <a:solidFill>
+                  <a:srgbClr val="1F2328"/>
+                </a:solidFill>
+                <a:latin typeface="ui-monospace"/>
+              </a:rPr>
+              <a:t>các</a:t>
+            </a:r>
+            <a:r>
+              <a:rPr lang="en-US" dirty="0">
+                <a:solidFill>
+                  <a:srgbClr val="1F2328"/>
+                </a:solidFill>
+                <a:latin typeface="ui-monospace"/>
+              </a:rPr>
+              <a:t> volume servers</a:t>
+            </a:r>
+            <a:endParaRPr lang="en-US" dirty="0"/>
+          </a:p>
+          <a:p>
+            <a:r>
+              <a:rPr lang="en-US" dirty="0"/>
+              <a:t>- </a:t>
+            </a:r>
+            <a:r>
+              <a:rPr lang="en-US" dirty="0" err="1"/>
+              <a:t>Bảo</a:t>
+            </a:r>
+            <a:r>
+              <a:rPr lang="en-US" dirty="0"/>
+              <a:t> </a:t>
+            </a:r>
+            <a:r>
+              <a:rPr lang="en-US" dirty="0" err="1"/>
+              <a:t>mật</a:t>
+            </a:r>
+            <a:r>
+              <a:rPr lang="en-US" dirty="0"/>
+              <a:t> Filer HTTP dung JWT</a:t>
+            </a:r>
+          </a:p>
+          <a:p>
+            <a:pPr marL="0" indent="0">
+              <a:buNone/>
+            </a:pPr>
+            <a:r>
+              <a:rPr lang="en-US" dirty="0"/>
+              <a:t>      	+ </a:t>
+            </a:r>
+            <a:r>
+              <a:rPr lang="en-US" dirty="0" err="1"/>
+              <a:t>Trong</a:t>
+            </a:r>
+            <a:r>
+              <a:rPr lang="en-US" dirty="0"/>
+              <a:t> </a:t>
+            </a:r>
+            <a:r>
+              <a:rPr lang="en-US" dirty="0" err="1"/>
+              <a:t>security.toml</a:t>
+            </a:r>
+            <a:r>
+              <a:rPr lang="en-US" dirty="0"/>
+              <a:t>, set “</a:t>
+            </a:r>
+            <a:r>
+              <a:rPr lang="en-US" b="0" i="0" dirty="0" err="1">
+                <a:solidFill>
+                  <a:srgbClr val="1F2328"/>
+                </a:solidFill>
+                <a:effectLst/>
+                <a:latin typeface="ui-monospace"/>
+              </a:rPr>
+              <a:t>jwt.signing.key</a:t>
+            </a:r>
+            <a:r>
+              <a:rPr lang="en-US" b="0" i="0" dirty="0">
+                <a:solidFill>
+                  <a:srgbClr val="1F2328"/>
+                </a:solidFill>
+                <a:effectLst/>
+                <a:latin typeface="ui-monospace"/>
+              </a:rPr>
+              <a:t>” </a:t>
+            </a:r>
+            <a:r>
+              <a:rPr lang="en-US" b="0" i="0" dirty="0" err="1">
+                <a:solidFill>
+                  <a:srgbClr val="1F2328"/>
+                </a:solidFill>
+                <a:effectLst/>
+                <a:latin typeface="ui-monospace"/>
+              </a:rPr>
+              <a:t>và</a:t>
+            </a:r>
+            <a:r>
+              <a:rPr lang="en-US" b="0" i="0" dirty="0">
+                <a:solidFill>
+                  <a:srgbClr val="1F2328"/>
+                </a:solidFill>
+                <a:effectLst/>
+                <a:latin typeface="ui-monospace"/>
+              </a:rPr>
+              <a:t> “</a:t>
+            </a:r>
+            <a:r>
+              <a:rPr lang="en-US" b="0" i="0" dirty="0" err="1">
+                <a:solidFill>
+                  <a:srgbClr val="1F2328"/>
+                </a:solidFill>
+                <a:effectLst/>
+                <a:latin typeface="ui-monospace"/>
+              </a:rPr>
+              <a:t>jwt.filer_signing.read.key</a:t>
+            </a:r>
+            <a:r>
+              <a:rPr lang="en-US" b="0" i="0" dirty="0">
+                <a:solidFill>
+                  <a:srgbClr val="1F2328"/>
+                </a:solidFill>
+                <a:effectLst/>
+                <a:latin typeface="ui-monospace"/>
+              </a:rPr>
+              <a:t>”</a:t>
+            </a:r>
+          </a:p>
+          <a:p>
+            <a:r>
+              <a:rPr lang="en-US" dirty="0">
+                <a:solidFill>
+                  <a:srgbClr val="1F2328"/>
+                </a:solidFill>
+                <a:latin typeface="ui-monospace"/>
+              </a:rPr>
+              <a:t>      	</a:t>
+            </a:r>
+            <a:r>
+              <a:rPr lang="en-US" dirty="0"/>
+              <a:t>+ Copy file </a:t>
+            </a:r>
+            <a:r>
+              <a:rPr lang="en-US" dirty="0">
+                <a:solidFill>
+                  <a:srgbClr val="1F2328"/>
+                </a:solidFill>
+                <a:latin typeface="ui-monospace"/>
+              </a:rPr>
+              <a:t>security </a:t>
+            </a:r>
+            <a:r>
+              <a:rPr lang="en-US" dirty="0" err="1">
+                <a:solidFill>
+                  <a:srgbClr val="1F2328"/>
+                </a:solidFill>
+                <a:latin typeface="ui-monospace"/>
+              </a:rPr>
+              <a:t>tương</a:t>
+            </a:r>
+            <a:r>
+              <a:rPr lang="en-US" dirty="0">
+                <a:solidFill>
+                  <a:srgbClr val="1F2328"/>
+                </a:solidFill>
+                <a:latin typeface="ui-monospace"/>
+              </a:rPr>
+              <a:t> </a:t>
+            </a:r>
+            <a:r>
+              <a:rPr lang="en-US" dirty="0" err="1">
+                <a:solidFill>
+                  <a:srgbClr val="1F2328"/>
+                </a:solidFill>
+                <a:latin typeface="ui-monospace"/>
+              </a:rPr>
+              <a:t>tự</a:t>
+            </a:r>
+            <a:r>
+              <a:rPr lang="en-US" dirty="0">
+                <a:solidFill>
+                  <a:srgbClr val="1F2328"/>
+                </a:solidFill>
+                <a:latin typeface="ui-monospace"/>
+              </a:rPr>
+              <a:t> sang </a:t>
+            </a:r>
+            <a:r>
+              <a:rPr lang="en-US" dirty="0" err="1">
+                <a:solidFill>
+                  <a:srgbClr val="1F2328"/>
+                </a:solidFill>
+                <a:latin typeface="ui-monospace"/>
+              </a:rPr>
+              <a:t>tất</a:t>
+            </a:r>
+            <a:r>
+              <a:rPr lang="en-US" dirty="0">
+                <a:solidFill>
+                  <a:srgbClr val="1F2328"/>
+                </a:solidFill>
+                <a:latin typeface="ui-monospace"/>
+              </a:rPr>
+              <a:t> </a:t>
+            </a:r>
+            <a:r>
+              <a:rPr lang="en-US" dirty="0" err="1">
+                <a:solidFill>
+                  <a:srgbClr val="1F2328"/>
+                </a:solidFill>
+                <a:latin typeface="ui-monospace"/>
+              </a:rPr>
+              <a:t>cả</a:t>
+            </a:r>
+            <a:r>
+              <a:rPr lang="en-US" dirty="0">
+                <a:solidFill>
+                  <a:srgbClr val="1F2328"/>
+                </a:solidFill>
+                <a:latin typeface="ui-monospace"/>
+              </a:rPr>
+              <a:t> </a:t>
+            </a:r>
+            <a:r>
+              <a:rPr lang="en-US" dirty="0" err="1">
+                <a:solidFill>
+                  <a:srgbClr val="1F2328"/>
+                </a:solidFill>
+                <a:latin typeface="ui-monospace"/>
+              </a:rPr>
+              <a:t>các</a:t>
+            </a:r>
+            <a:r>
+              <a:rPr lang="en-US" dirty="0">
+                <a:solidFill>
+                  <a:srgbClr val="1F2328"/>
+                </a:solidFill>
+                <a:latin typeface="ui-monospace"/>
+              </a:rPr>
+              <a:t> filers</a:t>
+            </a:r>
+            <a:endParaRPr lang="en-US" dirty="0"/>
+          </a:p>
+          <a:p>
+            <a:r>
+              <a:rPr lang="en-US" dirty="0"/>
+              <a:t> </a:t>
+            </a:r>
+          </a:p>
+        </p:txBody>
+      </p:sp>
+    </p:spTree>
+    <p:extLst>
+      <p:ext uri="{BB962C8B-B14F-4D97-AF65-F5344CB8AC3E}">
+        <p14:creationId xmlns:p14="http://schemas.microsoft.com/office/powerpoint/2010/main" val="2500241660"/>
+      </p:ext>
+    </p:extLst>
+  </p:cSld>
+  <p:clrMapOvr>
+    <a:masterClrMapping/>
+  </p:clrMapOvr>
+</p:sld>
+</file>
+
+<file path=ppt/slides/slide24.xml><?xml version="1.0" encoding="utf-8"?>
+<p:sld xmlns:a="http://schemas.openxmlformats.org/drawingml/2006/main" xmlns:r="http://schemas.openxmlformats.org/officeDocument/2006/relationships" xmlns:p="http://schemas.openxmlformats.org/presentationml/2006/main">
+  <p:cSld>
+    <p:spTree>
+      <p:nvGrpSpPr>
+        <p:cNvPr id="1" name=""/>
+        <p:cNvGrpSpPr/>
+        <p:nvPr/>
+      </p:nvGrpSpPr>
+      <p:grpSpPr>
+        <a:xfrm>
+          <a:off x="0" y="0"/>
+          <a:ext cx="0" cy="0"/>
+          <a:chOff x="0" y="0"/>
+          <a:chExt cx="0" cy="0"/>
+        </a:xfrm>
+      </p:grpSpPr>
+      <p:sp>
+        <p:nvSpPr>
+          <p:cNvPr id="2" name="Title 1">
+            <a:extLst>
+              <a:ext uri="{FF2B5EF4-FFF2-40B4-BE49-F238E27FC236}">
+                <a16:creationId xmlns:a16="http://schemas.microsoft.com/office/drawing/2014/main" id="{1743B7B7-3D24-90A2-3C58-A65F9D64BCA3}"/>
+              </a:ext>
+            </a:extLst>
+          </p:cNvPr>
+          <p:cNvSpPr>
+            <a:spLocks noGrp="1"/>
+          </p:cNvSpPr>
+          <p:nvPr>
+            <p:ph type="title"/>
+          </p:nvPr>
+        </p:nvSpPr>
+        <p:spPr/>
+        <p:txBody>
           <a:bodyPr/>
           <a:lstStyle/>
           <a:p>
+            <a:r>
+              <a:rPr lang="en-US" dirty="0"/>
+              <a:t>14. I/o performance</a:t>
+            </a:r>
+          </a:p>
+        </p:txBody>
+      </p:sp>
+      <p:sp>
+        <p:nvSpPr>
+          <p:cNvPr id="3" name="Content Placeholder 2">
+            <a:extLst>
+              <a:ext uri="{FF2B5EF4-FFF2-40B4-BE49-F238E27FC236}">
+                <a16:creationId xmlns:a16="http://schemas.microsoft.com/office/drawing/2014/main" id="{A1BF9DE8-18D6-7AB4-C15C-10ADFA630E82}"/>
+              </a:ext>
+            </a:extLst>
+          </p:cNvPr>
+          <p:cNvSpPr>
+            <a:spLocks noGrp="1"/>
+          </p:cNvSpPr>
+          <p:nvPr>
+            <p:ph idx="1"/>
+          </p:nvPr>
+        </p:nvSpPr>
+        <p:spPr>
+          <a:xfrm>
+            <a:off x="626535" y="2299759"/>
+            <a:ext cx="4580466" cy="4224528"/>
+          </a:xfrm>
+        </p:spPr>
+        <p:txBody>
+          <a:bodyPr/>
+          <a:lstStyle/>
+          <a:p>
+            <a:r>
+              <a:rPr lang="en-US" dirty="0"/>
+              <a:t>Current status:</a:t>
+            </a:r>
+          </a:p>
+          <a:p>
+            <a:r>
+              <a:rPr lang="en-US" dirty="0"/>
+              <a:t>- 3 nodes k8s (3 volume servers), each: 12gb ram, 8 </a:t>
+            </a:r>
+            <a:r>
+              <a:rPr lang="en-US" dirty="0" err="1"/>
+              <a:t>cpu</a:t>
+            </a:r>
+            <a:r>
+              <a:rPr lang="en-US" dirty="0"/>
+              <a:t>, 300gb </a:t>
+            </a:r>
+            <a:r>
+              <a:rPr lang="en-US" dirty="0" err="1"/>
+              <a:t>hdd</a:t>
+            </a:r>
+            <a:endParaRPr lang="en-US" dirty="0"/>
+          </a:p>
+          <a:p>
+            <a:r>
+              <a:rPr lang="en-US" dirty="0"/>
+              <a:t>- Max volume each volume server: auto configured, max volume size: 1gb</a:t>
+            </a:r>
+          </a:p>
+          <a:p>
+            <a:r>
+              <a:rPr lang="en-US" dirty="0"/>
+              <a:t>- 1 deployment 3 reps with 10gb </a:t>
+            </a:r>
+            <a:r>
+              <a:rPr lang="en-US" dirty="0" err="1"/>
+              <a:t>pvc</a:t>
+            </a:r>
             <a:endParaRPr lang="en-US" dirty="0"/>
           </a:p>
         </p:txBody>
       </p:sp>
+      <p:graphicFrame>
+        <p:nvGraphicFramePr>
+          <p:cNvPr id="6" name="Table 5">
+            <a:extLst>
+              <a:ext uri="{FF2B5EF4-FFF2-40B4-BE49-F238E27FC236}">
+                <a16:creationId xmlns:a16="http://schemas.microsoft.com/office/drawing/2014/main" id="{9A99B4AE-0683-5125-47C3-46DA8A997701}"/>
+              </a:ext>
+            </a:extLst>
+          </p:cNvPr>
+          <p:cNvGraphicFramePr>
+            <a:graphicFrameLocks noGrp="1"/>
+          </p:cNvGraphicFramePr>
+          <p:nvPr>
+            <p:extLst>
+              <p:ext uri="{D42A27DB-BD31-4B8C-83A1-F6EECF244321}">
+                <p14:modId xmlns:p14="http://schemas.microsoft.com/office/powerpoint/2010/main" val="3748466690"/>
+              </p:ext>
+            </p:extLst>
+          </p:nvPr>
+        </p:nvGraphicFramePr>
+        <p:xfrm>
+          <a:off x="5308599" y="2299759"/>
+          <a:ext cx="6485467" cy="2798874"/>
+        </p:xfrm>
+        <a:graphic>
+          <a:graphicData uri="http://schemas.openxmlformats.org/drawingml/2006/table">
+            <a:tbl>
+              <a:tblPr>
+                <a:tableStyleId>{5C22544A-7EE6-4342-B048-85BDC9FD1C3A}</a:tableStyleId>
+              </a:tblPr>
+              <a:tblGrid>
+                <a:gridCol w="1672839">
+                  <a:extLst>
+                    <a:ext uri="{9D8B030D-6E8A-4147-A177-3AD203B41FA5}">
+                      <a16:colId xmlns:a16="http://schemas.microsoft.com/office/drawing/2014/main" val="4129800381"/>
+                    </a:ext>
+                  </a:extLst>
+                </a:gridCol>
+                <a:gridCol w="2200426">
+                  <a:extLst>
+                    <a:ext uri="{9D8B030D-6E8A-4147-A177-3AD203B41FA5}">
+                      <a16:colId xmlns:a16="http://schemas.microsoft.com/office/drawing/2014/main" val="4227936578"/>
+                    </a:ext>
+                  </a:extLst>
+                </a:gridCol>
+                <a:gridCol w="1080911">
+                  <a:extLst>
+                    <a:ext uri="{9D8B030D-6E8A-4147-A177-3AD203B41FA5}">
+                      <a16:colId xmlns:a16="http://schemas.microsoft.com/office/drawing/2014/main" val="3217023543"/>
+                    </a:ext>
+                  </a:extLst>
+                </a:gridCol>
+                <a:gridCol w="1531291">
+                  <a:extLst>
+                    <a:ext uri="{9D8B030D-6E8A-4147-A177-3AD203B41FA5}">
+                      <a16:colId xmlns:a16="http://schemas.microsoft.com/office/drawing/2014/main" val="1247841735"/>
+                    </a:ext>
+                  </a:extLst>
+                </a:gridCol>
+              </a:tblGrid>
+              <a:tr h="215298">
+                <a:tc>
+                  <a:txBody>
+                    <a:bodyPr/>
+                    <a:lstStyle/>
+                    <a:p>
+                      <a:pPr algn="l" fontAlgn="b"/>
+                      <a:r>
+                        <a:rPr lang="en-US" sz="1100" u="none" strike="noStrike">
+                          <a:effectLst/>
+                        </a:rPr>
+                        <a:t>Case</a:t>
+                      </a:r>
+                      <a:endParaRPr lang="en-US" sz="1100" b="1" i="0" u="none" strike="noStrike">
+                        <a:solidFill>
+                          <a:srgbClr val="FFFFFF"/>
+                        </a:solidFill>
+                        <a:effectLst/>
+                        <a:latin typeface="Calibri" panose="020F0502020204030204" pitchFamily="34" charset="0"/>
+                      </a:endParaRPr>
+                    </a:p>
+                  </a:txBody>
+                  <a:tcPr marL="6350" marR="6350" marT="6350" marB="0" anchor="b"/>
+                </a:tc>
+                <a:tc>
+                  <a:txBody>
+                    <a:bodyPr/>
+                    <a:lstStyle/>
+                    <a:p>
+                      <a:pPr algn="l" fontAlgn="b"/>
+                      <a:r>
+                        <a:rPr lang="en-US" sz="1100" u="none" strike="noStrike">
+                          <a:effectLst/>
+                        </a:rPr>
+                        <a:t>Test Case</a:t>
+                      </a:r>
+                      <a:endParaRPr lang="en-US" sz="1100" b="1" i="0" u="none" strike="noStrike">
+                        <a:solidFill>
+                          <a:srgbClr val="FFFFFF"/>
+                        </a:solidFill>
+                        <a:effectLst/>
+                        <a:latin typeface="Calibri" panose="020F0502020204030204" pitchFamily="34" charset="0"/>
+                      </a:endParaRPr>
+                    </a:p>
+                  </a:txBody>
+                  <a:tcPr marL="6350" marR="6350" marT="6350" marB="0" anchor="b"/>
+                </a:tc>
+                <a:tc>
+                  <a:txBody>
+                    <a:bodyPr/>
+                    <a:lstStyle/>
+                    <a:p>
+                      <a:pPr algn="l" fontAlgn="b"/>
+                      <a:r>
+                        <a:rPr lang="en-US" sz="1100" u="none" strike="noStrike">
+                          <a:effectLst/>
+                        </a:rPr>
+                        <a:t>Persistent Disk</a:t>
+                      </a:r>
+                      <a:endParaRPr lang="en-US" sz="1100" b="1" i="0" u="none" strike="noStrike">
+                        <a:solidFill>
+                          <a:srgbClr val="FFFFFF"/>
+                        </a:solidFill>
+                        <a:effectLst/>
+                        <a:latin typeface="Calibri" panose="020F0502020204030204" pitchFamily="34" charset="0"/>
+                      </a:endParaRPr>
+                    </a:p>
+                  </a:txBody>
+                  <a:tcPr marL="6350" marR="6350" marT="6350" marB="0" anchor="b"/>
+                </a:tc>
+                <a:tc>
+                  <a:txBody>
+                    <a:bodyPr/>
+                    <a:lstStyle/>
+                    <a:p>
+                      <a:pPr algn="l" fontAlgn="b"/>
+                      <a:r>
+                        <a:rPr lang="en-US" sz="1100" u="none" strike="noStrike">
+                          <a:effectLst/>
+                        </a:rPr>
+                        <a:t>Seaweed PV</a:t>
+                      </a:r>
+                      <a:endParaRPr lang="en-US" sz="1100" b="1" i="0" u="none" strike="noStrike">
+                        <a:solidFill>
+                          <a:srgbClr val="FFFFFF"/>
+                        </a:solidFill>
+                        <a:effectLst/>
+                        <a:latin typeface="Calibri" panose="020F0502020204030204" pitchFamily="34" charset="0"/>
+                      </a:endParaRPr>
+                    </a:p>
+                  </a:txBody>
+                  <a:tcPr marL="6350" marR="6350" marT="6350" marB="0" anchor="b"/>
+                </a:tc>
+                <a:extLst>
+                  <a:ext uri="{0D108BD9-81ED-4DB2-BD59-A6C34878D82A}">
+                    <a16:rowId xmlns:a16="http://schemas.microsoft.com/office/drawing/2014/main" val="3223202338"/>
+                  </a:ext>
+                </a:extLst>
+              </a:tr>
+              <a:tr h="215298">
+                <a:tc>
+                  <a:txBody>
+                    <a:bodyPr/>
+                    <a:lstStyle/>
+                    <a:p>
+                      <a:pPr algn="l" fontAlgn="b"/>
+                      <a:r>
+                        <a:rPr lang="en-US" sz="1100" u="none" strike="noStrike">
+                          <a:effectLst/>
+                        </a:rPr>
+                        <a:t>1k files 10KB runtime 300s</a:t>
+                      </a:r>
+                      <a:endParaRPr lang="en-US" sz="1100" b="0" i="0" u="none" strike="noStrike">
+                        <a:solidFill>
+                          <a:srgbClr val="000000"/>
+                        </a:solidFill>
+                        <a:effectLst/>
+                        <a:latin typeface="Calibri" panose="020F0502020204030204" pitchFamily="34" charset="0"/>
+                      </a:endParaRPr>
+                    </a:p>
+                  </a:txBody>
+                  <a:tcPr marL="6350" marR="6350" marT="6350" marB="0" anchor="b"/>
+                </a:tc>
+                <a:tc>
+                  <a:txBody>
+                    <a:bodyPr/>
+                    <a:lstStyle/>
+                    <a:p>
+                      <a:pPr algn="l" fontAlgn="b"/>
+                      <a:r>
+                        <a:rPr lang="en-US" sz="1100" u="none" strike="noStrike">
+                          <a:effectLst/>
+                        </a:rPr>
+                        <a:t>Rand Write</a:t>
+                      </a:r>
+                      <a:endParaRPr lang="en-US" sz="1100" b="0" i="0" u="none" strike="noStrike">
+                        <a:solidFill>
+                          <a:srgbClr val="000000"/>
+                        </a:solidFill>
+                        <a:effectLst/>
+                        <a:latin typeface="Calibri" panose="020F0502020204030204" pitchFamily="34" charset="0"/>
+                      </a:endParaRPr>
+                    </a:p>
+                  </a:txBody>
+                  <a:tcPr marL="6350" marR="6350" marT="6350" marB="0" anchor="b"/>
+                </a:tc>
+                <a:tc>
+                  <a:txBody>
+                    <a:bodyPr/>
+                    <a:lstStyle/>
+                    <a:p>
+                      <a:pPr algn="l" fontAlgn="b"/>
+                      <a:r>
+                        <a:rPr lang="en-US" sz="1100" u="none" strike="noStrike">
+                          <a:effectLst/>
+                        </a:rPr>
+                        <a:t>52.5MB/s</a:t>
+                      </a:r>
+                      <a:endParaRPr lang="en-US" sz="1100" b="0" i="0" u="none" strike="noStrike">
+                        <a:solidFill>
+                          <a:srgbClr val="000000"/>
+                        </a:solidFill>
+                        <a:effectLst/>
+                        <a:latin typeface="Calibri" panose="020F0502020204030204" pitchFamily="34" charset="0"/>
+                      </a:endParaRPr>
+                    </a:p>
+                  </a:txBody>
+                  <a:tcPr marL="6350" marR="6350" marT="6350" marB="0" anchor="b"/>
+                </a:tc>
+                <a:tc>
+                  <a:txBody>
+                    <a:bodyPr/>
+                    <a:lstStyle/>
+                    <a:p>
+                      <a:pPr algn="l" fontAlgn="b"/>
+                      <a:r>
+                        <a:rPr lang="en-US" sz="1100" b="1" u="none" strike="noStrike" dirty="0">
+                          <a:effectLst/>
+                        </a:rPr>
+                        <a:t>254MB/s</a:t>
+                      </a:r>
+                      <a:endParaRPr lang="en-US" sz="1100" b="1" i="0" u="none" strike="noStrike" dirty="0">
+                        <a:solidFill>
+                          <a:srgbClr val="000000"/>
+                        </a:solidFill>
+                        <a:effectLst/>
+                        <a:latin typeface="Calibri" panose="020F0502020204030204" pitchFamily="34" charset="0"/>
+                      </a:endParaRPr>
+                    </a:p>
+                  </a:txBody>
+                  <a:tcPr marL="6350" marR="6350" marT="6350" marB="0" anchor="b"/>
+                </a:tc>
+                <a:extLst>
+                  <a:ext uri="{0D108BD9-81ED-4DB2-BD59-A6C34878D82A}">
+                    <a16:rowId xmlns:a16="http://schemas.microsoft.com/office/drawing/2014/main" val="405043398"/>
+                  </a:ext>
+                </a:extLst>
+              </a:tr>
+              <a:tr h="215298">
+                <a:tc>
+                  <a:txBody>
+                    <a:bodyPr/>
+                    <a:lstStyle/>
+                    <a:p>
+                      <a:pPr algn="l" fontAlgn="b"/>
+                      <a:endParaRPr lang="en-US" sz="1100" b="0" i="0" u="none" strike="noStrike">
+                        <a:solidFill>
+                          <a:srgbClr val="000000"/>
+                        </a:solidFill>
+                        <a:effectLst/>
+                        <a:latin typeface="Calibri" panose="020F0502020204030204" pitchFamily="34" charset="0"/>
+                      </a:endParaRPr>
+                    </a:p>
+                  </a:txBody>
+                  <a:tcPr marL="6350" marR="6350" marT="6350" marB="0" anchor="b"/>
+                </a:tc>
+                <a:tc>
+                  <a:txBody>
+                    <a:bodyPr/>
+                    <a:lstStyle/>
+                    <a:p>
+                      <a:pPr algn="l" fontAlgn="b"/>
+                      <a:r>
+                        <a:rPr lang="en-US" sz="1100" u="none" strike="noStrike">
+                          <a:effectLst/>
+                        </a:rPr>
+                        <a:t>Rand Read</a:t>
+                      </a:r>
+                      <a:endParaRPr lang="en-US" sz="1100" b="0" i="0" u="none" strike="noStrike">
+                        <a:solidFill>
+                          <a:srgbClr val="000000"/>
+                        </a:solidFill>
+                        <a:effectLst/>
+                        <a:latin typeface="Calibri" panose="020F0502020204030204" pitchFamily="34" charset="0"/>
+                      </a:endParaRPr>
+                    </a:p>
+                  </a:txBody>
+                  <a:tcPr marL="6350" marR="6350" marT="6350" marB="0" anchor="b"/>
+                </a:tc>
+                <a:tc>
+                  <a:txBody>
+                    <a:bodyPr/>
+                    <a:lstStyle/>
+                    <a:p>
+                      <a:pPr algn="l" fontAlgn="b"/>
+                      <a:r>
+                        <a:rPr lang="en-US" sz="1100" b="1" u="none" strike="noStrike" dirty="0">
+                          <a:effectLst/>
+                        </a:rPr>
+                        <a:t>106MB/s</a:t>
+                      </a:r>
+                      <a:endParaRPr lang="en-US" sz="1100" b="1" i="0" u="none" strike="noStrike" dirty="0">
+                        <a:solidFill>
+                          <a:srgbClr val="000000"/>
+                        </a:solidFill>
+                        <a:effectLst/>
+                        <a:latin typeface="Calibri" panose="020F0502020204030204" pitchFamily="34" charset="0"/>
+                      </a:endParaRPr>
+                    </a:p>
+                  </a:txBody>
+                  <a:tcPr marL="6350" marR="6350" marT="6350" marB="0" anchor="b"/>
+                </a:tc>
+                <a:tc>
+                  <a:txBody>
+                    <a:bodyPr/>
+                    <a:lstStyle/>
+                    <a:p>
+                      <a:pPr algn="l" fontAlgn="b"/>
+                      <a:r>
+                        <a:rPr lang="en-US" sz="1100" u="none" strike="noStrike">
+                          <a:effectLst/>
+                        </a:rPr>
+                        <a:t>72.4MB/s</a:t>
+                      </a:r>
+                      <a:endParaRPr lang="en-US" sz="1100" b="0" i="0" u="none" strike="noStrike">
+                        <a:solidFill>
+                          <a:srgbClr val="000000"/>
+                        </a:solidFill>
+                        <a:effectLst/>
+                        <a:latin typeface="Calibri" panose="020F0502020204030204" pitchFamily="34" charset="0"/>
+                      </a:endParaRPr>
+                    </a:p>
+                  </a:txBody>
+                  <a:tcPr marL="6350" marR="6350" marT="6350" marB="0" anchor="b"/>
+                </a:tc>
+                <a:extLst>
+                  <a:ext uri="{0D108BD9-81ED-4DB2-BD59-A6C34878D82A}">
+                    <a16:rowId xmlns:a16="http://schemas.microsoft.com/office/drawing/2014/main" val="807931091"/>
+                  </a:ext>
+                </a:extLst>
+              </a:tr>
+              <a:tr h="215298">
+                <a:tc>
+                  <a:txBody>
+                    <a:bodyPr/>
+                    <a:lstStyle/>
+                    <a:p>
+                      <a:pPr algn="l" fontAlgn="b"/>
+                      <a:endParaRPr lang="en-US" sz="1100" b="0" i="0" u="none" strike="noStrike">
+                        <a:solidFill>
+                          <a:srgbClr val="000000"/>
+                        </a:solidFill>
+                        <a:effectLst/>
+                        <a:latin typeface="Calibri" panose="020F0502020204030204" pitchFamily="34" charset="0"/>
+                      </a:endParaRPr>
+                    </a:p>
+                  </a:txBody>
+                  <a:tcPr marL="6350" marR="6350" marT="6350" marB="0" anchor="b"/>
+                </a:tc>
+                <a:tc>
+                  <a:txBody>
+                    <a:bodyPr/>
+                    <a:lstStyle/>
+                    <a:p>
+                      <a:pPr algn="l" fontAlgn="b"/>
+                      <a:r>
+                        <a:rPr lang="en-US" sz="1100" u="none" strike="noStrike">
+                          <a:effectLst/>
+                        </a:rPr>
+                        <a:t>Rand ReadWrite</a:t>
+                      </a:r>
+                      <a:endParaRPr lang="en-US" sz="1100" b="0" i="0" u="none" strike="noStrike">
+                        <a:solidFill>
+                          <a:srgbClr val="000000"/>
+                        </a:solidFill>
+                        <a:effectLst/>
+                        <a:latin typeface="Calibri" panose="020F0502020204030204" pitchFamily="34" charset="0"/>
+                      </a:endParaRPr>
+                    </a:p>
+                  </a:txBody>
+                  <a:tcPr marL="6350" marR="6350" marT="6350" marB="0" anchor="b"/>
+                </a:tc>
+                <a:tc>
+                  <a:txBody>
+                    <a:bodyPr/>
+                    <a:lstStyle/>
+                    <a:p>
+                      <a:pPr algn="l" fontAlgn="b"/>
+                      <a:r>
+                        <a:rPr lang="en-US" sz="1100" b="1" u="none" strike="noStrike" dirty="0">
+                          <a:effectLst/>
+                        </a:rPr>
+                        <a:t>52.3MB/s</a:t>
+                      </a:r>
+                      <a:endParaRPr lang="en-US" sz="1100" b="1" i="0" u="none" strike="noStrike" dirty="0">
+                        <a:solidFill>
+                          <a:srgbClr val="000000"/>
+                        </a:solidFill>
+                        <a:effectLst/>
+                        <a:latin typeface="Calibri" panose="020F0502020204030204" pitchFamily="34" charset="0"/>
+                      </a:endParaRPr>
+                    </a:p>
+                  </a:txBody>
+                  <a:tcPr marL="6350" marR="6350" marT="6350" marB="0" anchor="b"/>
+                </a:tc>
+                <a:tc>
+                  <a:txBody>
+                    <a:bodyPr/>
+                    <a:lstStyle/>
+                    <a:p>
+                      <a:pPr algn="l" fontAlgn="b"/>
+                      <a:r>
+                        <a:rPr lang="en-US" sz="1100" u="none" strike="noStrike">
+                          <a:effectLst/>
+                        </a:rPr>
+                        <a:t>47.8MB/s</a:t>
+                      </a:r>
+                      <a:endParaRPr lang="en-US" sz="1100" b="0" i="0" u="none" strike="noStrike">
+                        <a:solidFill>
+                          <a:srgbClr val="000000"/>
+                        </a:solidFill>
+                        <a:effectLst/>
+                        <a:latin typeface="Calibri" panose="020F0502020204030204" pitchFamily="34" charset="0"/>
+                      </a:endParaRPr>
+                    </a:p>
+                  </a:txBody>
+                  <a:tcPr marL="6350" marR="6350" marT="6350" marB="0" anchor="b"/>
+                </a:tc>
+                <a:extLst>
+                  <a:ext uri="{0D108BD9-81ED-4DB2-BD59-A6C34878D82A}">
+                    <a16:rowId xmlns:a16="http://schemas.microsoft.com/office/drawing/2014/main" val="2657202122"/>
+                  </a:ext>
+                </a:extLst>
+              </a:tr>
+              <a:tr h="215298">
+                <a:tc>
+                  <a:txBody>
+                    <a:bodyPr/>
+                    <a:lstStyle/>
+                    <a:p>
+                      <a:pPr algn="l" fontAlgn="b"/>
+                      <a:endParaRPr lang="en-US" sz="1100" b="0" i="0" u="none" strike="noStrike">
+                        <a:solidFill>
+                          <a:srgbClr val="000000"/>
+                        </a:solidFill>
+                        <a:effectLst/>
+                        <a:latin typeface="Calibri" panose="020F0502020204030204" pitchFamily="34" charset="0"/>
+                      </a:endParaRPr>
+                    </a:p>
+                  </a:txBody>
+                  <a:tcPr marL="6350" marR="6350" marT="6350" marB="0" anchor="b"/>
+                </a:tc>
+                <a:tc>
+                  <a:txBody>
+                    <a:bodyPr/>
+                    <a:lstStyle/>
+                    <a:p>
+                      <a:pPr algn="l" fontAlgn="b"/>
+                      <a:r>
+                        <a:rPr lang="en-US" sz="1100" u="none" strike="noStrike">
+                          <a:effectLst/>
+                        </a:rPr>
+                        <a:t>time ls -lh</a:t>
+                      </a:r>
+                      <a:endParaRPr lang="en-US" sz="1100" b="0" i="0" u="none" strike="noStrike">
+                        <a:solidFill>
+                          <a:srgbClr val="000000"/>
+                        </a:solidFill>
+                        <a:effectLst/>
+                        <a:latin typeface="Calibri" panose="020F0502020204030204" pitchFamily="34" charset="0"/>
+                      </a:endParaRPr>
+                    </a:p>
+                  </a:txBody>
+                  <a:tcPr marL="6350" marR="6350" marT="6350" marB="0" anchor="b"/>
+                </a:tc>
+                <a:tc>
+                  <a:txBody>
+                    <a:bodyPr/>
+                    <a:lstStyle/>
+                    <a:p>
+                      <a:pPr algn="l" fontAlgn="b"/>
+                      <a:r>
+                        <a:rPr lang="en-US" sz="1100" b="1" u="none" strike="noStrike" dirty="0">
+                          <a:effectLst/>
+                        </a:rPr>
+                        <a:t>0.008s</a:t>
+                      </a:r>
+                      <a:endParaRPr lang="en-US" sz="1100" b="1" i="0" u="none" strike="noStrike" dirty="0">
+                        <a:solidFill>
+                          <a:srgbClr val="000000"/>
+                        </a:solidFill>
+                        <a:effectLst/>
+                        <a:latin typeface="Calibri" panose="020F0502020204030204" pitchFamily="34" charset="0"/>
+                      </a:endParaRPr>
+                    </a:p>
+                  </a:txBody>
+                  <a:tcPr marL="6350" marR="6350" marT="6350" marB="0" anchor="b"/>
+                </a:tc>
+                <a:tc>
+                  <a:txBody>
+                    <a:bodyPr/>
+                    <a:lstStyle/>
+                    <a:p>
+                      <a:pPr algn="l" fontAlgn="b"/>
+                      <a:r>
+                        <a:rPr lang="en-US" sz="1100" u="none" strike="noStrike">
+                          <a:effectLst/>
+                        </a:rPr>
+                        <a:t>0.136s</a:t>
+                      </a:r>
+                      <a:endParaRPr lang="en-US" sz="1100" b="0" i="0" u="none" strike="noStrike">
+                        <a:solidFill>
+                          <a:srgbClr val="000000"/>
+                        </a:solidFill>
+                        <a:effectLst/>
+                        <a:latin typeface="Calibri" panose="020F0502020204030204" pitchFamily="34" charset="0"/>
+                      </a:endParaRPr>
+                    </a:p>
+                  </a:txBody>
+                  <a:tcPr marL="6350" marR="6350" marT="6350" marB="0" anchor="b"/>
+                </a:tc>
+                <a:extLst>
+                  <a:ext uri="{0D108BD9-81ED-4DB2-BD59-A6C34878D82A}">
+                    <a16:rowId xmlns:a16="http://schemas.microsoft.com/office/drawing/2014/main" val="1344461653"/>
+                  </a:ext>
+                </a:extLst>
+              </a:tr>
+              <a:tr h="215298">
+                <a:tc>
+                  <a:txBody>
+                    <a:bodyPr/>
+                    <a:lstStyle/>
+                    <a:p>
+                      <a:pPr algn="l" fontAlgn="b"/>
+                      <a:endParaRPr lang="en-US" sz="1100" b="0" i="0" u="none" strike="noStrike">
+                        <a:solidFill>
+                          <a:srgbClr val="000000"/>
+                        </a:solidFill>
+                        <a:effectLst/>
+                        <a:latin typeface="Calibri" panose="020F0502020204030204" pitchFamily="34" charset="0"/>
+                      </a:endParaRPr>
+                    </a:p>
+                  </a:txBody>
+                  <a:tcPr marL="6350" marR="6350" marT="6350" marB="0" anchor="b"/>
+                </a:tc>
+                <a:tc>
+                  <a:txBody>
+                    <a:bodyPr/>
+                    <a:lstStyle/>
+                    <a:p>
+                      <a:pPr algn="l" fontAlgn="b"/>
+                      <a:r>
+                        <a:rPr lang="en-US" sz="1100" u="none" strike="noStrike">
+                          <a:effectLst/>
+                        </a:rPr>
+                        <a:t>time grep -r SH random_write.994.0</a:t>
+                      </a:r>
+                      <a:endParaRPr lang="en-US" sz="1100" b="0" i="0" u="none" strike="noStrike">
+                        <a:solidFill>
+                          <a:srgbClr val="000000"/>
+                        </a:solidFill>
+                        <a:effectLst/>
+                        <a:latin typeface="Calibri" panose="020F0502020204030204" pitchFamily="34" charset="0"/>
+                      </a:endParaRPr>
+                    </a:p>
+                  </a:txBody>
+                  <a:tcPr marL="6350" marR="6350" marT="6350" marB="0" anchor="b"/>
+                </a:tc>
+                <a:tc>
+                  <a:txBody>
+                    <a:bodyPr/>
+                    <a:lstStyle/>
+                    <a:p>
+                      <a:pPr algn="l" fontAlgn="b"/>
+                      <a:r>
+                        <a:rPr lang="en-US" sz="1100" b="1" u="none" strike="noStrike" dirty="0">
+                          <a:effectLst/>
+                        </a:rPr>
+                        <a:t>0.002s</a:t>
+                      </a:r>
+                      <a:endParaRPr lang="en-US" sz="1100" b="1" i="0" u="none" strike="noStrike" dirty="0">
+                        <a:solidFill>
+                          <a:srgbClr val="000000"/>
+                        </a:solidFill>
+                        <a:effectLst/>
+                        <a:latin typeface="Calibri" panose="020F0502020204030204" pitchFamily="34" charset="0"/>
+                      </a:endParaRPr>
+                    </a:p>
+                  </a:txBody>
+                  <a:tcPr marL="6350" marR="6350" marT="6350" marB="0" anchor="b"/>
+                </a:tc>
+                <a:tc>
+                  <a:txBody>
+                    <a:bodyPr/>
+                    <a:lstStyle/>
+                    <a:p>
+                      <a:pPr algn="l" fontAlgn="b"/>
+                      <a:r>
+                        <a:rPr lang="en-US" sz="1100" u="none" strike="noStrike">
+                          <a:effectLst/>
+                        </a:rPr>
+                        <a:t>0.009s</a:t>
+                      </a:r>
+                      <a:endParaRPr lang="en-US" sz="1100" b="0" i="0" u="none" strike="noStrike">
+                        <a:solidFill>
+                          <a:srgbClr val="000000"/>
+                        </a:solidFill>
+                        <a:effectLst/>
+                        <a:latin typeface="Calibri" panose="020F0502020204030204" pitchFamily="34" charset="0"/>
+                      </a:endParaRPr>
+                    </a:p>
+                  </a:txBody>
+                  <a:tcPr marL="6350" marR="6350" marT="6350" marB="0" anchor="b"/>
+                </a:tc>
+                <a:extLst>
+                  <a:ext uri="{0D108BD9-81ED-4DB2-BD59-A6C34878D82A}">
+                    <a16:rowId xmlns:a16="http://schemas.microsoft.com/office/drawing/2014/main" val="2695951020"/>
+                  </a:ext>
+                </a:extLst>
+              </a:tr>
+              <a:tr h="215298">
+                <a:tc>
+                  <a:txBody>
+                    <a:bodyPr/>
+                    <a:lstStyle/>
+                    <a:p>
+                      <a:pPr algn="l" fontAlgn="b"/>
+                      <a:endParaRPr lang="en-US" sz="1100" b="0" i="0" u="none" strike="noStrike">
+                        <a:solidFill>
+                          <a:srgbClr val="000000"/>
+                        </a:solidFill>
+                        <a:effectLst/>
+                        <a:latin typeface="Calibri" panose="020F0502020204030204" pitchFamily="34" charset="0"/>
+                      </a:endParaRPr>
+                    </a:p>
+                  </a:txBody>
+                  <a:tcPr marL="6350" marR="6350" marT="6350" marB="0" anchor="b"/>
+                </a:tc>
+                <a:tc>
+                  <a:txBody>
+                    <a:bodyPr/>
+                    <a:lstStyle/>
+                    <a:p>
+                      <a:pPr algn="l" fontAlgn="b"/>
+                      <a:r>
+                        <a:rPr lang="en-US" sz="1100" u="none" strike="noStrike">
+                          <a:effectLst/>
+                        </a:rPr>
+                        <a:t>time find random_write.888.0</a:t>
+                      </a:r>
+                      <a:endParaRPr lang="en-US" sz="1100" b="0" i="0" u="none" strike="noStrike">
+                        <a:solidFill>
+                          <a:srgbClr val="000000"/>
+                        </a:solidFill>
+                        <a:effectLst/>
+                        <a:latin typeface="Calibri" panose="020F0502020204030204" pitchFamily="34" charset="0"/>
+                      </a:endParaRPr>
+                    </a:p>
+                  </a:txBody>
+                  <a:tcPr marL="6350" marR="6350" marT="6350" marB="0" anchor="b"/>
+                </a:tc>
+                <a:tc>
+                  <a:txBody>
+                    <a:bodyPr/>
+                    <a:lstStyle/>
+                    <a:p>
+                      <a:pPr algn="l" fontAlgn="b"/>
+                      <a:r>
+                        <a:rPr lang="en-US" sz="1100" b="1" u="none" strike="noStrike" dirty="0">
+                          <a:effectLst/>
+                        </a:rPr>
+                        <a:t>0.002s</a:t>
+                      </a:r>
+                      <a:endParaRPr lang="en-US" sz="1100" b="1" i="0" u="none" strike="noStrike" dirty="0">
+                        <a:solidFill>
+                          <a:srgbClr val="000000"/>
+                        </a:solidFill>
+                        <a:effectLst/>
+                        <a:latin typeface="Calibri" panose="020F0502020204030204" pitchFamily="34" charset="0"/>
+                      </a:endParaRPr>
+                    </a:p>
+                  </a:txBody>
+                  <a:tcPr marL="6350" marR="6350" marT="6350" marB="0" anchor="b"/>
+                </a:tc>
+                <a:tc>
+                  <a:txBody>
+                    <a:bodyPr/>
+                    <a:lstStyle/>
+                    <a:p>
+                      <a:pPr algn="l" fontAlgn="b"/>
+                      <a:r>
+                        <a:rPr lang="en-US" sz="1100" u="none" strike="noStrike">
+                          <a:effectLst/>
+                        </a:rPr>
+                        <a:t>0.006s</a:t>
+                      </a:r>
+                      <a:endParaRPr lang="en-US" sz="1100" b="0" i="0" u="none" strike="noStrike">
+                        <a:solidFill>
+                          <a:srgbClr val="000000"/>
+                        </a:solidFill>
+                        <a:effectLst/>
+                        <a:latin typeface="Calibri" panose="020F0502020204030204" pitchFamily="34" charset="0"/>
+                      </a:endParaRPr>
+                    </a:p>
+                  </a:txBody>
+                  <a:tcPr marL="6350" marR="6350" marT="6350" marB="0" anchor="b"/>
+                </a:tc>
+                <a:extLst>
+                  <a:ext uri="{0D108BD9-81ED-4DB2-BD59-A6C34878D82A}">
+                    <a16:rowId xmlns:a16="http://schemas.microsoft.com/office/drawing/2014/main" val="3981083356"/>
+                  </a:ext>
+                </a:extLst>
+              </a:tr>
+              <a:tr h="215298">
+                <a:tc>
+                  <a:txBody>
+                    <a:bodyPr/>
+                    <a:lstStyle/>
+                    <a:p>
+                      <a:pPr algn="l" fontAlgn="b"/>
+                      <a:r>
+                        <a:rPr lang="en-US" sz="1100" u="none" strike="noStrike">
+                          <a:effectLst/>
+                        </a:rPr>
+                        <a:t>2k files 10KB runtime 300s</a:t>
+                      </a:r>
+                      <a:endParaRPr lang="en-US" sz="1100" b="0" i="0" u="none" strike="noStrike">
+                        <a:solidFill>
+                          <a:srgbClr val="000000"/>
+                        </a:solidFill>
+                        <a:effectLst/>
+                        <a:latin typeface="Calibri" panose="020F0502020204030204" pitchFamily="34" charset="0"/>
+                      </a:endParaRPr>
+                    </a:p>
+                  </a:txBody>
+                  <a:tcPr marL="6350" marR="6350" marT="6350" marB="0" anchor="b"/>
+                </a:tc>
+                <a:tc>
+                  <a:txBody>
+                    <a:bodyPr/>
+                    <a:lstStyle/>
+                    <a:p>
+                      <a:pPr algn="l" fontAlgn="b"/>
+                      <a:r>
+                        <a:rPr lang="en-US" sz="1100" u="none" strike="noStrike">
+                          <a:effectLst/>
+                        </a:rPr>
+                        <a:t>Rand Write</a:t>
+                      </a:r>
+                      <a:endParaRPr lang="en-US" sz="1100" b="0" i="0" u="none" strike="noStrike">
+                        <a:solidFill>
+                          <a:srgbClr val="000000"/>
+                        </a:solidFill>
+                        <a:effectLst/>
+                        <a:latin typeface="Calibri" panose="020F0502020204030204" pitchFamily="34" charset="0"/>
+                      </a:endParaRPr>
+                    </a:p>
+                  </a:txBody>
+                  <a:tcPr marL="6350" marR="6350" marT="6350" marB="0" anchor="b"/>
+                </a:tc>
+                <a:tc>
+                  <a:txBody>
+                    <a:bodyPr/>
+                    <a:lstStyle/>
+                    <a:p>
+                      <a:pPr algn="l" fontAlgn="b"/>
+                      <a:r>
+                        <a:rPr lang="en-US" sz="1100" u="none" strike="noStrike">
+                          <a:effectLst/>
+                        </a:rPr>
+                        <a:t>52.4MB/s</a:t>
+                      </a:r>
+                      <a:endParaRPr lang="en-US" sz="1100" b="0" i="0" u="none" strike="noStrike">
+                        <a:solidFill>
+                          <a:srgbClr val="000000"/>
+                        </a:solidFill>
+                        <a:effectLst/>
+                        <a:latin typeface="Calibri" panose="020F0502020204030204" pitchFamily="34" charset="0"/>
+                      </a:endParaRPr>
+                    </a:p>
+                  </a:txBody>
+                  <a:tcPr marL="6350" marR="6350" marT="6350" marB="0" anchor="b"/>
+                </a:tc>
+                <a:tc>
+                  <a:txBody>
+                    <a:bodyPr/>
+                    <a:lstStyle/>
+                    <a:p>
+                      <a:pPr algn="l" fontAlgn="b"/>
+                      <a:r>
+                        <a:rPr lang="en-US" sz="1100" b="1" u="none" strike="noStrike" dirty="0">
+                          <a:effectLst/>
+                        </a:rPr>
+                        <a:t>242MB/s</a:t>
+                      </a:r>
+                      <a:endParaRPr lang="en-US" sz="1100" b="1" i="0" u="none" strike="noStrike" dirty="0">
+                        <a:solidFill>
+                          <a:srgbClr val="000000"/>
+                        </a:solidFill>
+                        <a:effectLst/>
+                        <a:latin typeface="Calibri" panose="020F0502020204030204" pitchFamily="34" charset="0"/>
+                      </a:endParaRPr>
+                    </a:p>
+                  </a:txBody>
+                  <a:tcPr marL="6350" marR="6350" marT="6350" marB="0" anchor="b"/>
+                </a:tc>
+                <a:extLst>
+                  <a:ext uri="{0D108BD9-81ED-4DB2-BD59-A6C34878D82A}">
+                    <a16:rowId xmlns:a16="http://schemas.microsoft.com/office/drawing/2014/main" val="1613402358"/>
+                  </a:ext>
+                </a:extLst>
+              </a:tr>
+              <a:tr h="215298">
+                <a:tc>
+                  <a:txBody>
+                    <a:bodyPr/>
+                    <a:lstStyle/>
+                    <a:p>
+                      <a:pPr algn="l" fontAlgn="b"/>
+                      <a:endParaRPr lang="en-US" sz="1100" b="0" i="0" u="none" strike="noStrike">
+                        <a:solidFill>
+                          <a:srgbClr val="000000"/>
+                        </a:solidFill>
+                        <a:effectLst/>
+                        <a:latin typeface="Calibri" panose="020F0502020204030204" pitchFamily="34" charset="0"/>
+                      </a:endParaRPr>
+                    </a:p>
+                  </a:txBody>
+                  <a:tcPr marL="6350" marR="6350" marT="6350" marB="0" anchor="b"/>
+                </a:tc>
+                <a:tc>
+                  <a:txBody>
+                    <a:bodyPr/>
+                    <a:lstStyle/>
+                    <a:p>
+                      <a:pPr algn="l" fontAlgn="b"/>
+                      <a:r>
+                        <a:rPr lang="en-US" sz="1100" u="none" strike="noStrike">
+                          <a:effectLst/>
+                        </a:rPr>
+                        <a:t>Rand Read</a:t>
+                      </a:r>
+                      <a:endParaRPr lang="en-US" sz="1100" b="0" i="0" u="none" strike="noStrike">
+                        <a:solidFill>
+                          <a:srgbClr val="000000"/>
+                        </a:solidFill>
+                        <a:effectLst/>
+                        <a:latin typeface="Calibri" panose="020F0502020204030204" pitchFamily="34" charset="0"/>
+                      </a:endParaRPr>
+                    </a:p>
+                  </a:txBody>
+                  <a:tcPr marL="6350" marR="6350" marT="6350" marB="0" anchor="b"/>
+                </a:tc>
+                <a:tc>
+                  <a:txBody>
+                    <a:bodyPr/>
+                    <a:lstStyle/>
+                    <a:p>
+                      <a:pPr algn="l" fontAlgn="b"/>
+                      <a:r>
+                        <a:rPr lang="en-US" sz="1100" b="1" u="none" strike="noStrike" dirty="0">
+                          <a:effectLst/>
+                        </a:rPr>
+                        <a:t>106MB/s</a:t>
+                      </a:r>
+                      <a:endParaRPr lang="en-US" sz="1100" b="1" i="0" u="none" strike="noStrike" dirty="0">
+                        <a:solidFill>
+                          <a:srgbClr val="000000"/>
+                        </a:solidFill>
+                        <a:effectLst/>
+                        <a:latin typeface="Calibri" panose="020F0502020204030204" pitchFamily="34" charset="0"/>
+                      </a:endParaRPr>
+                    </a:p>
+                  </a:txBody>
+                  <a:tcPr marL="6350" marR="6350" marT="6350" marB="0" anchor="b"/>
+                </a:tc>
+                <a:tc>
+                  <a:txBody>
+                    <a:bodyPr/>
+                    <a:lstStyle/>
+                    <a:p>
+                      <a:pPr algn="l" fontAlgn="b"/>
+                      <a:r>
+                        <a:rPr lang="en-US" sz="1100" u="none" strike="noStrike">
+                          <a:effectLst/>
+                        </a:rPr>
+                        <a:t>26.2MB/s</a:t>
+                      </a:r>
+                      <a:endParaRPr lang="en-US" sz="1100" b="0" i="0" u="none" strike="noStrike">
+                        <a:solidFill>
+                          <a:srgbClr val="000000"/>
+                        </a:solidFill>
+                        <a:effectLst/>
+                        <a:latin typeface="Calibri" panose="020F0502020204030204" pitchFamily="34" charset="0"/>
+                      </a:endParaRPr>
+                    </a:p>
+                  </a:txBody>
+                  <a:tcPr marL="6350" marR="6350" marT="6350" marB="0" anchor="b"/>
+                </a:tc>
+                <a:extLst>
+                  <a:ext uri="{0D108BD9-81ED-4DB2-BD59-A6C34878D82A}">
+                    <a16:rowId xmlns:a16="http://schemas.microsoft.com/office/drawing/2014/main" val="2867947184"/>
+                  </a:ext>
+                </a:extLst>
+              </a:tr>
+              <a:tr h="215298">
+                <a:tc>
+                  <a:txBody>
+                    <a:bodyPr/>
+                    <a:lstStyle/>
+                    <a:p>
+                      <a:pPr algn="l" fontAlgn="b"/>
+                      <a:endParaRPr lang="en-US" sz="1100" b="0" i="0" u="none" strike="noStrike">
+                        <a:solidFill>
+                          <a:srgbClr val="000000"/>
+                        </a:solidFill>
+                        <a:effectLst/>
+                        <a:latin typeface="Calibri" panose="020F0502020204030204" pitchFamily="34" charset="0"/>
+                      </a:endParaRPr>
+                    </a:p>
+                  </a:txBody>
+                  <a:tcPr marL="6350" marR="6350" marT="6350" marB="0" anchor="b"/>
+                </a:tc>
+                <a:tc>
+                  <a:txBody>
+                    <a:bodyPr/>
+                    <a:lstStyle/>
+                    <a:p>
+                      <a:pPr algn="l" fontAlgn="b"/>
+                      <a:r>
+                        <a:rPr lang="en-US" sz="1100" u="none" strike="noStrike">
+                          <a:effectLst/>
+                        </a:rPr>
+                        <a:t>Rand ReadWrite</a:t>
+                      </a:r>
+                      <a:endParaRPr lang="en-US" sz="1100" b="0" i="0" u="none" strike="noStrike">
+                        <a:solidFill>
+                          <a:srgbClr val="000000"/>
+                        </a:solidFill>
+                        <a:effectLst/>
+                        <a:latin typeface="Calibri" panose="020F0502020204030204" pitchFamily="34" charset="0"/>
+                      </a:endParaRPr>
+                    </a:p>
+                  </a:txBody>
+                  <a:tcPr marL="6350" marR="6350" marT="6350" marB="0" anchor="b"/>
+                </a:tc>
+                <a:tc>
+                  <a:txBody>
+                    <a:bodyPr/>
+                    <a:lstStyle/>
+                    <a:p>
+                      <a:pPr algn="l" fontAlgn="b"/>
+                      <a:r>
+                        <a:rPr lang="en-US" sz="1100" b="1" u="none" strike="noStrike" dirty="0">
+                          <a:effectLst/>
+                        </a:rPr>
+                        <a:t>50.6MB/s</a:t>
+                      </a:r>
+                      <a:endParaRPr lang="en-US" sz="1100" b="1" i="0" u="none" strike="noStrike" dirty="0">
+                        <a:solidFill>
+                          <a:srgbClr val="000000"/>
+                        </a:solidFill>
+                        <a:effectLst/>
+                        <a:latin typeface="Calibri" panose="020F0502020204030204" pitchFamily="34" charset="0"/>
+                      </a:endParaRPr>
+                    </a:p>
+                  </a:txBody>
+                  <a:tcPr marL="6350" marR="6350" marT="6350" marB="0" anchor="b"/>
+                </a:tc>
+                <a:tc>
+                  <a:txBody>
+                    <a:bodyPr/>
+                    <a:lstStyle/>
+                    <a:p>
+                      <a:pPr algn="l" fontAlgn="b"/>
+                      <a:r>
+                        <a:rPr lang="en-US" sz="1100" u="none" strike="noStrike">
+                          <a:effectLst/>
+                        </a:rPr>
+                        <a:t>26.4MB/s</a:t>
+                      </a:r>
+                      <a:endParaRPr lang="en-US" sz="1100" b="0" i="0" u="none" strike="noStrike">
+                        <a:solidFill>
+                          <a:srgbClr val="000000"/>
+                        </a:solidFill>
+                        <a:effectLst/>
+                        <a:latin typeface="Calibri" panose="020F0502020204030204" pitchFamily="34" charset="0"/>
+                      </a:endParaRPr>
+                    </a:p>
+                  </a:txBody>
+                  <a:tcPr marL="6350" marR="6350" marT="6350" marB="0" anchor="b"/>
+                </a:tc>
+                <a:extLst>
+                  <a:ext uri="{0D108BD9-81ED-4DB2-BD59-A6C34878D82A}">
+                    <a16:rowId xmlns:a16="http://schemas.microsoft.com/office/drawing/2014/main" val="1738063418"/>
+                  </a:ext>
+                </a:extLst>
+              </a:tr>
+              <a:tr h="215298">
+                <a:tc>
+                  <a:txBody>
+                    <a:bodyPr/>
+                    <a:lstStyle/>
+                    <a:p>
+                      <a:pPr algn="l" fontAlgn="b"/>
+                      <a:endParaRPr lang="en-US" sz="1100" b="0" i="0" u="none" strike="noStrike">
+                        <a:solidFill>
+                          <a:srgbClr val="000000"/>
+                        </a:solidFill>
+                        <a:effectLst/>
+                        <a:latin typeface="Calibri" panose="020F0502020204030204" pitchFamily="34" charset="0"/>
+                      </a:endParaRPr>
+                    </a:p>
+                  </a:txBody>
+                  <a:tcPr marL="6350" marR="6350" marT="6350" marB="0" anchor="b"/>
+                </a:tc>
+                <a:tc>
+                  <a:txBody>
+                    <a:bodyPr/>
+                    <a:lstStyle/>
+                    <a:p>
+                      <a:pPr algn="l" fontAlgn="b"/>
+                      <a:r>
+                        <a:rPr lang="en-US" sz="1100" u="none" strike="noStrike">
+                          <a:effectLst/>
+                        </a:rPr>
+                        <a:t>time ls -lh</a:t>
+                      </a:r>
+                      <a:endParaRPr lang="en-US" sz="1100" b="0" i="0" u="none" strike="noStrike">
+                        <a:solidFill>
+                          <a:srgbClr val="000000"/>
+                        </a:solidFill>
+                        <a:effectLst/>
+                        <a:latin typeface="Calibri" panose="020F0502020204030204" pitchFamily="34" charset="0"/>
+                      </a:endParaRPr>
+                    </a:p>
+                  </a:txBody>
+                  <a:tcPr marL="6350" marR="6350" marT="6350" marB="0" anchor="b"/>
+                </a:tc>
+                <a:tc>
+                  <a:txBody>
+                    <a:bodyPr/>
+                    <a:lstStyle/>
+                    <a:p>
+                      <a:pPr algn="l" fontAlgn="b"/>
+                      <a:r>
+                        <a:rPr lang="en-US" sz="1100" b="1" u="none" strike="noStrike" dirty="0">
+                          <a:effectLst/>
+                        </a:rPr>
+                        <a:t>0.016s</a:t>
+                      </a:r>
+                      <a:endParaRPr lang="en-US" sz="1100" b="1" i="0" u="none" strike="noStrike" dirty="0">
+                        <a:solidFill>
+                          <a:srgbClr val="000000"/>
+                        </a:solidFill>
+                        <a:effectLst/>
+                        <a:latin typeface="Calibri" panose="020F0502020204030204" pitchFamily="34" charset="0"/>
+                      </a:endParaRPr>
+                    </a:p>
+                  </a:txBody>
+                  <a:tcPr marL="6350" marR="6350" marT="6350" marB="0" anchor="b"/>
+                </a:tc>
+                <a:tc>
+                  <a:txBody>
+                    <a:bodyPr/>
+                    <a:lstStyle/>
+                    <a:p>
+                      <a:pPr algn="l" fontAlgn="b"/>
+                      <a:r>
+                        <a:rPr lang="en-US" sz="1100" u="none" strike="noStrike">
+                          <a:effectLst/>
+                        </a:rPr>
+                        <a:t>0.498s</a:t>
+                      </a:r>
+                      <a:endParaRPr lang="en-US" sz="1100" b="0" i="0" u="none" strike="noStrike">
+                        <a:solidFill>
+                          <a:srgbClr val="000000"/>
+                        </a:solidFill>
+                        <a:effectLst/>
+                        <a:latin typeface="Calibri" panose="020F0502020204030204" pitchFamily="34" charset="0"/>
+                      </a:endParaRPr>
+                    </a:p>
+                  </a:txBody>
+                  <a:tcPr marL="6350" marR="6350" marT="6350" marB="0" anchor="b"/>
+                </a:tc>
+                <a:extLst>
+                  <a:ext uri="{0D108BD9-81ED-4DB2-BD59-A6C34878D82A}">
+                    <a16:rowId xmlns:a16="http://schemas.microsoft.com/office/drawing/2014/main" val="1495398355"/>
+                  </a:ext>
+                </a:extLst>
+              </a:tr>
+              <a:tr h="215298">
+                <a:tc>
+                  <a:txBody>
+                    <a:bodyPr/>
+                    <a:lstStyle/>
+                    <a:p>
+                      <a:pPr algn="l" fontAlgn="b"/>
+                      <a:endParaRPr lang="en-US" sz="1100" b="0" i="0" u="none" strike="noStrike">
+                        <a:solidFill>
+                          <a:srgbClr val="000000"/>
+                        </a:solidFill>
+                        <a:effectLst/>
+                        <a:latin typeface="Calibri" panose="020F0502020204030204" pitchFamily="34" charset="0"/>
+                      </a:endParaRPr>
+                    </a:p>
+                  </a:txBody>
+                  <a:tcPr marL="6350" marR="6350" marT="6350" marB="0" anchor="b"/>
+                </a:tc>
+                <a:tc>
+                  <a:txBody>
+                    <a:bodyPr/>
+                    <a:lstStyle/>
+                    <a:p>
+                      <a:pPr algn="l" fontAlgn="b"/>
+                      <a:r>
+                        <a:rPr lang="en-US" sz="1100" u="none" strike="noStrike">
+                          <a:effectLst/>
+                        </a:rPr>
+                        <a:t>time grep -r SH random_write.994.0</a:t>
+                      </a:r>
+                      <a:endParaRPr lang="en-US" sz="1100" b="0" i="0" u="none" strike="noStrike">
+                        <a:solidFill>
+                          <a:srgbClr val="000000"/>
+                        </a:solidFill>
+                        <a:effectLst/>
+                        <a:latin typeface="Calibri" panose="020F0502020204030204" pitchFamily="34" charset="0"/>
+                      </a:endParaRPr>
+                    </a:p>
+                  </a:txBody>
+                  <a:tcPr marL="6350" marR="6350" marT="6350" marB="0" anchor="b"/>
+                </a:tc>
+                <a:tc>
+                  <a:txBody>
+                    <a:bodyPr/>
+                    <a:lstStyle/>
+                    <a:p>
+                      <a:pPr algn="l" fontAlgn="b"/>
+                      <a:r>
+                        <a:rPr lang="en-US" sz="1100" b="1" u="none" strike="noStrike" dirty="0">
+                          <a:effectLst/>
+                        </a:rPr>
+                        <a:t>0.016s</a:t>
+                      </a:r>
+                      <a:endParaRPr lang="en-US" sz="1100" b="1" i="0" u="none" strike="noStrike" dirty="0">
+                        <a:solidFill>
+                          <a:srgbClr val="000000"/>
+                        </a:solidFill>
+                        <a:effectLst/>
+                        <a:latin typeface="Calibri" panose="020F0502020204030204" pitchFamily="34" charset="0"/>
+                      </a:endParaRPr>
+                    </a:p>
+                  </a:txBody>
+                  <a:tcPr marL="6350" marR="6350" marT="6350" marB="0" anchor="b"/>
+                </a:tc>
+                <a:tc>
+                  <a:txBody>
+                    <a:bodyPr/>
+                    <a:lstStyle/>
+                    <a:p>
+                      <a:pPr algn="l" fontAlgn="b"/>
+                      <a:r>
+                        <a:rPr lang="en-US" sz="1100" u="none" strike="noStrike">
+                          <a:effectLst/>
+                        </a:rPr>
+                        <a:t>0.175s</a:t>
+                      </a:r>
+                      <a:endParaRPr lang="en-US" sz="1100" b="0" i="0" u="none" strike="noStrike">
+                        <a:solidFill>
+                          <a:srgbClr val="000000"/>
+                        </a:solidFill>
+                        <a:effectLst/>
+                        <a:latin typeface="Calibri" panose="020F0502020204030204" pitchFamily="34" charset="0"/>
+                      </a:endParaRPr>
+                    </a:p>
+                  </a:txBody>
+                  <a:tcPr marL="6350" marR="6350" marT="6350" marB="0" anchor="b"/>
+                </a:tc>
+                <a:extLst>
+                  <a:ext uri="{0D108BD9-81ED-4DB2-BD59-A6C34878D82A}">
+                    <a16:rowId xmlns:a16="http://schemas.microsoft.com/office/drawing/2014/main" val="2155728500"/>
+                  </a:ext>
+                </a:extLst>
+              </a:tr>
+              <a:tr h="215298">
+                <a:tc>
+                  <a:txBody>
+                    <a:bodyPr/>
+                    <a:lstStyle/>
+                    <a:p>
+                      <a:pPr algn="l" fontAlgn="b"/>
+                      <a:endParaRPr lang="en-US" sz="1100" b="0" i="0" u="none" strike="noStrike">
+                        <a:solidFill>
+                          <a:srgbClr val="000000"/>
+                        </a:solidFill>
+                        <a:effectLst/>
+                        <a:latin typeface="Calibri" panose="020F0502020204030204" pitchFamily="34" charset="0"/>
+                      </a:endParaRPr>
+                    </a:p>
+                  </a:txBody>
+                  <a:tcPr marL="6350" marR="6350" marT="6350" marB="0" anchor="b"/>
+                </a:tc>
+                <a:tc>
+                  <a:txBody>
+                    <a:bodyPr/>
+                    <a:lstStyle/>
+                    <a:p>
+                      <a:pPr algn="l" fontAlgn="b"/>
+                      <a:r>
+                        <a:rPr lang="en-US" sz="1100" u="none" strike="noStrike">
+                          <a:effectLst/>
+                        </a:rPr>
+                        <a:t>time find random_write.888.0</a:t>
+                      </a:r>
+                      <a:endParaRPr lang="en-US" sz="1100" b="0" i="0" u="none" strike="noStrike">
+                        <a:solidFill>
+                          <a:srgbClr val="000000"/>
+                        </a:solidFill>
+                        <a:effectLst/>
+                        <a:latin typeface="Calibri" panose="020F0502020204030204" pitchFamily="34" charset="0"/>
+                      </a:endParaRPr>
+                    </a:p>
+                  </a:txBody>
+                  <a:tcPr marL="6350" marR="6350" marT="6350" marB="0" anchor="b"/>
+                </a:tc>
+                <a:tc>
+                  <a:txBody>
+                    <a:bodyPr/>
+                    <a:lstStyle/>
+                    <a:p>
+                      <a:pPr algn="l" fontAlgn="b"/>
+                      <a:r>
+                        <a:rPr lang="en-US" sz="1100" b="1" u="none" strike="noStrike" dirty="0">
+                          <a:effectLst/>
+                        </a:rPr>
+                        <a:t>0.003s</a:t>
+                      </a:r>
+                      <a:endParaRPr lang="en-US" sz="1100" b="1" i="0" u="none" strike="noStrike" dirty="0">
+                        <a:solidFill>
+                          <a:srgbClr val="000000"/>
+                        </a:solidFill>
+                        <a:effectLst/>
+                        <a:latin typeface="Calibri" panose="020F0502020204030204" pitchFamily="34" charset="0"/>
+                      </a:endParaRPr>
+                    </a:p>
+                  </a:txBody>
+                  <a:tcPr marL="6350" marR="6350" marT="6350" marB="0" anchor="b"/>
+                </a:tc>
+                <a:tc>
+                  <a:txBody>
+                    <a:bodyPr/>
+                    <a:lstStyle/>
+                    <a:p>
+                      <a:pPr algn="l" fontAlgn="b"/>
+                      <a:r>
+                        <a:rPr lang="en-US" sz="1100" u="none" strike="noStrike" dirty="0">
+                          <a:effectLst/>
+                        </a:rPr>
+                        <a:t>0.074s</a:t>
+                      </a:r>
+                      <a:endParaRPr lang="en-US" sz="1100" b="0" i="0" u="none" strike="noStrike" dirty="0">
+                        <a:solidFill>
+                          <a:srgbClr val="000000"/>
+                        </a:solidFill>
+                        <a:effectLst/>
+                        <a:latin typeface="Calibri" panose="020F0502020204030204" pitchFamily="34" charset="0"/>
+                      </a:endParaRPr>
+                    </a:p>
+                  </a:txBody>
+                  <a:tcPr marL="6350" marR="6350" marT="6350" marB="0" anchor="b"/>
+                </a:tc>
+                <a:extLst>
+                  <a:ext uri="{0D108BD9-81ED-4DB2-BD59-A6C34878D82A}">
+                    <a16:rowId xmlns:a16="http://schemas.microsoft.com/office/drawing/2014/main" val="3738793229"/>
+                  </a:ext>
+                </a:extLst>
+              </a:tr>
+            </a:tbl>
+          </a:graphicData>
+        </a:graphic>
+      </p:graphicFrame>
     </p:spTree>
     <p:extLst>
       <p:ext uri="{BB962C8B-B14F-4D97-AF65-F5344CB8AC3E}">
@@ -27045,7 +29093,7 @@
 </p:sld>
 </file>
 
-<file path=ppt/slides/slide24.xml><?xml version="1.0" encoding="utf-8"?>
+<file path=ppt/slides/slide25.xml><?xml version="1.0" encoding="utf-8"?>
 <p:sld xmlns:a="http://schemas.openxmlformats.org/drawingml/2006/main" xmlns:r="http://schemas.openxmlformats.org/officeDocument/2006/relationships" xmlns:p="http://schemas.openxmlformats.org/presentationml/2006/main">
   <p:cSld>
     <p:spTree>
@@ -27131,6 +29179,849 @@
           <p:cNvPr id="2" name="Title 1">
             <a:extLst>
               <a:ext uri="{FF2B5EF4-FFF2-40B4-BE49-F238E27FC236}">
+                <a16:creationId xmlns:a16="http://schemas.microsoft.com/office/drawing/2014/main" id="{9BC17FBD-5446-2B4F-7BDE-75A2DFF22FE1}"/>
+              </a:ext>
+            </a:extLst>
+          </p:cNvPr>
+          <p:cNvSpPr>
+            <a:spLocks noGrp="1"/>
+          </p:cNvSpPr>
+          <p:nvPr>
+            <p:ph type="title"/>
+          </p:nvPr>
+        </p:nvSpPr>
+        <p:spPr/>
+        <p:txBody>
+          <a:bodyPr/>
+          <a:lstStyle/>
+          <a:p>
+            <a:r>
+              <a:rPr lang="en-US" dirty="0"/>
+              <a:t>1. What is </a:t>
+            </a:r>
+            <a:r>
+              <a:rPr lang="en-US" dirty="0" err="1"/>
+              <a:t>seaweedfs</a:t>
+            </a:r>
+            <a:r>
+              <a:rPr lang="en-US" dirty="0"/>
+              <a:t>? </a:t>
+            </a:r>
+          </a:p>
+        </p:txBody>
+      </p:sp>
+      <p:sp>
+        <p:nvSpPr>
+          <p:cNvPr id="3" name="Content Placeholder 2">
+            <a:extLst>
+              <a:ext uri="{FF2B5EF4-FFF2-40B4-BE49-F238E27FC236}">
+                <a16:creationId xmlns:a16="http://schemas.microsoft.com/office/drawing/2014/main" id="{CCECC366-FF01-B713-168F-C13CD4B80C57}"/>
+              </a:ext>
+            </a:extLst>
+          </p:cNvPr>
+          <p:cNvSpPr>
+            <a:spLocks noGrp="1"/>
+          </p:cNvSpPr>
+          <p:nvPr>
+            <p:ph idx="1"/>
+          </p:nvPr>
+        </p:nvSpPr>
+        <p:spPr>
+          <a:xfrm>
+            <a:off x="1158882" y="2084832"/>
+            <a:ext cx="10593565" cy="4581625"/>
+          </a:xfrm>
+        </p:spPr>
+        <p:txBody>
+          <a:bodyPr>
+            <a:normAutofit/>
+          </a:bodyPr>
+          <a:lstStyle/>
+          <a:p>
+            <a:r>
+              <a:rPr lang="en-US" sz="2000" b="1" dirty="0" err="1"/>
+              <a:t>SeaweedFS</a:t>
+            </a:r>
+            <a:r>
+              <a:rPr lang="en-US" sz="2000" b="1" dirty="0"/>
+              <a:t> </a:t>
+            </a:r>
+            <a:r>
+              <a:rPr lang="en-US" sz="2000" b="1" dirty="0" err="1"/>
+              <a:t>là</a:t>
+            </a:r>
+            <a:r>
+              <a:rPr lang="en-US" sz="2000" b="1" dirty="0"/>
+              <a:t> </a:t>
+            </a:r>
+            <a:r>
+              <a:rPr lang="en-US" sz="2000" b="1" dirty="0" err="1"/>
+              <a:t>gì</a:t>
+            </a:r>
+            <a:r>
+              <a:rPr lang="en-US" sz="2000" b="1" dirty="0"/>
+              <a:t>?</a:t>
+            </a:r>
+          </a:p>
+          <a:p>
+            <a:r>
+              <a:rPr lang="en-US" sz="2000" dirty="0"/>
+              <a:t>- </a:t>
+            </a:r>
+            <a:r>
+              <a:rPr lang="en-US" sz="2000" dirty="0" err="1"/>
+              <a:t>SeaweedFS</a:t>
+            </a:r>
+            <a:r>
+              <a:rPr lang="en-US" sz="2000" dirty="0"/>
+              <a:t> </a:t>
+            </a:r>
+            <a:r>
+              <a:rPr lang="en-US" sz="2000" dirty="0" err="1"/>
+              <a:t>là</a:t>
+            </a:r>
+            <a:r>
+              <a:rPr lang="en-US" sz="2000" dirty="0"/>
+              <a:t> </a:t>
+            </a:r>
+            <a:r>
+              <a:rPr lang="en-US" sz="2000" dirty="0" err="1"/>
+              <a:t>một</a:t>
+            </a:r>
+            <a:r>
+              <a:rPr lang="en-US" sz="2000" dirty="0"/>
+              <a:t> </a:t>
+            </a:r>
+            <a:r>
+              <a:rPr lang="en-US" sz="2000" dirty="0" err="1"/>
+              <a:t>hệ</a:t>
+            </a:r>
+            <a:r>
+              <a:rPr lang="en-US" sz="2000" dirty="0"/>
+              <a:t> </a:t>
+            </a:r>
+            <a:r>
+              <a:rPr lang="en-US" sz="2000" dirty="0" err="1"/>
+              <a:t>thống</a:t>
+            </a:r>
+            <a:r>
+              <a:rPr lang="en-US" sz="2000" dirty="0"/>
+              <a:t> </a:t>
+            </a:r>
+            <a:r>
+              <a:rPr lang="en-US" sz="2000" dirty="0" err="1"/>
+              <a:t>lưu</a:t>
+            </a:r>
+            <a:r>
+              <a:rPr lang="en-US" sz="2000" dirty="0"/>
+              <a:t> </a:t>
+            </a:r>
+            <a:r>
+              <a:rPr lang="en-US" sz="2000" dirty="0" err="1"/>
+              <a:t>trữ</a:t>
+            </a:r>
+            <a:r>
+              <a:rPr lang="en-US" sz="2000" dirty="0"/>
+              <a:t> </a:t>
+            </a:r>
+            <a:r>
+              <a:rPr lang="en-US" sz="2000" dirty="0" err="1"/>
+              <a:t>phân</a:t>
+            </a:r>
+            <a:r>
+              <a:rPr lang="en-US" sz="2000" dirty="0"/>
+              <a:t> </a:t>
+            </a:r>
+            <a:r>
+              <a:rPr lang="en-US" sz="2000" dirty="0" err="1"/>
+              <a:t>tán</a:t>
+            </a:r>
+            <a:r>
+              <a:rPr lang="en-US" sz="2000" dirty="0"/>
+              <a:t> </a:t>
+            </a:r>
+            <a:r>
+              <a:rPr lang="en-US" sz="2000" dirty="0" err="1"/>
+              <a:t>mã</a:t>
+            </a:r>
+            <a:r>
+              <a:rPr lang="en-US" sz="2000" dirty="0"/>
+              <a:t> </a:t>
+            </a:r>
+            <a:r>
+              <a:rPr lang="en-US" sz="2000" dirty="0" err="1"/>
+              <a:t>nguồn</a:t>
+            </a:r>
+            <a:r>
+              <a:rPr lang="en-US" sz="2000" dirty="0"/>
+              <a:t> </a:t>
+            </a:r>
+            <a:r>
+              <a:rPr lang="en-US" sz="2000" dirty="0" err="1"/>
+              <a:t>mở</a:t>
+            </a:r>
+            <a:r>
+              <a:rPr lang="en-US" sz="2000" dirty="0"/>
+              <a:t>.</a:t>
+            </a:r>
+          </a:p>
+          <a:p>
+            <a:r>
+              <a:rPr lang="en-US" sz="2000" dirty="0"/>
+              <a:t>- </a:t>
+            </a:r>
+            <a:r>
+              <a:rPr lang="en-US" sz="2000" dirty="0" err="1"/>
+              <a:t>Được</a:t>
+            </a:r>
+            <a:r>
+              <a:rPr lang="en-US" sz="2000" dirty="0"/>
+              <a:t> </a:t>
+            </a:r>
+            <a:r>
+              <a:rPr lang="en-US" sz="2000" dirty="0" err="1"/>
+              <a:t>thiết</a:t>
+            </a:r>
+            <a:r>
+              <a:rPr lang="en-US" sz="2000" dirty="0"/>
+              <a:t> </a:t>
+            </a:r>
+            <a:r>
+              <a:rPr lang="en-US" sz="2000" dirty="0" err="1"/>
+              <a:t>kế</a:t>
+            </a:r>
+            <a:r>
+              <a:rPr lang="en-US" sz="2000" dirty="0"/>
+              <a:t> </a:t>
+            </a:r>
+            <a:r>
+              <a:rPr lang="en-US" sz="2000" dirty="0" err="1"/>
+              <a:t>để</a:t>
+            </a:r>
+            <a:r>
+              <a:rPr lang="en-US" sz="2000" dirty="0"/>
+              <a:t> </a:t>
+            </a:r>
+            <a:r>
+              <a:rPr lang="en-US" sz="2000" dirty="0" err="1"/>
+              <a:t>lưu</a:t>
+            </a:r>
+            <a:r>
+              <a:rPr lang="en-US" sz="2000" dirty="0"/>
+              <a:t> </a:t>
+            </a:r>
+            <a:r>
+              <a:rPr lang="en-US" sz="2000" dirty="0" err="1"/>
+              <a:t>trữ</a:t>
+            </a:r>
+            <a:r>
+              <a:rPr lang="en-US" sz="2000" dirty="0"/>
+              <a:t> </a:t>
+            </a:r>
+            <a:r>
+              <a:rPr lang="en-US" sz="2000" dirty="0" err="1"/>
+              <a:t>dữ</a:t>
+            </a:r>
+            <a:r>
+              <a:rPr lang="en-US" sz="2000" dirty="0"/>
+              <a:t> </a:t>
+            </a:r>
+            <a:r>
+              <a:rPr lang="en-US" sz="2000" dirty="0" err="1"/>
+              <a:t>liệu</a:t>
+            </a:r>
+            <a:r>
+              <a:rPr lang="en-US" sz="2000" dirty="0"/>
+              <a:t> </a:t>
+            </a:r>
+            <a:r>
+              <a:rPr lang="en-US" sz="2000" dirty="0" err="1"/>
+              <a:t>một</a:t>
+            </a:r>
+            <a:r>
+              <a:rPr lang="en-US" sz="2000" dirty="0"/>
+              <a:t> </a:t>
+            </a:r>
+            <a:r>
+              <a:rPr lang="en-US" sz="2000" dirty="0" err="1"/>
+              <a:t>cách</a:t>
+            </a:r>
+            <a:r>
+              <a:rPr lang="en-US" sz="2000" dirty="0"/>
+              <a:t> </a:t>
+            </a:r>
+            <a:r>
+              <a:rPr lang="en-US" sz="2000" dirty="0" err="1"/>
+              <a:t>hiệu</a:t>
+            </a:r>
+            <a:r>
+              <a:rPr lang="en-US" sz="2000" dirty="0"/>
+              <a:t> </a:t>
+            </a:r>
+            <a:r>
+              <a:rPr lang="en-US" sz="2000" dirty="0" err="1"/>
+              <a:t>quả</a:t>
+            </a:r>
+            <a:r>
+              <a:rPr lang="en-US" sz="2000" dirty="0"/>
+              <a:t>, </a:t>
+            </a:r>
+            <a:r>
+              <a:rPr lang="en-US" sz="2000" dirty="0" err="1"/>
+              <a:t>đơn</a:t>
+            </a:r>
+            <a:r>
+              <a:rPr lang="en-US" sz="2000" dirty="0"/>
+              <a:t> </a:t>
+            </a:r>
+            <a:r>
+              <a:rPr lang="en-US" sz="2000" dirty="0" err="1"/>
+              <a:t>giản</a:t>
+            </a:r>
+            <a:r>
+              <a:rPr lang="en-US" sz="2000" dirty="0"/>
+              <a:t> </a:t>
+            </a:r>
+            <a:r>
+              <a:rPr lang="en-US" sz="2000" dirty="0" err="1"/>
+              <a:t>và</a:t>
+            </a:r>
+            <a:r>
+              <a:rPr lang="en-US" sz="2000" dirty="0"/>
+              <a:t> </a:t>
+            </a:r>
+            <a:r>
+              <a:rPr lang="en-US" sz="2000" dirty="0" err="1"/>
+              <a:t>có</a:t>
+            </a:r>
+            <a:r>
+              <a:rPr lang="en-US" sz="2000" dirty="0"/>
+              <a:t> </a:t>
+            </a:r>
+            <a:r>
+              <a:rPr lang="en-US" sz="2000" dirty="0" err="1"/>
+              <a:t>khả</a:t>
+            </a:r>
+            <a:r>
+              <a:rPr lang="en-US" sz="2000" dirty="0"/>
+              <a:t> </a:t>
+            </a:r>
+            <a:r>
+              <a:rPr lang="en-US" sz="2000" dirty="0" err="1"/>
+              <a:t>năng</a:t>
+            </a:r>
+            <a:r>
+              <a:rPr lang="en-US" sz="2000" dirty="0"/>
+              <a:t> </a:t>
+            </a:r>
+            <a:r>
+              <a:rPr lang="en-US" sz="2000" dirty="0" err="1"/>
+              <a:t>mở</a:t>
+            </a:r>
+            <a:r>
+              <a:rPr lang="en-US" sz="2000" dirty="0"/>
+              <a:t> </a:t>
+            </a:r>
+            <a:r>
+              <a:rPr lang="en-US" sz="2000" dirty="0" err="1"/>
+              <a:t>rộng</a:t>
+            </a:r>
+            <a:r>
+              <a:rPr lang="en-US" sz="2000" dirty="0"/>
+              <a:t> </a:t>
+            </a:r>
+            <a:r>
+              <a:rPr lang="en-US" sz="2000" dirty="0" err="1"/>
+              <a:t>cao</a:t>
+            </a:r>
+            <a:r>
+              <a:rPr lang="en-US" sz="2000" dirty="0"/>
+              <a:t>.</a:t>
+            </a:r>
+          </a:p>
+          <a:p>
+            <a:r>
+              <a:rPr lang="en-US" sz="2000" dirty="0"/>
+              <a:t>- </a:t>
+            </a:r>
+            <a:r>
+              <a:rPr lang="en-US" sz="2000" dirty="0" err="1"/>
+              <a:t>Hỗ</a:t>
+            </a:r>
+            <a:r>
+              <a:rPr lang="en-US" sz="2000" dirty="0"/>
+              <a:t> </a:t>
+            </a:r>
+            <a:r>
+              <a:rPr lang="en-US" sz="2000" dirty="0" err="1"/>
+              <a:t>trợ</a:t>
+            </a:r>
+            <a:r>
+              <a:rPr lang="en-US" sz="2000" dirty="0"/>
+              <a:t> </a:t>
+            </a:r>
+            <a:r>
+              <a:rPr lang="en-US" sz="2000" dirty="0" err="1"/>
+              <a:t>giao</a:t>
+            </a:r>
+            <a:r>
+              <a:rPr lang="en-US" sz="2000" dirty="0"/>
+              <a:t> </a:t>
+            </a:r>
+            <a:r>
+              <a:rPr lang="en-US" sz="2000" dirty="0" err="1"/>
+              <a:t>diện</a:t>
+            </a:r>
+            <a:r>
+              <a:rPr lang="en-US" sz="2000" dirty="0"/>
+              <a:t>, HTTP API </a:t>
+            </a:r>
+            <a:r>
+              <a:rPr lang="en-US" sz="2000" dirty="0" err="1"/>
+              <a:t>và</a:t>
+            </a:r>
+            <a:r>
+              <a:rPr lang="en-US" sz="2000" dirty="0"/>
+              <a:t> </a:t>
+            </a:r>
+            <a:r>
+              <a:rPr lang="en-US" sz="2000" dirty="0" err="1"/>
+              <a:t>có</a:t>
+            </a:r>
+            <a:r>
+              <a:rPr lang="en-US" sz="2000" dirty="0"/>
+              <a:t> </a:t>
+            </a:r>
+            <a:r>
+              <a:rPr lang="en-US" sz="2000" dirty="0" err="1"/>
+              <a:t>thể</a:t>
+            </a:r>
+            <a:r>
+              <a:rPr lang="en-US" sz="2000" dirty="0"/>
+              <a:t> mount </a:t>
+            </a:r>
+            <a:r>
+              <a:rPr lang="en-US" sz="2000" dirty="0" err="1"/>
+              <a:t>như</a:t>
+            </a:r>
+            <a:r>
+              <a:rPr lang="en-US" sz="2000" dirty="0"/>
+              <a:t> ổ </a:t>
+            </a:r>
+            <a:r>
+              <a:rPr lang="en-US" sz="2000" dirty="0" err="1"/>
+              <a:t>đĩa</a:t>
+            </a:r>
+            <a:r>
+              <a:rPr lang="en-US" sz="2000" dirty="0"/>
+              <a:t> </a:t>
+            </a:r>
+            <a:r>
+              <a:rPr lang="en-US" sz="2000" dirty="0" err="1"/>
+              <a:t>thông</a:t>
+            </a:r>
+            <a:r>
+              <a:rPr lang="en-US" sz="2000" dirty="0"/>
+              <a:t> </a:t>
+            </a:r>
+            <a:r>
+              <a:rPr lang="en-US" sz="2000" dirty="0" err="1"/>
+              <a:t>thường</a:t>
+            </a:r>
+            <a:r>
+              <a:rPr lang="en-US" sz="2000" dirty="0"/>
+              <a:t> </a:t>
+            </a:r>
+            <a:r>
+              <a:rPr lang="en-US" sz="2000" dirty="0" err="1"/>
+              <a:t>thông</a:t>
+            </a:r>
+            <a:r>
+              <a:rPr lang="en-US" sz="2000" dirty="0"/>
+              <a:t> qua FUSE.</a:t>
+            </a:r>
+          </a:p>
+          <a:p>
+            <a:pPr marL="0" indent="0">
+              <a:buNone/>
+            </a:pPr>
+            <a:r>
+              <a:rPr lang="en-US" sz="2000" dirty="0"/>
+              <a:t> </a:t>
+            </a:r>
+          </a:p>
+          <a:p>
+            <a:pPr marL="0" indent="0">
+              <a:buNone/>
+            </a:pPr>
+            <a:r>
+              <a:rPr lang="en-US" sz="2000" b="1" dirty="0" err="1"/>
+              <a:t>Dùng</a:t>
+            </a:r>
+            <a:r>
+              <a:rPr lang="en-US" sz="2000" b="1" dirty="0"/>
+              <a:t> </a:t>
+            </a:r>
+            <a:r>
+              <a:rPr lang="en-US" sz="2000" b="1" dirty="0" err="1"/>
+              <a:t>SeaweedFS</a:t>
+            </a:r>
+            <a:r>
+              <a:rPr lang="en-US" sz="2000" b="1" dirty="0"/>
+              <a:t> </a:t>
+            </a:r>
+            <a:r>
+              <a:rPr lang="en-US" sz="2000" b="1" dirty="0" err="1"/>
+              <a:t>để</a:t>
+            </a:r>
+            <a:r>
+              <a:rPr lang="en-US" sz="2000" b="1" dirty="0"/>
+              <a:t> </a:t>
+            </a:r>
+            <a:r>
+              <a:rPr lang="en-US" sz="2000" b="1" dirty="0" err="1"/>
+              <a:t>thay</a:t>
+            </a:r>
+            <a:r>
+              <a:rPr lang="en-US" sz="2000" b="1" dirty="0"/>
+              <a:t> </a:t>
+            </a:r>
+            <a:r>
+              <a:rPr lang="en-US" sz="2000" b="1" dirty="0" err="1"/>
+              <a:t>thế</a:t>
+            </a:r>
+            <a:r>
+              <a:rPr lang="en-US" sz="2000" b="1" dirty="0"/>
+              <a:t> </a:t>
+            </a:r>
+            <a:r>
+              <a:rPr lang="en-US" sz="2000" b="1" dirty="0" err="1"/>
+              <a:t>giải</a:t>
+            </a:r>
+            <a:r>
+              <a:rPr lang="en-US" sz="2000" b="1" dirty="0"/>
+              <a:t> </a:t>
+            </a:r>
+            <a:r>
+              <a:rPr lang="en-US" sz="2000" b="1" dirty="0" err="1"/>
+              <a:t>pháp</a:t>
+            </a:r>
+            <a:r>
+              <a:rPr lang="en-US" sz="2000" b="1" dirty="0"/>
+              <a:t> </a:t>
+            </a:r>
+            <a:r>
+              <a:rPr lang="en-US" sz="2000" b="1" dirty="0" err="1"/>
+              <a:t>syncthing</a:t>
+            </a:r>
+            <a:r>
+              <a:rPr lang="en-US" sz="2000" b="1" dirty="0"/>
+              <a:t> </a:t>
+            </a:r>
+            <a:r>
+              <a:rPr lang="en-US" sz="2000" b="1" dirty="0" err="1"/>
+              <a:t>hiện</a:t>
+            </a:r>
+            <a:r>
+              <a:rPr lang="en-US" sz="2000" b="1" dirty="0"/>
+              <a:t> </a:t>
+            </a:r>
+            <a:r>
+              <a:rPr lang="en-US" sz="2000" b="1" dirty="0" err="1"/>
+              <a:t>tại</a:t>
+            </a:r>
+            <a:endParaRPr lang="en-US" sz="2000" b="1" dirty="0"/>
+          </a:p>
+          <a:p>
+            <a:pPr marL="0" indent="0">
+              <a:buNone/>
+            </a:pPr>
+            <a:r>
+              <a:rPr lang="en-US" sz="2000" b="1" dirty="0"/>
+              <a:t> </a:t>
+            </a:r>
+            <a:r>
+              <a:rPr lang="en-US" sz="2000" dirty="0"/>
+              <a:t>- </a:t>
+            </a:r>
+            <a:r>
+              <a:rPr lang="en-US" sz="2000" dirty="0" err="1"/>
+              <a:t>Hiện</a:t>
+            </a:r>
+            <a:r>
+              <a:rPr lang="en-US" sz="2000" dirty="0"/>
+              <a:t> </a:t>
+            </a:r>
+            <a:r>
+              <a:rPr lang="en-US" sz="2000" dirty="0" err="1"/>
+              <a:t>tại</a:t>
+            </a:r>
+            <a:r>
+              <a:rPr lang="en-US" sz="2000" dirty="0"/>
+              <a:t> </a:t>
+            </a:r>
+            <a:r>
+              <a:rPr lang="en-US" sz="2000" dirty="0" err="1"/>
+              <a:t>syncthing</a:t>
+            </a:r>
+            <a:r>
+              <a:rPr lang="en-US" sz="2000" dirty="0"/>
+              <a:t> </a:t>
+            </a:r>
+            <a:r>
+              <a:rPr lang="en-US" sz="2000" dirty="0" err="1"/>
+              <a:t>dễ</a:t>
+            </a:r>
+            <a:r>
+              <a:rPr lang="en-US" sz="2000" dirty="0"/>
+              <a:t> </a:t>
+            </a:r>
+            <a:r>
+              <a:rPr lang="en-US" sz="2000" dirty="0" err="1"/>
+              <a:t>bị</a:t>
+            </a:r>
+            <a:r>
+              <a:rPr lang="en-US" sz="2000" dirty="0"/>
+              <a:t> </a:t>
+            </a:r>
+            <a:r>
+              <a:rPr lang="en-US" sz="2000" dirty="0" err="1"/>
+              <a:t>mất</a:t>
+            </a:r>
+            <a:r>
+              <a:rPr lang="en-US" sz="2000" dirty="0"/>
+              <a:t> sync </a:t>
+            </a:r>
+            <a:r>
+              <a:rPr lang="en-US" sz="2000" dirty="0" err="1"/>
+              <a:t>mỗi</a:t>
+            </a:r>
+            <a:r>
+              <a:rPr lang="en-US" sz="2000" dirty="0"/>
+              <a:t> </a:t>
+            </a:r>
+            <a:r>
+              <a:rPr lang="en-US" sz="2000" dirty="0" err="1"/>
+              <a:t>khi</a:t>
+            </a:r>
+            <a:r>
+              <a:rPr lang="en-US" sz="2000" dirty="0"/>
+              <a:t> </a:t>
+            </a:r>
+            <a:r>
+              <a:rPr lang="en-US" sz="2000" dirty="0" err="1"/>
+              <a:t>mạng</a:t>
+            </a:r>
+            <a:r>
+              <a:rPr lang="en-US" sz="2000" dirty="0"/>
+              <a:t> </a:t>
+            </a:r>
+            <a:r>
+              <a:rPr lang="en-US" sz="2000" dirty="0" err="1"/>
+              <a:t>chập</a:t>
+            </a:r>
+            <a:r>
+              <a:rPr lang="en-US" sz="2000" dirty="0"/>
+              <a:t> </a:t>
+            </a:r>
+            <a:r>
+              <a:rPr lang="en-US" sz="2000" dirty="0" err="1"/>
+              <a:t>chờn</a:t>
+            </a:r>
+            <a:r>
+              <a:rPr lang="en-US" sz="2000" dirty="0"/>
+              <a:t>, </a:t>
+            </a:r>
+            <a:r>
+              <a:rPr lang="en-US" sz="2000" dirty="0" err="1"/>
+              <a:t>dễ</a:t>
+            </a:r>
+            <a:r>
+              <a:rPr lang="en-US" sz="2000" dirty="0"/>
+              <a:t> </a:t>
+            </a:r>
+            <a:r>
+              <a:rPr lang="en-US" sz="2000" dirty="0" err="1"/>
+              <a:t>bị</a:t>
+            </a:r>
+            <a:r>
+              <a:rPr lang="en-US" sz="2000" dirty="0"/>
+              <a:t> conflict</a:t>
+            </a:r>
+          </a:p>
+          <a:p>
+            <a:pPr marL="0" indent="0">
+              <a:buNone/>
+            </a:pPr>
+            <a:r>
+              <a:rPr lang="en-US" sz="2000" dirty="0"/>
+              <a:t>=&gt; </a:t>
+            </a:r>
+            <a:r>
+              <a:rPr lang="en-US" sz="2000" dirty="0" err="1"/>
+              <a:t>Chuyển</a:t>
+            </a:r>
+            <a:r>
+              <a:rPr lang="en-US" sz="2000" dirty="0"/>
+              <a:t> sang </a:t>
+            </a:r>
+            <a:r>
+              <a:rPr lang="en-US" sz="2000" dirty="0" err="1"/>
+              <a:t>sử</a:t>
+            </a:r>
+            <a:r>
+              <a:rPr lang="en-US" sz="2000" dirty="0"/>
+              <a:t> </a:t>
+            </a:r>
+            <a:r>
+              <a:rPr lang="en-US" sz="2000" dirty="0" err="1"/>
+              <a:t>dụng</a:t>
+            </a:r>
+            <a:r>
+              <a:rPr lang="en-US" sz="2000" dirty="0"/>
+              <a:t> </a:t>
+            </a:r>
+            <a:r>
+              <a:rPr lang="en-US" sz="2000" dirty="0" err="1"/>
+              <a:t>SeaweedFS</a:t>
+            </a:r>
+            <a:r>
+              <a:rPr lang="en-US" sz="2000" dirty="0"/>
+              <a:t> </a:t>
+            </a:r>
+            <a:r>
+              <a:rPr lang="en-US" sz="2000" dirty="0" err="1"/>
+              <a:t>để</a:t>
+            </a:r>
+            <a:r>
+              <a:rPr lang="en-US" sz="2000" dirty="0"/>
+              <a:t> </a:t>
+            </a:r>
+            <a:r>
+              <a:rPr lang="en-US" sz="2000" dirty="0" err="1"/>
+              <a:t>lưu</a:t>
+            </a:r>
+            <a:r>
+              <a:rPr lang="en-US" sz="2000" dirty="0"/>
+              <a:t> </a:t>
+            </a:r>
+            <a:r>
+              <a:rPr lang="en-US" sz="2000" dirty="0" err="1"/>
+              <a:t>trữ</a:t>
+            </a:r>
+            <a:r>
+              <a:rPr lang="en-US" sz="2000" dirty="0"/>
+              <a:t> </a:t>
+            </a:r>
+            <a:r>
+              <a:rPr lang="en-US" sz="2000" dirty="0" err="1"/>
+              <a:t>dữ</a:t>
+            </a:r>
+            <a:r>
+              <a:rPr lang="en-US" sz="2000" dirty="0"/>
+              <a:t> </a:t>
+            </a:r>
+            <a:r>
+              <a:rPr lang="en-US" sz="2000" dirty="0" err="1"/>
+              <a:t>liệu</a:t>
+            </a:r>
+            <a:r>
+              <a:rPr lang="en-US" sz="2000" dirty="0"/>
+              <a:t> </a:t>
+            </a:r>
+            <a:r>
+              <a:rPr lang="en-US" sz="2000" dirty="0" err="1"/>
+              <a:t>phân</a:t>
+            </a:r>
+            <a:r>
+              <a:rPr lang="en-US" sz="2000" dirty="0"/>
+              <a:t> </a:t>
+            </a:r>
+            <a:r>
+              <a:rPr lang="en-US" sz="2000" dirty="0" err="1"/>
+              <a:t>tán</a:t>
+            </a:r>
+            <a:r>
+              <a:rPr lang="en-US" sz="2000" dirty="0"/>
+              <a:t>, </a:t>
+            </a:r>
+            <a:r>
+              <a:rPr lang="en-US" sz="2000" dirty="0" err="1"/>
+              <a:t>có</a:t>
+            </a:r>
+            <a:r>
+              <a:rPr lang="en-US" sz="2000" dirty="0"/>
+              <a:t> replication </a:t>
+            </a:r>
+            <a:r>
+              <a:rPr lang="en-US" sz="2000" dirty="0" err="1"/>
+              <a:t>và</a:t>
+            </a:r>
+            <a:r>
+              <a:rPr lang="en-US" sz="2000" dirty="0"/>
+              <a:t> </a:t>
+            </a:r>
+            <a:r>
+              <a:rPr lang="en-US" sz="2000" dirty="0" err="1"/>
+              <a:t>có</a:t>
+            </a:r>
+            <a:r>
+              <a:rPr lang="en-US" sz="2000" dirty="0"/>
+              <a:t> </a:t>
+            </a:r>
+            <a:r>
+              <a:rPr lang="en-US" sz="2000" dirty="0" err="1"/>
+              <a:t>thể</a:t>
+            </a:r>
+            <a:r>
+              <a:rPr lang="en-US" sz="2000" dirty="0"/>
+              <a:t> scale out.</a:t>
+            </a:r>
+          </a:p>
+          <a:p>
+            <a:pPr>
+              <a:buFontTx/>
+              <a:buChar char="-"/>
+            </a:pPr>
+            <a:endParaRPr lang="en-US" sz="2000" dirty="0"/>
+          </a:p>
+        </p:txBody>
+      </p:sp>
+    </p:spTree>
+    <p:extLst>
+      <p:ext uri="{BB962C8B-B14F-4D97-AF65-F5344CB8AC3E}">
+        <p14:creationId xmlns:p14="http://schemas.microsoft.com/office/powerpoint/2010/main" val="114855513"/>
+      </p:ext>
+    </p:extLst>
+  </p:cSld>
+  <p:clrMapOvr>
+    <a:masterClrMapping/>
+  </p:clrMapOvr>
+</p:sld>
+</file>
+
+<file path=ppt/slides/slide4.xml><?xml version="1.0" encoding="utf-8"?>
+<p:sld xmlns:a="http://schemas.openxmlformats.org/drawingml/2006/main" xmlns:r="http://schemas.openxmlformats.org/officeDocument/2006/relationships" xmlns:p="http://schemas.openxmlformats.org/presentationml/2006/main">
+  <p:cSld>
+    <p:spTree>
+      <p:nvGrpSpPr>
+        <p:cNvPr id="1" name=""/>
+        <p:cNvGrpSpPr/>
+        <p:nvPr/>
+      </p:nvGrpSpPr>
+      <p:grpSpPr>
+        <a:xfrm>
+          <a:off x="0" y="0"/>
+          <a:ext cx="0" cy="0"/>
+          <a:chOff x="0" y="0"/>
+          <a:chExt cx="0" cy="0"/>
+        </a:xfrm>
+      </p:grpSpPr>
+      <p:sp>
+        <p:nvSpPr>
+          <p:cNvPr id="2" name="Title 1">
+            <a:extLst>
+              <a:ext uri="{FF2B5EF4-FFF2-40B4-BE49-F238E27FC236}">
                 <a16:creationId xmlns:a16="http://schemas.microsoft.com/office/drawing/2014/main" id="{094BCB38-7535-AB1E-C1E0-5C6124DF463A}"/>
               </a:ext>
             </a:extLst>
@@ -27149,7 +30040,7 @@
           <a:p>
             <a:r>
               <a:rPr lang="en-US" dirty="0"/>
-              <a:t>1. Architecture and Workflow</a:t>
+              <a:t>2. Architecture and Workflow</a:t>
             </a:r>
           </a:p>
         </p:txBody>
@@ -27195,7 +30086,7 @@
 </p:sld>
 </file>
 
-<file path=ppt/slides/slide4.xml><?xml version="1.0" encoding="utf-8"?>
+<file path=ppt/slides/slide5.xml><?xml version="1.0" encoding="utf-8"?>
 <p:sld xmlns:a="http://schemas.openxmlformats.org/drawingml/2006/main" xmlns:r="http://schemas.openxmlformats.org/officeDocument/2006/relationships" xmlns:p="http://schemas.openxmlformats.org/presentationml/2006/main">
   <p:cSld>
     <p:spTree>
@@ -27235,7 +30126,7 @@
           <a:p>
             <a:r>
               <a:rPr lang="en-US" dirty="0"/>
-              <a:t>2. Master server</a:t>
+              <a:t>3. Master server</a:t>
             </a:r>
           </a:p>
         </p:txBody>
@@ -27665,7 +30556,7 @@
 </p:sld>
 </file>
 
-<file path=ppt/slides/slide5.xml><?xml version="1.0" encoding="utf-8"?>
+<file path=ppt/slides/slide6.xml><?xml version="1.0" encoding="utf-8"?>
 <p:sld xmlns:a="http://schemas.openxmlformats.org/drawingml/2006/main" xmlns:r="http://schemas.openxmlformats.org/officeDocument/2006/relationships" xmlns:p="http://schemas.openxmlformats.org/presentationml/2006/main">
   <p:cSld>
     <p:spTree>
@@ -27705,13 +30596,8 @@
           <a:p>
             <a:r>
               <a:rPr lang="en-US" dirty="0"/>
-              <a:t>2. Master server - </a:t>
-            </a:r>
-            <a:r>
-              <a:rPr lang="en-US" dirty="0" err="1"/>
-              <a:t>api</a:t>
-            </a:r>
-            <a:endParaRPr lang="en-US" dirty="0"/>
+              <a:t>3. Master server</a:t>
+            </a:r>
           </a:p>
         </p:txBody>
       </p:sp>
@@ -27733,13 +30619,13 @@
         </p:nvSpPr>
         <p:spPr>
           <a:xfrm>
-            <a:off x="1024127" y="2084831"/>
-            <a:ext cx="9720073" cy="4023360"/>
+            <a:off x="1024127" y="1894966"/>
+            <a:ext cx="9720073" cy="4871594"/>
           </a:xfrm>
         </p:spPr>
         <p:txBody>
           <a:bodyPr>
-            <a:normAutofit fontScale="92500"/>
+            <a:normAutofit/>
           </a:bodyPr>
           <a:lstStyle/>
           <a:p>
@@ -27747,15 +30633,24 @@
               <a:buNone/>
             </a:pPr>
             <a:r>
-              <a:rPr lang="en-US" dirty="0"/>
+              <a:rPr lang="en-US" sz="2000" b="1" dirty="0"/>
+              <a:t>API:</a:t>
+            </a:r>
+          </a:p>
+          <a:p>
+            <a:pPr marL="0" indent="0">
+              <a:buNone/>
+            </a:pPr>
+            <a:r>
+              <a:rPr lang="en-US" sz="2000" dirty="0"/>
               <a:t>- Force garbage collection: [DELETE] /vol/</a:t>
             </a:r>
             <a:r>
-              <a:rPr lang="en-US" dirty="0" err="1"/>
+              <a:rPr lang="en-US" sz="2000" dirty="0" err="1"/>
               <a:t>vacuum?garbageThreshold</a:t>
             </a:r>
             <a:r>
-              <a:rPr lang="en-US" dirty="0"/>
+              <a:rPr lang="en-US" sz="2000" dirty="0"/>
               <a:t>=0.4</a:t>
             </a:r>
           </a:p>
@@ -27765,15 +30660,15 @@
               <a:buChar char="-"/>
             </a:pPr>
             <a:r>
-              <a:rPr lang="en-US" dirty="0"/>
+              <a:rPr lang="en-US" sz="2000" dirty="0"/>
               <a:t> Pre-Allocate volumes: [GET] /vol/</a:t>
             </a:r>
             <a:r>
-              <a:rPr lang="en-US" dirty="0" err="1"/>
+              <a:rPr lang="en-US" sz="2000" dirty="0" err="1"/>
               <a:t>grow?replication</a:t>
             </a:r>
             <a:r>
-              <a:rPr lang="en-US" dirty="0"/>
+              <a:rPr lang="en-US" sz="2000" dirty="0"/>
               <a:t>=001&amp;count=2</a:t>
             </a:r>
           </a:p>
@@ -27783,22 +30678,22 @@
               <a:buChar char="-"/>
             </a:pPr>
             <a:r>
-              <a:rPr lang="en-US" dirty="0"/>
+              <a:rPr lang="en-US" sz="2000" dirty="0"/>
               <a:t> Delete collection (volumes are grouped by collection): [DELETE] /col/</a:t>
             </a:r>
             <a:r>
-              <a:rPr lang="en-US" dirty="0" err="1"/>
+              <a:rPr lang="en-US" sz="2000" dirty="0" err="1"/>
               <a:t>delete?collection</a:t>
             </a:r>
             <a:r>
-              <a:rPr lang="en-US" dirty="0"/>
+              <a:rPr lang="en-US" sz="2000" dirty="0"/>
               <a:t>=</a:t>
             </a:r>
             <a:r>
-              <a:rPr lang="en-US" dirty="0" err="1"/>
+              <a:rPr lang="en-US" sz="2000" dirty="0" err="1"/>
               <a:t>nmaa</a:t>
             </a:r>
-            <a:endParaRPr lang="en-US" dirty="0"/>
+            <a:endParaRPr lang="en-US" sz="2000" dirty="0"/>
           </a:p>
           <a:p>
             <a:pPr>
@@ -27806,7 +30701,7 @@
               <a:buChar char="-"/>
             </a:pPr>
             <a:r>
-              <a:rPr lang="en-US" dirty="0"/>
+              <a:rPr lang="en-US" sz="2000" dirty="0"/>
               <a:t> Get master cluster status: [GET] /cluster/status</a:t>
             </a:r>
           </a:p>
@@ -27816,44 +30711,44 @@
               <a:buChar char="-"/>
             </a:pPr>
             <a:r>
-              <a:rPr lang="en-US" dirty="0"/>
+              <a:rPr lang="en-US" sz="2000" dirty="0"/>
               <a:t> Get master cluster health: [GET] /cluster/</a:t>
             </a:r>
             <a:r>
-              <a:rPr lang="en-US" dirty="0" err="1"/>
+              <a:rPr lang="en-US" sz="2000" dirty="0" err="1"/>
               <a:t>healthz</a:t>
             </a:r>
-            <a:endParaRPr lang="en-US" dirty="0"/>
+            <a:endParaRPr lang="en-US" sz="2000" dirty="0"/>
           </a:p>
           <a:p>
             <a:pPr marL="0" indent="0">
               <a:buNone/>
             </a:pPr>
             <a:r>
-              <a:rPr lang="en-US" dirty="0"/>
+              <a:rPr lang="en-US" sz="2000" dirty="0"/>
               <a:t>- Assign a file key: [POST] /</a:t>
             </a:r>
             <a:r>
-              <a:rPr lang="en-US" dirty="0" err="1"/>
+              <a:rPr lang="en-US" sz="2000" dirty="0" err="1"/>
               <a:t>dir</a:t>
             </a:r>
             <a:r>
-              <a:rPr lang="en-US" dirty="0"/>
+              <a:rPr lang="en-US" sz="2000" dirty="0"/>
               <a:t>/</a:t>
             </a:r>
             <a:r>
-              <a:rPr lang="en-US" dirty="0" err="1"/>
+              <a:rPr lang="en-US" sz="2000" dirty="0" err="1"/>
               <a:t>assign?collection</a:t>
             </a:r>
             <a:r>
-              <a:rPr lang="en-US" dirty="0"/>
+              <a:rPr lang="en-US" sz="2000" dirty="0"/>
               <a:t>=</a:t>
             </a:r>
             <a:r>
-              <a:rPr lang="en-US" dirty="0" err="1"/>
+              <a:rPr lang="en-US" sz="2000" dirty="0" err="1"/>
               <a:t>nmaa</a:t>
             </a:r>
-            <a:endParaRPr lang="en-US" dirty="0"/>
+            <a:endParaRPr lang="en-US" sz="2000" dirty="0"/>
           </a:p>
           <a:p>
             <a:pPr>
@@ -27861,23 +30756,23 @@
               <a:buChar char="-"/>
             </a:pPr>
             <a:r>
-              <a:rPr lang="en-US" dirty="0"/>
+              <a:rPr lang="en-US" sz="2000" dirty="0"/>
               <a:t> Get volume: [GET] /</a:t>
             </a:r>
             <a:r>
-              <a:rPr lang="en-US" dirty="0" err="1"/>
+              <a:rPr lang="en-US" sz="2000" dirty="0" err="1"/>
               <a:t>dir</a:t>
             </a:r>
             <a:r>
-              <a:rPr lang="en-US" dirty="0"/>
+              <a:rPr lang="en-US" sz="2000" dirty="0"/>
               <a:t>/</a:t>
             </a:r>
             <a:r>
-              <a:rPr lang="en-US" dirty="0" err="1"/>
+              <a:rPr lang="en-US" sz="2000" dirty="0" err="1"/>
               <a:t>lookup?volumeId</a:t>
             </a:r>
             <a:r>
-              <a:rPr lang="en-US" dirty="0"/>
+              <a:rPr lang="en-US" sz="2000" dirty="0"/>
               <a:t>=32</a:t>
             </a:r>
           </a:p>
@@ -27887,15 +30782,15 @@
               <a:buChar char="-"/>
             </a:pPr>
             <a:r>
-              <a:rPr lang="en-US" dirty="0"/>
+              <a:rPr lang="en-US" sz="2000" dirty="0"/>
               <a:t> Get writable volume status: [GET] /</a:t>
             </a:r>
             <a:r>
-              <a:rPr lang="en-US" dirty="0" err="1"/>
+              <a:rPr lang="en-US" sz="2000" dirty="0" err="1"/>
               <a:t>dir</a:t>
             </a:r>
             <a:r>
-              <a:rPr lang="en-US" dirty="0"/>
+              <a:rPr lang="en-US" sz="2000" dirty="0"/>
               <a:t>/status</a:t>
             </a:r>
           </a:p>
@@ -27905,7 +30800,7 @@
               <a:buChar char="-"/>
             </a:pPr>
             <a:r>
-              <a:rPr lang="en-US" dirty="0"/>
+              <a:rPr lang="en-US" sz="2000" dirty="0"/>
               <a:t> Get volume status [GET] /vol/status</a:t>
             </a:r>
           </a:p>
@@ -27953,7 +30848,7 @@
 </p:sld>
 </file>
 
-<file path=ppt/slides/slide6.xml><?xml version="1.0" encoding="utf-8"?>
+<file path=ppt/slides/slide7.xml><?xml version="1.0" encoding="utf-8"?>
 <p:sld xmlns:a="http://schemas.openxmlformats.org/drawingml/2006/main" xmlns:r="http://schemas.openxmlformats.org/officeDocument/2006/relationships" xmlns:p="http://schemas.openxmlformats.org/presentationml/2006/main">
   <p:cSld>
     <p:spTree>
@@ -27993,7 +30888,7 @@
           <a:p>
             <a:r>
               <a:rPr lang="en-US" dirty="0"/>
-              <a:t>3. Volume server – Object storage</a:t>
+              <a:t>4. Volume server</a:t>
             </a:r>
           </a:p>
         </p:txBody>
@@ -28334,7 +31229,7 @@
 </p:sld>
 </file>
 
-<file path=ppt/slides/slide7.xml><?xml version="1.0" encoding="utf-8"?>
+<file path=ppt/slides/slide8.xml><?xml version="1.0" encoding="utf-8"?>
 <p:sld xmlns:a="http://schemas.openxmlformats.org/drawingml/2006/main" xmlns:r="http://schemas.openxmlformats.org/officeDocument/2006/relationships" xmlns:p="http://schemas.openxmlformats.org/presentationml/2006/main">
   <p:cSld>
     <p:spTree>
@@ -28374,7 +31269,7 @@
           <a:p>
             <a:r>
               <a:rPr lang="en-US" dirty="0"/>
-              <a:t>3. Volume server – Object storage</a:t>
+              <a:t>4. Volume server</a:t>
             </a:r>
           </a:p>
         </p:txBody>
@@ -29230,7 +32125,7 @@
 </p:sld>
 </file>
 
-<file path=ppt/slides/slide8.xml><?xml version="1.0" encoding="utf-8"?>
+<file path=ppt/slides/slide9.xml><?xml version="1.0" encoding="utf-8"?>
 <p:sld xmlns:a="http://schemas.openxmlformats.org/drawingml/2006/main" xmlns:r="http://schemas.openxmlformats.org/officeDocument/2006/relationships" xmlns:p="http://schemas.openxmlformats.org/presentationml/2006/main">
   <p:cSld>
     <p:spTree>
@@ -29270,7 +32165,7 @@
           <a:p>
             <a:r>
               <a:rPr lang="en-US" dirty="0"/>
-              <a:t>3. Volume server – Object storage</a:t>
+              <a:t>4. Volume server</a:t>
             </a:r>
           </a:p>
         </p:txBody>
@@ -29390,620 +32285,6 @@
     <p:extLst>
       <p:ext uri="{BB962C8B-B14F-4D97-AF65-F5344CB8AC3E}">
         <p14:creationId xmlns:p14="http://schemas.microsoft.com/office/powerpoint/2010/main" val="24250843"/>
-      </p:ext>
-    </p:extLst>
-  </p:cSld>
-  <p:clrMapOvr>
-    <a:masterClrMapping/>
-  </p:clrMapOvr>
-</p:sld>
-</file>
-
-<file path=ppt/slides/slide9.xml><?xml version="1.0" encoding="utf-8"?>
-<p:sld xmlns:a="http://schemas.openxmlformats.org/drawingml/2006/main" xmlns:r="http://schemas.openxmlformats.org/officeDocument/2006/relationships" xmlns:p="http://schemas.openxmlformats.org/presentationml/2006/main">
-  <p:cSld>
-    <p:bg>
-      <p:bgPr>
-        <a:solidFill>
-          <a:schemeClr val="bg1"/>
-        </a:solidFill>
-        <a:effectLst/>
-      </p:bgPr>
-    </p:bg>
-    <p:spTree>
-      <p:nvGrpSpPr>
-        <p:cNvPr id="1" name=""/>
-        <p:cNvGrpSpPr/>
-        <p:nvPr/>
-      </p:nvGrpSpPr>
-      <p:grpSpPr>
-        <a:xfrm>
-          <a:off x="0" y="0"/>
-          <a:ext cx="0" cy="0"/>
-          <a:chOff x="0" y="0"/>
-          <a:chExt cx="0" cy="0"/>
-        </a:xfrm>
-      </p:grpSpPr>
-      <p:sp>
-        <p:nvSpPr>
-          <p:cNvPr id="2" name="Title 1">
-            <a:extLst>
-              <a:ext uri="{FF2B5EF4-FFF2-40B4-BE49-F238E27FC236}">
-                <a16:creationId xmlns:a16="http://schemas.microsoft.com/office/drawing/2014/main" id="{1743B7B7-3D24-90A2-3C58-A65F9D64BCA3}"/>
-              </a:ext>
-            </a:extLst>
-          </p:cNvPr>
-          <p:cNvSpPr>
-            <a:spLocks noGrp="1"/>
-          </p:cNvSpPr>
-          <p:nvPr>
-            <p:ph type="title"/>
-          </p:nvPr>
-        </p:nvSpPr>
-        <p:spPr/>
-        <p:txBody>
-          <a:bodyPr/>
-          <a:lstStyle/>
-          <a:p>
-            <a:r>
-              <a:rPr lang="en-US" dirty="0"/>
-              <a:t>3. Volume server – Object storage</a:t>
-            </a:r>
-          </a:p>
-        </p:txBody>
-      </p:sp>
-      <p:sp>
-        <p:nvSpPr>
-          <p:cNvPr id="14" name="Content Placeholder 13">
-            <a:extLst>
-              <a:ext uri="{FF2B5EF4-FFF2-40B4-BE49-F238E27FC236}">
-                <a16:creationId xmlns:a16="http://schemas.microsoft.com/office/drawing/2014/main" id="{F9DD3D4C-48F7-1F80-AC94-B6BABD4E0051}"/>
-              </a:ext>
-            </a:extLst>
-          </p:cNvPr>
-          <p:cNvSpPr>
-            <a:spLocks noGrp="1"/>
-          </p:cNvSpPr>
-          <p:nvPr>
-            <p:ph idx="1"/>
-          </p:nvPr>
-        </p:nvSpPr>
-        <p:spPr>
-          <a:xfrm>
-            <a:off x="1024127" y="2084832"/>
-            <a:ext cx="10843821" cy="4353402"/>
-          </a:xfrm>
-        </p:spPr>
-        <p:txBody>
-          <a:bodyPr/>
-          <a:lstStyle/>
-          <a:p>
-            <a:r>
-              <a:rPr lang="en-US" dirty="0"/>
-              <a:t>- </a:t>
-            </a:r>
-            <a:r>
-              <a:rPr lang="en-US" dirty="0" err="1"/>
-              <a:t>Các</a:t>
-            </a:r>
-            <a:r>
-              <a:rPr lang="en-US" dirty="0"/>
-              <a:t> file </a:t>
-            </a:r>
-            <a:r>
-              <a:rPr lang="en-US" dirty="0" err="1"/>
-              <a:t>được</a:t>
-            </a:r>
-            <a:r>
-              <a:rPr lang="en-US" dirty="0"/>
-              <a:t> </a:t>
-            </a:r>
-            <a:r>
-              <a:rPr lang="en-US" dirty="0" err="1"/>
-              <a:t>tách</a:t>
-            </a:r>
-            <a:r>
-              <a:rPr lang="en-US" dirty="0"/>
-              <a:t> </a:t>
-            </a:r>
-            <a:r>
-              <a:rPr lang="en-US" dirty="0" err="1"/>
-              <a:t>nhỏ</a:t>
-            </a:r>
-            <a:r>
-              <a:rPr lang="en-US" dirty="0"/>
-              <a:t> </a:t>
-            </a:r>
-            <a:r>
-              <a:rPr lang="en-US" dirty="0" err="1"/>
-              <a:t>ra</a:t>
-            </a:r>
-            <a:r>
-              <a:rPr lang="en-US" dirty="0"/>
-              <a:t> </a:t>
-            </a:r>
-            <a:r>
-              <a:rPr lang="en-US" dirty="0" err="1"/>
-              <a:t>thành</a:t>
-            </a:r>
-            <a:r>
-              <a:rPr lang="en-US" dirty="0"/>
-              <a:t> </a:t>
-            </a:r>
-            <a:r>
-              <a:rPr lang="en-US" dirty="0" err="1"/>
-              <a:t>các</a:t>
-            </a:r>
-            <a:r>
-              <a:rPr lang="en-US" dirty="0"/>
-              <a:t> chunks, chunk size </a:t>
-            </a:r>
-            <a:r>
-              <a:rPr lang="en-US" dirty="0" err="1"/>
-              <a:t>phụ</a:t>
-            </a:r>
-            <a:r>
-              <a:rPr lang="en-US" dirty="0"/>
-              <a:t> </a:t>
-            </a:r>
-            <a:r>
-              <a:rPr lang="en-US" dirty="0" err="1"/>
-              <a:t>thuộc</a:t>
-            </a:r>
-            <a:r>
-              <a:rPr lang="en-US" dirty="0"/>
-              <a:t> </a:t>
-            </a:r>
-            <a:r>
-              <a:rPr lang="en-US" dirty="0" err="1"/>
-              <a:t>vào</a:t>
-            </a:r>
-            <a:r>
-              <a:rPr lang="en-US" dirty="0"/>
-              <a:t> </a:t>
-            </a:r>
-            <a:r>
-              <a:rPr lang="en-US" dirty="0" err="1"/>
-              <a:t>phần</a:t>
-            </a:r>
-            <a:r>
-              <a:rPr lang="en-US" dirty="0"/>
-              <a:t> </a:t>
-            </a:r>
-            <a:r>
-              <a:rPr lang="en-US" dirty="0" err="1"/>
-              <a:t>cứng</a:t>
-            </a:r>
-            <a:r>
-              <a:rPr lang="en-US" dirty="0"/>
-              <a:t>, </a:t>
-            </a:r>
-            <a:r>
-              <a:rPr lang="en-US" dirty="0" err="1"/>
-              <a:t>thường</a:t>
-            </a:r>
-            <a:r>
-              <a:rPr lang="en-US" dirty="0"/>
-              <a:t> </a:t>
-            </a:r>
-            <a:r>
-              <a:rPr lang="en-US" dirty="0" err="1"/>
-              <a:t>từ</a:t>
-            </a:r>
-            <a:r>
-              <a:rPr lang="en-US" dirty="0"/>
-              <a:t> 1MB ~ 10MB</a:t>
-            </a:r>
-          </a:p>
-          <a:p>
-            <a:r>
-              <a:rPr lang="en-US" dirty="0"/>
-              <a:t>- </a:t>
-            </a:r>
-            <a:r>
-              <a:rPr lang="en-US" dirty="0" err="1"/>
-              <a:t>Mỗi</a:t>
-            </a:r>
-            <a:r>
-              <a:rPr lang="en-US" dirty="0"/>
-              <a:t> chunk </a:t>
-            </a:r>
-            <a:r>
-              <a:rPr lang="en-US" dirty="0" err="1"/>
-              <a:t>có</a:t>
-            </a:r>
-            <a:r>
-              <a:rPr lang="en-US" dirty="0"/>
-              <a:t> </a:t>
-            </a:r>
-            <a:r>
-              <a:rPr lang="en-US" dirty="0" err="1"/>
-              <a:t>một</a:t>
-            </a:r>
-            <a:r>
-              <a:rPr lang="en-US" dirty="0"/>
-              <a:t> fid </a:t>
-            </a:r>
-            <a:r>
-              <a:rPr lang="en-US" dirty="0" err="1"/>
-              <a:t>tương</a:t>
-            </a:r>
-            <a:r>
-              <a:rPr lang="en-US" dirty="0"/>
-              <a:t> </a:t>
-            </a:r>
-            <a:r>
-              <a:rPr lang="en-US" dirty="0" err="1"/>
-              <a:t>ứng</a:t>
-            </a:r>
-            <a:r>
-              <a:rPr lang="en-US" dirty="0"/>
-              <a:t> </a:t>
-            </a:r>
-            <a:r>
-              <a:rPr lang="en-US" dirty="0" err="1"/>
-              <a:t>và</a:t>
-            </a:r>
-            <a:r>
-              <a:rPr lang="en-US" dirty="0"/>
-              <a:t> </a:t>
-            </a:r>
-            <a:r>
-              <a:rPr lang="en-US" dirty="0" err="1"/>
-              <a:t>một</a:t>
-            </a:r>
-            <a:r>
-              <a:rPr lang="en-US" dirty="0"/>
-              <a:t> </a:t>
-            </a:r>
-            <a:r>
-              <a:rPr lang="en-US" dirty="0" err="1"/>
-              <a:t>vài</a:t>
-            </a:r>
-            <a:r>
-              <a:rPr lang="en-US" dirty="0"/>
-              <a:t> metadata </a:t>
-            </a:r>
-            <a:r>
-              <a:rPr lang="en-US" dirty="0" err="1"/>
-              <a:t>khác</a:t>
-            </a:r>
-            <a:r>
-              <a:rPr lang="en-US" dirty="0"/>
-              <a:t>, </a:t>
-            </a:r>
-            <a:r>
-              <a:rPr lang="en-US" dirty="0" err="1"/>
-              <a:t>mỗi</a:t>
-            </a:r>
-            <a:r>
-              <a:rPr lang="en-US" dirty="0"/>
-              <a:t> chunk </a:t>
-            </a:r>
-            <a:r>
-              <a:rPr lang="en-US" dirty="0" err="1"/>
-              <a:t>nằm</a:t>
-            </a:r>
-            <a:r>
-              <a:rPr lang="en-US" dirty="0"/>
-              <a:t> </a:t>
-            </a:r>
-            <a:r>
-              <a:rPr lang="en-US" dirty="0" err="1"/>
-              <a:t>trong</a:t>
-            </a:r>
-            <a:r>
-              <a:rPr lang="en-US" dirty="0"/>
-              <a:t> </a:t>
-            </a:r>
-            <a:r>
-              <a:rPr lang="en-US" dirty="0" err="1"/>
-              <a:t>một</a:t>
-            </a:r>
-            <a:r>
-              <a:rPr lang="en-US" dirty="0"/>
-              <a:t> volume.</a:t>
-            </a:r>
-          </a:p>
-          <a:p>
-            <a:r>
-              <a:rPr lang="en-US" dirty="0"/>
-              <a:t>- File </a:t>
-            </a:r>
-            <a:r>
-              <a:rPr lang="en-US" dirty="0" err="1"/>
-              <a:t>nhỏ</a:t>
-            </a:r>
-            <a:r>
-              <a:rPr lang="en-US" dirty="0"/>
-              <a:t> </a:t>
-            </a:r>
-            <a:r>
-              <a:rPr lang="en-US" dirty="0" err="1"/>
-              <a:t>là</a:t>
-            </a:r>
-            <a:r>
-              <a:rPr lang="en-US" dirty="0"/>
-              <a:t> file </a:t>
-            </a:r>
-            <a:r>
-              <a:rPr lang="en-US" dirty="0" err="1"/>
-              <a:t>chỉ</a:t>
-            </a:r>
-            <a:r>
-              <a:rPr lang="en-US" dirty="0"/>
-              <a:t> </a:t>
-            </a:r>
-            <a:r>
-              <a:rPr lang="en-US" dirty="0" err="1"/>
-              <a:t>cần</a:t>
-            </a:r>
-            <a:r>
-              <a:rPr lang="en-US" dirty="0"/>
-              <a:t> </a:t>
-            </a:r>
-            <a:r>
-              <a:rPr lang="en-US" dirty="0" err="1"/>
-              <a:t>lưu</a:t>
-            </a:r>
-            <a:r>
-              <a:rPr lang="en-US" dirty="0"/>
-              <a:t> </a:t>
-            </a:r>
-            <a:r>
-              <a:rPr lang="en-US" dirty="0" err="1"/>
-              <a:t>bằng</a:t>
-            </a:r>
-            <a:r>
-              <a:rPr lang="en-US" dirty="0"/>
-              <a:t> 1 chunk </a:t>
-            </a:r>
-          </a:p>
-          <a:p>
-            <a:r>
-              <a:rPr lang="en-US" dirty="0"/>
-              <a:t>- </a:t>
-            </a:r>
-            <a:r>
-              <a:rPr lang="en-US" dirty="0" err="1"/>
-              <a:t>Với</a:t>
-            </a:r>
-            <a:r>
-              <a:rPr lang="en-US" dirty="0"/>
-              <a:t> </a:t>
-            </a:r>
-            <a:r>
-              <a:rPr lang="en-US" dirty="0" err="1"/>
-              <a:t>những</a:t>
-            </a:r>
-            <a:r>
-              <a:rPr lang="en-US" dirty="0"/>
-              <a:t> file to </a:t>
-            </a:r>
-            <a:r>
-              <a:rPr lang="en-US" dirty="0" err="1"/>
-              <a:t>hơn</a:t>
-            </a:r>
-            <a:r>
-              <a:rPr lang="en-US" dirty="0"/>
-              <a:t>, </a:t>
-            </a:r>
-            <a:r>
-              <a:rPr lang="en-US" dirty="0" err="1"/>
-              <a:t>lưu</a:t>
-            </a:r>
-            <a:r>
-              <a:rPr lang="en-US" dirty="0"/>
-              <a:t> </a:t>
-            </a:r>
-            <a:r>
-              <a:rPr lang="en-US" dirty="0" err="1"/>
-              <a:t>thành</a:t>
-            </a:r>
-            <a:r>
-              <a:rPr lang="en-US" dirty="0"/>
-              <a:t> </a:t>
-            </a:r>
-            <a:r>
-              <a:rPr lang="en-US" dirty="0" err="1"/>
-              <a:t>nhiều</a:t>
-            </a:r>
-            <a:r>
-              <a:rPr lang="en-US" dirty="0"/>
-              <a:t> chunks, </a:t>
-            </a:r>
-          </a:p>
-          <a:p>
-            <a:r>
-              <a:rPr lang="en-US" dirty="0" err="1"/>
-              <a:t>nếu</a:t>
-            </a:r>
-            <a:r>
-              <a:rPr lang="en-US" dirty="0"/>
-              <a:t> </a:t>
-            </a:r>
-            <a:r>
-              <a:rPr lang="en-US" dirty="0" err="1"/>
-              <a:t>sửa</a:t>
-            </a:r>
-            <a:r>
-              <a:rPr lang="en-US" dirty="0"/>
-              <a:t> </a:t>
-            </a:r>
-            <a:r>
-              <a:rPr lang="en-US" dirty="0" err="1"/>
-              <a:t>xóa</a:t>
-            </a:r>
-            <a:r>
-              <a:rPr lang="en-US" dirty="0"/>
-              <a:t> </a:t>
-            </a:r>
-            <a:r>
-              <a:rPr lang="en-US" dirty="0" err="1"/>
-              <a:t>bằng</a:t>
-            </a:r>
-            <a:r>
-              <a:rPr lang="en-US" dirty="0"/>
-              <a:t> fid, file </a:t>
-            </a:r>
-            <a:r>
-              <a:rPr lang="en-US" dirty="0" err="1"/>
-              <a:t>sẽ</a:t>
-            </a:r>
-            <a:r>
-              <a:rPr lang="en-US" dirty="0"/>
-              <a:t> </a:t>
-            </a:r>
-            <a:r>
-              <a:rPr lang="en-US" dirty="0" err="1"/>
-              <a:t>bị</a:t>
-            </a:r>
-            <a:r>
-              <a:rPr lang="en-US" dirty="0"/>
-              <a:t> </a:t>
-            </a:r>
-            <a:r>
-              <a:rPr lang="en-US" dirty="0" err="1"/>
-              <a:t>lỗi</a:t>
-            </a:r>
-            <a:r>
-              <a:rPr lang="en-US" dirty="0"/>
-              <a:t>.</a:t>
-            </a:r>
-          </a:p>
-          <a:p>
-            <a:r>
-              <a:rPr lang="en-US" dirty="0"/>
-              <a:t>- </a:t>
-            </a:r>
-            <a:r>
-              <a:rPr lang="en-US" dirty="0" err="1"/>
-              <a:t>Có</a:t>
-            </a:r>
-            <a:r>
-              <a:rPr lang="en-US" dirty="0"/>
-              <a:t> </a:t>
-            </a:r>
-            <a:r>
-              <a:rPr lang="en-US" dirty="0" err="1"/>
-              <a:t>thể</a:t>
-            </a:r>
-            <a:r>
-              <a:rPr lang="en-US" dirty="0"/>
-              <a:t> </a:t>
-            </a:r>
-            <a:r>
-              <a:rPr lang="en-US" dirty="0" err="1"/>
-              <a:t>xem</a:t>
-            </a:r>
-            <a:r>
-              <a:rPr lang="en-US" dirty="0"/>
-              <a:t> </a:t>
-            </a:r>
-            <a:r>
-              <a:rPr lang="en-US" dirty="0" err="1"/>
-              <a:t>được</a:t>
-            </a:r>
-            <a:r>
-              <a:rPr lang="en-US" dirty="0"/>
-              <a:t> 1 file </a:t>
-            </a:r>
-            <a:r>
-              <a:rPr lang="en-US" dirty="0" err="1"/>
-              <a:t>gồm</a:t>
-            </a:r>
-            <a:r>
-              <a:rPr lang="en-US" dirty="0"/>
-              <a:t> </a:t>
-            </a:r>
-            <a:r>
-              <a:rPr lang="en-US" dirty="0" err="1"/>
-              <a:t>những</a:t>
-            </a:r>
-            <a:r>
-              <a:rPr lang="en-US" dirty="0"/>
-              <a:t> chunk </a:t>
-            </a:r>
-            <a:r>
-              <a:rPr lang="en-US" dirty="0" err="1"/>
-              <a:t>nào</a:t>
-            </a:r>
-            <a:endParaRPr lang="en-US" dirty="0"/>
-          </a:p>
-          <a:p>
-            <a:r>
-              <a:rPr lang="en-US" dirty="0"/>
-              <a:t> </a:t>
-            </a:r>
-            <a:r>
-              <a:rPr lang="en-US" dirty="0" err="1"/>
-              <a:t>bằng</a:t>
-            </a:r>
-            <a:r>
-              <a:rPr lang="en-US" dirty="0"/>
-              <a:t> </a:t>
-            </a:r>
-            <a:r>
-              <a:rPr lang="en-US" dirty="0" err="1"/>
-              <a:t>cách</a:t>
-            </a:r>
-            <a:r>
-              <a:rPr lang="en-US" dirty="0"/>
-              <a:t> call </a:t>
-            </a:r>
-            <a:r>
-              <a:rPr lang="en-US" dirty="0" err="1"/>
-              <a:t>api</a:t>
-            </a:r>
-            <a:r>
-              <a:rPr lang="en-US" dirty="0"/>
-              <a:t> </a:t>
-            </a:r>
-            <a:r>
-              <a:rPr lang="en-US" dirty="0" err="1"/>
-              <a:t>tới</a:t>
-            </a:r>
-            <a:r>
-              <a:rPr lang="en-US" dirty="0"/>
-              <a:t> filer.</a:t>
-            </a:r>
-          </a:p>
-        </p:txBody>
-      </p:sp>
-      <p:pic>
-        <p:nvPicPr>
-          <p:cNvPr id="9" name="Picture 8">
-            <a:extLst>
-              <a:ext uri="{FF2B5EF4-FFF2-40B4-BE49-F238E27FC236}">
-                <a16:creationId xmlns:a16="http://schemas.microsoft.com/office/drawing/2014/main" id="{4630B250-4DC1-A79A-B68E-4BB138E5B877}"/>
-              </a:ext>
-            </a:extLst>
-          </p:cNvPr>
-          <p:cNvPicPr>
-            <a:picLocks noChangeAspect="1"/>
-          </p:cNvPicPr>
-          <p:nvPr/>
-        </p:nvPicPr>
-        <p:blipFill>
-          <a:blip r:embed="rId3"/>
-          <a:stretch>
-            <a:fillRect/>
-          </a:stretch>
-        </p:blipFill>
-        <p:spPr>
-          <a:xfrm>
-            <a:off x="6906879" y="3265371"/>
-            <a:ext cx="4961069" cy="3435510"/>
-          </a:xfrm>
-          <a:prstGeom prst="rect">
-            <a:avLst/>
-          </a:prstGeom>
-        </p:spPr>
-      </p:pic>
-    </p:spTree>
-    <p:extLst>
-      <p:ext uri="{BB962C8B-B14F-4D97-AF65-F5344CB8AC3E}">
-        <p14:creationId xmlns:p14="http://schemas.microsoft.com/office/powerpoint/2010/main" val="2135674224"/>
       </p:ext>
     </p:extLst>
   </p:cSld>

--- a/SeaweedFS_2.pptx
+++ b/SeaweedFS_2.pptx
@@ -254,7 +254,7 @@
           <a:p>
             <a:fld id="{F4EA02E5-E721-49EC-8C9E-831D4F1F80C1}" type="datetimeFigureOut">
               <a:rPr lang="en-US" smtClean="0"/>
-              <a:t>5/23/2025</a:t>
+              <a:t>6/2/2025</a:t>
             </a:fld>
             <a:endParaRPr lang="en-US"/>
           </a:p>
@@ -673,6 +673,90 @@
           <a:p>
             <a:fld id="{1D0B6432-5F7B-49C7-89E7-0B8C7DC3AE06}" type="slidenum">
               <a:rPr lang="en-US" smtClean="0"/>
+              <a:t>16</a:t>
+            </a:fld>
+            <a:endParaRPr lang="en-US"/>
+          </a:p>
+        </p:txBody>
+      </p:sp>
+    </p:spTree>
+    <p:extLst>
+      <p:ext uri="{BB962C8B-B14F-4D97-AF65-F5344CB8AC3E}">
+        <p14:creationId xmlns:p14="http://schemas.microsoft.com/office/powerpoint/2010/main" val="4038677770"/>
+      </p:ext>
+    </p:extLst>
+  </p:cSld>
+  <p:clrMapOvr>
+    <a:masterClrMapping/>
+  </p:clrMapOvr>
+</p:notes>
+</file>
+
+<file path=ppt/notesSlides/notesSlide11.xml><?xml version="1.0" encoding="utf-8"?>
+<p:notes xmlns:a="http://schemas.openxmlformats.org/drawingml/2006/main" xmlns:r="http://schemas.openxmlformats.org/officeDocument/2006/relationships" xmlns:p="http://schemas.openxmlformats.org/presentationml/2006/main">
+  <p:cSld>
+    <p:spTree>
+      <p:nvGrpSpPr>
+        <p:cNvPr id="1" name=""/>
+        <p:cNvGrpSpPr/>
+        <p:nvPr/>
+      </p:nvGrpSpPr>
+      <p:grpSpPr>
+        <a:xfrm>
+          <a:off x="0" y="0"/>
+          <a:ext cx="0" cy="0"/>
+          <a:chOff x="0" y="0"/>
+          <a:chExt cx="0" cy="0"/>
+        </a:xfrm>
+      </p:grpSpPr>
+      <p:sp>
+        <p:nvSpPr>
+          <p:cNvPr id="2" name="Slide Image Placeholder 1"/>
+          <p:cNvSpPr>
+            <a:spLocks noGrp="1" noRot="1" noChangeAspect="1"/>
+          </p:cNvSpPr>
+          <p:nvPr>
+            <p:ph type="sldImg"/>
+          </p:nvPr>
+        </p:nvSpPr>
+        <p:spPr/>
+      </p:sp>
+      <p:sp>
+        <p:nvSpPr>
+          <p:cNvPr id="3" name="Notes Placeholder 2"/>
+          <p:cNvSpPr>
+            <a:spLocks noGrp="1"/>
+          </p:cNvSpPr>
+          <p:nvPr>
+            <p:ph type="body" idx="1"/>
+          </p:nvPr>
+        </p:nvSpPr>
+        <p:spPr/>
+        <p:txBody>
+          <a:bodyPr/>
+          <a:lstStyle/>
+          <a:p>
+            <a:endParaRPr lang="en-US" dirty="0"/>
+          </a:p>
+        </p:txBody>
+      </p:sp>
+      <p:sp>
+        <p:nvSpPr>
+          <p:cNvPr id="4" name="Slide Number Placeholder 3"/>
+          <p:cNvSpPr>
+            <a:spLocks noGrp="1"/>
+          </p:cNvSpPr>
+          <p:nvPr>
+            <p:ph type="sldNum" sz="quarter" idx="5"/>
+          </p:nvPr>
+        </p:nvSpPr>
+        <p:spPr/>
+        <p:txBody>
+          <a:bodyPr/>
+          <a:lstStyle/>
+          <a:p>
+            <a:fld id="{1D0B6432-5F7B-49C7-89E7-0B8C7DC3AE06}" type="slidenum">
+              <a:rPr lang="en-US" smtClean="0"/>
               <a:t>17</a:t>
             </a:fld>
             <a:endParaRPr lang="en-US"/>
@@ -692,7 +776,7 @@
 </p:notes>
 </file>
 
-<file path=ppt/notesSlides/notesSlide11.xml><?xml version="1.0" encoding="utf-8"?>
+<file path=ppt/notesSlides/notesSlide12.xml><?xml version="1.0" encoding="utf-8"?>
 <p:notes xmlns:a="http://schemas.openxmlformats.org/drawingml/2006/main" xmlns:r="http://schemas.openxmlformats.org/officeDocument/2006/relationships" xmlns:p="http://schemas.openxmlformats.org/presentationml/2006/main">
   <p:cSld>
     <p:spTree>
@@ -776,7 +860,7 @@
 </p:notes>
 </file>
 
-<file path=ppt/notesSlides/notesSlide12.xml><?xml version="1.0" encoding="utf-8"?>
+<file path=ppt/notesSlides/notesSlide13.xml><?xml version="1.0" encoding="utf-8"?>
 <p:notes xmlns:a="http://schemas.openxmlformats.org/drawingml/2006/main" xmlns:r="http://schemas.openxmlformats.org/officeDocument/2006/relationships" xmlns:p="http://schemas.openxmlformats.org/presentationml/2006/main">
   <p:cSld>
     <p:spTree>
@@ -893,7 +977,7 @@
 </p:notes>
 </file>
 
-<file path=ppt/notesSlides/notesSlide13.xml><?xml version="1.0" encoding="utf-8"?>
+<file path=ppt/notesSlides/notesSlide14.xml><?xml version="1.0" encoding="utf-8"?>
 <p:notes xmlns:a="http://schemas.openxmlformats.org/drawingml/2006/main" xmlns:r="http://schemas.openxmlformats.org/officeDocument/2006/relationships" xmlns:p="http://schemas.openxmlformats.org/presentationml/2006/main">
   <p:cSld>
     <p:spTree>
@@ -10472,7 +10556,7 @@
           <a:p>
             <a:fld id="{E20551D8-BC34-4A3A-9222-8DAA018FDB8F}" type="datetimeFigureOut">
               <a:rPr lang="en-US" smtClean="0"/>
-              <a:t>5/23/2025</a:t>
+              <a:t>6/2/2025</a:t>
             </a:fld>
             <a:endParaRPr lang="en-US"/>
           </a:p>
@@ -10679,7 +10763,7 @@
           <a:p>
             <a:fld id="{E20551D8-BC34-4A3A-9222-8DAA018FDB8F}" type="datetimeFigureOut">
               <a:rPr lang="en-US" smtClean="0"/>
-              <a:t>5/23/2025</a:t>
+              <a:t>6/2/2025</a:t>
             </a:fld>
             <a:endParaRPr lang="en-US"/>
           </a:p>
@@ -10859,7 +10943,7 @@
           <a:p>
             <a:fld id="{E20551D8-BC34-4A3A-9222-8DAA018FDB8F}" type="datetimeFigureOut">
               <a:rPr lang="en-US" smtClean="0"/>
-              <a:t>5/23/2025</a:t>
+              <a:t>6/2/2025</a:t>
             </a:fld>
             <a:endParaRPr lang="en-US"/>
           </a:p>
@@ -11064,7 +11148,7 @@
           <a:p>
             <a:fld id="{E20551D8-BC34-4A3A-9222-8DAA018FDB8F}" type="datetimeFigureOut">
               <a:rPr lang="en-US" smtClean="0"/>
-              <a:t>5/23/2025</a:t>
+              <a:t>6/2/2025</a:t>
             </a:fld>
             <a:endParaRPr lang="en-US"/>
           </a:p>
@@ -19962,7 +20046,7 @@
           <a:p>
             <a:fld id="{E20551D8-BC34-4A3A-9222-8DAA018FDB8F}" type="datetimeFigureOut">
               <a:rPr lang="en-US" smtClean="0"/>
-              <a:t>5/23/2025</a:t>
+              <a:t>6/2/2025</a:t>
             </a:fld>
             <a:endParaRPr lang="en-US"/>
           </a:p>
@@ -20236,7 +20320,7 @@
           <a:p>
             <a:fld id="{E20551D8-BC34-4A3A-9222-8DAA018FDB8F}" type="datetimeFigureOut">
               <a:rPr lang="en-US" smtClean="0"/>
-              <a:t>5/23/2025</a:t>
+              <a:t>6/2/2025</a:t>
             </a:fld>
             <a:endParaRPr lang="en-US"/>
           </a:p>
@@ -20634,7 +20718,7 @@
           <a:p>
             <a:fld id="{E20551D8-BC34-4A3A-9222-8DAA018FDB8F}" type="datetimeFigureOut">
               <a:rPr lang="en-US" smtClean="0"/>
-              <a:t>5/23/2025</a:t>
+              <a:t>6/2/2025</a:t>
             </a:fld>
             <a:endParaRPr lang="en-US"/>
           </a:p>
@@ -20752,7 +20836,7 @@
           <a:p>
             <a:fld id="{E20551D8-BC34-4A3A-9222-8DAA018FDB8F}" type="datetimeFigureOut">
               <a:rPr lang="en-US" smtClean="0"/>
-              <a:t>5/23/2025</a:t>
+              <a:t>6/2/2025</a:t>
             </a:fld>
             <a:endParaRPr lang="en-US"/>
           </a:p>
@@ -20847,7 +20931,7 @@
           <a:p>
             <a:fld id="{E20551D8-BC34-4A3A-9222-8DAA018FDB8F}" type="datetimeFigureOut">
               <a:rPr lang="en-US" smtClean="0"/>
-              <a:t>5/23/2025</a:t>
+              <a:t>6/2/2025</a:t>
             </a:fld>
             <a:endParaRPr lang="en-US"/>
           </a:p>
@@ -21137,7 +21221,7 @@
           <a:p>
             <a:fld id="{E20551D8-BC34-4A3A-9222-8DAA018FDB8F}" type="datetimeFigureOut">
               <a:rPr lang="en-US" smtClean="0"/>
-              <a:t>5/23/2025</a:t>
+              <a:t>6/2/2025</a:t>
             </a:fld>
             <a:endParaRPr lang="en-US"/>
           </a:p>
@@ -21417,7 +21501,7 @@
           <a:p>
             <a:fld id="{E20551D8-BC34-4A3A-9222-8DAA018FDB8F}" type="datetimeFigureOut">
               <a:rPr lang="en-US" smtClean="0"/>
-              <a:t>5/23/2025</a:t>
+              <a:t>6/2/2025</a:t>
             </a:fld>
             <a:endParaRPr lang="en-US"/>
           </a:p>
@@ -21667,7 +21751,7 @@
           <a:p>
             <a:fld id="{E20551D8-BC34-4A3A-9222-8DAA018FDB8F}" type="datetimeFigureOut">
               <a:rPr lang="en-US" smtClean="0"/>
-              <a:t>5/23/2025</a:t>
+              <a:t>6/2/2025</a:t>
             </a:fld>
             <a:endParaRPr lang="en-US"/>
           </a:p>
@@ -24631,7 +24715,7 @@
           </p:nvPr>
         </p:nvPicPr>
         <p:blipFill>
-          <a:blip r:embed="rId2"/>
+          <a:blip r:embed="rId3"/>
           <a:stretch>
             <a:fillRect/>
           </a:stretch>
@@ -26555,13 +26639,13 @@
         </p:nvSpPr>
         <p:spPr>
           <a:xfrm>
-            <a:off x="1024128" y="1905801"/>
-            <a:ext cx="9852419" cy="4745256"/>
+            <a:off x="866274" y="1905801"/>
+            <a:ext cx="10684042" cy="4822258"/>
           </a:xfrm>
         </p:spPr>
         <p:txBody>
           <a:bodyPr>
-            <a:normAutofit lnSpcReduction="10000"/>
+            <a:normAutofit fontScale="92500" lnSpcReduction="10000"/>
           </a:bodyPr>
           <a:lstStyle/>
           <a:p>
@@ -26799,6 +26883,17 @@
               <a:rPr lang="en-US" dirty="0"/>
               <a:t> backup data)</a:t>
             </a:r>
+          </a:p>
+          <a:p>
+            <a:r>
+              <a:rPr lang="en-US" dirty="0"/>
+              <a:t>- weed </a:t>
+            </a:r>
+            <a:r>
+              <a:rPr lang="en-US" dirty="0" err="1"/>
+              <a:t>filer.backup</a:t>
+            </a:r>
+            <a:endParaRPr lang="en-US" dirty="0"/>
           </a:p>
           <a:p>
             <a:r>
